--- a/BlackJack.pptx
+++ b/BlackJack.pptx
@@ -4,22 +4,24 @@
   <p:sldMasterIdLst>
     <p:sldMasterId id="2147483648" r:id="rId1"/>
   </p:sldMasterIdLst>
+  <p:notesMasterIdLst>
+    <p:notesMasterId r:id="rId16"/>
+  </p:notesMasterIdLst>
   <p:sldIdLst>
     <p:sldId id="256" r:id="rId2"/>
     <p:sldId id="259" r:id="rId3"/>
     <p:sldId id="257" r:id="rId4"/>
     <p:sldId id="260" r:id="rId5"/>
-    <p:sldId id="262" r:id="rId6"/>
-    <p:sldId id="264" r:id="rId7"/>
-    <p:sldId id="263" r:id="rId8"/>
-    <p:sldId id="266" r:id="rId9"/>
+    <p:sldId id="264" r:id="rId6"/>
+    <p:sldId id="263" r:id="rId7"/>
+    <p:sldId id="272" r:id="rId8"/>
+    <p:sldId id="273" r:id="rId9"/>
     <p:sldId id="268" r:id="rId10"/>
-    <p:sldId id="269" r:id="rId11"/>
-    <p:sldId id="270" r:id="rId12"/>
-    <p:sldId id="271" r:id="rId13"/>
-    <p:sldId id="265" r:id="rId14"/>
-    <p:sldId id="267" r:id="rId15"/>
-    <p:sldId id="258" r:id="rId16"/>
+    <p:sldId id="274" r:id="rId11"/>
+    <p:sldId id="271" r:id="rId12"/>
+    <p:sldId id="265" r:id="rId13"/>
+    <p:sldId id="267" r:id="rId14"/>
+    <p:sldId id="258" r:id="rId15"/>
   </p:sldIdLst>
   <p:sldSz cx="12192000" cy="6858000"/>
   <p:notesSz cx="6858000" cy="9144000"/>
@@ -129,7 +131,7 @@
 <file path=ppt/revisionInfo.xml><?xml version="1.0" encoding="utf-8"?>
 <p1510:revInfo xmlns:a="http://schemas.openxmlformats.org/drawingml/2006/main" xmlns:r="http://schemas.openxmlformats.org/officeDocument/2006/relationships" xmlns:p1510="http://schemas.microsoft.com/office/powerpoint/2015/10/main">
   <p1510:revLst>
-    <p1510:client id="{82D9BE44-98BF-4D4B-9EEA-54D12030A601}" v="105" dt="2020-12-06T02:17:56.465"/>
+    <p1510:client id="{82D9BE44-98BF-4D4B-9EEA-54D12030A601}" v="166" dt="2020-12-06T03:02:58.473"/>
   </p1510:revLst>
 </p1510:revInfo>
 </file>
@@ -139,7 +141,7 @@
   <pc:docChgLst>
     <pc:chgData name="Karan" userId="5d18d3345cf05877" providerId="LiveId" clId="{82D9BE44-98BF-4D4B-9EEA-54D12030A601}"/>
     <pc:docChg chg="undo custSel mod addSld delSld modSld sldOrd">
-      <pc:chgData name="Karan" userId="5d18d3345cf05877" providerId="LiveId" clId="{82D9BE44-98BF-4D4B-9EEA-54D12030A601}" dt="2020-12-06T02:17:56.465" v="1053" actId="12100"/>
+      <pc:chgData name="Karan" userId="5d18d3345cf05877" providerId="LiveId" clId="{82D9BE44-98BF-4D4B-9EEA-54D12030A601}" dt="2020-12-06T20:26:08.723" v="1272" actId="26606"/>
       <pc:docMkLst>
         <pc:docMk/>
       </pc:docMkLst>
@@ -213,31 +215,151 @@
           <pc:sldMk cId="3292569455" sldId="257"/>
         </pc:sldMkLst>
       </pc:sldChg>
-      <pc:sldChg chg="modSp add ord">
-        <pc:chgData name="Karan" userId="5d18d3345cf05877" providerId="LiveId" clId="{82D9BE44-98BF-4D4B-9EEA-54D12030A601}" dt="2020-12-05T23:08:54.721" v="723"/>
+      <pc:sldChg chg="addSp delSp modSp add mod ord setBg setClrOvrMap">
+        <pc:chgData name="Karan" userId="5d18d3345cf05877" providerId="LiveId" clId="{82D9BE44-98BF-4D4B-9EEA-54D12030A601}" dt="2020-12-06T02:37:25.513" v="1189" actId="26606"/>
         <pc:sldMkLst>
           <pc:docMk/>
           <pc:sldMk cId="3664876878" sldId="257"/>
         </pc:sldMkLst>
         <pc:spChg chg="mod">
-          <ac:chgData name="Karan" userId="5d18d3345cf05877" providerId="LiveId" clId="{82D9BE44-98BF-4D4B-9EEA-54D12030A601}" dt="2020-12-05T20:23:43.096" v="58" actId="20577"/>
+          <ac:chgData name="Karan" userId="5d18d3345cf05877" providerId="LiveId" clId="{82D9BE44-98BF-4D4B-9EEA-54D12030A601}" dt="2020-12-06T02:35:03.689" v="1173" actId="26606"/>
           <ac:spMkLst>
             <pc:docMk/>
             <pc:sldMk cId="3664876878" sldId="257"/>
             <ac:spMk id="2" creationId="{C2FFAC23-9A9E-4A96-9D10-8D57B73297C5}"/>
           </ac:spMkLst>
         </pc:spChg>
-        <pc:spChg chg="mod">
-          <ac:chgData name="Karan" userId="5d18d3345cf05877" providerId="LiveId" clId="{82D9BE44-98BF-4D4B-9EEA-54D12030A601}" dt="2020-12-05T20:31:22.176" v="275"/>
+        <pc:spChg chg="del mod">
+          <ac:chgData name="Karan" userId="5d18d3345cf05877" providerId="LiveId" clId="{82D9BE44-98BF-4D4B-9EEA-54D12030A601}" dt="2020-12-06T02:35:29.538" v="1179" actId="478"/>
           <ac:spMkLst>
             <pc:docMk/>
             <pc:sldMk cId="3664876878" sldId="257"/>
             <ac:spMk id="3" creationId="{1F19E33C-98EE-43C9-8B27-0A3618382DE2}"/>
           </ac:spMkLst>
         </pc:spChg>
+        <pc:spChg chg="add del mod">
+          <ac:chgData name="Karan" userId="5d18d3345cf05877" providerId="LiveId" clId="{82D9BE44-98BF-4D4B-9EEA-54D12030A601}" dt="2020-12-06T02:35:32.022" v="1180" actId="478"/>
+          <ac:spMkLst>
+            <pc:docMk/>
+            <pc:sldMk cId="3664876878" sldId="257"/>
+            <ac:spMk id="6" creationId="{AA46F9B5-0A8F-4440-B870-3E687A67DBA4}"/>
+          </ac:spMkLst>
+        </pc:spChg>
+        <pc:spChg chg="add del">
+          <ac:chgData name="Karan" userId="5d18d3345cf05877" providerId="LiveId" clId="{82D9BE44-98BF-4D4B-9EEA-54D12030A601}" dt="2020-12-06T02:35:02.896" v="1170" actId="26606"/>
+          <ac:spMkLst>
+            <pc:docMk/>
+            <pc:sldMk cId="3664876878" sldId="257"/>
+            <ac:spMk id="8" creationId="{3B854194-185D-494D-905C-7C7CB2E30F6E}"/>
+          </ac:spMkLst>
+        </pc:spChg>
+        <pc:spChg chg="add del">
+          <ac:chgData name="Karan" userId="5d18d3345cf05877" providerId="LiveId" clId="{82D9BE44-98BF-4D4B-9EEA-54D12030A601}" dt="2020-12-06T02:35:02.896" v="1170" actId="26606"/>
+          <ac:spMkLst>
+            <pc:docMk/>
+            <pc:sldMk cId="3664876878" sldId="257"/>
+            <ac:spMk id="10" creationId="{B4F5FA0D-0104-4987-8241-EFF7C85B88DE}"/>
+          </ac:spMkLst>
+        </pc:spChg>
+        <pc:spChg chg="add del">
+          <ac:chgData name="Karan" userId="5d18d3345cf05877" providerId="LiveId" clId="{82D9BE44-98BF-4D4B-9EEA-54D12030A601}" dt="2020-12-06T02:35:03.677" v="1172" actId="26606"/>
+          <ac:spMkLst>
+            <pc:docMk/>
+            <pc:sldMk cId="3664876878" sldId="257"/>
+            <ac:spMk id="32" creationId="{C54A3646-77FE-4862-96CE-45260829B18F}"/>
+          </ac:spMkLst>
+        </pc:spChg>
+        <pc:spChg chg="add del">
+          <ac:chgData name="Karan" userId="5d18d3345cf05877" providerId="LiveId" clId="{82D9BE44-98BF-4D4B-9EEA-54D12030A601}" dt="2020-12-06T02:35:03.677" v="1172" actId="26606"/>
+          <ac:spMkLst>
+            <pc:docMk/>
+            <pc:sldMk cId="3664876878" sldId="257"/>
+            <ac:spMk id="33" creationId="{700D0C16-8549-4373-8B7C-3555082CEA0B}"/>
+          </ac:spMkLst>
+        </pc:spChg>
+        <pc:spChg chg="add del">
+          <ac:chgData name="Karan" userId="5d18d3345cf05877" providerId="LiveId" clId="{82D9BE44-98BF-4D4B-9EEA-54D12030A601}" dt="2020-12-06T02:35:03.677" v="1172" actId="26606"/>
+          <ac:spMkLst>
+            <pc:docMk/>
+            <pc:sldMk cId="3664876878" sldId="257"/>
+            <ac:spMk id="35" creationId="{C7341777-0F86-4E1E-A07F-2076F00D04EC}"/>
+          </ac:spMkLst>
+        </pc:spChg>
+        <pc:spChg chg="add del">
+          <ac:chgData name="Karan" userId="5d18d3345cf05877" providerId="LiveId" clId="{82D9BE44-98BF-4D4B-9EEA-54D12030A601}" dt="2020-12-06T02:37:25.513" v="1189" actId="26606"/>
+          <ac:spMkLst>
+            <pc:docMk/>
+            <pc:sldMk cId="3664876878" sldId="257"/>
+            <ac:spMk id="38" creationId="{C7FA33FF-088D-4F16-95A2-2C64D353DEA8}"/>
+          </ac:spMkLst>
+        </pc:spChg>
+        <pc:spChg chg="add del">
+          <ac:chgData name="Karan" userId="5d18d3345cf05877" providerId="LiveId" clId="{82D9BE44-98BF-4D4B-9EEA-54D12030A601}" dt="2020-12-06T02:37:25.513" v="1189" actId="26606"/>
+          <ac:spMkLst>
+            <pc:docMk/>
+            <pc:sldMk cId="3664876878" sldId="257"/>
+            <ac:spMk id="39" creationId="{A376EFB1-01CF-419F-ABF1-2AF02BBFCBD1}"/>
+          </ac:spMkLst>
+        </pc:spChg>
+        <pc:spChg chg="add del">
+          <ac:chgData name="Karan" userId="5d18d3345cf05877" providerId="LiveId" clId="{82D9BE44-98BF-4D4B-9EEA-54D12030A601}" dt="2020-12-06T02:37:25.513" v="1189" actId="26606"/>
+          <ac:spMkLst>
+            <pc:docMk/>
+            <pc:sldMk cId="3664876878" sldId="257"/>
+            <ac:spMk id="40" creationId="{FF9DEA15-78BD-4750-AA18-B9F28A6D5AB8}"/>
+          </ac:spMkLst>
+        </pc:spChg>
+        <pc:spChg chg="add del">
+          <ac:chgData name="Karan" userId="5d18d3345cf05877" providerId="LiveId" clId="{82D9BE44-98BF-4D4B-9EEA-54D12030A601}" dt="2020-12-06T02:37:25.510" v="1188" actId="26606"/>
+          <ac:spMkLst>
+            <pc:docMk/>
+            <pc:sldMk cId="3664876878" sldId="257"/>
+            <ac:spMk id="45" creationId="{F39EA87F-0F32-413C-A55A-7D61B03A9F79}"/>
+          </ac:spMkLst>
+        </pc:spChg>
+        <pc:spChg chg="add del">
+          <ac:chgData name="Karan" userId="5d18d3345cf05877" providerId="LiveId" clId="{82D9BE44-98BF-4D4B-9EEA-54D12030A601}" dt="2020-12-06T02:37:25.510" v="1188" actId="26606"/>
+          <ac:spMkLst>
+            <pc:docMk/>
+            <pc:sldMk cId="3664876878" sldId="257"/>
+            <ac:spMk id="70" creationId="{7D24FFA8-86DB-4132-A46B-89903769940F}"/>
+          </ac:spMkLst>
+        </pc:spChg>
+        <pc:grpChg chg="add del">
+          <ac:chgData name="Karan" userId="5d18d3345cf05877" providerId="LiveId" clId="{82D9BE44-98BF-4D4B-9EEA-54D12030A601}" dt="2020-12-06T02:35:03.677" v="1172" actId="26606"/>
+          <ac:grpSpMkLst>
+            <pc:docMk/>
+            <pc:sldMk cId="3664876878" sldId="257"/>
+            <ac:grpSpMk id="34" creationId="{3F6FA249-9C10-48B9-9F72-1F333D8A9486}"/>
+          </ac:grpSpMkLst>
+        </pc:grpChg>
+        <pc:grpChg chg="add del">
+          <ac:chgData name="Karan" userId="5d18d3345cf05877" providerId="LiveId" clId="{82D9BE44-98BF-4D4B-9EEA-54D12030A601}" dt="2020-12-06T02:37:25.510" v="1188" actId="26606"/>
+          <ac:grpSpMkLst>
+            <pc:docMk/>
+            <pc:sldMk cId="3664876878" sldId="257"/>
+            <ac:grpSpMk id="47" creationId="{18015EE6-BFEE-47EA-ABD8-9A3913720E86}"/>
+          </ac:grpSpMkLst>
+        </pc:grpChg>
+        <pc:graphicFrameChg chg="add mod">
+          <ac:chgData name="Karan" userId="5d18d3345cf05877" providerId="LiveId" clId="{82D9BE44-98BF-4D4B-9EEA-54D12030A601}" dt="2020-12-06T02:37:10.124" v="1184" actId="13782"/>
+          <ac:graphicFrameMkLst>
+            <pc:docMk/>
+            <pc:sldMk cId="3664876878" sldId="257"/>
+            <ac:graphicFrameMk id="4" creationId="{532ED66E-FD52-42D7-8038-9E7B7CCB8F7A}"/>
+          </ac:graphicFrameMkLst>
+        </pc:graphicFrameChg>
+        <pc:picChg chg="add del">
+          <ac:chgData name="Karan" userId="5d18d3345cf05877" providerId="LiveId" clId="{82D9BE44-98BF-4D4B-9EEA-54D12030A601}" dt="2020-12-06T02:35:02.896" v="1170" actId="26606"/>
+          <ac:picMkLst>
+            <pc:docMk/>
+            <pc:sldMk cId="3664876878" sldId="257"/>
+            <ac:picMk id="12" creationId="{2897127E-6CEF-446C-BE87-93B7C46E49D1}"/>
+          </ac:picMkLst>
+        </pc:picChg>
       </pc:sldChg>
       <pc:sldChg chg="modSp add">
-        <pc:chgData name="Karan" userId="5d18d3345cf05877" providerId="LiveId" clId="{82D9BE44-98BF-4D4B-9EEA-54D12030A601}" dt="2020-12-05T22:02:22.352" v="687"/>
+        <pc:chgData name="Karan" userId="5d18d3345cf05877" providerId="LiveId" clId="{82D9BE44-98BF-4D4B-9EEA-54D12030A601}" dt="2020-12-06T02:37:56.051" v="1191" actId="20577"/>
         <pc:sldMkLst>
           <pc:docMk/>
           <pc:sldMk cId="1685302139" sldId="258"/>
@@ -251,7 +373,7 @@
           </ac:spMkLst>
         </pc:spChg>
         <pc:spChg chg="mod">
-          <ac:chgData name="Karan" userId="5d18d3345cf05877" providerId="LiveId" clId="{82D9BE44-98BF-4D4B-9EEA-54D12030A601}" dt="2020-12-05T22:02:22.352" v="687"/>
+          <ac:chgData name="Karan" userId="5d18d3345cf05877" providerId="LiveId" clId="{82D9BE44-98BF-4D4B-9EEA-54D12030A601}" dt="2020-12-06T02:37:56.051" v="1191" actId="20577"/>
           <ac:spMkLst>
             <pc:docMk/>
             <pc:sldMk cId="1685302139" sldId="258"/>
@@ -439,14 +561,14 @@
           <pc:sldMk cId="1900943566" sldId="261"/>
         </pc:sldMkLst>
       </pc:sldChg>
-      <pc:sldChg chg="modSp add">
-        <pc:chgData name="Karan" userId="5d18d3345cf05877" providerId="LiveId" clId="{82D9BE44-98BF-4D4B-9EEA-54D12030A601}" dt="2020-12-05T20:37:08.978" v="645" actId="20577"/>
+      <pc:sldChg chg="modSp add del">
+        <pc:chgData name="Karan" userId="5d18d3345cf05877" providerId="LiveId" clId="{82D9BE44-98BF-4D4B-9EEA-54D12030A601}" dt="2020-12-06T02:34:53.561" v="1168" actId="2696"/>
         <pc:sldMkLst>
           <pc:docMk/>
           <pc:sldMk cId="1759383053" sldId="262"/>
         </pc:sldMkLst>
         <pc:spChg chg="mod">
-          <ac:chgData name="Karan" userId="5d18d3345cf05877" providerId="LiveId" clId="{82D9BE44-98BF-4D4B-9EEA-54D12030A601}" dt="2020-12-05T20:37:08.978" v="645" actId="20577"/>
+          <ac:chgData name="Karan" userId="5d18d3345cf05877" providerId="LiveId" clId="{82D9BE44-98BF-4D4B-9EEA-54D12030A601}" dt="2020-12-06T02:34:44.106" v="1165"/>
           <ac:spMkLst>
             <pc:docMk/>
             <pc:sldMk cId="1759383053" sldId="262"/>
@@ -454,43 +576,235 @@
           </ac:spMkLst>
         </pc:spChg>
       </pc:sldChg>
-      <pc:sldChg chg="modSp add">
-        <pc:chgData name="Karan" userId="5d18d3345cf05877" providerId="LiveId" clId="{82D9BE44-98BF-4D4B-9EEA-54D12030A601}" dt="2020-12-05T22:04:52.012" v="714" actId="27636"/>
+      <pc:sldChg chg="addSp delSp modSp add mod setBg">
+        <pc:chgData name="Karan" userId="5d18d3345cf05877" providerId="LiveId" clId="{82D9BE44-98BF-4D4B-9EEA-54D12030A601}" dt="2020-12-06T02:38:54.600" v="1199" actId="26606"/>
         <pc:sldMkLst>
           <pc:docMk/>
           <pc:sldMk cId="3037528238" sldId="263"/>
         </pc:sldMkLst>
         <pc:spChg chg="mod">
-          <ac:chgData name="Karan" userId="5d18d3345cf05877" providerId="LiveId" clId="{82D9BE44-98BF-4D4B-9EEA-54D12030A601}" dt="2020-12-05T20:33:34.489" v="416" actId="20577"/>
+          <ac:chgData name="Karan" userId="5d18d3345cf05877" providerId="LiveId" clId="{82D9BE44-98BF-4D4B-9EEA-54D12030A601}" dt="2020-12-06T02:38:54.600" v="1199" actId="26606"/>
           <ac:spMkLst>
             <pc:docMk/>
             <pc:sldMk cId="3037528238" sldId="263"/>
             <ac:spMk id="2" creationId="{DDF926B1-69B7-42BB-8501-87F6ADBFB124}"/>
           </ac:spMkLst>
         </pc:spChg>
-        <pc:spChg chg="mod">
-          <ac:chgData name="Karan" userId="5d18d3345cf05877" providerId="LiveId" clId="{82D9BE44-98BF-4D4B-9EEA-54D12030A601}" dt="2020-12-05T22:04:52.012" v="714" actId="27636"/>
+        <pc:spChg chg="add del mod">
+          <ac:chgData name="Karan" userId="5d18d3345cf05877" providerId="LiveId" clId="{82D9BE44-98BF-4D4B-9EEA-54D12030A601}" dt="2020-12-06T02:38:54.600" v="1199" actId="26606"/>
           <ac:spMkLst>
             <pc:docMk/>
             <pc:sldMk cId="3037528238" sldId="263"/>
             <ac:spMk id="3" creationId="{AF1E848F-1A96-42BD-A075-22B2FE383296}"/>
           </ac:spMkLst>
         </pc:spChg>
+        <pc:spChg chg="add del">
+          <ac:chgData name="Karan" userId="5d18d3345cf05877" providerId="LiveId" clId="{82D9BE44-98BF-4D4B-9EEA-54D12030A601}" dt="2020-12-06T02:38:48.163" v="1194" actId="26606"/>
+          <ac:spMkLst>
+            <pc:docMk/>
+            <pc:sldMk cId="3037528238" sldId="263"/>
+            <ac:spMk id="9" creationId="{D55CD764-972B-4CA5-A885-53E55C63E174}"/>
+          </ac:spMkLst>
+        </pc:spChg>
+        <pc:spChg chg="add del">
+          <ac:chgData name="Karan" userId="5d18d3345cf05877" providerId="LiveId" clId="{82D9BE44-98BF-4D4B-9EEA-54D12030A601}" dt="2020-12-06T02:38:48.163" v="1194" actId="26606"/>
+          <ac:spMkLst>
+            <pc:docMk/>
+            <pc:sldMk cId="3037528238" sldId="263"/>
+            <ac:spMk id="11" creationId="{34165AB3-7006-4430-BCE3-25476BE13322}"/>
+          </ac:spMkLst>
+        </pc:spChg>
+        <pc:spChg chg="add">
+          <ac:chgData name="Karan" userId="5d18d3345cf05877" providerId="LiveId" clId="{82D9BE44-98BF-4D4B-9EEA-54D12030A601}" dt="2020-12-06T02:38:54.600" v="1199" actId="26606"/>
+          <ac:spMkLst>
+            <pc:docMk/>
+            <pc:sldMk cId="3037528238" sldId="263"/>
+            <ac:spMk id="15" creationId="{2E80C965-DB6D-4F81-9E9E-B027384D0BD6}"/>
+          </ac:spMkLst>
+        </pc:spChg>
+        <pc:spChg chg="add">
+          <ac:chgData name="Karan" userId="5d18d3345cf05877" providerId="LiveId" clId="{82D9BE44-98BF-4D4B-9EEA-54D12030A601}" dt="2020-12-06T02:38:54.600" v="1199" actId="26606"/>
+          <ac:spMkLst>
+            <pc:docMk/>
+            <pc:sldMk cId="3037528238" sldId="263"/>
+            <ac:spMk id="17" creationId="{D291F021-C45C-4D44-A2B8-A789E386CC42}"/>
+          </ac:spMkLst>
+        </pc:spChg>
+        <pc:spChg chg="add del">
+          <ac:chgData name="Karan" userId="5d18d3345cf05877" providerId="LiveId" clId="{82D9BE44-98BF-4D4B-9EEA-54D12030A601}" dt="2020-12-06T02:38:48.163" v="1194" actId="26606"/>
+          <ac:spMkLst>
+            <pc:docMk/>
+            <pc:sldMk cId="3037528238" sldId="263"/>
+            <ac:spMk id="35" creationId="{E3E51905-F374-4E1A-97CF-B741584B74D5}"/>
+          </ac:spMkLst>
+        </pc:spChg>
+        <pc:spChg chg="add del">
+          <ac:chgData name="Karan" userId="5d18d3345cf05877" providerId="LiveId" clId="{82D9BE44-98BF-4D4B-9EEA-54D12030A601}" dt="2020-12-06T02:38:52.634" v="1196" actId="26606"/>
+          <ac:spMkLst>
+            <pc:docMk/>
+            <pc:sldMk cId="3037528238" sldId="263"/>
+            <ac:spMk id="37" creationId="{9A297797-5C89-4791-8204-AB071FA1FBCA}"/>
+          </ac:spMkLst>
+        </pc:spChg>
+        <pc:spChg chg="add del">
+          <ac:chgData name="Karan" userId="5d18d3345cf05877" providerId="LiveId" clId="{82D9BE44-98BF-4D4B-9EEA-54D12030A601}" dt="2020-12-06T02:38:52.634" v="1196" actId="26606"/>
+          <ac:spMkLst>
+            <pc:docMk/>
+            <pc:sldMk cId="3037528238" sldId="263"/>
+            <ac:spMk id="38" creationId="{569BBA9B-8F4E-4D2B-BEFA-41A475443377}"/>
+          </ac:spMkLst>
+        </pc:spChg>
+        <pc:spChg chg="add del">
+          <ac:chgData name="Karan" userId="5d18d3345cf05877" providerId="LiveId" clId="{82D9BE44-98BF-4D4B-9EEA-54D12030A601}" dt="2020-12-06T02:38:52.634" v="1196" actId="26606"/>
+          <ac:spMkLst>
+            <pc:docMk/>
+            <pc:sldMk cId="3037528238" sldId="263"/>
+            <ac:spMk id="39" creationId="{851012D1-8033-40B1-9EC0-91390FFC7403}"/>
+          </ac:spMkLst>
+        </pc:spChg>
+        <pc:spChg chg="add del">
+          <ac:chgData name="Karan" userId="5d18d3345cf05877" providerId="LiveId" clId="{82D9BE44-98BF-4D4B-9EEA-54D12030A601}" dt="2020-12-06T02:38:52.634" v="1196" actId="26606"/>
+          <ac:spMkLst>
+            <pc:docMk/>
+            <pc:sldMk cId="3037528238" sldId="263"/>
+            <ac:spMk id="40" creationId="{2E80C965-DB6D-4F81-9E9E-B027384D0BD6}"/>
+          </ac:spMkLst>
+        </pc:spChg>
+        <pc:spChg chg="add del">
+          <ac:chgData name="Karan" userId="5d18d3345cf05877" providerId="LiveId" clId="{82D9BE44-98BF-4D4B-9EEA-54D12030A601}" dt="2020-12-06T02:38:52.634" v="1196" actId="26606"/>
+          <ac:spMkLst>
+            <pc:docMk/>
+            <pc:sldMk cId="3037528238" sldId="263"/>
+            <ac:spMk id="41" creationId="{D291F021-C45C-4D44-A2B8-A789E386CC42}"/>
+          </ac:spMkLst>
+        </pc:spChg>
+        <pc:spChg chg="add del">
+          <ac:chgData name="Karan" userId="5d18d3345cf05877" providerId="LiveId" clId="{82D9BE44-98BF-4D4B-9EEA-54D12030A601}" dt="2020-12-06T02:38:54.582" v="1198" actId="26606"/>
+          <ac:spMkLst>
+            <pc:docMk/>
+            <pc:sldMk cId="3037528238" sldId="263"/>
+            <ac:spMk id="44" creationId="{AF1E848F-1A96-42BD-A075-22B2FE383296}"/>
+          </ac:spMkLst>
+        </pc:spChg>
+        <pc:spChg chg="add">
+          <ac:chgData name="Karan" userId="5d18d3345cf05877" providerId="LiveId" clId="{82D9BE44-98BF-4D4B-9EEA-54D12030A601}" dt="2020-12-06T02:38:54.600" v="1199" actId="26606"/>
+          <ac:spMkLst>
+            <pc:docMk/>
+            <pc:sldMk cId="3037528238" sldId="263"/>
+            <ac:spMk id="48" creationId="{9A297797-5C89-4791-8204-AB071FA1FBCA}"/>
+          </ac:spMkLst>
+        </pc:spChg>
+        <pc:spChg chg="add">
+          <ac:chgData name="Karan" userId="5d18d3345cf05877" providerId="LiveId" clId="{82D9BE44-98BF-4D4B-9EEA-54D12030A601}" dt="2020-12-06T02:38:54.600" v="1199" actId="26606"/>
+          <ac:spMkLst>
+            <pc:docMk/>
+            <pc:sldMk cId="3037528238" sldId="263"/>
+            <ac:spMk id="49" creationId="{569BBA9B-8F4E-4D2B-BEFA-41A475443377}"/>
+          </ac:spMkLst>
+        </pc:spChg>
+        <pc:spChg chg="add">
+          <ac:chgData name="Karan" userId="5d18d3345cf05877" providerId="LiveId" clId="{82D9BE44-98BF-4D4B-9EEA-54D12030A601}" dt="2020-12-06T02:38:54.600" v="1199" actId="26606"/>
+          <ac:spMkLst>
+            <pc:docMk/>
+            <pc:sldMk cId="3037528238" sldId="263"/>
+            <ac:spMk id="50" creationId="{851012D1-8033-40B1-9EC0-91390FFC7403}"/>
+          </ac:spMkLst>
+        </pc:spChg>
+        <pc:grpChg chg="add del">
+          <ac:chgData name="Karan" userId="5d18d3345cf05877" providerId="LiveId" clId="{82D9BE44-98BF-4D4B-9EEA-54D12030A601}" dt="2020-12-06T02:38:48.163" v="1194" actId="26606"/>
+          <ac:grpSpMkLst>
+            <pc:docMk/>
+            <pc:sldMk cId="3037528238" sldId="263"/>
+            <ac:grpSpMk id="13" creationId="{22725F33-435F-480E-996D-205671CDC409}"/>
+          </ac:grpSpMkLst>
+        </pc:grpChg>
+        <pc:graphicFrameChg chg="add del">
+          <ac:chgData name="Karan" userId="5d18d3345cf05877" providerId="LiveId" clId="{82D9BE44-98BF-4D4B-9EEA-54D12030A601}" dt="2020-12-06T02:38:48.163" v="1194" actId="26606"/>
+          <ac:graphicFrameMkLst>
+            <pc:docMk/>
+            <pc:sldMk cId="3037528238" sldId="263"/>
+            <ac:graphicFrameMk id="5" creationId="{E9740C90-12DE-4351-8846-2AE1FAEE4DD2}"/>
+          </ac:graphicFrameMkLst>
+        </pc:graphicFrameChg>
+        <pc:graphicFrameChg chg="add del">
+          <ac:chgData name="Karan" userId="5d18d3345cf05877" providerId="LiveId" clId="{82D9BE44-98BF-4D4B-9EEA-54D12030A601}" dt="2020-12-06T02:38:52.634" v="1196" actId="26606"/>
+          <ac:graphicFrameMkLst>
+            <pc:docMk/>
+            <pc:sldMk cId="3037528238" sldId="263"/>
+            <ac:graphicFrameMk id="42" creationId="{1514F2BD-7B02-4807-BDBA-1CE8EDDF0A8A}"/>
+          </ac:graphicFrameMkLst>
+        </pc:graphicFrameChg>
+        <pc:graphicFrameChg chg="add">
+          <ac:chgData name="Karan" userId="5d18d3345cf05877" providerId="LiveId" clId="{82D9BE44-98BF-4D4B-9EEA-54D12030A601}" dt="2020-12-06T02:38:54.600" v="1199" actId="26606"/>
+          <ac:graphicFrameMkLst>
+            <pc:docMk/>
+            <pc:sldMk cId="3037528238" sldId="263"/>
+            <ac:graphicFrameMk id="51" creationId="{1514F2BD-7B02-4807-BDBA-1CE8EDDF0A8A}"/>
+          </ac:graphicFrameMkLst>
+        </pc:graphicFrameChg>
+        <pc:picChg chg="add del">
+          <ac:chgData name="Karan" userId="5d18d3345cf05877" providerId="LiveId" clId="{82D9BE44-98BF-4D4B-9EEA-54D12030A601}" dt="2020-12-06T02:38:54.582" v="1198" actId="26606"/>
+          <ac:picMkLst>
+            <pc:docMk/>
+            <pc:sldMk cId="3037528238" sldId="263"/>
+            <ac:picMk id="45" creationId="{FFB46198-3A81-46A6-B7FD-67DD71C390E0}"/>
+          </ac:picMkLst>
+        </pc:picChg>
+        <pc:cxnChg chg="add del">
+          <ac:chgData name="Karan" userId="5d18d3345cf05877" providerId="LiveId" clId="{82D9BE44-98BF-4D4B-9EEA-54D12030A601}" dt="2020-12-06T02:38:54.582" v="1198" actId="26606"/>
+          <ac:cxnSpMkLst>
+            <pc:docMk/>
+            <pc:sldMk cId="3037528238" sldId="263"/>
+            <ac:cxnSpMk id="46" creationId="{A7F400EE-A8A5-48AF-B4D6-291B52C6F0B0}"/>
+          </ac:cxnSpMkLst>
+        </pc:cxnChg>
       </pc:sldChg>
-      <pc:sldChg chg="modSp add">
-        <pc:chgData name="Karan" userId="5d18d3345cf05877" providerId="LiveId" clId="{82D9BE44-98BF-4D4B-9EEA-54D12030A601}" dt="2020-12-05T20:39:09.402" v="650" actId="20577"/>
+      <pc:sldChg chg="addSp delSp modSp add mod setBg">
+        <pc:chgData name="Karan" userId="5d18d3345cf05877" providerId="LiveId" clId="{82D9BE44-98BF-4D4B-9EEA-54D12030A601}" dt="2020-12-06T02:38:08.374" v="1192"/>
         <pc:sldMkLst>
           <pc:docMk/>
           <pc:sldMk cId="904316856" sldId="264"/>
         </pc:sldMkLst>
         <pc:spChg chg="mod">
-          <ac:chgData name="Karan" userId="5d18d3345cf05877" providerId="LiveId" clId="{82D9BE44-98BF-4D4B-9EEA-54D12030A601}" dt="2020-12-05T20:39:09.402" v="650" actId="20577"/>
+          <ac:chgData name="Karan" userId="5d18d3345cf05877" providerId="LiveId" clId="{82D9BE44-98BF-4D4B-9EEA-54D12030A601}" dt="2020-12-06T02:37:38.396" v="1190" actId="26606"/>
           <ac:spMkLst>
             <pc:docMk/>
             <pc:sldMk cId="904316856" sldId="264"/>
             <ac:spMk id="2" creationId="{EE68ACBF-7D7A-4F36-A326-EA0B6FD642AF}"/>
           </ac:spMkLst>
         </pc:spChg>
+        <pc:spChg chg="del">
+          <ac:chgData name="Karan" userId="5d18d3345cf05877" providerId="LiveId" clId="{82D9BE44-98BF-4D4B-9EEA-54D12030A601}" dt="2020-12-06T02:37:38.396" v="1190" actId="26606"/>
+          <ac:spMkLst>
+            <pc:docMk/>
+            <pc:sldMk cId="904316856" sldId="264"/>
+            <ac:spMk id="3" creationId="{69CE5AEE-78BC-4211-B9C5-50E6A8110069}"/>
+          </ac:spMkLst>
+        </pc:spChg>
+        <pc:spChg chg="add">
+          <ac:chgData name="Karan" userId="5d18d3345cf05877" providerId="LiveId" clId="{82D9BE44-98BF-4D4B-9EEA-54D12030A601}" dt="2020-12-06T02:37:38.396" v="1190" actId="26606"/>
+          <ac:spMkLst>
+            <pc:docMk/>
+            <pc:sldMk cId="904316856" sldId="264"/>
+            <ac:spMk id="10" creationId="{4913D8DA-B72B-46FB-9E5D-656A0EB0A476}"/>
+          </ac:spMkLst>
+        </pc:spChg>
+        <pc:spChg chg="add">
+          <ac:chgData name="Karan" userId="5d18d3345cf05877" providerId="LiveId" clId="{82D9BE44-98BF-4D4B-9EEA-54D12030A601}" dt="2020-12-06T02:37:38.396" v="1190" actId="26606"/>
+          <ac:spMkLst>
+            <pc:docMk/>
+            <pc:sldMk cId="904316856" sldId="264"/>
+            <ac:spMk id="12" creationId="{63CDDC8E-3FD0-4545-A664-7661835B4586}"/>
+          </ac:spMkLst>
+        </pc:spChg>
+        <pc:picChg chg="add mod">
+          <ac:chgData name="Karan" userId="5d18d3345cf05877" providerId="LiveId" clId="{82D9BE44-98BF-4D4B-9EEA-54D12030A601}" dt="2020-12-06T02:38:08.374" v="1192"/>
+          <ac:picMkLst>
+            <pc:docMk/>
+            <pc:sldMk cId="904316856" sldId="264"/>
+            <ac:picMk id="7" creationId="{F30E842E-B716-4855-887B-0035F2284F43}"/>
+          </ac:picMkLst>
+        </pc:picChg>
       </pc:sldChg>
       <pc:sldChg chg="addSp delSp modSp add ord">
         <pc:chgData name="Karan" userId="5d18d3345cf05877" providerId="LiveId" clId="{82D9BE44-98BF-4D4B-9EEA-54D12030A601}" dt="2020-12-06T02:05:40.901" v="969"/>
@@ -539,14 +853,14 @@
           </ac:picMkLst>
         </pc:picChg>
       </pc:sldChg>
-      <pc:sldChg chg="addSp delSp modSp add mod ord setBg">
-        <pc:chgData name="Karan" userId="5d18d3345cf05877" providerId="LiveId" clId="{82D9BE44-98BF-4D4B-9EEA-54D12030A601}" dt="2020-12-06T01:29:08.600" v="727" actId="26606"/>
+      <pc:sldChg chg="addSp delSp modSp add del mod ord setBg setClrOvrMap">
+        <pc:chgData name="Karan" userId="5d18d3345cf05877" providerId="LiveId" clId="{82D9BE44-98BF-4D4B-9EEA-54D12030A601}" dt="2020-12-06T03:00:42.475" v="1237" actId="2696"/>
         <pc:sldMkLst>
           <pc:docMk/>
           <pc:sldMk cId="166636634" sldId="266"/>
         </pc:sldMkLst>
-        <pc:spChg chg="mod">
-          <ac:chgData name="Karan" userId="5d18d3345cf05877" providerId="LiveId" clId="{82D9BE44-98BF-4D4B-9EEA-54D12030A601}" dt="2020-12-06T01:29:08.600" v="727" actId="26606"/>
+        <pc:spChg chg="mod ord">
+          <ac:chgData name="Karan" userId="5d18d3345cf05877" providerId="LiveId" clId="{82D9BE44-98BF-4D4B-9EEA-54D12030A601}" dt="2020-12-06T02:58:08.475" v="1211" actId="26606"/>
           <ac:spMkLst>
             <pc:docMk/>
             <pc:sldMk cId="166636634" sldId="266"/>
@@ -561,6 +875,14 @@
             <ac:spMk id="3" creationId="{A2A11AD9-C6FE-43A7-884C-90F2E6D20D3B}"/>
           </ac:spMkLst>
         </pc:spChg>
+        <pc:spChg chg="add del mod">
+          <ac:chgData name="Karan" userId="5d18d3345cf05877" providerId="LiveId" clId="{82D9BE44-98BF-4D4B-9EEA-54D12030A601}" dt="2020-12-06T02:49:43.998" v="1202" actId="26606"/>
+          <ac:spMkLst>
+            <pc:docMk/>
+            <pc:sldMk cId="166636634" sldId="266"/>
+            <ac:spMk id="5" creationId="{CCA90AC2-4528-437D-8D06-DF8842218045}"/>
+          </ac:spMkLst>
+        </pc:spChg>
         <pc:spChg chg="add del">
           <ac:chgData name="Karan" userId="5d18d3345cf05877" providerId="LiveId" clId="{82D9BE44-98BF-4D4B-9EEA-54D12030A601}" dt="2020-12-06T01:29:08.596" v="726" actId="26606"/>
           <ac:spMkLst>
@@ -569,28 +891,108 @@
             <ac:spMk id="9" creationId="{53F29798-D584-4792-9B62-3F5F5C36D619}"/>
           </ac:spMkLst>
         </pc:spChg>
-        <pc:spChg chg="add">
-          <ac:chgData name="Karan" userId="5d18d3345cf05877" providerId="LiveId" clId="{82D9BE44-98BF-4D4B-9EEA-54D12030A601}" dt="2020-12-06T01:29:08.600" v="727" actId="26606"/>
+        <pc:spChg chg="add del">
+          <ac:chgData name="Karan" userId="5d18d3345cf05877" providerId="LiveId" clId="{82D9BE44-98BF-4D4B-9EEA-54D12030A601}" dt="2020-12-06T02:49:43.998" v="1202" actId="26606"/>
           <ac:spMkLst>
             <pc:docMk/>
             <pc:sldMk cId="166636634" sldId="266"/>
             <ac:spMk id="11" creationId="{1447903E-2B66-479D-959B-F2EBB2CC901F}"/>
           </ac:spMkLst>
         </pc:spChg>
-        <pc:spChg chg="add">
-          <ac:chgData name="Karan" userId="5d18d3345cf05877" providerId="LiveId" clId="{82D9BE44-98BF-4D4B-9EEA-54D12030A601}" dt="2020-12-06T01:29:08.600" v="727" actId="26606"/>
+        <pc:spChg chg="add del">
+          <ac:chgData name="Karan" userId="5d18d3345cf05877" providerId="LiveId" clId="{82D9BE44-98BF-4D4B-9EEA-54D12030A601}" dt="2020-12-06T02:49:43.998" v="1202" actId="26606"/>
           <ac:spMkLst>
             <pc:docMk/>
             <pc:sldMk cId="166636634" sldId="266"/>
             <ac:spMk id="12" creationId="{D35D61A1-8484-4749-8AD0-A3455E0753C5}"/>
           </ac:spMkLst>
         </pc:spChg>
-        <pc:picChg chg="add mod">
-          <ac:chgData name="Karan" userId="5d18d3345cf05877" providerId="LiveId" clId="{82D9BE44-98BF-4D4B-9EEA-54D12030A601}" dt="2020-12-06T01:29:08.600" v="727" actId="26606"/>
+        <pc:spChg chg="add del">
+          <ac:chgData name="Karan" userId="5d18d3345cf05877" providerId="LiveId" clId="{82D9BE44-98BF-4D4B-9EEA-54D12030A601}" dt="2020-12-06T02:58:03.893" v="1206" actId="26606"/>
+          <ac:spMkLst>
+            <pc:docMk/>
+            <pc:sldMk cId="166636634" sldId="266"/>
+            <ac:spMk id="18" creationId="{5A59F003-E00A-43F9-91DC-CC54E3B87466}"/>
+          </ac:spMkLst>
+        </pc:spChg>
+        <pc:spChg chg="add del">
+          <ac:chgData name="Karan" userId="5d18d3345cf05877" providerId="LiveId" clId="{82D9BE44-98BF-4D4B-9EEA-54D12030A601}" dt="2020-12-06T02:58:03.893" v="1206" actId="26606"/>
+          <ac:spMkLst>
+            <pc:docMk/>
+            <pc:sldMk cId="166636634" sldId="266"/>
+            <ac:spMk id="20" creationId="{D74A4382-E3AD-430A-9A1F-DFA3E0E77A7D}"/>
+          </ac:spMkLst>
+        </pc:spChg>
+        <pc:spChg chg="add del">
+          <ac:chgData name="Karan" userId="5d18d3345cf05877" providerId="LiveId" clId="{82D9BE44-98BF-4D4B-9EEA-54D12030A601}" dt="2020-12-06T02:58:03.893" v="1206" actId="26606"/>
+          <ac:spMkLst>
+            <pc:docMk/>
+            <pc:sldMk cId="166636634" sldId="266"/>
+            <ac:spMk id="22" creationId="{79F40191-0F44-4FD1-82CC-ACB507C14BE6}"/>
+          </ac:spMkLst>
+        </pc:spChg>
+        <pc:spChg chg="add del">
+          <ac:chgData name="Karan" userId="5d18d3345cf05877" providerId="LiveId" clId="{82D9BE44-98BF-4D4B-9EEA-54D12030A601}" dt="2020-12-06T02:58:08.475" v="1211" actId="26606"/>
+          <ac:spMkLst>
+            <pc:docMk/>
+            <pc:sldMk cId="166636634" sldId="266"/>
+            <ac:spMk id="27" creationId="{BCC55ACC-A2F6-403C-A3A4-D59B3734D45F}"/>
+          </ac:spMkLst>
+        </pc:spChg>
+        <pc:spChg chg="add">
+          <ac:chgData name="Karan" userId="5d18d3345cf05877" providerId="LiveId" clId="{82D9BE44-98BF-4D4B-9EEA-54D12030A601}" dt="2020-12-06T02:58:08.475" v="1211" actId="26606"/>
+          <ac:spMkLst>
+            <pc:docMk/>
+            <pc:sldMk cId="166636634" sldId="266"/>
+            <ac:spMk id="32" creationId="{5A59F003-E00A-43F9-91DC-CC54E3B87466}"/>
+          </ac:spMkLst>
+        </pc:spChg>
+        <pc:spChg chg="add">
+          <ac:chgData name="Karan" userId="5d18d3345cf05877" providerId="LiveId" clId="{82D9BE44-98BF-4D4B-9EEA-54D12030A601}" dt="2020-12-06T02:58:08.475" v="1211" actId="26606"/>
+          <ac:spMkLst>
+            <pc:docMk/>
+            <pc:sldMk cId="166636634" sldId="266"/>
+            <ac:spMk id="34" creationId="{D74A4382-E3AD-430A-9A1F-DFA3E0E77A7D}"/>
+          </ac:spMkLst>
+        </pc:spChg>
+        <pc:spChg chg="add">
+          <ac:chgData name="Karan" userId="5d18d3345cf05877" providerId="LiveId" clId="{82D9BE44-98BF-4D4B-9EEA-54D12030A601}" dt="2020-12-06T02:58:08.475" v="1211" actId="26606"/>
+          <ac:spMkLst>
+            <pc:docMk/>
+            <pc:sldMk cId="166636634" sldId="266"/>
+            <ac:spMk id="36" creationId="{79F40191-0F44-4FD1-82CC-ACB507C14BE6}"/>
+          </ac:spMkLst>
+        </pc:spChg>
+        <pc:picChg chg="add del mod">
+          <ac:chgData name="Karan" userId="5d18d3345cf05877" providerId="LiveId" clId="{82D9BE44-98BF-4D4B-9EEA-54D12030A601}" dt="2020-12-06T02:43:00.959" v="1201" actId="478"/>
           <ac:picMkLst>
             <pc:docMk/>
             <pc:sldMk cId="166636634" sldId="266"/>
             <ac:picMk id="4" creationId="{5697F44D-6F81-47E8-A285-B45D31634406}"/>
+          </ac:picMkLst>
+        </pc:picChg>
+        <pc:picChg chg="add del">
+          <ac:chgData name="Karan" userId="5d18d3345cf05877" providerId="LiveId" clId="{82D9BE44-98BF-4D4B-9EEA-54D12030A601}" dt="2020-12-06T02:57:56.527" v="1204"/>
+          <ac:picMkLst>
+            <pc:docMk/>
+            <pc:sldMk cId="166636634" sldId="266"/>
+            <ac:picMk id="6" creationId="{9369B445-020C-447E-9694-AEC0A9F87E2B}"/>
+          </ac:picMkLst>
+        </pc:picChg>
+        <pc:picChg chg="add mod ord">
+          <ac:chgData name="Karan" userId="5d18d3345cf05877" providerId="LiveId" clId="{82D9BE44-98BF-4D4B-9EEA-54D12030A601}" dt="2020-12-06T02:58:12.514" v="1212" actId="27614"/>
+          <ac:picMkLst>
+            <pc:docMk/>
+            <pc:sldMk cId="166636634" sldId="266"/>
+            <ac:picMk id="7" creationId="{3AC68F88-F589-4E13-B774-486ADC4284F7}"/>
+          </ac:picMkLst>
+        </pc:picChg>
+        <pc:picChg chg="add del mod ord">
+          <ac:chgData name="Karan" userId="5d18d3345cf05877" providerId="LiveId" clId="{82D9BE44-98BF-4D4B-9EEA-54D12030A601}" dt="2020-12-06T02:58:05.160" v="1208" actId="478"/>
+          <ac:picMkLst>
+            <pc:docMk/>
+            <pc:sldMk cId="166636634" sldId="266"/>
+            <ac:picMk id="14" creationId="{963A04DE-EE32-4BF4-B4E8-04EA7D88649F}"/>
           </ac:picMkLst>
         </pc:picChg>
       </pc:sldChg>
@@ -768,8 +1170,8 @@
           </ac:picMkLst>
         </pc:picChg>
       </pc:sldChg>
-      <pc:sldChg chg="addSp delSp modSp add mod setBg">
-        <pc:chgData name="Karan" userId="5d18d3345cf05877" providerId="LiveId" clId="{82D9BE44-98BF-4D4B-9EEA-54D12030A601}" dt="2020-12-06T01:30:34.993" v="748" actId="27614"/>
+      <pc:sldChg chg="addSp delSp modSp add del mod setBg">
+        <pc:chgData name="Karan" userId="5d18d3345cf05877" providerId="LiveId" clId="{82D9BE44-98BF-4D4B-9EEA-54D12030A601}" dt="2020-12-06T03:03:30.276" v="1268" actId="2696"/>
         <pc:sldMkLst>
           <pc:docMk/>
           <pc:sldMk cId="1805321867" sldId="269"/>
@@ -790,8 +1192,8 @@
             <ac:spMk id="3" creationId="{BC6C5701-5395-4482-B0DF-9E168FAD166C}"/>
           </ac:spMkLst>
         </pc:spChg>
-        <pc:spChg chg="add">
-          <ac:chgData name="Karan" userId="5d18d3345cf05877" providerId="LiveId" clId="{82D9BE44-98BF-4D4B-9EEA-54D12030A601}" dt="2020-12-06T01:30:30.053" v="747" actId="26606"/>
+        <pc:spChg chg="add del">
+          <ac:chgData name="Karan" userId="5d18d3345cf05877" providerId="LiveId" clId="{82D9BE44-98BF-4D4B-9EEA-54D12030A601}" dt="2020-12-06T03:02:45.381" v="1260" actId="26606"/>
           <ac:spMkLst>
             <pc:docMk/>
             <pc:sldMk cId="1805321867" sldId="269"/>
@@ -806,8 +1208,8 @@
             <ac:spMk id="10" creationId="{D35D61A1-8484-4749-8AD0-A3455E0753C5}"/>
           </ac:spMkLst>
         </pc:spChg>
-        <pc:spChg chg="add">
-          <ac:chgData name="Karan" userId="5d18d3345cf05877" providerId="LiveId" clId="{82D9BE44-98BF-4D4B-9EEA-54D12030A601}" dt="2020-12-06T01:30:30.053" v="747" actId="26606"/>
+        <pc:spChg chg="add del">
+          <ac:chgData name="Karan" userId="5d18d3345cf05877" providerId="LiveId" clId="{82D9BE44-98BF-4D4B-9EEA-54D12030A601}" dt="2020-12-06T03:02:45.381" v="1260" actId="26606"/>
           <ac:spMkLst>
             <pc:docMk/>
             <pc:sldMk cId="1805321867" sldId="269"/>
@@ -822,6 +1224,14 @@
             <ac:spMk id="12" creationId="{1447903E-2B66-479D-959B-F2EBB2CC901F}"/>
           </ac:spMkLst>
         </pc:spChg>
+        <pc:spChg chg="add">
+          <ac:chgData name="Karan" userId="5d18d3345cf05877" providerId="LiveId" clId="{82D9BE44-98BF-4D4B-9EEA-54D12030A601}" dt="2020-12-06T03:02:45.381" v="1260" actId="26606"/>
+          <ac:spMkLst>
+            <pc:docMk/>
+            <pc:sldMk cId="1805321867" sldId="269"/>
+            <ac:spMk id="13" creationId="{53F29798-D584-4792-9B62-3F5F5C36D619}"/>
+          </ac:spMkLst>
+        </pc:spChg>
         <pc:spChg chg="add del">
           <ac:chgData name="Karan" userId="5d18d3345cf05877" providerId="LiveId" clId="{82D9BE44-98BF-4D4B-9EEA-54D12030A601}" dt="2020-12-06T01:29:58.512" v="738" actId="26606"/>
           <ac:spMkLst>
@@ -887,7 +1297,7 @@
           </ac:picMkLst>
         </pc:picChg>
         <pc:picChg chg="add mod">
-          <ac:chgData name="Karan" userId="5d18d3345cf05877" providerId="LiveId" clId="{82D9BE44-98BF-4D4B-9EEA-54D12030A601}" dt="2020-12-06T01:30:34.993" v="748" actId="27614"/>
+          <ac:chgData name="Karan" userId="5d18d3345cf05877" providerId="LiveId" clId="{82D9BE44-98BF-4D4B-9EEA-54D12030A601}" dt="2020-12-06T03:02:45.381" v="1260" actId="26606"/>
           <ac:picMkLst>
             <pc:docMk/>
             <pc:sldMk cId="1805321867" sldId="269"/>
@@ -895,8 +1305,8 @@
           </ac:picMkLst>
         </pc:picChg>
       </pc:sldChg>
-      <pc:sldChg chg="addSp delSp modSp add">
-        <pc:chgData name="Karan" userId="5d18d3345cf05877" providerId="LiveId" clId="{82D9BE44-98BF-4D4B-9EEA-54D12030A601}" dt="2020-12-06T01:32:47.043" v="750"/>
+      <pc:sldChg chg="addSp delSp modSp add del">
+        <pc:chgData name="Karan" userId="5d18d3345cf05877" providerId="LiveId" clId="{82D9BE44-98BF-4D4B-9EEA-54D12030A601}" dt="2020-12-06T03:03:33.556" v="1269" actId="2696"/>
         <pc:sldMkLst>
           <pc:docMk/>
           <pc:sldMk cId="2972758305" sldId="270"/>
@@ -919,7 +1329,7 @@
         </pc:picChg>
       </pc:sldChg>
       <pc:sldChg chg="addSp delSp modSp add mod setBg setClrOvrMap delDesignElem">
-        <pc:chgData name="Karan" userId="5d18d3345cf05877" providerId="LiveId" clId="{82D9BE44-98BF-4D4B-9EEA-54D12030A601}" dt="2020-12-06T02:17:56.465" v="1053" actId="12100"/>
+        <pc:chgData name="Karan" userId="5d18d3345cf05877" providerId="LiveId" clId="{82D9BE44-98BF-4D4B-9EEA-54D12030A601}" dt="2020-12-06T02:28:09.397" v="1123" actId="207"/>
         <pc:sldMkLst>
           <pc:docMk/>
           <pc:sldMk cId="3905825734" sldId="271"/>
@@ -940,6 +1350,14 @@
             <ac:spMk id="3" creationId="{8ECE4BB9-17FF-4652-A743-008ED9205635}"/>
           </ac:spMkLst>
         </pc:spChg>
+        <pc:spChg chg="add mod">
+          <ac:chgData name="Karan" userId="5d18d3345cf05877" providerId="LiveId" clId="{82D9BE44-98BF-4D4B-9EEA-54D12030A601}" dt="2020-12-06T02:28:09.397" v="1123" actId="207"/>
+          <ac:spMkLst>
+            <pc:docMk/>
+            <pc:sldMk cId="3905825734" sldId="271"/>
+            <ac:spMk id="3" creationId="{A05592AC-9A9A-4A55-86C3-C0A0D7AD9BA7}"/>
+          </ac:spMkLst>
+        </pc:spChg>
         <pc:spChg chg="add del">
           <ac:chgData name="Karan" userId="5d18d3345cf05877" providerId="LiveId" clId="{82D9BE44-98BF-4D4B-9EEA-54D12030A601}" dt="2020-12-06T01:35:21.901" v="776"/>
           <ac:spMkLst>
@@ -964,6 +1382,14 @@
             <ac:spMk id="10" creationId="{45D3601E-CE8F-48A1-AC5A-5DD3F9B33826}"/>
           </ac:spMkLst>
         </pc:spChg>
+        <pc:spChg chg="add mod">
+          <ac:chgData name="Karan" userId="5d18d3345cf05877" providerId="LiveId" clId="{82D9BE44-98BF-4D4B-9EEA-54D12030A601}" dt="2020-12-06T02:24:33.814" v="1115" actId="207"/>
+          <ac:spMkLst>
+            <pc:docMk/>
+            <pc:sldMk cId="3905825734" sldId="271"/>
+            <ac:spMk id="11" creationId="{DA9D7F14-98CF-47F6-816B-769B65FB9C1D}"/>
+          </ac:spMkLst>
+        </pc:spChg>
         <pc:spChg chg="add del mod">
           <ac:chgData name="Karan" userId="5d18d3345cf05877" providerId="LiveId" clId="{82D9BE44-98BF-4D4B-9EEA-54D12030A601}" dt="2020-12-06T02:04:48.011" v="952"/>
           <ac:spMkLst>
@@ -1156,8 +1582,8 @@
             <ac:spMk id="73" creationId="{2B566528-1B12-4246-9431-5C2D7D081168}"/>
           </ac:spMkLst>
         </pc:spChg>
-        <pc:spChg chg="add mod">
-          <ac:chgData name="Karan" userId="5d18d3345cf05877" providerId="LiveId" clId="{82D9BE44-98BF-4D4B-9EEA-54D12030A601}" dt="2020-12-06T02:09:04.345" v="1038"/>
+        <pc:spChg chg="add del mod">
+          <ac:chgData name="Karan" userId="5d18d3345cf05877" providerId="LiveId" clId="{82D9BE44-98BF-4D4B-9EEA-54D12030A601}" dt="2020-12-06T02:23:43.938" v="1098" actId="478"/>
           <ac:spMkLst>
             <pc:docMk/>
             <pc:sldMk cId="3905825734" sldId="271"/>
@@ -1373,7 +1799,7 @@
           </ac:grpSpMkLst>
         </pc:grpChg>
         <pc:graphicFrameChg chg="add mod">
-          <ac:chgData name="Karan" userId="5d18d3345cf05877" providerId="LiveId" clId="{82D9BE44-98BF-4D4B-9EEA-54D12030A601}" dt="2020-12-06T02:17:56.465" v="1053" actId="12100"/>
+          <ac:chgData name="Karan" userId="5d18d3345cf05877" providerId="LiveId" clId="{82D9BE44-98BF-4D4B-9EEA-54D12030A601}" dt="2020-12-06T02:21:53.945" v="1054" actId="33524"/>
           <ac:graphicFrameMkLst>
             <pc:docMk/>
             <pc:sldMk cId="3905825734" sldId="271"/>
@@ -1428,20 +1854,441 @@
             <ac:picMk id="80" creationId="{773AB616-97A9-4845-AF16-5CD0A603BD25}"/>
           </ac:picMkLst>
         </pc:picChg>
-        <pc:picChg chg="add mod ord">
-          <ac:chgData name="Karan" userId="5d18d3345cf05877" providerId="LiveId" clId="{82D9BE44-98BF-4D4B-9EEA-54D12030A601}" dt="2020-12-06T02:08:16.262" v="1005" actId="1076"/>
+        <pc:picChg chg="add del mod ord">
+          <ac:chgData name="Karan" userId="5d18d3345cf05877" providerId="LiveId" clId="{82D9BE44-98BF-4D4B-9EEA-54D12030A601}" dt="2020-12-06T02:23:18.416" v="1067" actId="478"/>
           <ac:picMkLst>
             <pc:docMk/>
             <pc:sldMk cId="3905825734" sldId="271"/>
             <ac:picMk id="81" creationId="{A9132C50-AD5E-4DA3-AFC4-C6766C094F91}"/>
           </ac:picMkLst>
         </pc:picChg>
-        <pc:picChg chg="add mod ord">
-          <ac:chgData name="Karan" userId="5d18d3345cf05877" providerId="LiveId" clId="{82D9BE44-98BF-4D4B-9EEA-54D12030A601}" dt="2020-12-06T02:08:37.326" v="1033" actId="1036"/>
+        <pc:picChg chg="add del mod ord">
+          <ac:chgData name="Karan" userId="5d18d3345cf05877" providerId="LiveId" clId="{82D9BE44-98BF-4D4B-9EEA-54D12030A601}" dt="2020-12-06T02:23:05.678" v="1064" actId="478"/>
           <ac:picMkLst>
             <pc:docMk/>
             <pc:sldMk cId="3905825734" sldId="271"/>
             <ac:picMk id="82" creationId="{51DA5A95-9405-4E27-8366-7537F4C36B79}"/>
+          </ac:picMkLst>
+        </pc:picChg>
+      </pc:sldChg>
+      <pc:sldChg chg="addSp delSp modSp add mod setBg setClrOvrMap">
+        <pc:chgData name="Karan" userId="5d18d3345cf05877" providerId="LiveId" clId="{82D9BE44-98BF-4D4B-9EEA-54D12030A601}" dt="2020-12-06T20:26:08.723" v="1272" actId="26606"/>
+        <pc:sldMkLst>
+          <pc:docMk/>
+          <pc:sldMk cId="2315497323" sldId="272"/>
+        </pc:sldMkLst>
+        <pc:spChg chg="mod ord">
+          <ac:chgData name="Karan" userId="5d18d3345cf05877" providerId="LiveId" clId="{82D9BE44-98BF-4D4B-9EEA-54D12030A601}" dt="2020-12-06T20:26:08.723" v="1272" actId="26606"/>
+          <ac:spMkLst>
+            <pc:docMk/>
+            <pc:sldMk cId="2315497323" sldId="272"/>
+            <ac:spMk id="2" creationId="{288C91C7-7E7B-42BD-B27C-D9714C59BD52}"/>
+          </ac:spMkLst>
+        </pc:spChg>
+        <pc:spChg chg="add del mod">
+          <ac:chgData name="Karan" userId="5d18d3345cf05877" providerId="LiveId" clId="{82D9BE44-98BF-4D4B-9EEA-54D12030A601}" dt="2020-12-06T02:59:11.794" v="1220" actId="26606"/>
+          <ac:spMkLst>
+            <pc:docMk/>
+            <pc:sldMk cId="2315497323" sldId="272"/>
+            <ac:spMk id="5" creationId="{22EF1565-9246-467A-B4E3-F36DE7E2C049}"/>
+          </ac:spMkLst>
+        </pc:spChg>
+        <pc:spChg chg="add del mod">
+          <ac:chgData name="Karan" userId="5d18d3345cf05877" providerId="LiveId" clId="{82D9BE44-98BF-4D4B-9EEA-54D12030A601}" dt="2020-12-06T03:00:32.371" v="1235" actId="478"/>
+          <ac:spMkLst>
+            <pc:docMk/>
+            <pc:sldMk cId="2315497323" sldId="272"/>
+            <ac:spMk id="8" creationId="{34340CE0-E53A-4F9E-96D0-AA5B12875806}"/>
+          </ac:spMkLst>
+        </pc:spChg>
+        <pc:spChg chg="add del">
+          <ac:chgData name="Karan" userId="5d18d3345cf05877" providerId="LiveId" clId="{82D9BE44-98BF-4D4B-9EEA-54D12030A601}" dt="2020-12-06T02:59:11.794" v="1220" actId="26606"/>
+          <ac:spMkLst>
+            <pc:docMk/>
+            <pc:sldMk cId="2315497323" sldId="272"/>
+            <ac:spMk id="11" creationId="{1447903E-2B66-479D-959B-F2EBB2CC901F}"/>
+          </ac:spMkLst>
+        </pc:spChg>
+        <pc:spChg chg="add del">
+          <ac:chgData name="Karan" userId="5d18d3345cf05877" providerId="LiveId" clId="{82D9BE44-98BF-4D4B-9EEA-54D12030A601}" dt="2020-12-06T02:59:11.794" v="1220" actId="26606"/>
+          <ac:spMkLst>
+            <pc:docMk/>
+            <pc:sldMk cId="2315497323" sldId="272"/>
+            <ac:spMk id="12" creationId="{D35D61A1-8484-4749-8AD0-A3455E0753C5}"/>
+          </ac:spMkLst>
+        </pc:spChg>
+        <pc:spChg chg="add del">
+          <ac:chgData name="Karan" userId="5d18d3345cf05877" providerId="LiveId" clId="{82D9BE44-98BF-4D4B-9EEA-54D12030A601}" dt="2020-12-06T02:59:10.923" v="1217" actId="26606"/>
+          <ac:spMkLst>
+            <pc:docMk/>
+            <pc:sldMk cId="2315497323" sldId="272"/>
+            <ac:spMk id="17" creationId="{53F29798-D584-4792-9B62-3F5F5C36D619}"/>
+          </ac:spMkLst>
+        </pc:spChg>
+        <pc:spChg chg="add del">
+          <ac:chgData name="Karan" userId="5d18d3345cf05877" providerId="LiveId" clId="{82D9BE44-98BF-4D4B-9EEA-54D12030A601}" dt="2020-12-06T02:59:11.789" v="1219" actId="26606"/>
+          <ac:spMkLst>
+            <pc:docMk/>
+            <pc:sldMk cId="2315497323" sldId="272"/>
+            <ac:spMk id="19" creationId="{1447903E-2B66-479D-959B-F2EBB2CC901F}"/>
+          </ac:spMkLst>
+        </pc:spChg>
+        <pc:spChg chg="add del">
+          <ac:chgData name="Karan" userId="5d18d3345cf05877" providerId="LiveId" clId="{82D9BE44-98BF-4D4B-9EEA-54D12030A601}" dt="2020-12-06T02:59:11.789" v="1219" actId="26606"/>
+          <ac:spMkLst>
+            <pc:docMk/>
+            <pc:sldMk cId="2315497323" sldId="272"/>
+            <ac:spMk id="20" creationId="{D35D61A1-8484-4749-8AD0-A3455E0753C5}"/>
+          </ac:spMkLst>
+        </pc:spChg>
+        <pc:spChg chg="add del">
+          <ac:chgData name="Karan" userId="5d18d3345cf05877" providerId="LiveId" clId="{82D9BE44-98BF-4D4B-9EEA-54D12030A601}" dt="2020-12-06T03:02:22.082" v="1256" actId="26606"/>
+          <ac:spMkLst>
+            <pc:docMk/>
+            <pc:sldMk cId="2315497323" sldId="272"/>
+            <ac:spMk id="22" creationId="{86295E7F-EA66-480B-B001-C8BE7CD61903}"/>
+          </ac:spMkLst>
+        </pc:spChg>
+        <pc:spChg chg="add del">
+          <ac:chgData name="Karan" userId="5d18d3345cf05877" providerId="LiveId" clId="{82D9BE44-98BF-4D4B-9EEA-54D12030A601}" dt="2020-12-06T03:01:10.487" v="1243" actId="26606"/>
+          <ac:spMkLst>
+            <pc:docMk/>
+            <pc:sldMk cId="2315497323" sldId="272"/>
+            <ac:spMk id="25" creationId="{86295E7F-EA66-480B-B001-C8BE7CD61903}"/>
+          </ac:spMkLst>
+        </pc:spChg>
+        <pc:spChg chg="add del">
+          <ac:chgData name="Karan" userId="5d18d3345cf05877" providerId="LiveId" clId="{82D9BE44-98BF-4D4B-9EEA-54D12030A601}" dt="2020-12-06T03:02:04.766" v="1249" actId="26606"/>
+          <ac:spMkLst>
+            <pc:docMk/>
+            <pc:sldMk cId="2315497323" sldId="272"/>
+            <ac:spMk id="27" creationId="{86295E7F-EA66-480B-B001-C8BE7CD61903}"/>
+          </ac:spMkLst>
+        </pc:spChg>
+        <pc:spChg chg="add del">
+          <ac:chgData name="Karan" userId="5d18d3345cf05877" providerId="LiveId" clId="{82D9BE44-98BF-4D4B-9EEA-54D12030A601}" dt="2020-12-06T03:00:09.689" v="1224" actId="26606"/>
+          <ac:spMkLst>
+            <pc:docMk/>
+            <pc:sldMk cId="2315497323" sldId="272"/>
+            <ac:spMk id="28" creationId="{F40CA114-B78B-4E3B-A785-96745276B6FB}"/>
+          </ac:spMkLst>
+        </pc:spChg>
+        <pc:spChg chg="add del">
+          <ac:chgData name="Karan" userId="5d18d3345cf05877" providerId="LiveId" clId="{82D9BE44-98BF-4D4B-9EEA-54D12030A601}" dt="2020-12-06T03:02:06.379" v="1251" actId="26606"/>
+          <ac:spMkLst>
+            <pc:docMk/>
+            <pc:sldMk cId="2315497323" sldId="272"/>
+            <ac:spMk id="31" creationId="{5A59F003-E00A-43F9-91DC-CC54E3B87466}"/>
+          </ac:spMkLst>
+        </pc:spChg>
+        <pc:spChg chg="add del">
+          <ac:chgData name="Karan" userId="5d18d3345cf05877" providerId="LiveId" clId="{82D9BE44-98BF-4D4B-9EEA-54D12030A601}" dt="2020-12-06T03:00:10.708" v="1226" actId="26606"/>
+          <ac:spMkLst>
+            <pc:docMk/>
+            <pc:sldMk cId="2315497323" sldId="272"/>
+            <ac:spMk id="32" creationId="{BDD7BED2-CC5E-4866-AC0C-DCF928AF8AEE}"/>
+          </ac:spMkLst>
+        </pc:spChg>
+        <pc:spChg chg="add del">
+          <ac:chgData name="Karan" userId="5d18d3345cf05877" providerId="LiveId" clId="{82D9BE44-98BF-4D4B-9EEA-54D12030A601}" dt="2020-12-06T03:02:06.379" v="1251" actId="26606"/>
+          <ac:spMkLst>
+            <pc:docMk/>
+            <pc:sldMk cId="2315497323" sldId="272"/>
+            <ac:spMk id="35" creationId="{D74A4382-E3AD-430A-9A1F-DFA3E0E77A7D}"/>
+          </ac:spMkLst>
+        </pc:spChg>
+        <pc:spChg chg="add del">
+          <ac:chgData name="Karan" userId="5d18d3345cf05877" providerId="LiveId" clId="{82D9BE44-98BF-4D4B-9EEA-54D12030A601}" dt="2020-12-06T03:00:14.327" v="1228" actId="26606"/>
+          <ac:spMkLst>
+            <pc:docMk/>
+            <pc:sldMk cId="2315497323" sldId="272"/>
+            <ac:spMk id="36" creationId="{A254D376-7060-4491-9779-FC35E62F3F6F}"/>
+          </ac:spMkLst>
+        </pc:spChg>
+        <pc:spChg chg="add del">
+          <ac:chgData name="Karan" userId="5d18d3345cf05877" providerId="LiveId" clId="{82D9BE44-98BF-4D4B-9EEA-54D12030A601}" dt="2020-12-06T03:02:06.379" v="1251" actId="26606"/>
+          <ac:spMkLst>
+            <pc:docMk/>
+            <pc:sldMk cId="2315497323" sldId="272"/>
+            <ac:spMk id="37" creationId="{79F40191-0F44-4FD1-82CC-ACB507C14BE6}"/>
+          </ac:spMkLst>
+        </pc:spChg>
+        <pc:spChg chg="add del">
+          <ac:chgData name="Karan" userId="5d18d3345cf05877" providerId="LiveId" clId="{82D9BE44-98BF-4D4B-9EEA-54D12030A601}" dt="2020-12-06T03:00:16.869" v="1230" actId="26606"/>
+          <ac:spMkLst>
+            <pc:docMk/>
+            <pc:sldMk cId="2315497323" sldId="272"/>
+            <ac:spMk id="38" creationId="{86295E7F-EA66-480B-B001-C8BE7CD61903}"/>
+          </ac:spMkLst>
+        </pc:spChg>
+        <pc:spChg chg="add del">
+          <ac:chgData name="Karan" userId="5d18d3345cf05877" providerId="LiveId" clId="{82D9BE44-98BF-4D4B-9EEA-54D12030A601}" dt="2020-12-06T03:02:13.571" v="1253" actId="26606"/>
+          <ac:spMkLst>
+            <pc:docMk/>
+            <pc:sldMk cId="2315497323" sldId="272"/>
+            <ac:spMk id="40" creationId="{86295E7F-EA66-480B-B001-C8BE7CD61903}"/>
+          </ac:spMkLst>
+        </pc:spChg>
+        <pc:spChg chg="add del">
+          <ac:chgData name="Karan" userId="5d18d3345cf05877" providerId="LiveId" clId="{82D9BE44-98BF-4D4B-9EEA-54D12030A601}" dt="2020-12-06T03:02:22.074" v="1255" actId="26606"/>
+          <ac:spMkLst>
+            <pc:docMk/>
+            <pc:sldMk cId="2315497323" sldId="272"/>
+            <ac:spMk id="43" creationId="{303CC970-4826-4CED-8063-0FB676635452}"/>
+          </ac:spMkLst>
+        </pc:spChg>
+        <pc:spChg chg="add del">
+          <ac:chgData name="Karan" userId="5d18d3345cf05877" providerId="LiveId" clId="{82D9BE44-98BF-4D4B-9EEA-54D12030A601}" dt="2020-12-06T03:02:22.074" v="1255" actId="26606"/>
+          <ac:spMkLst>
+            <pc:docMk/>
+            <pc:sldMk cId="2315497323" sldId="272"/>
+            <ac:spMk id="44" creationId="{14490D63-3365-45CC-AC50-705C1B76815F}"/>
+          </ac:spMkLst>
+        </pc:spChg>
+        <pc:spChg chg="add del">
+          <ac:chgData name="Karan" userId="5d18d3345cf05877" providerId="LiveId" clId="{82D9BE44-98BF-4D4B-9EEA-54D12030A601}" dt="2020-12-06T20:26:08.723" v="1272" actId="26606"/>
+          <ac:spMkLst>
+            <pc:docMk/>
+            <pc:sldMk cId="2315497323" sldId="272"/>
+            <ac:spMk id="46" creationId="{86295E7F-EA66-480B-B001-C8BE7CD61903}"/>
+          </ac:spMkLst>
+        </pc:spChg>
+        <pc:spChg chg="add del">
+          <ac:chgData name="Karan" userId="5d18d3345cf05877" providerId="LiveId" clId="{82D9BE44-98BF-4D4B-9EEA-54D12030A601}" dt="2020-12-06T20:26:08.723" v="1272" actId="26606"/>
+          <ac:spMkLst>
+            <pc:docMk/>
+            <pc:sldMk cId="2315497323" sldId="272"/>
+            <ac:spMk id="52" creationId="{B34F5AD2-EDBD-4BBD-A55C-EAFFD0C7097A}"/>
+          </ac:spMkLst>
+        </pc:spChg>
+        <pc:spChg chg="add del">
+          <ac:chgData name="Karan" userId="5d18d3345cf05877" providerId="LiveId" clId="{82D9BE44-98BF-4D4B-9EEA-54D12030A601}" dt="2020-12-06T20:26:08.723" v="1272" actId="26606"/>
+          <ac:spMkLst>
+            <pc:docMk/>
+            <pc:sldMk cId="2315497323" sldId="272"/>
+            <ac:spMk id="54" creationId="{C3896A03-3945-419A-B66B-4EE266EDD152}"/>
+          </ac:spMkLst>
+        </pc:spChg>
+        <pc:spChg chg="add del">
+          <ac:chgData name="Karan" userId="5d18d3345cf05877" providerId="LiveId" clId="{82D9BE44-98BF-4D4B-9EEA-54D12030A601}" dt="2020-12-06T20:26:08.723" v="1272" actId="26606"/>
+          <ac:spMkLst>
+            <pc:docMk/>
+            <pc:sldMk cId="2315497323" sldId="272"/>
+            <ac:spMk id="56" creationId="{6832F003-FCA6-4CFB-A2EA-308F3AA257D1}"/>
+          </ac:spMkLst>
+        </pc:spChg>
+        <pc:picChg chg="del">
+          <ac:chgData name="Karan" userId="5d18d3345cf05877" providerId="LiveId" clId="{82D9BE44-98BF-4D4B-9EEA-54D12030A601}" dt="2020-12-06T02:58:25.822" v="1214" actId="478"/>
+          <ac:picMkLst>
+            <pc:docMk/>
+            <pc:sldMk cId="2315497323" sldId="272"/>
+            <ac:picMk id="4" creationId="{5697F44D-6F81-47E8-A285-B45D31634406}"/>
+          </ac:picMkLst>
+        </pc:picChg>
+        <pc:picChg chg="add del mod">
+          <ac:chgData name="Karan" userId="5d18d3345cf05877" providerId="LiveId" clId="{82D9BE44-98BF-4D4B-9EEA-54D12030A601}" dt="2020-12-06T02:59:59.012" v="1221" actId="478"/>
+          <ac:picMkLst>
+            <pc:docMk/>
+            <pc:sldMk cId="2315497323" sldId="272"/>
+            <ac:picMk id="6" creationId="{A05ABA6D-D79F-4BF9-BC8B-26EC4CC7CD5C}"/>
+          </ac:picMkLst>
+        </pc:picChg>
+        <pc:picChg chg="add del mod">
+          <ac:chgData name="Karan" userId="5d18d3345cf05877" providerId="LiveId" clId="{82D9BE44-98BF-4D4B-9EEA-54D12030A601}" dt="2020-12-06T03:01:54.422" v="1246" actId="478"/>
+          <ac:picMkLst>
+            <pc:docMk/>
+            <pc:sldMk cId="2315497323" sldId="272"/>
+            <ac:picMk id="9" creationId="{047E97B0-F41E-4008-A3B6-F9DFAFDE468E}"/>
+          </ac:picMkLst>
+        </pc:picChg>
+        <pc:picChg chg="add mod">
+          <ac:chgData name="Karan" userId="5d18d3345cf05877" providerId="LiveId" clId="{82D9BE44-98BF-4D4B-9EEA-54D12030A601}" dt="2020-12-06T20:26:08.723" v="1272" actId="26606"/>
+          <ac:picMkLst>
+            <pc:docMk/>
+            <pc:sldMk cId="2315497323" sldId="272"/>
+            <ac:picMk id="10" creationId="{260CDF13-B0AC-4A8E-A802-7960C62CD236}"/>
+          </ac:picMkLst>
+        </pc:picChg>
+        <pc:picChg chg="add del">
+          <ac:chgData name="Karan" userId="5d18d3345cf05877" providerId="LiveId" clId="{82D9BE44-98BF-4D4B-9EEA-54D12030A601}" dt="2020-12-06T03:00:10.708" v="1226" actId="26606"/>
+          <ac:picMkLst>
+            <pc:docMk/>
+            <pc:sldMk cId="2315497323" sldId="272"/>
+            <ac:picMk id="33" creationId="{D266A5D8-E184-4E8F-9001-D6F41E3974FE}"/>
+          </ac:picMkLst>
+        </pc:picChg>
+        <pc:picChg chg="add del">
+          <ac:chgData name="Karan" userId="5d18d3345cf05877" providerId="LiveId" clId="{82D9BE44-98BF-4D4B-9EEA-54D12030A601}" dt="2020-12-06T03:00:10.708" v="1226" actId="26606"/>
+          <ac:picMkLst>
+            <pc:docMk/>
+            <pc:sldMk cId="2315497323" sldId="272"/>
+            <ac:picMk id="34" creationId="{4EB1D02B-BBFA-4A97-A021-7816ECC34904}"/>
+          </ac:picMkLst>
+        </pc:picChg>
+        <pc:cxnChg chg="add del">
+          <ac:chgData name="Karan" userId="5d18d3345cf05877" providerId="LiveId" clId="{82D9BE44-98BF-4D4B-9EEA-54D12030A601}" dt="2020-12-06T03:02:22.082" v="1256" actId="26606"/>
+          <ac:cxnSpMkLst>
+            <pc:docMk/>
+            <pc:sldMk cId="2315497323" sldId="272"/>
+            <ac:cxnSpMk id="23" creationId="{E126E481-B945-4179-BD79-05E96E9B29E1}"/>
+          </ac:cxnSpMkLst>
+        </pc:cxnChg>
+        <pc:cxnChg chg="add del">
+          <ac:chgData name="Karan" userId="5d18d3345cf05877" providerId="LiveId" clId="{82D9BE44-98BF-4D4B-9EEA-54D12030A601}" dt="2020-12-06T03:01:10.487" v="1243" actId="26606"/>
+          <ac:cxnSpMkLst>
+            <pc:docMk/>
+            <pc:sldMk cId="2315497323" sldId="272"/>
+            <ac:cxnSpMk id="26" creationId="{E126E481-B945-4179-BD79-05E96E9B29E1}"/>
+          </ac:cxnSpMkLst>
+        </pc:cxnChg>
+        <pc:cxnChg chg="add del">
+          <ac:chgData name="Karan" userId="5d18d3345cf05877" providerId="LiveId" clId="{82D9BE44-98BF-4D4B-9EEA-54D12030A601}" dt="2020-12-06T03:02:04.766" v="1249" actId="26606"/>
+          <ac:cxnSpMkLst>
+            <pc:docMk/>
+            <pc:sldMk cId="2315497323" sldId="272"/>
+            <ac:cxnSpMk id="29" creationId="{E126E481-B945-4179-BD79-05E96E9B29E1}"/>
+          </ac:cxnSpMkLst>
+        </pc:cxnChg>
+        <pc:cxnChg chg="add del">
+          <ac:chgData name="Karan" userId="5d18d3345cf05877" providerId="LiveId" clId="{82D9BE44-98BF-4D4B-9EEA-54D12030A601}" dt="2020-12-06T03:00:09.689" v="1224" actId="26606"/>
+          <ac:cxnSpMkLst>
+            <pc:docMk/>
+            <pc:sldMk cId="2315497323" sldId="272"/>
+            <ac:cxnSpMk id="30" creationId="{E126E481-B945-4179-BD79-05E96E9B29E1}"/>
+          </ac:cxnSpMkLst>
+        </pc:cxnChg>
+        <pc:cxnChg chg="add del">
+          <ac:chgData name="Karan" userId="5d18d3345cf05877" providerId="LiveId" clId="{82D9BE44-98BF-4D4B-9EEA-54D12030A601}" dt="2020-12-06T03:00:16.869" v="1230" actId="26606"/>
+          <ac:cxnSpMkLst>
+            <pc:docMk/>
+            <pc:sldMk cId="2315497323" sldId="272"/>
+            <ac:cxnSpMk id="39" creationId="{E126E481-B945-4179-BD79-05E96E9B29E1}"/>
+          </ac:cxnSpMkLst>
+        </pc:cxnChg>
+        <pc:cxnChg chg="add del">
+          <ac:chgData name="Karan" userId="5d18d3345cf05877" providerId="LiveId" clId="{82D9BE44-98BF-4D4B-9EEA-54D12030A601}" dt="2020-12-06T03:02:13.571" v="1253" actId="26606"/>
+          <ac:cxnSpMkLst>
+            <pc:docMk/>
+            <pc:sldMk cId="2315497323" sldId="272"/>
+            <ac:cxnSpMk id="41" creationId="{E126E481-B945-4179-BD79-05E96E9B29E1}"/>
+          </ac:cxnSpMkLst>
+        </pc:cxnChg>
+        <pc:cxnChg chg="add del">
+          <ac:chgData name="Karan" userId="5d18d3345cf05877" providerId="LiveId" clId="{82D9BE44-98BF-4D4B-9EEA-54D12030A601}" dt="2020-12-06T20:26:08.723" v="1272" actId="26606"/>
+          <ac:cxnSpMkLst>
+            <pc:docMk/>
+            <pc:sldMk cId="2315497323" sldId="272"/>
+            <ac:cxnSpMk id="47" creationId="{E126E481-B945-4179-BD79-05E96E9B29E1}"/>
+          </ac:cxnSpMkLst>
+        </pc:cxnChg>
+      </pc:sldChg>
+      <pc:sldChg chg="addSp delSp modSp add">
+        <pc:chgData name="Karan" userId="5d18d3345cf05877" providerId="LiveId" clId="{82D9BE44-98BF-4D4B-9EEA-54D12030A601}" dt="2020-12-06T03:02:36.087" v="1259" actId="26606"/>
+        <pc:sldMkLst>
+          <pc:docMk/>
+          <pc:sldMk cId="473945467" sldId="273"/>
+        </pc:sldMkLst>
+        <pc:spChg chg="del">
+          <ac:chgData name="Karan" userId="5d18d3345cf05877" providerId="LiveId" clId="{82D9BE44-98BF-4D4B-9EEA-54D12030A601}" dt="2020-12-06T03:02:34.050" v="1258" actId="478"/>
+          <ac:spMkLst>
+            <pc:docMk/>
+            <pc:sldMk cId="473945467" sldId="273"/>
+            <ac:spMk id="2" creationId="{288C91C7-7E7B-42BD-B27C-D9714C59BD52}"/>
+          </ac:spMkLst>
+        </pc:spChg>
+        <pc:spChg chg="add mod">
+          <ac:chgData name="Karan" userId="5d18d3345cf05877" providerId="LiveId" clId="{82D9BE44-98BF-4D4B-9EEA-54D12030A601}" dt="2020-12-06T03:02:36.087" v="1259" actId="26606"/>
+          <ac:spMkLst>
+            <pc:docMk/>
+            <pc:sldMk cId="473945467" sldId="273"/>
+            <ac:spMk id="5" creationId="{B059465F-CA40-4DBE-9D24-590162D96B18}"/>
+          </ac:spMkLst>
+        </pc:spChg>
+        <pc:spChg chg="del">
+          <ac:chgData name="Karan" userId="5d18d3345cf05877" providerId="LiveId" clId="{82D9BE44-98BF-4D4B-9EEA-54D12030A601}" dt="2020-12-06T03:02:30.079" v="1257" actId="26606"/>
+          <ac:spMkLst>
+            <pc:docMk/>
+            <pc:sldMk cId="473945467" sldId="273"/>
+            <ac:spMk id="11" creationId="{1447903E-2B66-479D-959B-F2EBB2CC901F}"/>
+          </ac:spMkLst>
+        </pc:spChg>
+        <pc:spChg chg="del">
+          <ac:chgData name="Karan" userId="5d18d3345cf05877" providerId="LiveId" clId="{82D9BE44-98BF-4D4B-9EEA-54D12030A601}" dt="2020-12-06T03:02:30.079" v="1257" actId="26606"/>
+          <ac:spMkLst>
+            <pc:docMk/>
+            <pc:sldMk cId="473945467" sldId="273"/>
+            <ac:spMk id="12" creationId="{D35D61A1-8484-4749-8AD0-A3455E0753C5}"/>
+          </ac:spMkLst>
+        </pc:spChg>
+        <pc:spChg chg="add del">
+          <ac:chgData name="Karan" userId="5d18d3345cf05877" providerId="LiveId" clId="{82D9BE44-98BF-4D4B-9EEA-54D12030A601}" dt="2020-12-06T03:02:36.087" v="1259" actId="26606"/>
+          <ac:spMkLst>
+            <pc:docMk/>
+            <pc:sldMk cId="473945467" sldId="273"/>
+            <ac:spMk id="17" creationId="{D35D61A1-8484-4749-8AD0-A3455E0753C5}"/>
+          </ac:spMkLst>
+        </pc:spChg>
+        <pc:spChg chg="add del">
+          <ac:chgData name="Karan" userId="5d18d3345cf05877" providerId="LiveId" clId="{82D9BE44-98BF-4D4B-9EEA-54D12030A601}" dt="2020-12-06T03:02:36.087" v="1259" actId="26606"/>
+          <ac:spMkLst>
+            <pc:docMk/>
+            <pc:sldMk cId="473945467" sldId="273"/>
+            <ac:spMk id="19" creationId="{1447903E-2B66-479D-959B-F2EBB2CC901F}"/>
+          </ac:spMkLst>
+        </pc:spChg>
+        <pc:spChg chg="add">
+          <ac:chgData name="Karan" userId="5d18d3345cf05877" providerId="LiveId" clId="{82D9BE44-98BF-4D4B-9EEA-54D12030A601}" dt="2020-12-06T03:02:36.087" v="1259" actId="26606"/>
+          <ac:spMkLst>
+            <pc:docMk/>
+            <pc:sldMk cId="473945467" sldId="273"/>
+            <ac:spMk id="24" creationId="{D35D61A1-8484-4749-8AD0-A3455E0753C5}"/>
+          </ac:spMkLst>
+        </pc:spChg>
+        <pc:spChg chg="add">
+          <ac:chgData name="Karan" userId="5d18d3345cf05877" providerId="LiveId" clId="{82D9BE44-98BF-4D4B-9EEA-54D12030A601}" dt="2020-12-06T03:02:36.087" v="1259" actId="26606"/>
+          <ac:spMkLst>
+            <pc:docMk/>
+            <pc:sldMk cId="473945467" sldId="273"/>
+            <ac:spMk id="26" creationId="{1447903E-2B66-479D-959B-F2EBB2CC901F}"/>
+          </ac:spMkLst>
+        </pc:spChg>
+        <pc:picChg chg="mod ord">
+          <ac:chgData name="Karan" userId="5d18d3345cf05877" providerId="LiveId" clId="{82D9BE44-98BF-4D4B-9EEA-54D12030A601}" dt="2020-12-06T03:02:36.087" v="1259" actId="26606"/>
+          <ac:picMkLst>
+            <pc:docMk/>
+            <pc:sldMk cId="473945467" sldId="273"/>
+            <ac:picMk id="4" creationId="{5697F44D-6F81-47E8-A285-B45D31634406}"/>
+          </ac:picMkLst>
+        </pc:picChg>
+      </pc:sldChg>
+      <pc:sldChg chg="addSp delSp modSp add">
+        <pc:chgData name="Karan" userId="5d18d3345cf05877" providerId="LiveId" clId="{82D9BE44-98BF-4D4B-9EEA-54D12030A601}" dt="2020-12-06T03:03:26.365" v="1267" actId="1076"/>
+        <pc:sldMkLst>
+          <pc:docMk/>
+          <pc:sldMk cId="1614532303" sldId="274"/>
+        </pc:sldMkLst>
+        <pc:spChg chg="add mod">
+          <ac:chgData name="Karan" userId="5d18d3345cf05877" providerId="LiveId" clId="{82D9BE44-98BF-4D4B-9EEA-54D12030A601}" dt="2020-12-06T03:02:57.971" v="1262" actId="478"/>
+          <ac:spMkLst>
+            <pc:docMk/>
+            <pc:sldMk cId="1614532303" sldId="274"/>
+            <ac:spMk id="5" creationId="{FDEB7035-3DEC-452B-9524-B3B3ADFAEC14}"/>
+          </ac:spMkLst>
+        </pc:spChg>
+        <pc:picChg chg="del">
+          <ac:chgData name="Karan" userId="5d18d3345cf05877" providerId="LiveId" clId="{82D9BE44-98BF-4D4B-9EEA-54D12030A601}" dt="2020-12-06T03:02:57.971" v="1262" actId="478"/>
+          <ac:picMkLst>
+            <pc:docMk/>
+            <pc:sldMk cId="1614532303" sldId="274"/>
+            <ac:picMk id="4" creationId="{4291757B-E638-47DC-98EA-44F3B75BDF15}"/>
+          </ac:picMkLst>
+        </pc:picChg>
+        <pc:picChg chg="add mod">
+          <ac:chgData name="Karan" userId="5d18d3345cf05877" providerId="LiveId" clId="{82D9BE44-98BF-4D4B-9EEA-54D12030A601}" dt="2020-12-06T03:03:26.365" v="1267" actId="1076"/>
+          <ac:picMkLst>
+            <pc:docMk/>
+            <pc:sldMk cId="1614532303" sldId="274"/>
+            <ac:picMk id="8" creationId="{CB39510C-ED4A-46A0-9D81-A00BAF4D19BA}"/>
           </ac:picMkLst>
         </pc:picChg>
       </pc:sldChg>
@@ -1451,6 +2298,1535 @@
 </file>
 
 <file path=ppt/diagrams/colors1.xml><?xml version="1.0" encoding="utf-8"?>
+<dgm:colorsDef xmlns:dgm="http://schemas.openxmlformats.org/drawingml/2006/diagram" xmlns:a="http://schemas.openxmlformats.org/drawingml/2006/main" uniqueId="urn:microsoft.com/office/officeart/2005/8/colors/accent1_2">
+  <dgm:title val=""/>
+  <dgm:desc val=""/>
+  <dgm:catLst>
+    <dgm:cat type="accent1" pri="11200"/>
+  </dgm:catLst>
+  <dgm:styleLbl name="node0">
+    <dgm:fillClrLst meth="repeat">
+      <a:schemeClr val="accent1"/>
+    </dgm:fillClrLst>
+    <dgm:linClrLst meth="repeat">
+      <a:schemeClr val="lt1"/>
+    </dgm:linClrLst>
+    <dgm:effectClrLst/>
+    <dgm:txLinClrLst/>
+    <dgm:txFillClrLst/>
+    <dgm:txEffectClrLst/>
+  </dgm:styleLbl>
+  <dgm:styleLbl name="alignNode1">
+    <dgm:fillClrLst meth="repeat">
+      <a:schemeClr val="accent1"/>
+    </dgm:fillClrLst>
+    <dgm:linClrLst meth="repeat">
+      <a:schemeClr val="accent1"/>
+    </dgm:linClrLst>
+    <dgm:effectClrLst/>
+    <dgm:txLinClrLst/>
+    <dgm:txFillClrLst/>
+    <dgm:txEffectClrLst/>
+  </dgm:styleLbl>
+  <dgm:styleLbl name="node1">
+    <dgm:fillClrLst meth="repeat">
+      <a:schemeClr val="accent1"/>
+    </dgm:fillClrLst>
+    <dgm:linClrLst meth="repeat">
+      <a:schemeClr val="lt1"/>
+    </dgm:linClrLst>
+    <dgm:effectClrLst/>
+    <dgm:txLinClrLst/>
+    <dgm:txFillClrLst/>
+    <dgm:txEffectClrLst/>
+  </dgm:styleLbl>
+  <dgm:styleLbl name="lnNode1">
+    <dgm:fillClrLst meth="repeat">
+      <a:schemeClr val="accent1"/>
+    </dgm:fillClrLst>
+    <dgm:linClrLst meth="repeat">
+      <a:schemeClr val="lt1"/>
+    </dgm:linClrLst>
+    <dgm:effectClrLst/>
+    <dgm:txLinClrLst/>
+    <dgm:txFillClrLst/>
+    <dgm:txEffectClrLst/>
+  </dgm:styleLbl>
+  <dgm:styleLbl name="vennNode1">
+    <dgm:fillClrLst meth="repeat">
+      <a:schemeClr val="accent1">
+        <a:alpha val="50000"/>
+      </a:schemeClr>
+    </dgm:fillClrLst>
+    <dgm:linClrLst meth="repeat">
+      <a:schemeClr val="lt1"/>
+    </dgm:linClrLst>
+    <dgm:effectClrLst/>
+    <dgm:txLinClrLst/>
+    <dgm:txFillClrLst/>
+    <dgm:txEffectClrLst/>
+  </dgm:styleLbl>
+  <dgm:styleLbl name="node2">
+    <dgm:fillClrLst meth="repeat">
+      <a:schemeClr val="accent1"/>
+    </dgm:fillClrLst>
+    <dgm:linClrLst meth="repeat">
+      <a:schemeClr val="lt1"/>
+    </dgm:linClrLst>
+    <dgm:effectClrLst/>
+    <dgm:txLinClrLst/>
+    <dgm:txFillClrLst/>
+    <dgm:txEffectClrLst/>
+  </dgm:styleLbl>
+  <dgm:styleLbl name="node3">
+    <dgm:fillClrLst meth="repeat">
+      <a:schemeClr val="accent1"/>
+    </dgm:fillClrLst>
+    <dgm:linClrLst meth="repeat">
+      <a:schemeClr val="lt1"/>
+    </dgm:linClrLst>
+    <dgm:effectClrLst/>
+    <dgm:txLinClrLst/>
+    <dgm:txFillClrLst/>
+    <dgm:txEffectClrLst/>
+  </dgm:styleLbl>
+  <dgm:styleLbl name="node4">
+    <dgm:fillClrLst meth="repeat">
+      <a:schemeClr val="accent1"/>
+    </dgm:fillClrLst>
+    <dgm:linClrLst meth="repeat">
+      <a:schemeClr val="lt1"/>
+    </dgm:linClrLst>
+    <dgm:effectClrLst/>
+    <dgm:txLinClrLst/>
+    <dgm:txFillClrLst/>
+    <dgm:txEffectClrLst/>
+  </dgm:styleLbl>
+  <dgm:styleLbl name="fgImgPlace1">
+    <dgm:fillClrLst meth="repeat">
+      <a:schemeClr val="accent1">
+        <a:tint val="50000"/>
+      </a:schemeClr>
+    </dgm:fillClrLst>
+    <dgm:linClrLst meth="repeat">
+      <a:schemeClr val="lt1"/>
+    </dgm:linClrLst>
+    <dgm:effectClrLst/>
+    <dgm:txLinClrLst/>
+    <dgm:txFillClrLst meth="repeat">
+      <a:schemeClr val="lt1"/>
+    </dgm:txFillClrLst>
+    <dgm:txEffectClrLst/>
+  </dgm:styleLbl>
+  <dgm:styleLbl name="alignImgPlace1">
+    <dgm:fillClrLst meth="repeat">
+      <a:schemeClr val="accent1">
+        <a:tint val="50000"/>
+      </a:schemeClr>
+    </dgm:fillClrLst>
+    <dgm:linClrLst meth="repeat">
+      <a:schemeClr val="lt1"/>
+    </dgm:linClrLst>
+    <dgm:effectClrLst/>
+    <dgm:txLinClrLst/>
+    <dgm:txFillClrLst meth="repeat">
+      <a:schemeClr val="lt1"/>
+    </dgm:txFillClrLst>
+    <dgm:txEffectClrLst/>
+  </dgm:styleLbl>
+  <dgm:styleLbl name="bgImgPlace1">
+    <dgm:fillClrLst meth="repeat">
+      <a:schemeClr val="accent1">
+        <a:tint val="50000"/>
+      </a:schemeClr>
+    </dgm:fillClrLst>
+    <dgm:linClrLst meth="repeat">
+      <a:schemeClr val="lt1"/>
+    </dgm:linClrLst>
+    <dgm:effectClrLst/>
+    <dgm:txLinClrLst/>
+    <dgm:txFillClrLst meth="repeat">
+      <a:schemeClr val="lt1"/>
+    </dgm:txFillClrLst>
+    <dgm:txEffectClrLst/>
+  </dgm:styleLbl>
+  <dgm:styleLbl name="sibTrans2D1">
+    <dgm:fillClrLst meth="repeat">
+      <a:schemeClr val="accent1">
+        <a:tint val="60000"/>
+      </a:schemeClr>
+    </dgm:fillClrLst>
+    <dgm:linClrLst meth="repeat">
+      <a:schemeClr val="accent1">
+        <a:tint val="60000"/>
+      </a:schemeClr>
+    </dgm:linClrLst>
+    <dgm:effectClrLst/>
+    <dgm:txLinClrLst/>
+    <dgm:txFillClrLst/>
+    <dgm:txEffectClrLst/>
+  </dgm:styleLbl>
+  <dgm:styleLbl name="fgSibTrans2D1">
+    <dgm:fillClrLst meth="repeat">
+      <a:schemeClr val="accent1">
+        <a:tint val="60000"/>
+      </a:schemeClr>
+    </dgm:fillClrLst>
+    <dgm:linClrLst meth="repeat">
+      <a:schemeClr val="accent1">
+        <a:tint val="60000"/>
+      </a:schemeClr>
+    </dgm:linClrLst>
+    <dgm:effectClrLst/>
+    <dgm:txLinClrLst/>
+    <dgm:txFillClrLst/>
+    <dgm:txEffectClrLst/>
+  </dgm:styleLbl>
+  <dgm:styleLbl name="bgSibTrans2D1">
+    <dgm:fillClrLst meth="repeat">
+      <a:schemeClr val="accent1">
+        <a:tint val="60000"/>
+      </a:schemeClr>
+    </dgm:fillClrLst>
+    <dgm:linClrLst meth="repeat">
+      <a:schemeClr val="accent1">
+        <a:tint val="60000"/>
+      </a:schemeClr>
+    </dgm:linClrLst>
+    <dgm:effectClrLst/>
+    <dgm:txLinClrLst/>
+    <dgm:txFillClrLst/>
+    <dgm:txEffectClrLst/>
+  </dgm:styleLbl>
+  <dgm:styleLbl name="sibTrans1D1">
+    <dgm:fillClrLst meth="repeat">
+      <a:schemeClr val="accent1"/>
+    </dgm:fillClrLst>
+    <dgm:linClrLst meth="repeat">
+      <a:schemeClr val="accent1"/>
+    </dgm:linClrLst>
+    <dgm:effectClrLst/>
+    <dgm:txLinClrLst/>
+    <dgm:txFillClrLst meth="repeat">
+      <a:schemeClr val="tx1"/>
+    </dgm:txFillClrLst>
+    <dgm:txEffectClrLst/>
+  </dgm:styleLbl>
+  <dgm:styleLbl name="callout">
+    <dgm:fillClrLst meth="repeat">
+      <a:schemeClr val="accent1"/>
+    </dgm:fillClrLst>
+    <dgm:linClrLst meth="repeat">
+      <a:schemeClr val="accent1">
+        <a:tint val="50000"/>
+      </a:schemeClr>
+    </dgm:linClrLst>
+    <dgm:effectClrLst/>
+    <dgm:txLinClrLst/>
+    <dgm:txFillClrLst meth="repeat">
+      <a:schemeClr val="tx1"/>
+    </dgm:txFillClrLst>
+    <dgm:txEffectClrLst/>
+  </dgm:styleLbl>
+  <dgm:styleLbl name="asst0">
+    <dgm:fillClrLst meth="repeat">
+      <a:schemeClr val="accent1"/>
+    </dgm:fillClrLst>
+    <dgm:linClrLst meth="repeat">
+      <a:schemeClr val="lt1"/>
+    </dgm:linClrLst>
+    <dgm:effectClrLst/>
+    <dgm:txLinClrLst/>
+    <dgm:txFillClrLst/>
+    <dgm:txEffectClrLst/>
+  </dgm:styleLbl>
+  <dgm:styleLbl name="asst1">
+    <dgm:fillClrLst meth="repeat">
+      <a:schemeClr val="accent1"/>
+    </dgm:fillClrLst>
+    <dgm:linClrLst meth="repeat">
+      <a:schemeClr val="lt1"/>
+    </dgm:linClrLst>
+    <dgm:effectClrLst/>
+    <dgm:txLinClrLst/>
+    <dgm:txFillClrLst/>
+    <dgm:txEffectClrLst/>
+  </dgm:styleLbl>
+  <dgm:styleLbl name="asst2">
+    <dgm:fillClrLst meth="repeat">
+      <a:schemeClr val="accent1"/>
+    </dgm:fillClrLst>
+    <dgm:linClrLst meth="repeat">
+      <a:schemeClr val="lt1"/>
+    </dgm:linClrLst>
+    <dgm:effectClrLst/>
+    <dgm:txLinClrLst/>
+    <dgm:txFillClrLst/>
+    <dgm:txEffectClrLst/>
+  </dgm:styleLbl>
+  <dgm:styleLbl name="asst3">
+    <dgm:fillClrLst meth="repeat">
+      <a:schemeClr val="accent1"/>
+    </dgm:fillClrLst>
+    <dgm:linClrLst meth="repeat">
+      <a:schemeClr val="lt1"/>
+    </dgm:linClrLst>
+    <dgm:effectClrLst/>
+    <dgm:txLinClrLst/>
+    <dgm:txFillClrLst/>
+    <dgm:txEffectClrLst/>
+  </dgm:styleLbl>
+  <dgm:styleLbl name="asst4">
+    <dgm:fillClrLst meth="repeat">
+      <a:schemeClr val="accent1"/>
+    </dgm:fillClrLst>
+    <dgm:linClrLst meth="repeat">
+      <a:schemeClr val="lt1"/>
+    </dgm:linClrLst>
+    <dgm:effectClrLst/>
+    <dgm:txLinClrLst/>
+    <dgm:txFillClrLst/>
+    <dgm:txEffectClrLst/>
+  </dgm:styleLbl>
+  <dgm:styleLbl name="parChTrans2D1">
+    <dgm:fillClrLst meth="repeat">
+      <a:schemeClr val="accent1">
+        <a:tint val="60000"/>
+      </a:schemeClr>
+    </dgm:fillClrLst>
+    <dgm:linClrLst meth="repeat">
+      <a:schemeClr val="accent1">
+        <a:tint val="60000"/>
+      </a:schemeClr>
+    </dgm:linClrLst>
+    <dgm:effectClrLst/>
+    <dgm:txLinClrLst/>
+    <dgm:txFillClrLst meth="repeat">
+      <a:schemeClr val="lt1"/>
+    </dgm:txFillClrLst>
+    <dgm:txEffectClrLst/>
+  </dgm:styleLbl>
+  <dgm:styleLbl name="parChTrans2D2">
+    <dgm:fillClrLst meth="repeat">
+      <a:schemeClr val="accent1"/>
+    </dgm:fillClrLst>
+    <dgm:linClrLst meth="repeat">
+      <a:schemeClr val="accent1"/>
+    </dgm:linClrLst>
+    <dgm:effectClrLst/>
+    <dgm:txLinClrLst/>
+    <dgm:txFillClrLst meth="repeat">
+      <a:schemeClr val="lt1"/>
+    </dgm:txFillClrLst>
+    <dgm:txEffectClrLst/>
+  </dgm:styleLbl>
+  <dgm:styleLbl name="parChTrans2D3">
+    <dgm:fillClrLst meth="repeat">
+      <a:schemeClr val="accent1"/>
+    </dgm:fillClrLst>
+    <dgm:linClrLst meth="repeat">
+      <a:schemeClr val="accent1"/>
+    </dgm:linClrLst>
+    <dgm:effectClrLst/>
+    <dgm:txLinClrLst/>
+    <dgm:txFillClrLst meth="repeat">
+      <a:schemeClr val="lt1"/>
+    </dgm:txFillClrLst>
+    <dgm:txEffectClrLst/>
+  </dgm:styleLbl>
+  <dgm:styleLbl name="parChTrans2D4">
+    <dgm:fillClrLst meth="repeat">
+      <a:schemeClr val="accent1"/>
+    </dgm:fillClrLst>
+    <dgm:linClrLst meth="repeat">
+      <a:schemeClr val="accent1"/>
+    </dgm:linClrLst>
+    <dgm:effectClrLst/>
+    <dgm:txLinClrLst/>
+    <dgm:txFillClrLst meth="repeat">
+      <a:schemeClr val="lt1"/>
+    </dgm:txFillClrLst>
+    <dgm:txEffectClrLst/>
+  </dgm:styleLbl>
+  <dgm:styleLbl name="parChTrans1D1">
+    <dgm:fillClrLst meth="repeat">
+      <a:schemeClr val="accent1"/>
+    </dgm:fillClrLst>
+    <dgm:linClrLst meth="repeat">
+      <a:schemeClr val="accent1">
+        <a:shade val="60000"/>
+      </a:schemeClr>
+    </dgm:linClrLst>
+    <dgm:effectClrLst/>
+    <dgm:txLinClrLst/>
+    <dgm:txFillClrLst meth="repeat">
+      <a:schemeClr val="tx1"/>
+    </dgm:txFillClrLst>
+    <dgm:txEffectClrLst/>
+  </dgm:styleLbl>
+  <dgm:styleLbl name="parChTrans1D2">
+    <dgm:fillClrLst meth="repeat">
+      <a:schemeClr val="accent1"/>
+    </dgm:fillClrLst>
+    <dgm:linClrLst meth="repeat">
+      <a:schemeClr val="accent1">
+        <a:shade val="60000"/>
+      </a:schemeClr>
+    </dgm:linClrLst>
+    <dgm:effectClrLst/>
+    <dgm:txLinClrLst/>
+    <dgm:txFillClrLst meth="repeat">
+      <a:schemeClr val="tx1"/>
+    </dgm:txFillClrLst>
+    <dgm:txEffectClrLst/>
+  </dgm:styleLbl>
+  <dgm:styleLbl name="parChTrans1D3">
+    <dgm:fillClrLst meth="repeat">
+      <a:schemeClr val="accent1"/>
+    </dgm:fillClrLst>
+    <dgm:linClrLst meth="repeat">
+      <a:schemeClr val="accent1">
+        <a:shade val="80000"/>
+      </a:schemeClr>
+    </dgm:linClrLst>
+    <dgm:effectClrLst/>
+    <dgm:txLinClrLst/>
+    <dgm:txFillClrLst meth="repeat">
+      <a:schemeClr val="tx1"/>
+    </dgm:txFillClrLst>
+    <dgm:txEffectClrLst/>
+  </dgm:styleLbl>
+  <dgm:styleLbl name="parChTrans1D4">
+    <dgm:fillClrLst meth="repeat">
+      <a:schemeClr val="accent1"/>
+    </dgm:fillClrLst>
+    <dgm:linClrLst meth="repeat">
+      <a:schemeClr val="accent1">
+        <a:shade val="80000"/>
+      </a:schemeClr>
+    </dgm:linClrLst>
+    <dgm:effectClrLst/>
+    <dgm:txLinClrLst/>
+    <dgm:txFillClrLst meth="repeat">
+      <a:schemeClr val="tx1"/>
+    </dgm:txFillClrLst>
+    <dgm:txEffectClrLst/>
+  </dgm:styleLbl>
+  <dgm:styleLbl name="fgAcc1">
+    <dgm:fillClrLst meth="repeat">
+      <a:schemeClr val="lt1">
+        <a:alpha val="90000"/>
+      </a:schemeClr>
+    </dgm:fillClrLst>
+    <dgm:linClrLst meth="repeat">
+      <a:schemeClr val="accent1"/>
+    </dgm:linClrLst>
+    <dgm:effectClrLst/>
+    <dgm:txLinClrLst/>
+    <dgm:txFillClrLst meth="repeat">
+      <a:schemeClr val="dk1"/>
+    </dgm:txFillClrLst>
+    <dgm:txEffectClrLst/>
+  </dgm:styleLbl>
+  <dgm:styleLbl name="conFgAcc1">
+    <dgm:fillClrLst meth="repeat">
+      <a:schemeClr val="lt1">
+        <a:alpha val="90000"/>
+      </a:schemeClr>
+    </dgm:fillClrLst>
+    <dgm:linClrLst meth="repeat">
+      <a:schemeClr val="accent1"/>
+    </dgm:linClrLst>
+    <dgm:effectClrLst/>
+    <dgm:txLinClrLst/>
+    <dgm:txFillClrLst meth="repeat">
+      <a:schemeClr val="dk1"/>
+    </dgm:txFillClrLst>
+    <dgm:txEffectClrLst/>
+  </dgm:styleLbl>
+  <dgm:styleLbl name="alignAcc1">
+    <dgm:fillClrLst meth="repeat">
+      <a:schemeClr val="lt1">
+        <a:alpha val="90000"/>
+      </a:schemeClr>
+    </dgm:fillClrLst>
+    <dgm:linClrLst meth="repeat">
+      <a:schemeClr val="accent1"/>
+    </dgm:linClrLst>
+    <dgm:effectClrLst/>
+    <dgm:txLinClrLst/>
+    <dgm:txFillClrLst meth="repeat">
+      <a:schemeClr val="dk1"/>
+    </dgm:txFillClrLst>
+    <dgm:txEffectClrLst/>
+  </dgm:styleLbl>
+  <dgm:styleLbl name="trAlignAcc1">
+    <dgm:fillClrLst meth="repeat">
+      <a:schemeClr val="lt1">
+        <a:alpha val="40000"/>
+      </a:schemeClr>
+    </dgm:fillClrLst>
+    <dgm:linClrLst meth="repeat">
+      <a:schemeClr val="accent1"/>
+    </dgm:linClrLst>
+    <dgm:effectClrLst/>
+    <dgm:txLinClrLst/>
+    <dgm:txFillClrLst meth="repeat">
+      <a:schemeClr val="dk1"/>
+    </dgm:txFillClrLst>
+    <dgm:txEffectClrLst/>
+  </dgm:styleLbl>
+  <dgm:styleLbl name="bgAcc1">
+    <dgm:fillClrLst meth="repeat">
+      <a:schemeClr val="lt1">
+        <a:alpha val="90000"/>
+      </a:schemeClr>
+    </dgm:fillClrLst>
+    <dgm:linClrLst meth="repeat">
+      <a:schemeClr val="accent1"/>
+    </dgm:linClrLst>
+    <dgm:effectClrLst/>
+    <dgm:txLinClrLst/>
+    <dgm:txFillClrLst meth="repeat">
+      <a:schemeClr val="dk1"/>
+    </dgm:txFillClrLst>
+    <dgm:txEffectClrLst/>
+  </dgm:styleLbl>
+  <dgm:styleLbl name="solidFgAcc1">
+    <dgm:fillClrLst meth="repeat">
+      <a:schemeClr val="lt1"/>
+    </dgm:fillClrLst>
+    <dgm:linClrLst meth="repeat">
+      <a:schemeClr val="accent1"/>
+    </dgm:linClrLst>
+    <dgm:effectClrLst/>
+    <dgm:txLinClrLst/>
+    <dgm:txFillClrLst meth="repeat">
+      <a:schemeClr val="dk1"/>
+    </dgm:txFillClrLst>
+    <dgm:txEffectClrLst/>
+  </dgm:styleLbl>
+  <dgm:styleLbl name="solidAlignAcc1">
+    <dgm:fillClrLst meth="repeat">
+      <a:schemeClr val="lt1"/>
+    </dgm:fillClrLst>
+    <dgm:linClrLst meth="repeat">
+      <a:schemeClr val="accent1"/>
+    </dgm:linClrLst>
+    <dgm:effectClrLst/>
+    <dgm:txLinClrLst/>
+    <dgm:txFillClrLst meth="repeat">
+      <a:schemeClr val="dk1"/>
+    </dgm:txFillClrLst>
+    <dgm:txEffectClrLst/>
+  </dgm:styleLbl>
+  <dgm:styleLbl name="solidBgAcc1">
+    <dgm:fillClrLst meth="repeat">
+      <a:schemeClr val="lt1"/>
+    </dgm:fillClrLst>
+    <dgm:linClrLst meth="repeat">
+      <a:schemeClr val="accent1"/>
+    </dgm:linClrLst>
+    <dgm:effectClrLst/>
+    <dgm:txLinClrLst/>
+    <dgm:txFillClrLst meth="repeat">
+      <a:schemeClr val="dk1"/>
+    </dgm:txFillClrLst>
+    <dgm:txEffectClrLst/>
+  </dgm:styleLbl>
+  <dgm:styleLbl name="fgAccFollowNode1">
+    <dgm:fillClrLst meth="repeat">
+      <a:schemeClr val="accent1">
+        <a:alpha val="90000"/>
+        <a:tint val="40000"/>
+      </a:schemeClr>
+    </dgm:fillClrLst>
+    <dgm:linClrLst meth="repeat">
+      <a:schemeClr val="accent1">
+        <a:alpha val="90000"/>
+        <a:tint val="40000"/>
+      </a:schemeClr>
+    </dgm:linClrLst>
+    <dgm:effectClrLst/>
+    <dgm:txLinClrLst/>
+    <dgm:txFillClrLst meth="repeat">
+      <a:schemeClr val="dk1"/>
+    </dgm:txFillClrLst>
+    <dgm:txEffectClrLst/>
+  </dgm:styleLbl>
+  <dgm:styleLbl name="alignAccFollowNode1">
+    <dgm:fillClrLst meth="repeat">
+      <a:schemeClr val="accent1">
+        <a:alpha val="90000"/>
+        <a:tint val="40000"/>
+      </a:schemeClr>
+    </dgm:fillClrLst>
+    <dgm:linClrLst meth="repeat">
+      <a:schemeClr val="accent1">
+        <a:alpha val="90000"/>
+        <a:tint val="40000"/>
+      </a:schemeClr>
+    </dgm:linClrLst>
+    <dgm:effectClrLst/>
+    <dgm:txLinClrLst/>
+    <dgm:txFillClrLst meth="repeat">
+      <a:schemeClr val="dk1"/>
+    </dgm:txFillClrLst>
+    <dgm:txEffectClrLst/>
+  </dgm:styleLbl>
+  <dgm:styleLbl name="bgAccFollowNode1">
+    <dgm:fillClrLst meth="repeat">
+      <a:schemeClr val="accent1">
+        <a:alpha val="90000"/>
+        <a:tint val="40000"/>
+      </a:schemeClr>
+    </dgm:fillClrLst>
+    <dgm:linClrLst meth="repeat">
+      <a:schemeClr val="accent1">
+        <a:alpha val="90000"/>
+        <a:tint val="40000"/>
+      </a:schemeClr>
+    </dgm:linClrLst>
+    <dgm:effectClrLst/>
+    <dgm:txLinClrLst/>
+    <dgm:txFillClrLst meth="repeat">
+      <a:schemeClr val="dk1"/>
+    </dgm:txFillClrLst>
+    <dgm:txEffectClrLst/>
+  </dgm:styleLbl>
+  <dgm:styleLbl name="fgAcc0">
+    <dgm:fillClrLst meth="repeat">
+      <a:schemeClr val="lt1">
+        <a:alpha val="90000"/>
+      </a:schemeClr>
+    </dgm:fillClrLst>
+    <dgm:linClrLst meth="repeat">
+      <a:schemeClr val="accent1"/>
+    </dgm:linClrLst>
+    <dgm:effectClrLst/>
+    <dgm:txLinClrLst/>
+    <dgm:txFillClrLst meth="repeat">
+      <a:schemeClr val="dk1"/>
+    </dgm:txFillClrLst>
+    <dgm:txEffectClrLst/>
+  </dgm:styleLbl>
+  <dgm:styleLbl name="fgAcc2">
+    <dgm:fillClrLst meth="repeat">
+      <a:schemeClr val="lt1">
+        <a:alpha val="90000"/>
+      </a:schemeClr>
+    </dgm:fillClrLst>
+    <dgm:linClrLst meth="repeat">
+      <a:schemeClr val="accent1"/>
+    </dgm:linClrLst>
+    <dgm:effectClrLst/>
+    <dgm:txLinClrLst/>
+    <dgm:txFillClrLst meth="repeat">
+      <a:schemeClr val="dk1"/>
+    </dgm:txFillClrLst>
+    <dgm:txEffectClrLst/>
+  </dgm:styleLbl>
+  <dgm:styleLbl name="fgAcc3">
+    <dgm:fillClrLst meth="repeat">
+      <a:schemeClr val="lt1">
+        <a:alpha val="90000"/>
+      </a:schemeClr>
+    </dgm:fillClrLst>
+    <dgm:linClrLst meth="repeat">
+      <a:schemeClr val="accent1"/>
+    </dgm:linClrLst>
+    <dgm:effectClrLst/>
+    <dgm:txLinClrLst/>
+    <dgm:txFillClrLst meth="repeat">
+      <a:schemeClr val="dk1"/>
+    </dgm:txFillClrLst>
+    <dgm:txEffectClrLst/>
+  </dgm:styleLbl>
+  <dgm:styleLbl name="fgAcc4">
+    <dgm:fillClrLst meth="repeat">
+      <a:schemeClr val="lt1">
+        <a:alpha val="90000"/>
+      </a:schemeClr>
+    </dgm:fillClrLst>
+    <dgm:linClrLst meth="repeat">
+      <a:schemeClr val="accent1"/>
+    </dgm:linClrLst>
+    <dgm:effectClrLst/>
+    <dgm:txLinClrLst/>
+    <dgm:txFillClrLst meth="repeat">
+      <a:schemeClr val="dk1"/>
+    </dgm:txFillClrLst>
+    <dgm:txEffectClrLst/>
+  </dgm:styleLbl>
+  <dgm:styleLbl name="bgShp">
+    <dgm:fillClrLst meth="repeat">
+      <a:schemeClr val="accent1">
+        <a:tint val="40000"/>
+      </a:schemeClr>
+    </dgm:fillClrLst>
+    <dgm:linClrLst meth="repeat">
+      <a:schemeClr val="accent1"/>
+    </dgm:linClrLst>
+    <dgm:effectClrLst/>
+    <dgm:txLinClrLst/>
+    <dgm:txFillClrLst meth="repeat">
+      <a:schemeClr val="dk1"/>
+    </dgm:txFillClrLst>
+    <dgm:txEffectClrLst/>
+  </dgm:styleLbl>
+  <dgm:styleLbl name="dkBgShp">
+    <dgm:fillClrLst meth="repeat">
+      <a:schemeClr val="accent1">
+        <a:shade val="80000"/>
+      </a:schemeClr>
+    </dgm:fillClrLst>
+    <dgm:linClrLst meth="repeat">
+      <a:schemeClr val="accent1"/>
+    </dgm:linClrLst>
+    <dgm:effectClrLst/>
+    <dgm:txLinClrLst/>
+    <dgm:txFillClrLst meth="repeat">
+      <a:schemeClr val="lt1"/>
+    </dgm:txFillClrLst>
+    <dgm:txEffectClrLst/>
+  </dgm:styleLbl>
+  <dgm:styleLbl name="trBgShp">
+    <dgm:fillClrLst meth="repeat">
+      <a:schemeClr val="accent1">
+        <a:tint val="50000"/>
+        <a:alpha val="40000"/>
+      </a:schemeClr>
+    </dgm:fillClrLst>
+    <dgm:linClrLst meth="repeat">
+      <a:schemeClr val="accent1"/>
+    </dgm:linClrLst>
+    <dgm:effectClrLst/>
+    <dgm:txLinClrLst/>
+    <dgm:txFillClrLst meth="repeat">
+      <a:schemeClr val="lt1"/>
+    </dgm:txFillClrLst>
+    <dgm:txEffectClrLst/>
+  </dgm:styleLbl>
+  <dgm:styleLbl name="fgShp">
+    <dgm:fillClrLst meth="repeat">
+      <a:schemeClr val="accent1">
+        <a:tint val="60000"/>
+      </a:schemeClr>
+    </dgm:fillClrLst>
+    <dgm:linClrLst meth="repeat">
+      <a:schemeClr val="lt1"/>
+    </dgm:linClrLst>
+    <dgm:effectClrLst/>
+    <dgm:txLinClrLst/>
+    <dgm:txFillClrLst meth="repeat">
+      <a:schemeClr val="dk1"/>
+    </dgm:txFillClrLst>
+    <dgm:txEffectClrLst/>
+  </dgm:styleLbl>
+  <dgm:styleLbl name="revTx">
+    <dgm:fillClrLst meth="repeat">
+      <a:schemeClr val="lt1">
+        <a:alpha val="0"/>
+      </a:schemeClr>
+    </dgm:fillClrLst>
+    <dgm:linClrLst meth="repeat">
+      <a:schemeClr val="dk1">
+        <a:alpha val="0"/>
+      </a:schemeClr>
+    </dgm:linClrLst>
+    <dgm:effectClrLst/>
+    <dgm:txLinClrLst/>
+    <dgm:txFillClrLst meth="repeat">
+      <a:schemeClr val="tx1"/>
+    </dgm:txFillClrLst>
+    <dgm:txEffectClrLst/>
+  </dgm:styleLbl>
+</dgm:colorsDef>
+</file>
+
+<file path=ppt/diagrams/colors2.xml><?xml version="1.0" encoding="utf-8"?>
+<dgm:colorsDef xmlns:dgm="http://schemas.openxmlformats.org/drawingml/2006/diagram" xmlns:a="http://schemas.openxmlformats.org/drawingml/2006/main" uniqueId="urn:microsoft.com/office/officeart/2005/8/colors/colorful5">
+  <dgm:title val=""/>
+  <dgm:desc val=""/>
+  <dgm:catLst>
+    <dgm:cat type="colorful" pri="10500"/>
+  </dgm:catLst>
+  <dgm:styleLbl name="node0">
+    <dgm:fillClrLst meth="repeat">
+      <a:schemeClr val="accent4"/>
+    </dgm:fillClrLst>
+    <dgm:linClrLst meth="repeat">
+      <a:schemeClr val="lt1"/>
+    </dgm:linClrLst>
+    <dgm:effectClrLst/>
+    <dgm:txLinClrLst/>
+    <dgm:txFillClrLst/>
+    <dgm:txEffectClrLst/>
+  </dgm:styleLbl>
+  <dgm:styleLbl name="node1">
+    <dgm:fillClrLst>
+      <a:schemeClr val="accent5"/>
+      <a:schemeClr val="accent6"/>
+    </dgm:fillClrLst>
+    <dgm:linClrLst meth="repeat">
+      <a:schemeClr val="lt1"/>
+    </dgm:linClrLst>
+    <dgm:effectClrLst/>
+    <dgm:txLinClrLst/>
+    <dgm:txFillClrLst/>
+    <dgm:txEffectClrLst/>
+  </dgm:styleLbl>
+  <dgm:styleLbl name="alignNode1">
+    <dgm:fillClrLst>
+      <a:schemeClr val="accent5"/>
+      <a:schemeClr val="accent6"/>
+    </dgm:fillClrLst>
+    <dgm:linClrLst>
+      <a:schemeClr val="accent5"/>
+      <a:schemeClr val="accent6"/>
+    </dgm:linClrLst>
+    <dgm:effectClrLst/>
+    <dgm:txLinClrLst/>
+    <dgm:txFillClrLst/>
+    <dgm:txEffectClrLst/>
+  </dgm:styleLbl>
+  <dgm:styleLbl name="lnNode1">
+    <dgm:fillClrLst>
+      <a:schemeClr val="accent5"/>
+      <a:schemeClr val="accent6"/>
+    </dgm:fillClrLst>
+    <dgm:linClrLst meth="repeat">
+      <a:schemeClr val="lt1"/>
+    </dgm:linClrLst>
+    <dgm:effectClrLst/>
+    <dgm:txLinClrLst/>
+    <dgm:txFillClrLst/>
+    <dgm:txEffectClrLst/>
+  </dgm:styleLbl>
+  <dgm:styleLbl name="vennNode1">
+    <dgm:fillClrLst>
+      <a:schemeClr val="accent5">
+        <a:alpha val="50000"/>
+      </a:schemeClr>
+      <a:schemeClr val="accent6">
+        <a:alpha val="50000"/>
+      </a:schemeClr>
+    </dgm:fillClrLst>
+    <dgm:linClrLst meth="repeat">
+      <a:schemeClr val="lt1"/>
+    </dgm:linClrLst>
+    <dgm:effectClrLst/>
+    <dgm:txLinClrLst/>
+    <dgm:txFillClrLst/>
+    <dgm:txEffectClrLst/>
+  </dgm:styleLbl>
+  <dgm:styleLbl name="node2">
+    <dgm:fillClrLst>
+      <a:schemeClr val="accent6"/>
+    </dgm:fillClrLst>
+    <dgm:linClrLst meth="repeat">
+      <a:schemeClr val="lt1"/>
+    </dgm:linClrLst>
+    <dgm:effectClrLst/>
+    <dgm:txLinClrLst/>
+    <dgm:txFillClrLst/>
+    <dgm:txEffectClrLst/>
+  </dgm:styleLbl>
+  <dgm:styleLbl name="node3">
+    <dgm:fillClrLst>
+      <a:schemeClr val="accent1"/>
+    </dgm:fillClrLst>
+    <dgm:linClrLst meth="repeat">
+      <a:schemeClr val="lt1"/>
+    </dgm:linClrLst>
+    <dgm:effectClrLst/>
+    <dgm:txLinClrLst/>
+    <dgm:txFillClrLst/>
+    <dgm:txEffectClrLst/>
+  </dgm:styleLbl>
+  <dgm:styleLbl name="node4">
+    <dgm:fillClrLst>
+      <a:schemeClr val="accent2"/>
+    </dgm:fillClrLst>
+    <dgm:linClrLst meth="repeat">
+      <a:schemeClr val="lt1"/>
+    </dgm:linClrLst>
+    <dgm:effectClrLst/>
+    <dgm:txLinClrLst/>
+    <dgm:txFillClrLst/>
+    <dgm:txEffectClrLst/>
+  </dgm:styleLbl>
+  <dgm:styleLbl name="fgImgPlace1">
+    <dgm:fillClrLst>
+      <a:schemeClr val="accent5">
+        <a:tint val="50000"/>
+      </a:schemeClr>
+      <a:schemeClr val="accent6">
+        <a:tint val="50000"/>
+      </a:schemeClr>
+    </dgm:fillClrLst>
+    <dgm:linClrLst meth="repeat">
+      <a:schemeClr val="lt1"/>
+    </dgm:linClrLst>
+    <dgm:effectClrLst/>
+    <dgm:txLinClrLst/>
+    <dgm:txFillClrLst meth="repeat">
+      <a:schemeClr val="lt1"/>
+    </dgm:txFillClrLst>
+    <dgm:txEffectClrLst/>
+  </dgm:styleLbl>
+  <dgm:styleLbl name="alignImgPlace1">
+    <dgm:fillClrLst>
+      <a:schemeClr val="accent5">
+        <a:tint val="50000"/>
+      </a:schemeClr>
+      <a:schemeClr val="accent6">
+        <a:tint val="20000"/>
+      </a:schemeClr>
+    </dgm:fillClrLst>
+    <dgm:linClrLst meth="repeat">
+      <a:schemeClr val="lt1"/>
+    </dgm:linClrLst>
+    <dgm:effectClrLst/>
+    <dgm:txLinClrLst/>
+    <dgm:txFillClrLst meth="repeat">
+      <a:schemeClr val="lt1"/>
+    </dgm:txFillClrLst>
+    <dgm:txEffectClrLst/>
+  </dgm:styleLbl>
+  <dgm:styleLbl name="bgImgPlace1">
+    <dgm:fillClrLst>
+      <a:schemeClr val="accent5">
+        <a:tint val="50000"/>
+      </a:schemeClr>
+      <a:schemeClr val="accent6">
+        <a:tint val="20000"/>
+      </a:schemeClr>
+    </dgm:fillClrLst>
+    <dgm:linClrLst meth="repeat">
+      <a:schemeClr val="lt1"/>
+    </dgm:linClrLst>
+    <dgm:effectClrLst/>
+    <dgm:txLinClrLst/>
+    <dgm:txFillClrLst meth="repeat">
+      <a:schemeClr val="lt1"/>
+    </dgm:txFillClrLst>
+    <dgm:txEffectClrLst/>
+  </dgm:styleLbl>
+  <dgm:styleLbl name="sibTrans2D1">
+    <dgm:fillClrLst>
+      <a:schemeClr val="accent5"/>
+      <a:schemeClr val="accent6"/>
+    </dgm:fillClrLst>
+    <dgm:linClrLst meth="repeat">
+      <a:schemeClr val="lt1"/>
+    </dgm:linClrLst>
+    <dgm:effectClrLst/>
+    <dgm:txLinClrLst/>
+    <dgm:txFillClrLst/>
+    <dgm:txEffectClrLst/>
+  </dgm:styleLbl>
+  <dgm:styleLbl name="fgSibTrans2D1">
+    <dgm:fillClrLst>
+      <a:schemeClr val="accent5"/>
+      <a:schemeClr val="accent6"/>
+    </dgm:fillClrLst>
+    <dgm:linClrLst meth="repeat">
+      <a:schemeClr val="lt1"/>
+    </dgm:linClrLst>
+    <dgm:effectClrLst/>
+    <dgm:txLinClrLst/>
+    <dgm:txFillClrLst meth="repeat">
+      <a:schemeClr val="lt1"/>
+    </dgm:txFillClrLst>
+    <dgm:txEffectClrLst/>
+  </dgm:styleLbl>
+  <dgm:styleLbl name="bgSibTrans2D1">
+    <dgm:fillClrLst>
+      <a:schemeClr val="accent5"/>
+      <a:schemeClr val="accent6"/>
+    </dgm:fillClrLst>
+    <dgm:linClrLst meth="repeat">
+      <a:schemeClr val="lt1"/>
+    </dgm:linClrLst>
+    <dgm:effectClrLst/>
+    <dgm:txLinClrLst/>
+    <dgm:txFillClrLst meth="repeat">
+      <a:schemeClr val="lt1"/>
+    </dgm:txFillClrLst>
+    <dgm:txEffectClrLst/>
+  </dgm:styleLbl>
+  <dgm:styleLbl name="sibTrans1D1">
+    <dgm:fillClrLst/>
+    <dgm:linClrLst>
+      <a:schemeClr val="accent5"/>
+      <a:schemeClr val="accent6"/>
+    </dgm:linClrLst>
+    <dgm:effectClrLst/>
+    <dgm:txLinClrLst/>
+    <dgm:txFillClrLst meth="repeat">
+      <a:schemeClr val="tx1"/>
+    </dgm:txFillClrLst>
+    <dgm:txEffectClrLst/>
+  </dgm:styleLbl>
+  <dgm:styleLbl name="callout">
+    <dgm:fillClrLst meth="repeat">
+      <a:schemeClr val="accent5"/>
+    </dgm:fillClrLst>
+    <dgm:linClrLst meth="repeat">
+      <a:schemeClr val="accent5">
+        <a:tint val="50000"/>
+      </a:schemeClr>
+    </dgm:linClrLst>
+    <dgm:effectClrLst/>
+    <dgm:txLinClrLst/>
+    <dgm:txFillClrLst meth="repeat">
+      <a:schemeClr val="tx1"/>
+    </dgm:txFillClrLst>
+    <dgm:txEffectClrLst/>
+  </dgm:styleLbl>
+  <dgm:styleLbl name="asst0">
+    <dgm:fillClrLst meth="repeat">
+      <a:schemeClr val="accent5"/>
+    </dgm:fillClrLst>
+    <dgm:linClrLst meth="repeat">
+      <a:schemeClr val="lt1">
+        <a:shade val="80000"/>
+      </a:schemeClr>
+    </dgm:linClrLst>
+    <dgm:effectClrLst/>
+    <dgm:txLinClrLst/>
+    <dgm:txFillClrLst/>
+    <dgm:txEffectClrLst/>
+  </dgm:styleLbl>
+  <dgm:styleLbl name="asst1">
+    <dgm:fillClrLst meth="repeat">
+      <a:schemeClr val="accent6"/>
+    </dgm:fillClrLst>
+    <dgm:linClrLst meth="repeat">
+      <a:schemeClr val="lt1">
+        <a:shade val="80000"/>
+      </a:schemeClr>
+    </dgm:linClrLst>
+    <dgm:effectClrLst/>
+    <dgm:txLinClrLst/>
+    <dgm:txFillClrLst/>
+    <dgm:txEffectClrLst/>
+  </dgm:styleLbl>
+  <dgm:styleLbl name="asst2">
+    <dgm:fillClrLst>
+      <a:schemeClr val="accent1"/>
+    </dgm:fillClrLst>
+    <dgm:linClrLst meth="repeat">
+      <a:schemeClr val="lt1"/>
+    </dgm:linClrLst>
+    <dgm:effectClrLst/>
+    <dgm:txLinClrLst/>
+    <dgm:txFillClrLst/>
+    <dgm:txEffectClrLst/>
+  </dgm:styleLbl>
+  <dgm:styleLbl name="asst3">
+    <dgm:fillClrLst>
+      <a:schemeClr val="accent2"/>
+    </dgm:fillClrLst>
+    <dgm:linClrLst meth="repeat">
+      <a:schemeClr val="lt1"/>
+    </dgm:linClrLst>
+    <dgm:effectClrLst/>
+    <dgm:txLinClrLst/>
+    <dgm:txFillClrLst/>
+    <dgm:txEffectClrLst/>
+  </dgm:styleLbl>
+  <dgm:styleLbl name="asst4">
+    <dgm:fillClrLst>
+      <a:schemeClr val="accent3"/>
+    </dgm:fillClrLst>
+    <dgm:linClrLst meth="repeat">
+      <a:schemeClr val="lt1"/>
+    </dgm:linClrLst>
+    <dgm:effectClrLst/>
+    <dgm:txLinClrLst/>
+    <dgm:txFillClrLst/>
+    <dgm:txEffectClrLst/>
+  </dgm:styleLbl>
+  <dgm:styleLbl name="parChTrans2D1">
+    <dgm:fillClrLst meth="repeat">
+      <a:schemeClr val="accent5"/>
+    </dgm:fillClrLst>
+    <dgm:linClrLst meth="repeat">
+      <a:schemeClr val="lt1"/>
+    </dgm:linClrLst>
+    <dgm:effectClrLst/>
+    <dgm:txLinClrLst/>
+    <dgm:txFillClrLst meth="repeat">
+      <a:schemeClr val="lt1"/>
+    </dgm:txFillClrLst>
+    <dgm:txEffectClrLst/>
+  </dgm:styleLbl>
+  <dgm:styleLbl name="parChTrans2D2">
+    <dgm:fillClrLst meth="repeat">
+      <a:schemeClr val="accent6"/>
+    </dgm:fillClrLst>
+    <dgm:linClrLst meth="repeat">
+      <a:schemeClr val="lt1"/>
+    </dgm:linClrLst>
+    <dgm:effectClrLst/>
+    <dgm:txLinClrLst/>
+    <dgm:txFillClrLst/>
+    <dgm:txEffectClrLst/>
+  </dgm:styleLbl>
+  <dgm:styleLbl name="parChTrans2D3">
+    <dgm:fillClrLst meth="repeat">
+      <a:schemeClr val="accent6"/>
+    </dgm:fillClrLst>
+    <dgm:linClrLst meth="repeat">
+      <a:schemeClr val="lt1"/>
+    </dgm:linClrLst>
+    <dgm:effectClrLst/>
+    <dgm:txLinClrLst/>
+    <dgm:txFillClrLst/>
+    <dgm:txEffectClrLst/>
+  </dgm:styleLbl>
+  <dgm:styleLbl name="parChTrans2D4">
+    <dgm:fillClrLst meth="repeat">
+      <a:schemeClr val="accent1"/>
+    </dgm:fillClrLst>
+    <dgm:linClrLst meth="repeat">
+      <a:schemeClr val="lt1"/>
+    </dgm:linClrLst>
+    <dgm:effectClrLst/>
+    <dgm:txLinClrLst/>
+    <dgm:txFillClrLst meth="repeat">
+      <a:schemeClr val="lt1"/>
+    </dgm:txFillClrLst>
+    <dgm:txEffectClrLst/>
+  </dgm:styleLbl>
+  <dgm:styleLbl name="parChTrans1D1">
+    <dgm:fillClrLst meth="repeat">
+      <a:schemeClr val="accent5"/>
+    </dgm:fillClrLst>
+    <dgm:linClrLst meth="repeat">
+      <a:schemeClr val="accent5"/>
+    </dgm:linClrLst>
+    <dgm:effectClrLst/>
+    <dgm:txLinClrLst/>
+    <dgm:txFillClrLst meth="repeat">
+      <a:schemeClr val="tx1"/>
+    </dgm:txFillClrLst>
+    <dgm:txEffectClrLst/>
+  </dgm:styleLbl>
+  <dgm:styleLbl name="parChTrans1D2">
+    <dgm:fillClrLst meth="repeat">
+      <a:schemeClr val="accent6">
+        <a:tint val="90000"/>
+      </a:schemeClr>
+    </dgm:fillClrLst>
+    <dgm:linClrLst meth="repeat">
+      <a:schemeClr val="accent6"/>
+    </dgm:linClrLst>
+    <dgm:effectClrLst/>
+    <dgm:txLinClrLst/>
+    <dgm:txFillClrLst meth="repeat">
+      <a:schemeClr val="tx1"/>
+    </dgm:txFillClrLst>
+    <dgm:txEffectClrLst/>
+  </dgm:styleLbl>
+  <dgm:styleLbl name="parChTrans1D3">
+    <dgm:fillClrLst meth="repeat">
+      <a:schemeClr val="accent6">
+        <a:tint val="70000"/>
+      </a:schemeClr>
+    </dgm:fillClrLst>
+    <dgm:linClrLst meth="repeat">
+      <a:schemeClr val="accent1"/>
+    </dgm:linClrLst>
+    <dgm:effectClrLst/>
+    <dgm:txLinClrLst/>
+    <dgm:txFillClrLst meth="repeat">
+      <a:schemeClr val="tx1"/>
+    </dgm:txFillClrLst>
+    <dgm:txEffectClrLst/>
+  </dgm:styleLbl>
+  <dgm:styleLbl name="parChTrans1D4">
+    <dgm:fillClrLst meth="repeat">
+      <a:schemeClr val="accent6">
+        <a:tint val="50000"/>
+      </a:schemeClr>
+    </dgm:fillClrLst>
+    <dgm:linClrLst meth="repeat">
+      <a:schemeClr val="accent2"/>
+    </dgm:linClrLst>
+    <dgm:effectClrLst/>
+    <dgm:txLinClrLst/>
+    <dgm:txFillClrLst meth="repeat">
+      <a:schemeClr val="tx1"/>
+    </dgm:txFillClrLst>
+    <dgm:txEffectClrLst/>
+  </dgm:styleLbl>
+  <dgm:styleLbl name="fgAcc1">
+    <dgm:fillClrLst meth="repeat">
+      <a:schemeClr val="lt1">
+        <a:alpha val="90000"/>
+      </a:schemeClr>
+    </dgm:fillClrLst>
+    <dgm:linClrLst>
+      <a:schemeClr val="accent5"/>
+      <a:schemeClr val="accent6"/>
+    </dgm:linClrLst>
+    <dgm:effectClrLst/>
+    <dgm:txLinClrLst/>
+    <dgm:txFillClrLst meth="repeat">
+      <a:schemeClr val="dk1"/>
+    </dgm:txFillClrLst>
+    <dgm:txEffectClrLst/>
+  </dgm:styleLbl>
+  <dgm:styleLbl name="conFgAcc1">
+    <dgm:fillClrLst meth="repeat">
+      <a:schemeClr val="lt1">
+        <a:alpha val="90000"/>
+      </a:schemeClr>
+    </dgm:fillClrLst>
+    <dgm:linClrLst>
+      <a:schemeClr val="accent5"/>
+      <a:schemeClr val="accent6"/>
+    </dgm:linClrLst>
+    <dgm:effectClrLst/>
+    <dgm:txLinClrLst/>
+    <dgm:txFillClrLst meth="repeat">
+      <a:schemeClr val="dk1"/>
+    </dgm:txFillClrLst>
+    <dgm:txEffectClrLst/>
+  </dgm:styleLbl>
+  <dgm:styleLbl name="alignAcc1">
+    <dgm:fillClrLst meth="repeat">
+      <a:schemeClr val="lt1">
+        <a:alpha val="90000"/>
+      </a:schemeClr>
+    </dgm:fillClrLst>
+    <dgm:linClrLst>
+      <a:schemeClr val="accent5"/>
+      <a:schemeClr val="accent6"/>
+    </dgm:linClrLst>
+    <dgm:effectClrLst/>
+    <dgm:txLinClrLst/>
+    <dgm:txFillClrLst meth="repeat">
+      <a:schemeClr val="dk1"/>
+    </dgm:txFillClrLst>
+    <dgm:txEffectClrLst/>
+  </dgm:styleLbl>
+  <dgm:styleLbl name="trAlignAcc1">
+    <dgm:fillClrLst meth="repeat">
+      <a:schemeClr val="lt1">
+        <a:alpha val="40000"/>
+      </a:schemeClr>
+    </dgm:fillClrLst>
+    <dgm:linClrLst meth="repeat">
+      <a:schemeClr val="accent5"/>
+    </dgm:linClrLst>
+    <dgm:effectClrLst/>
+    <dgm:txLinClrLst/>
+    <dgm:txFillClrLst meth="repeat">
+      <a:schemeClr val="dk1"/>
+    </dgm:txFillClrLst>
+    <dgm:txEffectClrLst/>
+  </dgm:styleLbl>
+  <dgm:styleLbl name="bgAcc1">
+    <dgm:fillClrLst meth="repeat">
+      <a:schemeClr val="lt1">
+        <a:alpha val="90000"/>
+      </a:schemeClr>
+    </dgm:fillClrLst>
+    <dgm:linClrLst>
+      <a:schemeClr val="accent5"/>
+      <a:schemeClr val="accent6"/>
+    </dgm:linClrLst>
+    <dgm:effectClrLst/>
+    <dgm:txLinClrLst/>
+    <dgm:txFillClrLst meth="repeat">
+      <a:schemeClr val="dk1"/>
+    </dgm:txFillClrLst>
+    <dgm:txEffectClrLst/>
+  </dgm:styleLbl>
+  <dgm:styleLbl name="solidFgAcc1">
+    <dgm:fillClrLst meth="repeat">
+      <a:schemeClr val="lt1"/>
+    </dgm:fillClrLst>
+    <dgm:linClrLst>
+      <a:schemeClr val="accent5"/>
+      <a:schemeClr val="accent6"/>
+    </dgm:linClrLst>
+    <dgm:effectClrLst/>
+    <dgm:txLinClrLst/>
+    <dgm:txFillClrLst meth="repeat">
+      <a:schemeClr val="dk1"/>
+    </dgm:txFillClrLst>
+    <dgm:txEffectClrLst/>
+  </dgm:styleLbl>
+  <dgm:styleLbl name="solidAlignAcc1">
+    <dgm:fillClrLst meth="repeat">
+      <a:schemeClr val="lt1"/>
+    </dgm:fillClrLst>
+    <dgm:linClrLst>
+      <a:schemeClr val="accent5"/>
+      <a:schemeClr val="accent6"/>
+    </dgm:linClrLst>
+    <dgm:effectClrLst/>
+    <dgm:txLinClrLst/>
+    <dgm:txFillClrLst meth="repeat">
+      <a:schemeClr val="dk1"/>
+    </dgm:txFillClrLst>
+    <dgm:txEffectClrLst/>
+  </dgm:styleLbl>
+  <dgm:styleLbl name="solidBgAcc1">
+    <dgm:fillClrLst meth="repeat">
+      <a:schemeClr val="lt1"/>
+    </dgm:fillClrLst>
+    <dgm:linClrLst>
+      <a:schemeClr val="accent5"/>
+      <a:schemeClr val="accent6"/>
+    </dgm:linClrLst>
+    <dgm:effectClrLst/>
+    <dgm:txLinClrLst/>
+    <dgm:txFillClrLst meth="repeat">
+      <a:schemeClr val="dk1"/>
+    </dgm:txFillClrLst>
+    <dgm:txEffectClrLst/>
+  </dgm:styleLbl>
+  <dgm:styleLbl name="fgAccFollowNode1">
+    <dgm:fillClrLst>
+      <a:schemeClr val="accent5">
+        <a:tint val="40000"/>
+        <a:alpha val="90000"/>
+      </a:schemeClr>
+      <a:schemeClr val="accent6">
+        <a:tint val="40000"/>
+        <a:alpha val="90000"/>
+      </a:schemeClr>
+    </dgm:fillClrLst>
+    <dgm:linClrLst>
+      <a:schemeClr val="accent5">
+        <a:tint val="40000"/>
+        <a:alpha val="90000"/>
+      </a:schemeClr>
+      <a:schemeClr val="accent5">
+        <a:tint val="40000"/>
+        <a:alpha val="90000"/>
+      </a:schemeClr>
+    </dgm:linClrLst>
+    <dgm:effectClrLst/>
+    <dgm:txLinClrLst/>
+    <dgm:txFillClrLst meth="repeat">
+      <a:schemeClr val="dk1"/>
+    </dgm:txFillClrLst>
+    <dgm:txEffectClrLst/>
+  </dgm:styleLbl>
+  <dgm:styleLbl name="alignAccFollowNode1">
+    <dgm:fillClrLst>
+      <a:schemeClr val="accent5">
+        <a:tint val="40000"/>
+        <a:alpha val="90000"/>
+      </a:schemeClr>
+      <a:schemeClr val="accent6">
+        <a:tint val="40000"/>
+        <a:alpha val="90000"/>
+      </a:schemeClr>
+    </dgm:fillClrLst>
+    <dgm:linClrLst>
+      <a:schemeClr val="accent5">
+        <a:tint val="40000"/>
+        <a:alpha val="90000"/>
+      </a:schemeClr>
+      <a:schemeClr val="accent6">
+        <a:tint val="40000"/>
+        <a:alpha val="90000"/>
+      </a:schemeClr>
+    </dgm:linClrLst>
+    <dgm:effectClrLst/>
+    <dgm:txLinClrLst/>
+    <dgm:txFillClrLst meth="repeat">
+      <a:schemeClr val="dk1"/>
+    </dgm:txFillClrLst>
+    <dgm:txEffectClrLst/>
+  </dgm:styleLbl>
+  <dgm:styleLbl name="bgAccFollowNode1">
+    <dgm:fillClrLst>
+      <a:schemeClr val="accent5">
+        <a:tint val="40000"/>
+        <a:alpha val="90000"/>
+      </a:schemeClr>
+      <a:schemeClr val="accent6">
+        <a:tint val="40000"/>
+        <a:alpha val="90000"/>
+      </a:schemeClr>
+    </dgm:fillClrLst>
+    <dgm:linClrLst>
+      <a:schemeClr val="accent5">
+        <a:tint val="40000"/>
+        <a:alpha val="90000"/>
+      </a:schemeClr>
+      <a:schemeClr val="accent6">
+        <a:tint val="40000"/>
+        <a:alpha val="90000"/>
+      </a:schemeClr>
+    </dgm:linClrLst>
+    <dgm:effectClrLst/>
+    <dgm:txLinClrLst/>
+    <dgm:txFillClrLst meth="repeat">
+      <a:schemeClr val="dk1"/>
+    </dgm:txFillClrLst>
+    <dgm:txEffectClrLst/>
+  </dgm:styleLbl>
+  <dgm:styleLbl name="fgAcc0">
+    <dgm:fillClrLst meth="repeat">
+      <a:schemeClr val="lt1">
+        <a:alpha val="90000"/>
+      </a:schemeClr>
+    </dgm:fillClrLst>
+    <dgm:linClrLst>
+      <a:schemeClr val="accent4"/>
+    </dgm:linClrLst>
+    <dgm:effectClrLst/>
+    <dgm:txLinClrLst/>
+    <dgm:txFillClrLst meth="repeat">
+      <a:schemeClr val="dk1"/>
+    </dgm:txFillClrLst>
+    <dgm:txEffectClrLst/>
+  </dgm:styleLbl>
+  <dgm:styleLbl name="fgAcc2">
+    <dgm:fillClrLst meth="repeat">
+      <a:schemeClr val="lt1">
+        <a:alpha val="90000"/>
+      </a:schemeClr>
+    </dgm:fillClrLst>
+    <dgm:linClrLst>
+      <a:schemeClr val="accent6"/>
+    </dgm:linClrLst>
+    <dgm:effectClrLst/>
+    <dgm:txLinClrLst/>
+    <dgm:txFillClrLst meth="repeat">
+      <a:schemeClr val="dk1"/>
+    </dgm:txFillClrLst>
+    <dgm:txEffectClrLst/>
+  </dgm:styleLbl>
+  <dgm:styleLbl name="fgAcc3">
+    <dgm:fillClrLst meth="repeat">
+      <a:schemeClr val="lt1">
+        <a:alpha val="90000"/>
+      </a:schemeClr>
+    </dgm:fillClrLst>
+    <dgm:linClrLst>
+      <a:schemeClr val="accent1"/>
+    </dgm:linClrLst>
+    <dgm:effectClrLst/>
+    <dgm:txLinClrLst/>
+    <dgm:txFillClrLst meth="repeat">
+      <a:schemeClr val="dk1"/>
+    </dgm:txFillClrLst>
+    <dgm:txEffectClrLst/>
+  </dgm:styleLbl>
+  <dgm:styleLbl name="fgAcc4">
+    <dgm:fillClrLst meth="repeat">
+      <a:schemeClr val="lt1">
+        <a:alpha val="90000"/>
+      </a:schemeClr>
+    </dgm:fillClrLst>
+    <dgm:linClrLst>
+      <a:schemeClr val="accent2"/>
+    </dgm:linClrLst>
+    <dgm:effectClrLst/>
+    <dgm:txLinClrLst/>
+    <dgm:txFillClrLst meth="repeat">
+      <a:schemeClr val="dk1"/>
+    </dgm:txFillClrLst>
+    <dgm:txEffectClrLst/>
+  </dgm:styleLbl>
+  <dgm:styleLbl name="bgShp">
+    <dgm:fillClrLst meth="repeat">
+      <a:schemeClr val="accent5">
+        <a:tint val="40000"/>
+      </a:schemeClr>
+    </dgm:fillClrLst>
+    <dgm:linClrLst meth="repeat">
+      <a:schemeClr val="dk1"/>
+    </dgm:linClrLst>
+    <dgm:effectClrLst/>
+    <dgm:txLinClrLst/>
+    <dgm:txFillClrLst meth="repeat">
+      <a:schemeClr val="dk1"/>
+    </dgm:txFillClrLst>
+    <dgm:txEffectClrLst/>
+  </dgm:styleLbl>
+  <dgm:styleLbl name="dkBgShp">
+    <dgm:fillClrLst meth="repeat">
+      <a:schemeClr val="accent5">
+        <a:shade val="90000"/>
+      </a:schemeClr>
+    </dgm:fillClrLst>
+    <dgm:linClrLst meth="repeat">
+      <a:schemeClr val="dk1"/>
+    </dgm:linClrLst>
+    <dgm:effectClrLst/>
+    <dgm:txLinClrLst/>
+    <dgm:txFillClrLst meth="repeat">
+      <a:schemeClr val="lt1"/>
+    </dgm:txFillClrLst>
+    <dgm:txEffectClrLst/>
+  </dgm:styleLbl>
+  <dgm:styleLbl name="trBgShp">
+    <dgm:fillClrLst meth="repeat">
+      <a:schemeClr val="accent5">
+        <a:tint val="50000"/>
+        <a:alpha val="40000"/>
+      </a:schemeClr>
+    </dgm:fillClrLst>
+    <dgm:linClrLst meth="repeat">
+      <a:schemeClr val="accent5"/>
+    </dgm:linClrLst>
+    <dgm:effectClrLst/>
+    <dgm:txLinClrLst/>
+    <dgm:txFillClrLst meth="repeat">
+      <a:schemeClr val="lt1"/>
+    </dgm:txFillClrLst>
+    <dgm:txEffectClrLst/>
+  </dgm:styleLbl>
+  <dgm:styleLbl name="fgShp">
+    <dgm:fillClrLst meth="repeat">
+      <a:schemeClr val="accent5">
+        <a:tint val="40000"/>
+      </a:schemeClr>
+    </dgm:fillClrLst>
+    <dgm:linClrLst meth="repeat">
+      <a:schemeClr val="lt1"/>
+    </dgm:linClrLst>
+    <dgm:effectClrLst/>
+    <dgm:txLinClrLst/>
+    <dgm:txFillClrLst meth="repeat">
+      <a:schemeClr val="dk1"/>
+    </dgm:txFillClrLst>
+    <dgm:txEffectClrLst/>
+  </dgm:styleLbl>
+  <dgm:styleLbl name="revTx">
+    <dgm:fillClrLst meth="repeat">
+      <a:schemeClr val="lt1">
+        <a:alpha val="0"/>
+      </a:schemeClr>
+    </dgm:fillClrLst>
+    <dgm:linClrLst meth="repeat">
+      <a:schemeClr val="dk1">
+        <a:alpha val="0"/>
+      </a:schemeClr>
+    </dgm:linClrLst>
+    <dgm:effectClrLst/>
+    <dgm:txLinClrLst/>
+    <dgm:txFillClrLst meth="repeat">
+      <a:schemeClr val="tx1"/>
+    </dgm:txFillClrLst>
+    <dgm:txEffectClrLst/>
+  </dgm:styleLbl>
+</dgm:colorsDef>
+</file>
+
+<file path=ppt/diagrams/colors3.xml><?xml version="1.0" encoding="utf-8"?>
 <dgm:colorsDef xmlns:dgm="http://schemas.openxmlformats.org/drawingml/2006/diagram" xmlns:a="http://schemas.openxmlformats.org/drawingml/2006/main" uniqueId="urn:microsoft.com/office/officeart/2005/8/colors/colorful1">
   <dgm:title val=""/>
   <dgm:desc val=""/>
@@ -2370,6 +4746,690 @@
 </file>
 
 <file path=ppt/diagrams/data1.xml><?xml version="1.0" encoding="utf-8"?>
+<dgm:dataModel xmlns:dgm="http://schemas.openxmlformats.org/drawingml/2006/diagram" xmlns:a="http://schemas.openxmlformats.org/drawingml/2006/main">
+  <dgm:ptLst>
+    <dgm:pt modelId="{4A4DE56D-16A3-479D-9077-E5DB47469038}" type="doc">
+      <dgm:prSet loTypeId="urn:microsoft.com/office/officeart/2005/8/layout/default" loCatId="list" qsTypeId="urn:microsoft.com/office/officeart/2005/8/quickstyle/simple1" qsCatId="simple" csTypeId="urn:microsoft.com/office/officeart/2005/8/colors/accent1_2" csCatId="accent1" phldr="1"/>
+      <dgm:spPr/>
+    </dgm:pt>
+    <dgm:pt modelId="{828789E8-FBB0-4B0D-9A5B-DE430B59230F}">
+      <dgm:prSet phldrT="[Text]"/>
+      <dgm:spPr/>
+      <dgm:t>
+        <a:bodyPr/>
+        <a:lstStyle/>
+        <a:p>
+          <a:r>
+            <a:rPr lang="en-US">
+              <a:solidFill>
+                <a:schemeClr val="bg1"/>
+              </a:solidFill>
+            </a:rPr>
+            <a:t>2 People</a:t>
+          </a:r>
+          <a:endParaRPr lang="en-US"/>
+        </a:p>
+      </dgm:t>
+    </dgm:pt>
+    <dgm:pt modelId="{9FB9DB20-4E7C-418A-AAA6-0B0BB6758BDD}" type="parTrans" cxnId="{5AAAB361-FAD3-4C41-A837-6697164792C1}">
+      <dgm:prSet/>
+      <dgm:spPr/>
+      <dgm:t>
+        <a:bodyPr/>
+        <a:lstStyle/>
+        <a:p>
+          <a:endParaRPr lang="en-US"/>
+        </a:p>
+      </dgm:t>
+    </dgm:pt>
+    <dgm:pt modelId="{04E4B0C7-0008-4932-B5CC-531D3B93B2BF}" type="sibTrans" cxnId="{5AAAB361-FAD3-4C41-A837-6697164792C1}">
+      <dgm:prSet/>
+      <dgm:spPr/>
+      <dgm:t>
+        <a:bodyPr/>
+        <a:lstStyle/>
+        <a:p>
+          <a:endParaRPr lang="en-US"/>
+        </a:p>
+      </dgm:t>
+    </dgm:pt>
+    <dgm:pt modelId="{DD715F60-3D35-4BF2-A60C-F0CB59DE00FE}">
+      <dgm:prSet/>
+      <dgm:spPr/>
+      <dgm:t>
+        <a:bodyPr/>
+        <a:lstStyle/>
+        <a:p>
+          <a:r>
+            <a:rPr lang="en-US">
+              <a:solidFill>
+                <a:schemeClr val="bg1"/>
+              </a:solidFill>
+            </a:rPr>
+            <a:t>Score 21</a:t>
+          </a:r>
+          <a:endParaRPr lang="en-US" dirty="0">
+            <a:solidFill>
+              <a:schemeClr val="bg1"/>
+            </a:solidFill>
+          </a:endParaRPr>
+        </a:p>
+      </dgm:t>
+    </dgm:pt>
+    <dgm:pt modelId="{D7B06D32-698B-416F-9517-4C14A7F5BAE8}" type="parTrans" cxnId="{3E45BB77-18EA-4952-B564-47BD3D9B5EFE}">
+      <dgm:prSet/>
+      <dgm:spPr/>
+      <dgm:t>
+        <a:bodyPr/>
+        <a:lstStyle/>
+        <a:p>
+          <a:endParaRPr lang="en-US"/>
+        </a:p>
+      </dgm:t>
+    </dgm:pt>
+    <dgm:pt modelId="{25AD940D-E06D-4CA1-A937-65B4A9E8312D}" type="sibTrans" cxnId="{3E45BB77-18EA-4952-B564-47BD3D9B5EFE}">
+      <dgm:prSet/>
+      <dgm:spPr/>
+      <dgm:t>
+        <a:bodyPr/>
+        <a:lstStyle/>
+        <a:p>
+          <a:endParaRPr lang="en-US"/>
+        </a:p>
+      </dgm:t>
+    </dgm:pt>
+    <dgm:pt modelId="{0FABEA4F-6ED8-45B6-9853-7073AB4347A6}">
+      <dgm:prSet/>
+      <dgm:spPr/>
+      <dgm:t>
+        <a:bodyPr/>
+        <a:lstStyle/>
+        <a:p>
+          <a:r>
+            <a:rPr lang="en-US">
+              <a:solidFill>
+                <a:schemeClr val="bg1"/>
+              </a:solidFill>
+            </a:rPr>
+            <a:t>Blackjack Rewards (3:2)</a:t>
+          </a:r>
+          <a:endParaRPr lang="en-US" dirty="0">
+            <a:solidFill>
+              <a:schemeClr val="bg1"/>
+            </a:solidFill>
+          </a:endParaRPr>
+        </a:p>
+      </dgm:t>
+    </dgm:pt>
+    <dgm:pt modelId="{8FC6074A-2C72-4DE5-AB1C-2474AE3043C8}" type="parTrans" cxnId="{A343E29A-EBB0-49FC-A08D-F4C88CA6B699}">
+      <dgm:prSet/>
+      <dgm:spPr/>
+      <dgm:t>
+        <a:bodyPr/>
+        <a:lstStyle/>
+        <a:p>
+          <a:endParaRPr lang="en-US"/>
+        </a:p>
+      </dgm:t>
+    </dgm:pt>
+    <dgm:pt modelId="{2EFD2D2A-E726-45E1-88DA-8B7F8308F9B6}" type="sibTrans" cxnId="{A343E29A-EBB0-49FC-A08D-F4C88CA6B699}">
+      <dgm:prSet/>
+      <dgm:spPr/>
+      <dgm:t>
+        <a:bodyPr/>
+        <a:lstStyle/>
+        <a:p>
+          <a:endParaRPr lang="en-US"/>
+        </a:p>
+      </dgm:t>
+    </dgm:pt>
+    <dgm:pt modelId="{EAA7FB70-46E0-4996-B47F-E6FD2D6EBC14}">
+      <dgm:prSet/>
+      <dgm:spPr/>
+      <dgm:t>
+        <a:bodyPr/>
+        <a:lstStyle/>
+        <a:p>
+          <a:r>
+            <a:rPr lang="en-US">
+              <a:solidFill>
+                <a:schemeClr val="bg1"/>
+              </a:solidFill>
+            </a:rPr>
+            <a:t>2 Cards Blackjack wins over 3 cards blackjack</a:t>
+          </a:r>
+          <a:endParaRPr lang="en-US" dirty="0">
+            <a:solidFill>
+              <a:schemeClr val="bg1"/>
+            </a:solidFill>
+          </a:endParaRPr>
+        </a:p>
+      </dgm:t>
+    </dgm:pt>
+    <dgm:pt modelId="{518D9E5E-3438-450F-9A10-14C3E4704670}" type="parTrans" cxnId="{A539D7FB-B706-4D2C-BA1D-8CF717F4EF82}">
+      <dgm:prSet/>
+      <dgm:spPr/>
+      <dgm:t>
+        <a:bodyPr/>
+        <a:lstStyle/>
+        <a:p>
+          <a:endParaRPr lang="en-US"/>
+        </a:p>
+      </dgm:t>
+    </dgm:pt>
+    <dgm:pt modelId="{798770B9-0AC0-4337-9F0E-0702B1312AFC}" type="sibTrans" cxnId="{A539D7FB-B706-4D2C-BA1D-8CF717F4EF82}">
+      <dgm:prSet/>
+      <dgm:spPr/>
+      <dgm:t>
+        <a:bodyPr/>
+        <a:lstStyle/>
+        <a:p>
+          <a:endParaRPr lang="en-US"/>
+        </a:p>
+      </dgm:t>
+    </dgm:pt>
+    <dgm:pt modelId="{9C1B68E0-1281-4224-9229-60F9CAE675A9}">
+      <dgm:prSet/>
+      <dgm:spPr/>
+      <dgm:t>
+        <a:bodyPr/>
+        <a:lstStyle/>
+        <a:p>
+          <a:r>
+            <a:rPr lang="en-US">
+              <a:solidFill>
+                <a:schemeClr val="bg1"/>
+              </a:solidFill>
+            </a:rPr>
+            <a:t>Hit &amp; Stand</a:t>
+          </a:r>
+          <a:endParaRPr lang="en-US" dirty="0">
+            <a:solidFill>
+              <a:schemeClr val="bg1"/>
+            </a:solidFill>
+          </a:endParaRPr>
+        </a:p>
+      </dgm:t>
+    </dgm:pt>
+    <dgm:pt modelId="{177DB308-5F4A-410A-8734-BC403CE31AD9}" type="parTrans" cxnId="{69970E95-E922-440A-95EA-A2EFA690B351}">
+      <dgm:prSet/>
+      <dgm:spPr/>
+      <dgm:t>
+        <a:bodyPr/>
+        <a:lstStyle/>
+        <a:p>
+          <a:endParaRPr lang="en-US"/>
+        </a:p>
+      </dgm:t>
+    </dgm:pt>
+    <dgm:pt modelId="{8BE60BBC-B959-456D-B7DA-AD04C20DA17F}" type="sibTrans" cxnId="{69970E95-E922-440A-95EA-A2EFA690B351}">
+      <dgm:prSet/>
+      <dgm:spPr/>
+      <dgm:t>
+        <a:bodyPr/>
+        <a:lstStyle/>
+        <a:p>
+          <a:endParaRPr lang="en-US"/>
+        </a:p>
+      </dgm:t>
+    </dgm:pt>
+    <dgm:pt modelId="{25397A10-698D-4B12-BCBB-5BB6AFF40ACA}">
+      <dgm:prSet/>
+      <dgm:spPr/>
+      <dgm:t>
+        <a:bodyPr/>
+        <a:lstStyle/>
+        <a:p>
+          <a:r>
+            <a:rPr lang="en-US">
+              <a:solidFill>
+                <a:schemeClr val="bg1"/>
+              </a:solidFill>
+            </a:rPr>
+            <a:t>Dealers Advantage</a:t>
+          </a:r>
+          <a:endParaRPr lang="en-US" dirty="0">
+            <a:solidFill>
+              <a:schemeClr val="bg1"/>
+            </a:solidFill>
+          </a:endParaRPr>
+        </a:p>
+      </dgm:t>
+    </dgm:pt>
+    <dgm:pt modelId="{FDEF1EAF-3AFE-4320-BBCC-3ECE93DDD160}" type="parTrans" cxnId="{EDD2167C-5A2A-4804-A3B7-26CDF0679694}">
+      <dgm:prSet/>
+      <dgm:spPr/>
+      <dgm:t>
+        <a:bodyPr/>
+        <a:lstStyle/>
+        <a:p>
+          <a:endParaRPr lang="en-US"/>
+        </a:p>
+      </dgm:t>
+    </dgm:pt>
+    <dgm:pt modelId="{2789D0E2-7778-4753-A01E-36B3536C06E0}" type="sibTrans" cxnId="{EDD2167C-5A2A-4804-A3B7-26CDF0679694}">
+      <dgm:prSet/>
+      <dgm:spPr/>
+      <dgm:t>
+        <a:bodyPr/>
+        <a:lstStyle/>
+        <a:p>
+          <a:endParaRPr lang="en-US"/>
+        </a:p>
+      </dgm:t>
+    </dgm:pt>
+    <dgm:pt modelId="{35D00A0B-DBF7-4B17-9DF4-28DCB9DD3C92}" type="pres">
+      <dgm:prSet presAssocID="{4A4DE56D-16A3-479D-9077-E5DB47469038}" presName="diagram" presStyleCnt="0">
+        <dgm:presLayoutVars>
+          <dgm:dir/>
+          <dgm:resizeHandles val="exact"/>
+        </dgm:presLayoutVars>
+      </dgm:prSet>
+      <dgm:spPr/>
+    </dgm:pt>
+    <dgm:pt modelId="{56890494-8A60-4356-8B92-28F96672A310}" type="pres">
+      <dgm:prSet presAssocID="{828789E8-FBB0-4B0D-9A5B-DE430B59230F}" presName="node" presStyleLbl="node1" presStyleIdx="0" presStyleCnt="6">
+        <dgm:presLayoutVars>
+          <dgm:bulletEnabled val="1"/>
+        </dgm:presLayoutVars>
+      </dgm:prSet>
+      <dgm:spPr/>
+    </dgm:pt>
+    <dgm:pt modelId="{F236909D-13E9-4A7E-8414-2F2FF1EF10D5}" type="pres">
+      <dgm:prSet presAssocID="{04E4B0C7-0008-4932-B5CC-531D3B93B2BF}" presName="sibTrans" presStyleCnt="0"/>
+      <dgm:spPr/>
+    </dgm:pt>
+    <dgm:pt modelId="{826C088E-0051-41BF-943E-9FD711E17219}" type="pres">
+      <dgm:prSet presAssocID="{DD715F60-3D35-4BF2-A60C-F0CB59DE00FE}" presName="node" presStyleLbl="node1" presStyleIdx="1" presStyleCnt="6">
+        <dgm:presLayoutVars>
+          <dgm:bulletEnabled val="1"/>
+        </dgm:presLayoutVars>
+      </dgm:prSet>
+      <dgm:spPr/>
+    </dgm:pt>
+    <dgm:pt modelId="{E52B4356-920C-4884-A01B-0E040216AC58}" type="pres">
+      <dgm:prSet presAssocID="{25AD940D-E06D-4CA1-A937-65B4A9E8312D}" presName="sibTrans" presStyleCnt="0"/>
+      <dgm:spPr/>
+    </dgm:pt>
+    <dgm:pt modelId="{30ABD84E-85D4-4DE9-9E93-5E39178EFA05}" type="pres">
+      <dgm:prSet presAssocID="{0FABEA4F-6ED8-45B6-9853-7073AB4347A6}" presName="node" presStyleLbl="node1" presStyleIdx="2" presStyleCnt="6">
+        <dgm:presLayoutVars>
+          <dgm:bulletEnabled val="1"/>
+        </dgm:presLayoutVars>
+      </dgm:prSet>
+      <dgm:spPr/>
+    </dgm:pt>
+    <dgm:pt modelId="{8D65F4E7-9805-49D3-88D8-9FE0F653374F}" type="pres">
+      <dgm:prSet presAssocID="{2EFD2D2A-E726-45E1-88DA-8B7F8308F9B6}" presName="sibTrans" presStyleCnt="0"/>
+      <dgm:spPr/>
+    </dgm:pt>
+    <dgm:pt modelId="{FE155D71-A99A-44A9-98E9-6CB74FCDA80D}" type="pres">
+      <dgm:prSet presAssocID="{EAA7FB70-46E0-4996-B47F-E6FD2D6EBC14}" presName="node" presStyleLbl="node1" presStyleIdx="3" presStyleCnt="6">
+        <dgm:presLayoutVars>
+          <dgm:bulletEnabled val="1"/>
+        </dgm:presLayoutVars>
+      </dgm:prSet>
+      <dgm:spPr/>
+    </dgm:pt>
+    <dgm:pt modelId="{AC620EEA-CED2-47DF-AF60-215218E4BB4F}" type="pres">
+      <dgm:prSet presAssocID="{798770B9-0AC0-4337-9F0E-0702B1312AFC}" presName="sibTrans" presStyleCnt="0"/>
+      <dgm:spPr/>
+    </dgm:pt>
+    <dgm:pt modelId="{6744618E-4B21-412B-90BC-A3C78649FEF4}" type="pres">
+      <dgm:prSet presAssocID="{9C1B68E0-1281-4224-9229-60F9CAE675A9}" presName="node" presStyleLbl="node1" presStyleIdx="4" presStyleCnt="6">
+        <dgm:presLayoutVars>
+          <dgm:bulletEnabled val="1"/>
+        </dgm:presLayoutVars>
+      </dgm:prSet>
+      <dgm:spPr/>
+    </dgm:pt>
+    <dgm:pt modelId="{28A93196-A68A-43F9-B9DC-006387075450}" type="pres">
+      <dgm:prSet presAssocID="{8BE60BBC-B959-456D-B7DA-AD04C20DA17F}" presName="sibTrans" presStyleCnt="0"/>
+      <dgm:spPr/>
+    </dgm:pt>
+    <dgm:pt modelId="{2D581088-F1E2-44FE-9F05-5F02D7EBA01B}" type="pres">
+      <dgm:prSet presAssocID="{25397A10-698D-4B12-BCBB-5BB6AFF40ACA}" presName="node" presStyleLbl="node1" presStyleIdx="5" presStyleCnt="6">
+        <dgm:presLayoutVars>
+          <dgm:bulletEnabled val="1"/>
+        </dgm:presLayoutVars>
+      </dgm:prSet>
+      <dgm:spPr/>
+    </dgm:pt>
+  </dgm:ptLst>
+  <dgm:cxnLst>
+    <dgm:cxn modelId="{3C55EA0F-9C97-4185-8AF7-5E957BDE53AC}" type="presOf" srcId="{4A4DE56D-16A3-479D-9077-E5DB47469038}" destId="{35D00A0B-DBF7-4B17-9DF4-28DCB9DD3C92}" srcOrd="0" destOrd="0" presId="urn:microsoft.com/office/officeart/2005/8/layout/default"/>
+    <dgm:cxn modelId="{5AAAB361-FAD3-4C41-A837-6697164792C1}" srcId="{4A4DE56D-16A3-479D-9077-E5DB47469038}" destId="{828789E8-FBB0-4B0D-9A5B-DE430B59230F}" srcOrd="0" destOrd="0" parTransId="{9FB9DB20-4E7C-418A-AAA6-0B0BB6758BDD}" sibTransId="{04E4B0C7-0008-4932-B5CC-531D3B93B2BF}"/>
+    <dgm:cxn modelId="{B1A21D48-E11D-44A5-8DFD-EEAF6819DA0C}" type="presOf" srcId="{DD715F60-3D35-4BF2-A60C-F0CB59DE00FE}" destId="{826C088E-0051-41BF-943E-9FD711E17219}" srcOrd="0" destOrd="0" presId="urn:microsoft.com/office/officeart/2005/8/layout/default"/>
+    <dgm:cxn modelId="{3E45BB77-18EA-4952-B564-47BD3D9B5EFE}" srcId="{4A4DE56D-16A3-479D-9077-E5DB47469038}" destId="{DD715F60-3D35-4BF2-A60C-F0CB59DE00FE}" srcOrd="1" destOrd="0" parTransId="{D7B06D32-698B-416F-9517-4C14A7F5BAE8}" sibTransId="{25AD940D-E06D-4CA1-A937-65B4A9E8312D}"/>
+    <dgm:cxn modelId="{EDD2167C-5A2A-4804-A3B7-26CDF0679694}" srcId="{4A4DE56D-16A3-479D-9077-E5DB47469038}" destId="{25397A10-698D-4B12-BCBB-5BB6AFF40ACA}" srcOrd="5" destOrd="0" parTransId="{FDEF1EAF-3AFE-4320-BBCC-3ECE93DDD160}" sibTransId="{2789D0E2-7778-4753-A01E-36B3536C06E0}"/>
+    <dgm:cxn modelId="{69970E95-E922-440A-95EA-A2EFA690B351}" srcId="{4A4DE56D-16A3-479D-9077-E5DB47469038}" destId="{9C1B68E0-1281-4224-9229-60F9CAE675A9}" srcOrd="4" destOrd="0" parTransId="{177DB308-5F4A-410A-8734-BC403CE31AD9}" sibTransId="{8BE60BBC-B959-456D-B7DA-AD04C20DA17F}"/>
+    <dgm:cxn modelId="{A343E29A-EBB0-49FC-A08D-F4C88CA6B699}" srcId="{4A4DE56D-16A3-479D-9077-E5DB47469038}" destId="{0FABEA4F-6ED8-45B6-9853-7073AB4347A6}" srcOrd="2" destOrd="0" parTransId="{8FC6074A-2C72-4DE5-AB1C-2474AE3043C8}" sibTransId="{2EFD2D2A-E726-45E1-88DA-8B7F8308F9B6}"/>
+    <dgm:cxn modelId="{4BD0F1A3-0629-4661-9F96-65AE9950CA25}" type="presOf" srcId="{828789E8-FBB0-4B0D-9A5B-DE430B59230F}" destId="{56890494-8A60-4356-8B92-28F96672A310}" srcOrd="0" destOrd="0" presId="urn:microsoft.com/office/officeart/2005/8/layout/default"/>
+    <dgm:cxn modelId="{0CB3F2A3-7F10-4BB7-9ACC-3D630BCBF78A}" type="presOf" srcId="{0FABEA4F-6ED8-45B6-9853-7073AB4347A6}" destId="{30ABD84E-85D4-4DE9-9E93-5E39178EFA05}" srcOrd="0" destOrd="0" presId="urn:microsoft.com/office/officeart/2005/8/layout/default"/>
+    <dgm:cxn modelId="{80754DD2-7AE7-4CC8-9A23-26B0362D0775}" type="presOf" srcId="{EAA7FB70-46E0-4996-B47F-E6FD2D6EBC14}" destId="{FE155D71-A99A-44A9-98E9-6CB74FCDA80D}" srcOrd="0" destOrd="0" presId="urn:microsoft.com/office/officeart/2005/8/layout/default"/>
+    <dgm:cxn modelId="{B98059EC-23E6-46F4-86AF-9CB6F3A241BB}" type="presOf" srcId="{25397A10-698D-4B12-BCBB-5BB6AFF40ACA}" destId="{2D581088-F1E2-44FE-9F05-5F02D7EBA01B}" srcOrd="0" destOrd="0" presId="urn:microsoft.com/office/officeart/2005/8/layout/default"/>
+    <dgm:cxn modelId="{6BCDE9ED-2DA6-4509-8B2E-298A0D177144}" type="presOf" srcId="{9C1B68E0-1281-4224-9229-60F9CAE675A9}" destId="{6744618E-4B21-412B-90BC-A3C78649FEF4}" srcOrd="0" destOrd="0" presId="urn:microsoft.com/office/officeart/2005/8/layout/default"/>
+    <dgm:cxn modelId="{A539D7FB-B706-4D2C-BA1D-8CF717F4EF82}" srcId="{4A4DE56D-16A3-479D-9077-E5DB47469038}" destId="{EAA7FB70-46E0-4996-B47F-E6FD2D6EBC14}" srcOrd="3" destOrd="0" parTransId="{518D9E5E-3438-450F-9A10-14C3E4704670}" sibTransId="{798770B9-0AC0-4337-9F0E-0702B1312AFC}"/>
+    <dgm:cxn modelId="{D8A92A76-0BE5-4132-AAAC-34635CDF95CC}" type="presParOf" srcId="{35D00A0B-DBF7-4B17-9DF4-28DCB9DD3C92}" destId="{56890494-8A60-4356-8B92-28F96672A310}" srcOrd="0" destOrd="0" presId="urn:microsoft.com/office/officeart/2005/8/layout/default"/>
+    <dgm:cxn modelId="{63C0A9D4-711B-4C9F-8785-5A813A360745}" type="presParOf" srcId="{35D00A0B-DBF7-4B17-9DF4-28DCB9DD3C92}" destId="{F236909D-13E9-4A7E-8414-2F2FF1EF10D5}" srcOrd="1" destOrd="0" presId="urn:microsoft.com/office/officeart/2005/8/layout/default"/>
+    <dgm:cxn modelId="{FC57E520-C8E0-47F7-87A7-78C6ACE0679F}" type="presParOf" srcId="{35D00A0B-DBF7-4B17-9DF4-28DCB9DD3C92}" destId="{826C088E-0051-41BF-943E-9FD711E17219}" srcOrd="2" destOrd="0" presId="urn:microsoft.com/office/officeart/2005/8/layout/default"/>
+    <dgm:cxn modelId="{298E61DC-F7B6-47EC-A5B6-7D4334F128BA}" type="presParOf" srcId="{35D00A0B-DBF7-4B17-9DF4-28DCB9DD3C92}" destId="{E52B4356-920C-4884-A01B-0E040216AC58}" srcOrd="3" destOrd="0" presId="urn:microsoft.com/office/officeart/2005/8/layout/default"/>
+    <dgm:cxn modelId="{246B7BCE-3CA5-4BC7-8F3C-2BCD5864A53E}" type="presParOf" srcId="{35D00A0B-DBF7-4B17-9DF4-28DCB9DD3C92}" destId="{30ABD84E-85D4-4DE9-9E93-5E39178EFA05}" srcOrd="4" destOrd="0" presId="urn:microsoft.com/office/officeart/2005/8/layout/default"/>
+    <dgm:cxn modelId="{89F98532-02A2-4147-8CF0-0FD26F1AD429}" type="presParOf" srcId="{35D00A0B-DBF7-4B17-9DF4-28DCB9DD3C92}" destId="{8D65F4E7-9805-49D3-88D8-9FE0F653374F}" srcOrd="5" destOrd="0" presId="urn:microsoft.com/office/officeart/2005/8/layout/default"/>
+    <dgm:cxn modelId="{87E5D37F-72D5-483C-98FB-8B21FF9A7261}" type="presParOf" srcId="{35D00A0B-DBF7-4B17-9DF4-28DCB9DD3C92}" destId="{FE155D71-A99A-44A9-98E9-6CB74FCDA80D}" srcOrd="6" destOrd="0" presId="urn:microsoft.com/office/officeart/2005/8/layout/default"/>
+    <dgm:cxn modelId="{29348552-5110-4DC8-8653-A162D94AACDD}" type="presParOf" srcId="{35D00A0B-DBF7-4B17-9DF4-28DCB9DD3C92}" destId="{AC620EEA-CED2-47DF-AF60-215218E4BB4F}" srcOrd="7" destOrd="0" presId="urn:microsoft.com/office/officeart/2005/8/layout/default"/>
+    <dgm:cxn modelId="{0952D945-6953-49EF-AFF6-D0BDB495F18C}" type="presParOf" srcId="{35D00A0B-DBF7-4B17-9DF4-28DCB9DD3C92}" destId="{6744618E-4B21-412B-90BC-A3C78649FEF4}" srcOrd="8" destOrd="0" presId="urn:microsoft.com/office/officeart/2005/8/layout/default"/>
+    <dgm:cxn modelId="{E3C63C20-D4D2-467B-8509-E7FD3DF0839A}" type="presParOf" srcId="{35D00A0B-DBF7-4B17-9DF4-28DCB9DD3C92}" destId="{28A93196-A68A-43F9-B9DC-006387075450}" srcOrd="9" destOrd="0" presId="urn:microsoft.com/office/officeart/2005/8/layout/default"/>
+    <dgm:cxn modelId="{F2269C70-D974-46A1-B39A-CC1B50E89676}" type="presParOf" srcId="{35D00A0B-DBF7-4B17-9DF4-28DCB9DD3C92}" destId="{2D581088-F1E2-44FE-9F05-5F02D7EBA01B}" srcOrd="10" destOrd="0" presId="urn:microsoft.com/office/officeart/2005/8/layout/default"/>
+  </dgm:cxnLst>
+  <dgm:bg/>
+  <dgm:whole/>
+  <dgm:extLst>
+    <a:ext uri="http://schemas.microsoft.com/office/drawing/2008/diagram">
+      <dsp:dataModelExt xmlns:dsp="http://schemas.microsoft.com/office/drawing/2008/diagram" relId="rId6" minVer="http://schemas.openxmlformats.org/drawingml/2006/diagram"/>
+    </a:ext>
+  </dgm:extLst>
+</dgm:dataModel>
+</file>
+
+<file path=ppt/diagrams/data2.xml><?xml version="1.0" encoding="utf-8"?>
+<dgm:dataModel xmlns:dgm="http://schemas.openxmlformats.org/drawingml/2006/diagram" xmlns:a="http://schemas.openxmlformats.org/drawingml/2006/main">
+  <dgm:ptLst>
+    <dgm:pt modelId="{B269E8D0-73DC-4F59-9FEC-565CD6DEFD0F}" type="doc">
+      <dgm:prSet loTypeId="urn:microsoft.com/office/officeart/2005/8/layout/vList2" loCatId="list" qsTypeId="urn:microsoft.com/office/officeart/2005/8/quickstyle/simple1" qsCatId="simple" csTypeId="urn:microsoft.com/office/officeart/2005/8/colors/colorful5" csCatId="colorful"/>
+      <dgm:spPr/>
+      <dgm:t>
+        <a:bodyPr/>
+        <a:lstStyle/>
+        <a:p>
+          <a:endParaRPr lang="en-US"/>
+        </a:p>
+      </dgm:t>
+    </dgm:pt>
+    <dgm:pt modelId="{1977A89C-802A-4E5F-A86E-90B5A2941724}">
+      <dgm:prSet/>
+      <dgm:spPr/>
+      <dgm:t>
+        <a:bodyPr/>
+        <a:lstStyle/>
+        <a:p>
+          <a:r>
+            <a:rPr lang="en-US"/>
+            <a:t>Player Decision to Stand</a:t>
+          </a:r>
+        </a:p>
+      </dgm:t>
+    </dgm:pt>
+    <dgm:pt modelId="{FF0DBCA4-3055-4E1C-997B-92C20487797F}" type="parTrans" cxnId="{DCE11558-1A96-42B4-88FF-E6FEE32F4F15}">
+      <dgm:prSet/>
+      <dgm:spPr/>
+      <dgm:t>
+        <a:bodyPr/>
+        <a:lstStyle/>
+        <a:p>
+          <a:endParaRPr lang="en-US"/>
+        </a:p>
+      </dgm:t>
+    </dgm:pt>
+    <dgm:pt modelId="{190DB08A-6683-4D92-ACE0-082BDB08D0DA}" type="sibTrans" cxnId="{DCE11558-1A96-42B4-88FF-E6FEE32F4F15}">
+      <dgm:prSet/>
+      <dgm:spPr/>
+      <dgm:t>
+        <a:bodyPr/>
+        <a:lstStyle/>
+        <a:p>
+          <a:endParaRPr lang="en-US"/>
+        </a:p>
+      </dgm:t>
+    </dgm:pt>
+    <dgm:pt modelId="{9EEB51A8-BABD-461B-9BA5-757E5A276AC0}">
+      <dgm:prSet/>
+      <dgm:spPr/>
+      <dgm:t>
+        <a:bodyPr/>
+        <a:lstStyle/>
+        <a:p>
+          <a:r>
+            <a:rPr lang="en-US"/>
+            <a:t>Dealer Decision to Stand</a:t>
+          </a:r>
+        </a:p>
+      </dgm:t>
+    </dgm:pt>
+    <dgm:pt modelId="{5D2C7A30-CBE5-430F-BA26-A3FFEE87EA0F}" type="parTrans" cxnId="{0705EB99-7F8B-4568-B210-FEB1A64A326B}">
+      <dgm:prSet/>
+      <dgm:spPr/>
+      <dgm:t>
+        <a:bodyPr/>
+        <a:lstStyle/>
+        <a:p>
+          <a:endParaRPr lang="en-US"/>
+        </a:p>
+      </dgm:t>
+    </dgm:pt>
+    <dgm:pt modelId="{27B12023-20DF-4B19-B074-19BE875CD963}" type="sibTrans" cxnId="{0705EB99-7F8B-4568-B210-FEB1A64A326B}">
+      <dgm:prSet/>
+      <dgm:spPr/>
+      <dgm:t>
+        <a:bodyPr/>
+        <a:lstStyle/>
+        <a:p>
+          <a:endParaRPr lang="en-US"/>
+        </a:p>
+      </dgm:t>
+    </dgm:pt>
+    <dgm:pt modelId="{685127EF-E7B0-4846-8BE2-F35BE1C07FEF}">
+      <dgm:prSet/>
+      <dgm:spPr/>
+      <dgm:t>
+        <a:bodyPr/>
+        <a:lstStyle/>
+        <a:p>
+          <a:r>
+            <a:rPr lang="en-US"/>
+            <a:t>No Insurance</a:t>
+          </a:r>
+        </a:p>
+      </dgm:t>
+    </dgm:pt>
+    <dgm:pt modelId="{DEC94BD2-6C82-48AC-8B76-D3F9B28D1AAA}" type="parTrans" cxnId="{E8DA4C1F-77AE-4B62-8A5B-9A29CA06526F}">
+      <dgm:prSet/>
+      <dgm:spPr/>
+      <dgm:t>
+        <a:bodyPr/>
+        <a:lstStyle/>
+        <a:p>
+          <a:endParaRPr lang="en-US"/>
+        </a:p>
+      </dgm:t>
+    </dgm:pt>
+    <dgm:pt modelId="{46103693-97AB-4DCE-ADB6-602646A7AC1A}" type="sibTrans" cxnId="{E8DA4C1F-77AE-4B62-8A5B-9A29CA06526F}">
+      <dgm:prSet/>
+      <dgm:spPr/>
+      <dgm:t>
+        <a:bodyPr/>
+        <a:lstStyle/>
+        <a:p>
+          <a:endParaRPr lang="en-US"/>
+        </a:p>
+      </dgm:t>
+    </dgm:pt>
+    <dgm:pt modelId="{FDCD1F72-65E0-410F-8839-80B028C519FF}">
+      <dgm:prSet/>
+      <dgm:spPr/>
+      <dgm:t>
+        <a:bodyPr/>
+        <a:lstStyle/>
+        <a:p>
+          <a:r>
+            <a:rPr lang="en-US"/>
+            <a:t>No Split </a:t>
+          </a:r>
+        </a:p>
+      </dgm:t>
+    </dgm:pt>
+    <dgm:pt modelId="{D1F46D53-A6DA-4CCA-A205-373637C705A3}" type="parTrans" cxnId="{8D5B9D0C-54EC-4D3B-85BD-841A339277DA}">
+      <dgm:prSet/>
+      <dgm:spPr/>
+      <dgm:t>
+        <a:bodyPr/>
+        <a:lstStyle/>
+        <a:p>
+          <a:endParaRPr lang="en-US"/>
+        </a:p>
+      </dgm:t>
+    </dgm:pt>
+    <dgm:pt modelId="{94295ED8-0B34-4222-A40A-75B2FD612319}" type="sibTrans" cxnId="{8D5B9D0C-54EC-4D3B-85BD-841A339277DA}">
+      <dgm:prSet/>
+      <dgm:spPr/>
+      <dgm:t>
+        <a:bodyPr/>
+        <a:lstStyle/>
+        <a:p>
+          <a:endParaRPr lang="en-US"/>
+        </a:p>
+      </dgm:t>
+    </dgm:pt>
+    <dgm:pt modelId="{22B3F442-BF14-4981-A83C-5DB8317035B6}">
+      <dgm:prSet/>
+      <dgm:spPr/>
+      <dgm:t>
+        <a:bodyPr/>
+        <a:lstStyle/>
+        <a:p>
+          <a:r>
+            <a:rPr lang="en-US"/>
+            <a:t>No Double</a:t>
+          </a:r>
+        </a:p>
+      </dgm:t>
+    </dgm:pt>
+    <dgm:pt modelId="{8F4434B1-DE0E-444F-9F6D-4FC86F480721}" type="parTrans" cxnId="{FE561121-8B10-492C-84E8-DBE8FA7898ED}">
+      <dgm:prSet/>
+      <dgm:spPr/>
+      <dgm:t>
+        <a:bodyPr/>
+        <a:lstStyle/>
+        <a:p>
+          <a:endParaRPr lang="en-US"/>
+        </a:p>
+      </dgm:t>
+    </dgm:pt>
+    <dgm:pt modelId="{567B000A-BBE2-4C7C-BEF9-F46D03A33823}" type="sibTrans" cxnId="{FE561121-8B10-492C-84E8-DBE8FA7898ED}">
+      <dgm:prSet/>
+      <dgm:spPr/>
+      <dgm:t>
+        <a:bodyPr/>
+        <a:lstStyle/>
+        <a:p>
+          <a:endParaRPr lang="en-US"/>
+        </a:p>
+      </dgm:t>
+    </dgm:pt>
+    <dgm:pt modelId="{8230DA44-7F9E-4B7D-B16A-80929F51DB52}" type="pres">
+      <dgm:prSet presAssocID="{B269E8D0-73DC-4F59-9FEC-565CD6DEFD0F}" presName="linear" presStyleCnt="0">
+        <dgm:presLayoutVars>
+          <dgm:animLvl val="lvl"/>
+          <dgm:resizeHandles val="exact"/>
+        </dgm:presLayoutVars>
+      </dgm:prSet>
+      <dgm:spPr/>
+    </dgm:pt>
+    <dgm:pt modelId="{EBA2C7CC-634D-4C67-B297-2B5CFF60F20F}" type="pres">
+      <dgm:prSet presAssocID="{1977A89C-802A-4E5F-A86E-90B5A2941724}" presName="parentText" presStyleLbl="node1" presStyleIdx="0" presStyleCnt="5">
+        <dgm:presLayoutVars>
+          <dgm:chMax val="0"/>
+          <dgm:bulletEnabled val="1"/>
+        </dgm:presLayoutVars>
+      </dgm:prSet>
+      <dgm:spPr/>
+    </dgm:pt>
+    <dgm:pt modelId="{F468D60E-F249-402B-BA2F-32069891F575}" type="pres">
+      <dgm:prSet presAssocID="{190DB08A-6683-4D92-ACE0-082BDB08D0DA}" presName="spacer" presStyleCnt="0"/>
+      <dgm:spPr/>
+    </dgm:pt>
+    <dgm:pt modelId="{2CD2BE06-A5E2-4A20-8270-3795791FC257}" type="pres">
+      <dgm:prSet presAssocID="{9EEB51A8-BABD-461B-9BA5-757E5A276AC0}" presName="parentText" presStyleLbl="node1" presStyleIdx="1" presStyleCnt="5">
+        <dgm:presLayoutVars>
+          <dgm:chMax val="0"/>
+          <dgm:bulletEnabled val="1"/>
+        </dgm:presLayoutVars>
+      </dgm:prSet>
+      <dgm:spPr/>
+    </dgm:pt>
+    <dgm:pt modelId="{43D3E7C5-37E5-4F4D-BC03-82859461D26D}" type="pres">
+      <dgm:prSet presAssocID="{27B12023-20DF-4B19-B074-19BE875CD963}" presName="spacer" presStyleCnt="0"/>
+      <dgm:spPr/>
+    </dgm:pt>
+    <dgm:pt modelId="{AC719575-CA84-4D75-A2F6-036239BB9475}" type="pres">
+      <dgm:prSet presAssocID="{685127EF-E7B0-4846-8BE2-F35BE1C07FEF}" presName="parentText" presStyleLbl="node1" presStyleIdx="2" presStyleCnt="5">
+        <dgm:presLayoutVars>
+          <dgm:chMax val="0"/>
+          <dgm:bulletEnabled val="1"/>
+        </dgm:presLayoutVars>
+      </dgm:prSet>
+      <dgm:spPr/>
+    </dgm:pt>
+    <dgm:pt modelId="{9CBCF24A-7516-46EC-9781-3D81AB4223AE}" type="pres">
+      <dgm:prSet presAssocID="{46103693-97AB-4DCE-ADB6-602646A7AC1A}" presName="spacer" presStyleCnt="0"/>
+      <dgm:spPr/>
+    </dgm:pt>
+    <dgm:pt modelId="{C1650601-8371-4CB4-B57D-3C22DD7D1BB3}" type="pres">
+      <dgm:prSet presAssocID="{FDCD1F72-65E0-410F-8839-80B028C519FF}" presName="parentText" presStyleLbl="node1" presStyleIdx="3" presStyleCnt="5">
+        <dgm:presLayoutVars>
+          <dgm:chMax val="0"/>
+          <dgm:bulletEnabled val="1"/>
+        </dgm:presLayoutVars>
+      </dgm:prSet>
+      <dgm:spPr/>
+    </dgm:pt>
+    <dgm:pt modelId="{11A310B4-7359-483F-9B64-CAB7AD80124A}" type="pres">
+      <dgm:prSet presAssocID="{94295ED8-0B34-4222-A40A-75B2FD612319}" presName="spacer" presStyleCnt="0"/>
+      <dgm:spPr/>
+    </dgm:pt>
+    <dgm:pt modelId="{94414C0E-8940-4474-940F-D3213989A27C}" type="pres">
+      <dgm:prSet presAssocID="{22B3F442-BF14-4981-A83C-5DB8317035B6}" presName="parentText" presStyleLbl="node1" presStyleIdx="4" presStyleCnt="5">
+        <dgm:presLayoutVars>
+          <dgm:chMax val="0"/>
+          <dgm:bulletEnabled val="1"/>
+        </dgm:presLayoutVars>
+      </dgm:prSet>
+      <dgm:spPr/>
+    </dgm:pt>
+  </dgm:ptLst>
+  <dgm:cxnLst>
+    <dgm:cxn modelId="{8D5B9D0C-54EC-4D3B-85BD-841A339277DA}" srcId="{B269E8D0-73DC-4F59-9FEC-565CD6DEFD0F}" destId="{FDCD1F72-65E0-410F-8839-80B028C519FF}" srcOrd="3" destOrd="0" parTransId="{D1F46D53-A6DA-4CCA-A205-373637C705A3}" sibTransId="{94295ED8-0B34-4222-A40A-75B2FD612319}"/>
+    <dgm:cxn modelId="{E8DA4C1F-77AE-4B62-8A5B-9A29CA06526F}" srcId="{B269E8D0-73DC-4F59-9FEC-565CD6DEFD0F}" destId="{685127EF-E7B0-4846-8BE2-F35BE1C07FEF}" srcOrd="2" destOrd="0" parTransId="{DEC94BD2-6C82-48AC-8B76-D3F9B28D1AAA}" sibTransId="{46103693-97AB-4DCE-ADB6-602646A7AC1A}"/>
+    <dgm:cxn modelId="{FE561121-8B10-492C-84E8-DBE8FA7898ED}" srcId="{B269E8D0-73DC-4F59-9FEC-565CD6DEFD0F}" destId="{22B3F442-BF14-4981-A83C-5DB8317035B6}" srcOrd="4" destOrd="0" parTransId="{8F4434B1-DE0E-444F-9F6D-4FC86F480721}" sibTransId="{567B000A-BBE2-4C7C-BEF9-F46D03A33823}"/>
+    <dgm:cxn modelId="{80828027-E72C-4463-B5E3-8FC2E87F8806}" type="presOf" srcId="{22B3F442-BF14-4981-A83C-5DB8317035B6}" destId="{94414C0E-8940-4474-940F-D3213989A27C}" srcOrd="0" destOrd="0" presId="urn:microsoft.com/office/officeart/2005/8/layout/vList2"/>
+    <dgm:cxn modelId="{8625A137-2BF7-4134-97EB-C95EBD1D8BBC}" type="presOf" srcId="{685127EF-E7B0-4846-8BE2-F35BE1C07FEF}" destId="{AC719575-CA84-4D75-A2F6-036239BB9475}" srcOrd="0" destOrd="0" presId="urn:microsoft.com/office/officeart/2005/8/layout/vList2"/>
+    <dgm:cxn modelId="{88690C66-B4D1-455D-8724-AD2A438F07FD}" type="presOf" srcId="{B269E8D0-73DC-4F59-9FEC-565CD6DEFD0F}" destId="{8230DA44-7F9E-4B7D-B16A-80929F51DB52}" srcOrd="0" destOrd="0" presId="urn:microsoft.com/office/officeart/2005/8/layout/vList2"/>
+    <dgm:cxn modelId="{482B0672-0F70-42C9-B1C4-FBFED0646C98}" type="presOf" srcId="{1977A89C-802A-4E5F-A86E-90B5A2941724}" destId="{EBA2C7CC-634D-4C67-B297-2B5CFF60F20F}" srcOrd="0" destOrd="0" presId="urn:microsoft.com/office/officeart/2005/8/layout/vList2"/>
+    <dgm:cxn modelId="{DCE11558-1A96-42B4-88FF-E6FEE32F4F15}" srcId="{B269E8D0-73DC-4F59-9FEC-565CD6DEFD0F}" destId="{1977A89C-802A-4E5F-A86E-90B5A2941724}" srcOrd="0" destOrd="0" parTransId="{FF0DBCA4-3055-4E1C-997B-92C20487797F}" sibTransId="{190DB08A-6683-4D92-ACE0-082BDB08D0DA}"/>
+    <dgm:cxn modelId="{A382DE8A-154B-4A64-8347-079E616D4913}" type="presOf" srcId="{FDCD1F72-65E0-410F-8839-80B028C519FF}" destId="{C1650601-8371-4CB4-B57D-3C22DD7D1BB3}" srcOrd="0" destOrd="0" presId="urn:microsoft.com/office/officeart/2005/8/layout/vList2"/>
+    <dgm:cxn modelId="{0705EB99-7F8B-4568-B210-FEB1A64A326B}" srcId="{B269E8D0-73DC-4F59-9FEC-565CD6DEFD0F}" destId="{9EEB51A8-BABD-461B-9BA5-757E5A276AC0}" srcOrd="1" destOrd="0" parTransId="{5D2C7A30-CBE5-430F-BA26-A3FFEE87EA0F}" sibTransId="{27B12023-20DF-4B19-B074-19BE875CD963}"/>
+    <dgm:cxn modelId="{D43B04C4-6A2B-4852-BCC9-641648998DE8}" type="presOf" srcId="{9EEB51A8-BABD-461B-9BA5-757E5A276AC0}" destId="{2CD2BE06-A5E2-4A20-8270-3795791FC257}" srcOrd="0" destOrd="0" presId="urn:microsoft.com/office/officeart/2005/8/layout/vList2"/>
+    <dgm:cxn modelId="{7FCB66D1-93AF-48AA-ADEE-662D1E0B1F97}" type="presParOf" srcId="{8230DA44-7F9E-4B7D-B16A-80929F51DB52}" destId="{EBA2C7CC-634D-4C67-B297-2B5CFF60F20F}" srcOrd="0" destOrd="0" presId="urn:microsoft.com/office/officeart/2005/8/layout/vList2"/>
+    <dgm:cxn modelId="{E62B5723-AAFC-4BF1-A422-DE777C052F70}" type="presParOf" srcId="{8230DA44-7F9E-4B7D-B16A-80929F51DB52}" destId="{F468D60E-F249-402B-BA2F-32069891F575}" srcOrd="1" destOrd="0" presId="urn:microsoft.com/office/officeart/2005/8/layout/vList2"/>
+    <dgm:cxn modelId="{9BC0E81A-AB3C-4703-8FC0-77AB606A321B}" type="presParOf" srcId="{8230DA44-7F9E-4B7D-B16A-80929F51DB52}" destId="{2CD2BE06-A5E2-4A20-8270-3795791FC257}" srcOrd="2" destOrd="0" presId="urn:microsoft.com/office/officeart/2005/8/layout/vList2"/>
+    <dgm:cxn modelId="{B45703F8-A5AA-40CE-9464-F3B9DE097537}" type="presParOf" srcId="{8230DA44-7F9E-4B7D-B16A-80929F51DB52}" destId="{43D3E7C5-37E5-4F4D-BC03-82859461D26D}" srcOrd="3" destOrd="0" presId="urn:microsoft.com/office/officeart/2005/8/layout/vList2"/>
+    <dgm:cxn modelId="{B2B9D1A4-4C63-4F4F-8E88-959740350401}" type="presParOf" srcId="{8230DA44-7F9E-4B7D-B16A-80929F51DB52}" destId="{AC719575-CA84-4D75-A2F6-036239BB9475}" srcOrd="4" destOrd="0" presId="urn:microsoft.com/office/officeart/2005/8/layout/vList2"/>
+    <dgm:cxn modelId="{49D6A398-2601-4DBD-A835-202DE033EFDE}" type="presParOf" srcId="{8230DA44-7F9E-4B7D-B16A-80929F51DB52}" destId="{9CBCF24A-7516-46EC-9781-3D81AB4223AE}" srcOrd="5" destOrd="0" presId="urn:microsoft.com/office/officeart/2005/8/layout/vList2"/>
+    <dgm:cxn modelId="{27B1FD76-D120-4641-A230-98D71B800204}" type="presParOf" srcId="{8230DA44-7F9E-4B7D-B16A-80929F51DB52}" destId="{C1650601-8371-4CB4-B57D-3C22DD7D1BB3}" srcOrd="6" destOrd="0" presId="urn:microsoft.com/office/officeart/2005/8/layout/vList2"/>
+    <dgm:cxn modelId="{1B4A3267-FC0F-4BA2-8E4A-9120BD6EC8B8}" type="presParOf" srcId="{8230DA44-7F9E-4B7D-B16A-80929F51DB52}" destId="{11A310B4-7359-483F-9B64-CAB7AD80124A}" srcOrd="7" destOrd="0" presId="urn:microsoft.com/office/officeart/2005/8/layout/vList2"/>
+    <dgm:cxn modelId="{34FE85E0-9124-48C1-BA69-4C1D0A0CBC75}" type="presParOf" srcId="{8230DA44-7F9E-4B7D-B16A-80929F51DB52}" destId="{94414C0E-8940-4474-940F-D3213989A27C}" srcOrd="8" destOrd="0" presId="urn:microsoft.com/office/officeart/2005/8/layout/vList2"/>
+  </dgm:cxnLst>
+  <dgm:bg/>
+  <dgm:whole/>
+  <dgm:extLst>
+    <a:ext uri="http://schemas.microsoft.com/office/drawing/2008/diagram">
+      <dsp:dataModelExt xmlns:dsp="http://schemas.microsoft.com/office/drawing/2008/diagram" relId="rId6" minVer="http://schemas.openxmlformats.org/drawingml/2006/diagram"/>
+    </a:ext>
+  </dgm:extLst>
+</dgm:dataModel>
+</file>
+
+<file path=ppt/diagrams/data3.xml><?xml version="1.0" encoding="utf-8"?>
 <dgm:dataModel xmlns:dgm="http://schemas.openxmlformats.org/drawingml/2006/diagram" xmlns:a="http://schemas.openxmlformats.org/drawingml/2006/main">
   <dgm:ptLst>
     <dgm:pt modelId="{280C11BB-EEE2-42F9-A925-2B6DB1A0FC92}" type="doc">
@@ -2536,7 +5596,7 @@
         <a:p>
           <a:r>
             <a:rPr lang="en-US" dirty="0"/>
-            <a:t>Black Jack Reward</a:t>
+            <a:t>Blackjack Reward</a:t>
           </a:r>
         </a:p>
       </dgm:t>
@@ -2707,13 +5767,945 @@
   <dgm:whole/>
   <dgm:extLst>
     <a:ext uri="http://schemas.microsoft.com/office/drawing/2008/diagram">
-      <dsp:dataModelExt xmlns:dsp="http://schemas.microsoft.com/office/drawing/2008/diagram" relId="rId8" minVer="http://schemas.openxmlformats.org/drawingml/2006/diagram"/>
+      <dsp:dataModelExt xmlns:dsp="http://schemas.microsoft.com/office/drawing/2008/diagram" relId="rId6" minVer="http://schemas.openxmlformats.org/drawingml/2006/diagram"/>
     </a:ext>
   </dgm:extLst>
 </dgm:dataModel>
 </file>
 
 <file path=ppt/diagrams/drawing1.xml><?xml version="1.0" encoding="utf-8"?>
+<dsp:drawing xmlns:dgm="http://schemas.openxmlformats.org/drawingml/2006/diagram" xmlns:dsp="http://schemas.microsoft.com/office/drawing/2008/diagram" xmlns:a="http://schemas.openxmlformats.org/drawingml/2006/main">
+  <dsp:spTree>
+    <dsp:nvGrpSpPr>
+      <dsp:cNvPr id="0" name=""/>
+      <dsp:cNvGrpSpPr/>
+    </dsp:nvGrpSpPr>
+    <dsp:grpSpPr/>
+    <dsp:sp modelId="{56890494-8A60-4356-8B92-28F96672A310}">
+      <dsp:nvSpPr>
+        <dsp:cNvPr id="0" name=""/>
+        <dsp:cNvSpPr/>
+      </dsp:nvSpPr>
+      <dsp:spPr>
+        <a:xfrm>
+          <a:off x="1221978" y="2645"/>
+          <a:ext cx="2706687" cy="1624012"/>
+        </a:xfrm>
+        <a:prstGeom prst="rect">
+          <a:avLst/>
+        </a:prstGeom>
+        <a:solidFill>
+          <a:schemeClr val="accent1">
+            <a:hueOff val="0"/>
+            <a:satOff val="0"/>
+            <a:lumOff val="0"/>
+            <a:alphaOff val="0"/>
+          </a:schemeClr>
+        </a:solidFill>
+        <a:ln w="12700" cap="flat" cmpd="sng" algn="ctr">
+          <a:solidFill>
+            <a:schemeClr val="lt1">
+              <a:hueOff val="0"/>
+              <a:satOff val="0"/>
+              <a:lumOff val="0"/>
+              <a:alphaOff val="0"/>
+            </a:schemeClr>
+          </a:solidFill>
+          <a:prstDash val="solid"/>
+          <a:miter lim="800000"/>
+        </a:ln>
+        <a:effectLst/>
+      </dsp:spPr>
+      <dsp:style>
+        <a:lnRef idx="2">
+          <a:scrgbClr r="0" g="0" b="0"/>
+        </a:lnRef>
+        <a:fillRef idx="1">
+          <a:scrgbClr r="0" g="0" b="0"/>
+        </a:fillRef>
+        <a:effectRef idx="0">
+          <a:scrgbClr r="0" g="0" b="0"/>
+        </a:effectRef>
+        <a:fontRef idx="minor">
+          <a:schemeClr val="lt1"/>
+        </a:fontRef>
+      </dsp:style>
+      <dsp:txBody>
+        <a:bodyPr spcFirstLastPara="0" vert="horz" wrap="square" lIns="106680" tIns="106680" rIns="106680" bIns="106680" numCol="1" spcCol="1270" anchor="ctr" anchorCtr="0">
+          <a:noAutofit/>
+        </a:bodyPr>
+        <a:lstStyle/>
+        <a:p>
+          <a:pPr marL="0" lvl="0" indent="0" algn="ctr" defTabSz="1244600">
+            <a:lnSpc>
+              <a:spcPct val="90000"/>
+            </a:lnSpc>
+            <a:spcBef>
+              <a:spcPct val="0"/>
+            </a:spcBef>
+            <a:spcAft>
+              <a:spcPct val="35000"/>
+            </a:spcAft>
+            <a:buNone/>
+          </a:pPr>
+          <a:r>
+            <a:rPr lang="en-US" sz="2800" kern="1200">
+              <a:solidFill>
+                <a:schemeClr val="bg1"/>
+              </a:solidFill>
+            </a:rPr>
+            <a:t>2 People</a:t>
+          </a:r>
+          <a:endParaRPr lang="en-US" sz="2800" kern="1200"/>
+        </a:p>
+      </dsp:txBody>
+      <dsp:txXfrm>
+        <a:off x="1221978" y="2645"/>
+        <a:ext cx="2706687" cy="1624012"/>
+      </dsp:txXfrm>
+    </dsp:sp>
+    <dsp:sp modelId="{826C088E-0051-41BF-943E-9FD711E17219}">
+      <dsp:nvSpPr>
+        <dsp:cNvPr id="0" name=""/>
+        <dsp:cNvSpPr/>
+      </dsp:nvSpPr>
+      <dsp:spPr>
+        <a:xfrm>
+          <a:off x="4199334" y="2645"/>
+          <a:ext cx="2706687" cy="1624012"/>
+        </a:xfrm>
+        <a:prstGeom prst="rect">
+          <a:avLst/>
+        </a:prstGeom>
+        <a:solidFill>
+          <a:schemeClr val="accent1">
+            <a:hueOff val="0"/>
+            <a:satOff val="0"/>
+            <a:lumOff val="0"/>
+            <a:alphaOff val="0"/>
+          </a:schemeClr>
+        </a:solidFill>
+        <a:ln w="12700" cap="flat" cmpd="sng" algn="ctr">
+          <a:solidFill>
+            <a:schemeClr val="lt1">
+              <a:hueOff val="0"/>
+              <a:satOff val="0"/>
+              <a:lumOff val="0"/>
+              <a:alphaOff val="0"/>
+            </a:schemeClr>
+          </a:solidFill>
+          <a:prstDash val="solid"/>
+          <a:miter lim="800000"/>
+        </a:ln>
+        <a:effectLst/>
+      </dsp:spPr>
+      <dsp:style>
+        <a:lnRef idx="2">
+          <a:scrgbClr r="0" g="0" b="0"/>
+        </a:lnRef>
+        <a:fillRef idx="1">
+          <a:scrgbClr r="0" g="0" b="0"/>
+        </a:fillRef>
+        <a:effectRef idx="0">
+          <a:scrgbClr r="0" g="0" b="0"/>
+        </a:effectRef>
+        <a:fontRef idx="minor">
+          <a:schemeClr val="lt1"/>
+        </a:fontRef>
+      </dsp:style>
+      <dsp:txBody>
+        <a:bodyPr spcFirstLastPara="0" vert="horz" wrap="square" lIns="106680" tIns="106680" rIns="106680" bIns="106680" numCol="1" spcCol="1270" anchor="ctr" anchorCtr="0">
+          <a:noAutofit/>
+        </a:bodyPr>
+        <a:lstStyle/>
+        <a:p>
+          <a:pPr marL="0" lvl="0" indent="0" algn="ctr" defTabSz="1244600">
+            <a:lnSpc>
+              <a:spcPct val="90000"/>
+            </a:lnSpc>
+            <a:spcBef>
+              <a:spcPct val="0"/>
+            </a:spcBef>
+            <a:spcAft>
+              <a:spcPct val="35000"/>
+            </a:spcAft>
+            <a:buNone/>
+          </a:pPr>
+          <a:r>
+            <a:rPr lang="en-US" sz="2800" kern="1200">
+              <a:solidFill>
+                <a:schemeClr val="bg1"/>
+              </a:solidFill>
+            </a:rPr>
+            <a:t>Score 21</a:t>
+          </a:r>
+          <a:endParaRPr lang="en-US" sz="2800" kern="1200" dirty="0">
+            <a:solidFill>
+              <a:schemeClr val="bg1"/>
+            </a:solidFill>
+          </a:endParaRPr>
+        </a:p>
+      </dsp:txBody>
+      <dsp:txXfrm>
+        <a:off x="4199334" y="2645"/>
+        <a:ext cx="2706687" cy="1624012"/>
+      </dsp:txXfrm>
+    </dsp:sp>
+    <dsp:sp modelId="{30ABD84E-85D4-4DE9-9E93-5E39178EFA05}">
+      <dsp:nvSpPr>
+        <dsp:cNvPr id="0" name=""/>
+        <dsp:cNvSpPr/>
+      </dsp:nvSpPr>
+      <dsp:spPr>
+        <a:xfrm>
+          <a:off x="1221978" y="1897327"/>
+          <a:ext cx="2706687" cy="1624012"/>
+        </a:xfrm>
+        <a:prstGeom prst="rect">
+          <a:avLst/>
+        </a:prstGeom>
+        <a:solidFill>
+          <a:schemeClr val="accent1">
+            <a:hueOff val="0"/>
+            <a:satOff val="0"/>
+            <a:lumOff val="0"/>
+            <a:alphaOff val="0"/>
+          </a:schemeClr>
+        </a:solidFill>
+        <a:ln w="12700" cap="flat" cmpd="sng" algn="ctr">
+          <a:solidFill>
+            <a:schemeClr val="lt1">
+              <a:hueOff val="0"/>
+              <a:satOff val="0"/>
+              <a:lumOff val="0"/>
+              <a:alphaOff val="0"/>
+            </a:schemeClr>
+          </a:solidFill>
+          <a:prstDash val="solid"/>
+          <a:miter lim="800000"/>
+        </a:ln>
+        <a:effectLst/>
+      </dsp:spPr>
+      <dsp:style>
+        <a:lnRef idx="2">
+          <a:scrgbClr r="0" g="0" b="0"/>
+        </a:lnRef>
+        <a:fillRef idx="1">
+          <a:scrgbClr r="0" g="0" b="0"/>
+        </a:fillRef>
+        <a:effectRef idx="0">
+          <a:scrgbClr r="0" g="0" b="0"/>
+        </a:effectRef>
+        <a:fontRef idx="minor">
+          <a:schemeClr val="lt1"/>
+        </a:fontRef>
+      </dsp:style>
+      <dsp:txBody>
+        <a:bodyPr spcFirstLastPara="0" vert="horz" wrap="square" lIns="106680" tIns="106680" rIns="106680" bIns="106680" numCol="1" spcCol="1270" anchor="ctr" anchorCtr="0">
+          <a:noAutofit/>
+        </a:bodyPr>
+        <a:lstStyle/>
+        <a:p>
+          <a:pPr marL="0" lvl="0" indent="0" algn="ctr" defTabSz="1244600">
+            <a:lnSpc>
+              <a:spcPct val="90000"/>
+            </a:lnSpc>
+            <a:spcBef>
+              <a:spcPct val="0"/>
+            </a:spcBef>
+            <a:spcAft>
+              <a:spcPct val="35000"/>
+            </a:spcAft>
+            <a:buNone/>
+          </a:pPr>
+          <a:r>
+            <a:rPr lang="en-US" sz="2800" kern="1200">
+              <a:solidFill>
+                <a:schemeClr val="bg1"/>
+              </a:solidFill>
+            </a:rPr>
+            <a:t>Blackjack Rewards (3:2)</a:t>
+          </a:r>
+          <a:endParaRPr lang="en-US" sz="2800" kern="1200" dirty="0">
+            <a:solidFill>
+              <a:schemeClr val="bg1"/>
+            </a:solidFill>
+          </a:endParaRPr>
+        </a:p>
+      </dsp:txBody>
+      <dsp:txXfrm>
+        <a:off x="1221978" y="1897327"/>
+        <a:ext cx="2706687" cy="1624012"/>
+      </dsp:txXfrm>
+    </dsp:sp>
+    <dsp:sp modelId="{FE155D71-A99A-44A9-98E9-6CB74FCDA80D}">
+      <dsp:nvSpPr>
+        <dsp:cNvPr id="0" name=""/>
+        <dsp:cNvSpPr/>
+      </dsp:nvSpPr>
+      <dsp:spPr>
+        <a:xfrm>
+          <a:off x="4199334" y="1897327"/>
+          <a:ext cx="2706687" cy="1624012"/>
+        </a:xfrm>
+        <a:prstGeom prst="rect">
+          <a:avLst/>
+        </a:prstGeom>
+        <a:solidFill>
+          <a:schemeClr val="accent1">
+            <a:hueOff val="0"/>
+            <a:satOff val="0"/>
+            <a:lumOff val="0"/>
+            <a:alphaOff val="0"/>
+          </a:schemeClr>
+        </a:solidFill>
+        <a:ln w="12700" cap="flat" cmpd="sng" algn="ctr">
+          <a:solidFill>
+            <a:schemeClr val="lt1">
+              <a:hueOff val="0"/>
+              <a:satOff val="0"/>
+              <a:lumOff val="0"/>
+              <a:alphaOff val="0"/>
+            </a:schemeClr>
+          </a:solidFill>
+          <a:prstDash val="solid"/>
+          <a:miter lim="800000"/>
+        </a:ln>
+        <a:effectLst/>
+      </dsp:spPr>
+      <dsp:style>
+        <a:lnRef idx="2">
+          <a:scrgbClr r="0" g="0" b="0"/>
+        </a:lnRef>
+        <a:fillRef idx="1">
+          <a:scrgbClr r="0" g="0" b="0"/>
+        </a:fillRef>
+        <a:effectRef idx="0">
+          <a:scrgbClr r="0" g="0" b="0"/>
+        </a:effectRef>
+        <a:fontRef idx="minor">
+          <a:schemeClr val="lt1"/>
+        </a:fontRef>
+      </dsp:style>
+      <dsp:txBody>
+        <a:bodyPr spcFirstLastPara="0" vert="horz" wrap="square" lIns="106680" tIns="106680" rIns="106680" bIns="106680" numCol="1" spcCol="1270" anchor="ctr" anchorCtr="0">
+          <a:noAutofit/>
+        </a:bodyPr>
+        <a:lstStyle/>
+        <a:p>
+          <a:pPr marL="0" lvl="0" indent="0" algn="ctr" defTabSz="1244600">
+            <a:lnSpc>
+              <a:spcPct val="90000"/>
+            </a:lnSpc>
+            <a:spcBef>
+              <a:spcPct val="0"/>
+            </a:spcBef>
+            <a:spcAft>
+              <a:spcPct val="35000"/>
+            </a:spcAft>
+            <a:buNone/>
+          </a:pPr>
+          <a:r>
+            <a:rPr lang="en-US" sz="2800" kern="1200">
+              <a:solidFill>
+                <a:schemeClr val="bg1"/>
+              </a:solidFill>
+            </a:rPr>
+            <a:t>2 Cards Blackjack wins over 3 cards blackjack</a:t>
+          </a:r>
+          <a:endParaRPr lang="en-US" sz="2800" kern="1200" dirty="0">
+            <a:solidFill>
+              <a:schemeClr val="bg1"/>
+            </a:solidFill>
+          </a:endParaRPr>
+        </a:p>
+      </dsp:txBody>
+      <dsp:txXfrm>
+        <a:off x="4199334" y="1897327"/>
+        <a:ext cx="2706687" cy="1624012"/>
+      </dsp:txXfrm>
+    </dsp:sp>
+    <dsp:sp modelId="{6744618E-4B21-412B-90BC-A3C78649FEF4}">
+      <dsp:nvSpPr>
+        <dsp:cNvPr id="0" name=""/>
+        <dsp:cNvSpPr/>
+      </dsp:nvSpPr>
+      <dsp:spPr>
+        <a:xfrm>
+          <a:off x="1221978" y="3792008"/>
+          <a:ext cx="2706687" cy="1624012"/>
+        </a:xfrm>
+        <a:prstGeom prst="rect">
+          <a:avLst/>
+        </a:prstGeom>
+        <a:solidFill>
+          <a:schemeClr val="accent1">
+            <a:hueOff val="0"/>
+            <a:satOff val="0"/>
+            <a:lumOff val="0"/>
+            <a:alphaOff val="0"/>
+          </a:schemeClr>
+        </a:solidFill>
+        <a:ln w="12700" cap="flat" cmpd="sng" algn="ctr">
+          <a:solidFill>
+            <a:schemeClr val="lt1">
+              <a:hueOff val="0"/>
+              <a:satOff val="0"/>
+              <a:lumOff val="0"/>
+              <a:alphaOff val="0"/>
+            </a:schemeClr>
+          </a:solidFill>
+          <a:prstDash val="solid"/>
+          <a:miter lim="800000"/>
+        </a:ln>
+        <a:effectLst/>
+      </dsp:spPr>
+      <dsp:style>
+        <a:lnRef idx="2">
+          <a:scrgbClr r="0" g="0" b="0"/>
+        </a:lnRef>
+        <a:fillRef idx="1">
+          <a:scrgbClr r="0" g="0" b="0"/>
+        </a:fillRef>
+        <a:effectRef idx="0">
+          <a:scrgbClr r="0" g="0" b="0"/>
+        </a:effectRef>
+        <a:fontRef idx="minor">
+          <a:schemeClr val="lt1"/>
+        </a:fontRef>
+      </dsp:style>
+      <dsp:txBody>
+        <a:bodyPr spcFirstLastPara="0" vert="horz" wrap="square" lIns="106680" tIns="106680" rIns="106680" bIns="106680" numCol="1" spcCol="1270" anchor="ctr" anchorCtr="0">
+          <a:noAutofit/>
+        </a:bodyPr>
+        <a:lstStyle/>
+        <a:p>
+          <a:pPr marL="0" lvl="0" indent="0" algn="ctr" defTabSz="1244600">
+            <a:lnSpc>
+              <a:spcPct val="90000"/>
+            </a:lnSpc>
+            <a:spcBef>
+              <a:spcPct val="0"/>
+            </a:spcBef>
+            <a:spcAft>
+              <a:spcPct val="35000"/>
+            </a:spcAft>
+            <a:buNone/>
+          </a:pPr>
+          <a:r>
+            <a:rPr lang="en-US" sz="2800" kern="1200">
+              <a:solidFill>
+                <a:schemeClr val="bg1"/>
+              </a:solidFill>
+            </a:rPr>
+            <a:t>Hit &amp; Stand</a:t>
+          </a:r>
+          <a:endParaRPr lang="en-US" sz="2800" kern="1200" dirty="0">
+            <a:solidFill>
+              <a:schemeClr val="bg1"/>
+            </a:solidFill>
+          </a:endParaRPr>
+        </a:p>
+      </dsp:txBody>
+      <dsp:txXfrm>
+        <a:off x="1221978" y="3792008"/>
+        <a:ext cx="2706687" cy="1624012"/>
+      </dsp:txXfrm>
+    </dsp:sp>
+    <dsp:sp modelId="{2D581088-F1E2-44FE-9F05-5F02D7EBA01B}">
+      <dsp:nvSpPr>
+        <dsp:cNvPr id="0" name=""/>
+        <dsp:cNvSpPr/>
+      </dsp:nvSpPr>
+      <dsp:spPr>
+        <a:xfrm>
+          <a:off x="4199334" y="3792008"/>
+          <a:ext cx="2706687" cy="1624012"/>
+        </a:xfrm>
+        <a:prstGeom prst="rect">
+          <a:avLst/>
+        </a:prstGeom>
+        <a:solidFill>
+          <a:schemeClr val="accent1">
+            <a:hueOff val="0"/>
+            <a:satOff val="0"/>
+            <a:lumOff val="0"/>
+            <a:alphaOff val="0"/>
+          </a:schemeClr>
+        </a:solidFill>
+        <a:ln w="12700" cap="flat" cmpd="sng" algn="ctr">
+          <a:solidFill>
+            <a:schemeClr val="lt1">
+              <a:hueOff val="0"/>
+              <a:satOff val="0"/>
+              <a:lumOff val="0"/>
+              <a:alphaOff val="0"/>
+            </a:schemeClr>
+          </a:solidFill>
+          <a:prstDash val="solid"/>
+          <a:miter lim="800000"/>
+        </a:ln>
+        <a:effectLst/>
+      </dsp:spPr>
+      <dsp:style>
+        <a:lnRef idx="2">
+          <a:scrgbClr r="0" g="0" b="0"/>
+        </a:lnRef>
+        <a:fillRef idx="1">
+          <a:scrgbClr r="0" g="0" b="0"/>
+        </a:fillRef>
+        <a:effectRef idx="0">
+          <a:scrgbClr r="0" g="0" b="0"/>
+        </a:effectRef>
+        <a:fontRef idx="minor">
+          <a:schemeClr val="lt1"/>
+        </a:fontRef>
+      </dsp:style>
+      <dsp:txBody>
+        <a:bodyPr spcFirstLastPara="0" vert="horz" wrap="square" lIns="106680" tIns="106680" rIns="106680" bIns="106680" numCol="1" spcCol="1270" anchor="ctr" anchorCtr="0">
+          <a:noAutofit/>
+        </a:bodyPr>
+        <a:lstStyle/>
+        <a:p>
+          <a:pPr marL="0" lvl="0" indent="0" algn="ctr" defTabSz="1244600">
+            <a:lnSpc>
+              <a:spcPct val="90000"/>
+            </a:lnSpc>
+            <a:spcBef>
+              <a:spcPct val="0"/>
+            </a:spcBef>
+            <a:spcAft>
+              <a:spcPct val="35000"/>
+            </a:spcAft>
+            <a:buNone/>
+          </a:pPr>
+          <a:r>
+            <a:rPr lang="en-US" sz="2800" kern="1200">
+              <a:solidFill>
+                <a:schemeClr val="bg1"/>
+              </a:solidFill>
+            </a:rPr>
+            <a:t>Dealers Advantage</a:t>
+          </a:r>
+          <a:endParaRPr lang="en-US" sz="2800" kern="1200" dirty="0">
+            <a:solidFill>
+              <a:schemeClr val="bg1"/>
+            </a:solidFill>
+          </a:endParaRPr>
+        </a:p>
+      </dsp:txBody>
+      <dsp:txXfrm>
+        <a:off x="4199334" y="3792008"/>
+        <a:ext cx="2706687" cy="1624012"/>
+      </dsp:txXfrm>
+    </dsp:sp>
+  </dsp:spTree>
+</dsp:drawing>
+</file>
+
+<file path=ppt/diagrams/drawing2.xml><?xml version="1.0" encoding="utf-8"?>
+<dsp:drawing xmlns:dgm="http://schemas.openxmlformats.org/drawingml/2006/diagram" xmlns:dsp="http://schemas.microsoft.com/office/drawing/2008/diagram" xmlns:a="http://schemas.openxmlformats.org/drawingml/2006/main">
+  <dsp:spTree>
+    <dsp:nvGrpSpPr>
+      <dsp:cNvPr id="0" name=""/>
+      <dsp:cNvGrpSpPr/>
+    </dsp:nvGrpSpPr>
+    <dsp:grpSpPr/>
+    <dsp:sp modelId="{EBA2C7CC-634D-4C67-B297-2B5CFF60F20F}">
+      <dsp:nvSpPr>
+        <dsp:cNvPr id="0" name=""/>
+        <dsp:cNvSpPr/>
+      </dsp:nvSpPr>
+      <dsp:spPr>
+        <a:xfrm>
+          <a:off x="0" y="157162"/>
+          <a:ext cx="5457824" cy="959400"/>
+        </a:xfrm>
+        <a:prstGeom prst="roundRect">
+          <a:avLst/>
+        </a:prstGeom>
+        <a:solidFill>
+          <a:schemeClr val="accent5">
+            <a:hueOff val="0"/>
+            <a:satOff val="0"/>
+            <a:lumOff val="0"/>
+            <a:alphaOff val="0"/>
+          </a:schemeClr>
+        </a:solidFill>
+        <a:ln w="12700" cap="flat" cmpd="sng" algn="ctr">
+          <a:solidFill>
+            <a:schemeClr val="lt1">
+              <a:hueOff val="0"/>
+              <a:satOff val="0"/>
+              <a:lumOff val="0"/>
+              <a:alphaOff val="0"/>
+            </a:schemeClr>
+          </a:solidFill>
+          <a:prstDash val="solid"/>
+          <a:miter lim="800000"/>
+        </a:ln>
+        <a:effectLst/>
+      </dsp:spPr>
+      <dsp:style>
+        <a:lnRef idx="2">
+          <a:scrgbClr r="0" g="0" b="0"/>
+        </a:lnRef>
+        <a:fillRef idx="1">
+          <a:scrgbClr r="0" g="0" b="0"/>
+        </a:fillRef>
+        <a:effectRef idx="0">
+          <a:scrgbClr r="0" g="0" b="0"/>
+        </a:effectRef>
+        <a:fontRef idx="minor">
+          <a:schemeClr val="lt1"/>
+        </a:fontRef>
+      </dsp:style>
+      <dsp:txBody>
+        <a:bodyPr spcFirstLastPara="0" vert="horz" wrap="square" lIns="152400" tIns="152400" rIns="152400" bIns="152400" numCol="1" spcCol="1270" anchor="ctr" anchorCtr="0">
+          <a:noAutofit/>
+        </a:bodyPr>
+        <a:lstStyle/>
+        <a:p>
+          <a:pPr marL="0" lvl="0" indent="0" algn="l" defTabSz="1778000">
+            <a:lnSpc>
+              <a:spcPct val="90000"/>
+            </a:lnSpc>
+            <a:spcBef>
+              <a:spcPct val="0"/>
+            </a:spcBef>
+            <a:spcAft>
+              <a:spcPct val="35000"/>
+            </a:spcAft>
+            <a:buNone/>
+          </a:pPr>
+          <a:r>
+            <a:rPr lang="en-US" sz="4000" kern="1200"/>
+            <a:t>Player Decision to Stand</a:t>
+          </a:r>
+        </a:p>
+      </dsp:txBody>
+      <dsp:txXfrm>
+        <a:off x="46834" y="203996"/>
+        <a:ext cx="5364156" cy="865732"/>
+      </dsp:txXfrm>
+    </dsp:sp>
+    <dsp:sp modelId="{2CD2BE06-A5E2-4A20-8270-3795791FC257}">
+      <dsp:nvSpPr>
+        <dsp:cNvPr id="0" name=""/>
+        <dsp:cNvSpPr/>
+      </dsp:nvSpPr>
+      <dsp:spPr>
+        <a:xfrm>
+          <a:off x="0" y="1231762"/>
+          <a:ext cx="5457824" cy="959400"/>
+        </a:xfrm>
+        <a:prstGeom prst="roundRect">
+          <a:avLst/>
+        </a:prstGeom>
+        <a:solidFill>
+          <a:schemeClr val="accent5">
+            <a:hueOff val="-1689636"/>
+            <a:satOff val="-4355"/>
+            <a:lumOff val="-2941"/>
+            <a:alphaOff val="0"/>
+          </a:schemeClr>
+        </a:solidFill>
+        <a:ln w="12700" cap="flat" cmpd="sng" algn="ctr">
+          <a:solidFill>
+            <a:schemeClr val="lt1">
+              <a:hueOff val="0"/>
+              <a:satOff val="0"/>
+              <a:lumOff val="0"/>
+              <a:alphaOff val="0"/>
+            </a:schemeClr>
+          </a:solidFill>
+          <a:prstDash val="solid"/>
+          <a:miter lim="800000"/>
+        </a:ln>
+        <a:effectLst/>
+      </dsp:spPr>
+      <dsp:style>
+        <a:lnRef idx="2">
+          <a:scrgbClr r="0" g="0" b="0"/>
+        </a:lnRef>
+        <a:fillRef idx="1">
+          <a:scrgbClr r="0" g="0" b="0"/>
+        </a:fillRef>
+        <a:effectRef idx="0">
+          <a:scrgbClr r="0" g="0" b="0"/>
+        </a:effectRef>
+        <a:fontRef idx="minor">
+          <a:schemeClr val="lt1"/>
+        </a:fontRef>
+      </dsp:style>
+      <dsp:txBody>
+        <a:bodyPr spcFirstLastPara="0" vert="horz" wrap="square" lIns="152400" tIns="152400" rIns="152400" bIns="152400" numCol="1" spcCol="1270" anchor="ctr" anchorCtr="0">
+          <a:noAutofit/>
+        </a:bodyPr>
+        <a:lstStyle/>
+        <a:p>
+          <a:pPr marL="0" lvl="0" indent="0" algn="l" defTabSz="1778000">
+            <a:lnSpc>
+              <a:spcPct val="90000"/>
+            </a:lnSpc>
+            <a:spcBef>
+              <a:spcPct val="0"/>
+            </a:spcBef>
+            <a:spcAft>
+              <a:spcPct val="35000"/>
+            </a:spcAft>
+            <a:buNone/>
+          </a:pPr>
+          <a:r>
+            <a:rPr lang="en-US" sz="4000" kern="1200"/>
+            <a:t>Dealer Decision to Stand</a:t>
+          </a:r>
+        </a:p>
+      </dsp:txBody>
+      <dsp:txXfrm>
+        <a:off x="46834" y="1278596"/>
+        <a:ext cx="5364156" cy="865732"/>
+      </dsp:txXfrm>
+    </dsp:sp>
+    <dsp:sp modelId="{AC719575-CA84-4D75-A2F6-036239BB9475}">
+      <dsp:nvSpPr>
+        <dsp:cNvPr id="0" name=""/>
+        <dsp:cNvSpPr/>
+      </dsp:nvSpPr>
+      <dsp:spPr>
+        <a:xfrm>
+          <a:off x="0" y="2306362"/>
+          <a:ext cx="5457824" cy="959400"/>
+        </a:xfrm>
+        <a:prstGeom prst="roundRect">
+          <a:avLst/>
+        </a:prstGeom>
+        <a:solidFill>
+          <a:schemeClr val="accent5">
+            <a:hueOff val="-3379271"/>
+            <a:satOff val="-8710"/>
+            <a:lumOff val="-5883"/>
+            <a:alphaOff val="0"/>
+          </a:schemeClr>
+        </a:solidFill>
+        <a:ln w="12700" cap="flat" cmpd="sng" algn="ctr">
+          <a:solidFill>
+            <a:schemeClr val="lt1">
+              <a:hueOff val="0"/>
+              <a:satOff val="0"/>
+              <a:lumOff val="0"/>
+              <a:alphaOff val="0"/>
+            </a:schemeClr>
+          </a:solidFill>
+          <a:prstDash val="solid"/>
+          <a:miter lim="800000"/>
+        </a:ln>
+        <a:effectLst/>
+      </dsp:spPr>
+      <dsp:style>
+        <a:lnRef idx="2">
+          <a:scrgbClr r="0" g="0" b="0"/>
+        </a:lnRef>
+        <a:fillRef idx="1">
+          <a:scrgbClr r="0" g="0" b="0"/>
+        </a:fillRef>
+        <a:effectRef idx="0">
+          <a:scrgbClr r="0" g="0" b="0"/>
+        </a:effectRef>
+        <a:fontRef idx="minor">
+          <a:schemeClr val="lt1"/>
+        </a:fontRef>
+      </dsp:style>
+      <dsp:txBody>
+        <a:bodyPr spcFirstLastPara="0" vert="horz" wrap="square" lIns="152400" tIns="152400" rIns="152400" bIns="152400" numCol="1" spcCol="1270" anchor="ctr" anchorCtr="0">
+          <a:noAutofit/>
+        </a:bodyPr>
+        <a:lstStyle/>
+        <a:p>
+          <a:pPr marL="0" lvl="0" indent="0" algn="l" defTabSz="1778000">
+            <a:lnSpc>
+              <a:spcPct val="90000"/>
+            </a:lnSpc>
+            <a:spcBef>
+              <a:spcPct val="0"/>
+            </a:spcBef>
+            <a:spcAft>
+              <a:spcPct val="35000"/>
+            </a:spcAft>
+            <a:buNone/>
+          </a:pPr>
+          <a:r>
+            <a:rPr lang="en-US" sz="4000" kern="1200"/>
+            <a:t>No Insurance</a:t>
+          </a:r>
+        </a:p>
+      </dsp:txBody>
+      <dsp:txXfrm>
+        <a:off x="46834" y="2353196"/>
+        <a:ext cx="5364156" cy="865732"/>
+      </dsp:txXfrm>
+    </dsp:sp>
+    <dsp:sp modelId="{C1650601-8371-4CB4-B57D-3C22DD7D1BB3}">
+      <dsp:nvSpPr>
+        <dsp:cNvPr id="0" name=""/>
+        <dsp:cNvSpPr/>
+      </dsp:nvSpPr>
+      <dsp:spPr>
+        <a:xfrm>
+          <a:off x="0" y="3380962"/>
+          <a:ext cx="5457824" cy="959400"/>
+        </a:xfrm>
+        <a:prstGeom prst="roundRect">
+          <a:avLst/>
+        </a:prstGeom>
+        <a:solidFill>
+          <a:schemeClr val="accent5">
+            <a:hueOff val="-5068907"/>
+            <a:satOff val="-13064"/>
+            <a:lumOff val="-8824"/>
+            <a:alphaOff val="0"/>
+          </a:schemeClr>
+        </a:solidFill>
+        <a:ln w="12700" cap="flat" cmpd="sng" algn="ctr">
+          <a:solidFill>
+            <a:schemeClr val="lt1">
+              <a:hueOff val="0"/>
+              <a:satOff val="0"/>
+              <a:lumOff val="0"/>
+              <a:alphaOff val="0"/>
+            </a:schemeClr>
+          </a:solidFill>
+          <a:prstDash val="solid"/>
+          <a:miter lim="800000"/>
+        </a:ln>
+        <a:effectLst/>
+      </dsp:spPr>
+      <dsp:style>
+        <a:lnRef idx="2">
+          <a:scrgbClr r="0" g="0" b="0"/>
+        </a:lnRef>
+        <a:fillRef idx="1">
+          <a:scrgbClr r="0" g="0" b="0"/>
+        </a:fillRef>
+        <a:effectRef idx="0">
+          <a:scrgbClr r="0" g="0" b="0"/>
+        </a:effectRef>
+        <a:fontRef idx="minor">
+          <a:schemeClr val="lt1"/>
+        </a:fontRef>
+      </dsp:style>
+      <dsp:txBody>
+        <a:bodyPr spcFirstLastPara="0" vert="horz" wrap="square" lIns="152400" tIns="152400" rIns="152400" bIns="152400" numCol="1" spcCol="1270" anchor="ctr" anchorCtr="0">
+          <a:noAutofit/>
+        </a:bodyPr>
+        <a:lstStyle/>
+        <a:p>
+          <a:pPr marL="0" lvl="0" indent="0" algn="l" defTabSz="1778000">
+            <a:lnSpc>
+              <a:spcPct val="90000"/>
+            </a:lnSpc>
+            <a:spcBef>
+              <a:spcPct val="0"/>
+            </a:spcBef>
+            <a:spcAft>
+              <a:spcPct val="35000"/>
+            </a:spcAft>
+            <a:buNone/>
+          </a:pPr>
+          <a:r>
+            <a:rPr lang="en-US" sz="4000" kern="1200"/>
+            <a:t>No Split </a:t>
+          </a:r>
+        </a:p>
+      </dsp:txBody>
+      <dsp:txXfrm>
+        <a:off x="46834" y="3427796"/>
+        <a:ext cx="5364156" cy="865732"/>
+      </dsp:txXfrm>
+    </dsp:sp>
+    <dsp:sp modelId="{94414C0E-8940-4474-940F-D3213989A27C}">
+      <dsp:nvSpPr>
+        <dsp:cNvPr id="0" name=""/>
+        <dsp:cNvSpPr/>
+      </dsp:nvSpPr>
+      <dsp:spPr>
+        <a:xfrm>
+          <a:off x="0" y="4455562"/>
+          <a:ext cx="5457824" cy="959400"/>
+        </a:xfrm>
+        <a:prstGeom prst="roundRect">
+          <a:avLst/>
+        </a:prstGeom>
+        <a:solidFill>
+          <a:schemeClr val="accent5">
+            <a:hueOff val="-6758543"/>
+            <a:satOff val="-17419"/>
+            <a:lumOff val="-11765"/>
+            <a:alphaOff val="0"/>
+          </a:schemeClr>
+        </a:solidFill>
+        <a:ln w="12700" cap="flat" cmpd="sng" algn="ctr">
+          <a:solidFill>
+            <a:schemeClr val="lt1">
+              <a:hueOff val="0"/>
+              <a:satOff val="0"/>
+              <a:lumOff val="0"/>
+              <a:alphaOff val="0"/>
+            </a:schemeClr>
+          </a:solidFill>
+          <a:prstDash val="solid"/>
+          <a:miter lim="800000"/>
+        </a:ln>
+        <a:effectLst/>
+      </dsp:spPr>
+      <dsp:style>
+        <a:lnRef idx="2">
+          <a:scrgbClr r="0" g="0" b="0"/>
+        </a:lnRef>
+        <a:fillRef idx="1">
+          <a:scrgbClr r="0" g="0" b="0"/>
+        </a:fillRef>
+        <a:effectRef idx="0">
+          <a:scrgbClr r="0" g="0" b="0"/>
+        </a:effectRef>
+        <a:fontRef idx="minor">
+          <a:schemeClr val="lt1"/>
+        </a:fontRef>
+      </dsp:style>
+      <dsp:txBody>
+        <a:bodyPr spcFirstLastPara="0" vert="horz" wrap="square" lIns="152400" tIns="152400" rIns="152400" bIns="152400" numCol="1" spcCol="1270" anchor="ctr" anchorCtr="0">
+          <a:noAutofit/>
+        </a:bodyPr>
+        <a:lstStyle/>
+        <a:p>
+          <a:pPr marL="0" lvl="0" indent="0" algn="l" defTabSz="1778000">
+            <a:lnSpc>
+              <a:spcPct val="90000"/>
+            </a:lnSpc>
+            <a:spcBef>
+              <a:spcPct val="0"/>
+            </a:spcBef>
+            <a:spcAft>
+              <a:spcPct val="35000"/>
+            </a:spcAft>
+            <a:buNone/>
+          </a:pPr>
+          <a:r>
+            <a:rPr lang="en-US" sz="4000" kern="1200"/>
+            <a:t>No Double</a:t>
+          </a:r>
+        </a:p>
+      </dsp:txBody>
+      <dsp:txXfrm>
+        <a:off x="46834" y="4502396"/>
+        <a:ext cx="5364156" cy="865732"/>
+      </dsp:txXfrm>
+    </dsp:sp>
+  </dsp:spTree>
+</dsp:drawing>
+</file>
+
+<file path=ppt/diagrams/drawing3.xml><?xml version="1.0" encoding="utf-8"?>
 <dsp:drawing xmlns:dgm="http://schemas.openxmlformats.org/drawingml/2006/diagram" xmlns:dsp="http://schemas.microsoft.com/office/drawing/2008/diagram" xmlns:a="http://schemas.openxmlformats.org/drawingml/2006/main">
   <dsp:spTree>
     <dsp:nvGrpSpPr>
@@ -3102,7 +7094,7 @@
           </a:pPr>
           <a:r>
             <a:rPr lang="en-US" sz="2300" kern="1200" dirty="0"/>
-            <a:t>Black Jack Reward</a:t>
+            <a:t>Blackjack Reward</a:t>
           </a:r>
         </a:p>
       </dsp:txBody>
@@ -3340,6 +7332,320 @@
 </dgm:layoutDef>
 </file>
 
+<file path=ppt/diagrams/layout2.xml><?xml version="1.0" encoding="utf-8"?>
+<dgm:layoutDef xmlns:dgm="http://schemas.openxmlformats.org/drawingml/2006/diagram" xmlns:a="http://schemas.openxmlformats.org/drawingml/2006/main" uniqueId="urn:microsoft.com/office/officeart/2005/8/layout/vList2">
+  <dgm:title val=""/>
+  <dgm:desc val=""/>
+  <dgm:catLst>
+    <dgm:cat type="list" pri="3000"/>
+    <dgm:cat type="convert" pri="1000"/>
+  </dgm:catLst>
+  <dgm:sampData>
+    <dgm:dataModel>
+      <dgm:ptLst>
+        <dgm:pt modelId="0" type="doc"/>
+        <dgm:pt modelId="1">
+          <dgm:prSet phldr="1"/>
+        </dgm:pt>
+        <dgm:pt modelId="11">
+          <dgm:prSet phldr="1"/>
+        </dgm:pt>
+        <dgm:pt modelId="2">
+          <dgm:prSet phldr="1"/>
+        </dgm:pt>
+        <dgm:pt modelId="21">
+          <dgm:prSet phldr="1"/>
+        </dgm:pt>
+      </dgm:ptLst>
+      <dgm:cxnLst>
+        <dgm:cxn modelId="4" srcId="0" destId="1" srcOrd="0" destOrd="0"/>
+        <dgm:cxn modelId="5" srcId="0" destId="2" srcOrd="1" destOrd="0"/>
+        <dgm:cxn modelId="12" srcId="1" destId="11" srcOrd="0" destOrd="0"/>
+        <dgm:cxn modelId="23" srcId="2" destId="21" srcOrd="0" destOrd="0"/>
+      </dgm:cxnLst>
+      <dgm:bg/>
+      <dgm:whole/>
+    </dgm:dataModel>
+  </dgm:sampData>
+  <dgm:styleData>
+    <dgm:dataModel>
+      <dgm:ptLst>
+        <dgm:pt modelId="0" type="doc"/>
+        <dgm:pt modelId="1"/>
+        <dgm:pt modelId="2"/>
+      </dgm:ptLst>
+      <dgm:cxnLst>
+        <dgm:cxn modelId="3" srcId="0" destId="1" srcOrd="0" destOrd="0"/>
+        <dgm:cxn modelId="4" srcId="0" destId="2" srcOrd="1" destOrd="0"/>
+      </dgm:cxnLst>
+      <dgm:bg/>
+      <dgm:whole/>
+    </dgm:dataModel>
+  </dgm:styleData>
+  <dgm:clrData>
+    <dgm:dataModel>
+      <dgm:ptLst>
+        <dgm:pt modelId="0" type="doc"/>
+        <dgm:pt modelId="1"/>
+        <dgm:pt modelId="2"/>
+        <dgm:pt modelId="3"/>
+        <dgm:pt modelId="4"/>
+      </dgm:ptLst>
+      <dgm:cxnLst>
+        <dgm:cxn modelId="5" srcId="0" destId="1" srcOrd="0" destOrd="0"/>
+        <dgm:cxn modelId="6" srcId="0" destId="2" srcOrd="1" destOrd="0"/>
+        <dgm:cxn modelId="7" srcId="0" destId="3" srcOrd="2" destOrd="0"/>
+        <dgm:cxn modelId="8" srcId="0" destId="4" srcOrd="3" destOrd="0"/>
+      </dgm:cxnLst>
+      <dgm:bg/>
+      <dgm:whole/>
+    </dgm:dataModel>
+  </dgm:clrData>
+  <dgm:layoutNode name="linear">
+    <dgm:varLst>
+      <dgm:animLvl val="lvl"/>
+      <dgm:resizeHandles val="exact"/>
+    </dgm:varLst>
+    <dgm:alg type="lin">
+      <dgm:param type="linDir" val="fromT"/>
+      <dgm:param type="vertAlign" val="mid"/>
+    </dgm:alg>
+    <dgm:shape xmlns:r="http://schemas.openxmlformats.org/officeDocument/2006/relationships" r:blip="">
+      <dgm:adjLst/>
+    </dgm:shape>
+    <dgm:presOf/>
+    <dgm:constrLst>
+      <dgm:constr type="w" for="ch" forName="parentText" refType="w"/>
+      <dgm:constr type="h" for="ch" forName="parentText" refType="primFontSz" refFor="ch" refForName="parentText" fact="0.52"/>
+      <dgm:constr type="w" for="ch" forName="childText" refType="w"/>
+      <dgm:constr type="h" for="ch" forName="childText" refType="primFontSz" refFor="ch" refForName="parentText" fact="0.46"/>
+      <dgm:constr type="h" for="ch" forName="parentText" op="equ"/>
+      <dgm:constr type="primFontSz" for="ch" forName="parentText" op="equ" val="65"/>
+      <dgm:constr type="primFontSz" for="ch" forName="childText" refType="primFontSz" refFor="ch" refForName="parentText" op="equ"/>
+      <dgm:constr type="h" for="ch" forName="spacer" refType="primFontSz" refFor="ch" refForName="parentText" fact="0.08"/>
+    </dgm:constrLst>
+    <dgm:ruleLst>
+      <dgm:rule type="primFontSz" for="ch" forName="parentText" val="5" fact="NaN" max="NaN"/>
+    </dgm:ruleLst>
+    <dgm:forEach name="Name0" axis="ch" ptType="node">
+      <dgm:layoutNode name="parentText" styleLbl="node1">
+        <dgm:varLst>
+          <dgm:chMax val="0"/>
+          <dgm:bulletEnabled val="1"/>
+        </dgm:varLst>
+        <dgm:alg type="tx">
+          <dgm:param type="parTxLTRAlign" val="l"/>
+          <dgm:param type="parTxRTLAlign" val="r"/>
+        </dgm:alg>
+        <dgm:shape xmlns:r="http://schemas.openxmlformats.org/officeDocument/2006/relationships" type="roundRect" r:blip="">
+          <dgm:adjLst/>
+        </dgm:shape>
+        <dgm:presOf axis="self"/>
+        <dgm:constrLst>
+          <dgm:constr type="tMarg" refType="primFontSz" fact="0.3"/>
+          <dgm:constr type="bMarg" refType="primFontSz" fact="0.3"/>
+          <dgm:constr type="lMarg" refType="primFontSz" fact="0.3"/>
+          <dgm:constr type="rMarg" refType="primFontSz" fact="0.3"/>
+        </dgm:constrLst>
+        <dgm:ruleLst>
+          <dgm:rule type="h" val="INF" fact="NaN" max="NaN"/>
+        </dgm:ruleLst>
+      </dgm:layoutNode>
+      <dgm:choose name="Name1">
+        <dgm:if name="Name2" axis="ch" ptType="node" func="cnt" op="gte" val="1">
+          <dgm:layoutNode name="childText" styleLbl="revTx">
+            <dgm:varLst>
+              <dgm:bulletEnabled val="1"/>
+            </dgm:varLst>
+            <dgm:alg type="tx">
+              <dgm:param type="stBulletLvl" val="1"/>
+              <dgm:param type="lnSpAfChP" val="20"/>
+            </dgm:alg>
+            <dgm:shape xmlns:r="http://schemas.openxmlformats.org/officeDocument/2006/relationships" type="rect" r:blip="">
+              <dgm:adjLst/>
+            </dgm:shape>
+            <dgm:presOf axis="des" ptType="node"/>
+            <dgm:constrLst>
+              <dgm:constr type="tMarg" refType="primFontSz" fact="0.1"/>
+              <dgm:constr type="bMarg" refType="primFontSz" fact="0.1"/>
+              <dgm:constr type="lMarg" refType="w" fact="0.09"/>
+            </dgm:constrLst>
+            <dgm:ruleLst>
+              <dgm:rule type="h" val="INF" fact="NaN" max="NaN"/>
+            </dgm:ruleLst>
+          </dgm:layoutNode>
+        </dgm:if>
+        <dgm:else name="Name3">
+          <dgm:choose name="Name4">
+            <dgm:if name="Name5" axis="par ch" ptType="doc node" func="cnt" op="gte" val="2">
+              <dgm:forEach name="Name6" axis="followSib" ptType="sibTrans" cnt="1">
+                <dgm:layoutNode name="spacer">
+                  <dgm:alg type="sp"/>
+                  <dgm:shape xmlns:r="http://schemas.openxmlformats.org/officeDocument/2006/relationships" r:blip="">
+                    <dgm:adjLst/>
+                  </dgm:shape>
+                  <dgm:presOf/>
+                  <dgm:constrLst/>
+                  <dgm:ruleLst/>
+                </dgm:layoutNode>
+              </dgm:forEach>
+            </dgm:if>
+            <dgm:else name="Name7"/>
+          </dgm:choose>
+        </dgm:else>
+      </dgm:choose>
+    </dgm:forEach>
+  </dgm:layoutNode>
+</dgm:layoutDef>
+</file>
+
+<file path=ppt/diagrams/layout3.xml><?xml version="1.0" encoding="utf-8"?>
+<dgm:layoutDef xmlns:dgm="http://schemas.openxmlformats.org/drawingml/2006/diagram" xmlns:a="http://schemas.openxmlformats.org/drawingml/2006/main" uniqueId="urn:microsoft.com/office/officeart/2005/8/layout/default">
+  <dgm:title val=""/>
+  <dgm:desc val=""/>
+  <dgm:catLst>
+    <dgm:cat type="list" pri="400"/>
+  </dgm:catLst>
+  <dgm:sampData>
+    <dgm:dataModel>
+      <dgm:ptLst>
+        <dgm:pt modelId="0" type="doc"/>
+        <dgm:pt modelId="1">
+          <dgm:prSet phldr="1"/>
+        </dgm:pt>
+        <dgm:pt modelId="2">
+          <dgm:prSet phldr="1"/>
+        </dgm:pt>
+        <dgm:pt modelId="3">
+          <dgm:prSet phldr="1"/>
+        </dgm:pt>
+        <dgm:pt modelId="4">
+          <dgm:prSet phldr="1"/>
+        </dgm:pt>
+        <dgm:pt modelId="5">
+          <dgm:prSet phldr="1"/>
+        </dgm:pt>
+      </dgm:ptLst>
+      <dgm:cxnLst>
+        <dgm:cxn modelId="6" srcId="0" destId="1" srcOrd="0" destOrd="0"/>
+        <dgm:cxn modelId="7" srcId="0" destId="2" srcOrd="1" destOrd="0"/>
+        <dgm:cxn modelId="8" srcId="0" destId="3" srcOrd="2" destOrd="0"/>
+        <dgm:cxn modelId="9" srcId="0" destId="4" srcOrd="3" destOrd="0"/>
+        <dgm:cxn modelId="10" srcId="0" destId="5" srcOrd="4" destOrd="0"/>
+      </dgm:cxnLst>
+      <dgm:bg/>
+      <dgm:whole/>
+    </dgm:dataModel>
+  </dgm:sampData>
+  <dgm:styleData>
+    <dgm:dataModel>
+      <dgm:ptLst>
+        <dgm:pt modelId="0" type="doc"/>
+        <dgm:pt modelId="1"/>
+        <dgm:pt modelId="2"/>
+      </dgm:ptLst>
+      <dgm:cxnLst>
+        <dgm:cxn modelId="3" srcId="0" destId="1" srcOrd="0" destOrd="0"/>
+        <dgm:cxn modelId="4" srcId="0" destId="2" srcOrd="1" destOrd="0"/>
+      </dgm:cxnLst>
+      <dgm:bg/>
+      <dgm:whole/>
+    </dgm:dataModel>
+  </dgm:styleData>
+  <dgm:clrData>
+    <dgm:dataModel>
+      <dgm:ptLst>
+        <dgm:pt modelId="0" type="doc"/>
+        <dgm:pt modelId="1"/>
+        <dgm:pt modelId="2"/>
+        <dgm:pt modelId="3"/>
+        <dgm:pt modelId="4"/>
+        <dgm:pt modelId="5"/>
+        <dgm:pt modelId="6"/>
+      </dgm:ptLst>
+      <dgm:cxnLst>
+        <dgm:cxn modelId="7" srcId="0" destId="1" srcOrd="0" destOrd="0"/>
+        <dgm:cxn modelId="8" srcId="0" destId="2" srcOrd="1" destOrd="0"/>
+        <dgm:cxn modelId="9" srcId="0" destId="3" srcOrd="2" destOrd="0"/>
+        <dgm:cxn modelId="10" srcId="0" destId="4" srcOrd="3" destOrd="0"/>
+        <dgm:cxn modelId="11" srcId="0" destId="5" srcOrd="4" destOrd="0"/>
+        <dgm:cxn modelId="12" srcId="0" destId="6" srcOrd="5" destOrd="0"/>
+      </dgm:cxnLst>
+      <dgm:bg/>
+      <dgm:whole/>
+    </dgm:dataModel>
+  </dgm:clrData>
+  <dgm:layoutNode name="diagram">
+    <dgm:varLst>
+      <dgm:dir/>
+      <dgm:resizeHandles val="exact"/>
+    </dgm:varLst>
+    <dgm:choose name="Name0">
+      <dgm:if name="Name1" func="var" arg="dir" op="equ" val="norm">
+        <dgm:alg type="snake">
+          <dgm:param type="grDir" val="tL"/>
+          <dgm:param type="flowDir" val="row"/>
+          <dgm:param type="contDir" val="sameDir"/>
+          <dgm:param type="off" val="ctr"/>
+        </dgm:alg>
+      </dgm:if>
+      <dgm:else name="Name2">
+        <dgm:alg type="snake">
+          <dgm:param type="grDir" val="tR"/>
+          <dgm:param type="flowDir" val="row"/>
+          <dgm:param type="contDir" val="sameDir"/>
+          <dgm:param type="off" val="ctr"/>
+        </dgm:alg>
+      </dgm:else>
+    </dgm:choose>
+    <dgm:shape xmlns:r="http://schemas.openxmlformats.org/officeDocument/2006/relationships" r:blip="">
+      <dgm:adjLst/>
+    </dgm:shape>
+    <dgm:presOf/>
+    <dgm:constrLst>
+      <dgm:constr type="w" for="ch" forName="node" refType="w"/>
+      <dgm:constr type="h" for="ch" forName="node" refType="w" refFor="ch" refForName="node" fact="0.6"/>
+      <dgm:constr type="w" for="ch" forName="sibTrans" refType="w" refFor="ch" refForName="node" fact="0.1"/>
+      <dgm:constr type="sp" refType="w" refFor="ch" refForName="sibTrans"/>
+      <dgm:constr type="primFontSz" for="ch" forName="node" op="equ" val="65"/>
+    </dgm:constrLst>
+    <dgm:ruleLst/>
+    <dgm:forEach name="Name3" axis="ch" ptType="node">
+      <dgm:layoutNode name="node">
+        <dgm:varLst>
+          <dgm:bulletEnabled val="1"/>
+        </dgm:varLst>
+        <dgm:alg type="tx"/>
+        <dgm:shape xmlns:r="http://schemas.openxmlformats.org/officeDocument/2006/relationships" type="rect" r:blip="">
+          <dgm:adjLst/>
+        </dgm:shape>
+        <dgm:presOf axis="desOrSelf" ptType="node"/>
+        <dgm:constrLst>
+          <dgm:constr type="lMarg" refType="primFontSz" fact="0.3"/>
+          <dgm:constr type="rMarg" refType="primFontSz" fact="0.3"/>
+          <dgm:constr type="tMarg" refType="primFontSz" fact="0.3"/>
+          <dgm:constr type="bMarg" refType="primFontSz" fact="0.3"/>
+        </dgm:constrLst>
+        <dgm:ruleLst>
+          <dgm:rule type="primFontSz" val="5" fact="NaN" max="NaN"/>
+        </dgm:ruleLst>
+      </dgm:layoutNode>
+      <dgm:forEach name="Name4" axis="followSib" ptType="sibTrans" cnt="1">
+        <dgm:layoutNode name="sibTrans">
+          <dgm:alg type="sp"/>
+          <dgm:shape xmlns:r="http://schemas.openxmlformats.org/officeDocument/2006/relationships" r:blip="">
+            <dgm:adjLst/>
+          </dgm:shape>
+          <dgm:presOf/>
+          <dgm:constrLst/>
+          <dgm:ruleLst/>
+        </dgm:layoutNode>
+      </dgm:forEach>
+    </dgm:forEach>
+  </dgm:layoutNode>
+</dgm:layoutDef>
+</file>
+
 <file path=ppt/diagrams/quickStyle1.xml><?xml version="1.0" encoding="utf-8"?>
 <dgm:styleDef xmlns:dgm="http://schemas.openxmlformats.org/drawingml/2006/diagram" xmlns:a="http://schemas.openxmlformats.org/drawingml/2006/main" uniqueId="urn:microsoft.com/office/officeart/2005/8/quickstyle/simple1">
   <dgm:title val=""/>
@@ -4372,6 +8678,2507 @@
     </dgm:style>
   </dgm:styleLbl>
 </dgm:styleDef>
+</file>
+
+<file path=ppt/diagrams/quickStyle2.xml><?xml version="1.0" encoding="utf-8"?>
+<dgm:styleDef xmlns:dgm="http://schemas.openxmlformats.org/drawingml/2006/diagram" xmlns:a="http://schemas.openxmlformats.org/drawingml/2006/main" uniqueId="urn:microsoft.com/office/officeart/2005/8/quickstyle/simple1">
+  <dgm:title val=""/>
+  <dgm:desc val=""/>
+  <dgm:catLst>
+    <dgm:cat type="simple" pri="10100"/>
+  </dgm:catLst>
+  <dgm:scene3d>
+    <a:camera prst="orthographicFront"/>
+    <a:lightRig rig="threePt" dir="t"/>
+  </dgm:scene3d>
+  <dgm:styleLbl name="node0">
+    <dgm:scene3d>
+      <a:camera prst="orthographicFront"/>
+      <a:lightRig rig="threePt" dir="t"/>
+    </dgm:scene3d>
+    <dgm:sp3d/>
+    <dgm:txPr/>
+    <dgm:style>
+      <a:lnRef idx="2">
+        <a:scrgbClr r="0" g="0" b="0"/>
+      </a:lnRef>
+      <a:fillRef idx="1">
+        <a:scrgbClr r="0" g="0" b="0"/>
+      </a:fillRef>
+      <a:effectRef idx="0">
+        <a:scrgbClr r="0" g="0" b="0"/>
+      </a:effectRef>
+      <a:fontRef idx="minor">
+        <a:schemeClr val="lt1"/>
+      </a:fontRef>
+    </dgm:style>
+  </dgm:styleLbl>
+  <dgm:styleLbl name="lnNode1">
+    <dgm:scene3d>
+      <a:camera prst="orthographicFront"/>
+      <a:lightRig rig="threePt" dir="t"/>
+    </dgm:scene3d>
+    <dgm:sp3d/>
+    <dgm:txPr/>
+    <dgm:style>
+      <a:lnRef idx="2">
+        <a:scrgbClr r="0" g="0" b="0"/>
+      </a:lnRef>
+      <a:fillRef idx="1">
+        <a:scrgbClr r="0" g="0" b="0"/>
+      </a:fillRef>
+      <a:effectRef idx="0">
+        <a:scrgbClr r="0" g="0" b="0"/>
+      </a:effectRef>
+      <a:fontRef idx="minor">
+        <a:schemeClr val="lt1"/>
+      </a:fontRef>
+    </dgm:style>
+  </dgm:styleLbl>
+  <dgm:styleLbl name="vennNode1">
+    <dgm:scene3d>
+      <a:camera prst="orthographicFront"/>
+      <a:lightRig rig="threePt" dir="t"/>
+    </dgm:scene3d>
+    <dgm:sp3d/>
+    <dgm:txPr/>
+    <dgm:style>
+      <a:lnRef idx="2">
+        <a:scrgbClr r="0" g="0" b="0"/>
+      </a:lnRef>
+      <a:fillRef idx="1">
+        <a:scrgbClr r="0" g="0" b="0"/>
+      </a:fillRef>
+      <a:effectRef idx="0">
+        <a:scrgbClr r="0" g="0" b="0"/>
+      </a:effectRef>
+      <a:fontRef idx="minor">
+        <a:schemeClr val="tx1"/>
+      </a:fontRef>
+    </dgm:style>
+  </dgm:styleLbl>
+  <dgm:styleLbl name="alignNode1">
+    <dgm:scene3d>
+      <a:camera prst="orthographicFront"/>
+      <a:lightRig rig="threePt" dir="t"/>
+    </dgm:scene3d>
+    <dgm:sp3d/>
+    <dgm:txPr/>
+    <dgm:style>
+      <a:lnRef idx="2">
+        <a:scrgbClr r="0" g="0" b="0"/>
+      </a:lnRef>
+      <a:fillRef idx="1">
+        <a:scrgbClr r="0" g="0" b="0"/>
+      </a:fillRef>
+      <a:effectRef idx="0">
+        <a:scrgbClr r="0" g="0" b="0"/>
+      </a:effectRef>
+      <a:fontRef idx="minor">
+        <a:schemeClr val="lt1"/>
+      </a:fontRef>
+    </dgm:style>
+  </dgm:styleLbl>
+  <dgm:styleLbl name="node1">
+    <dgm:scene3d>
+      <a:camera prst="orthographicFront"/>
+      <a:lightRig rig="threePt" dir="t"/>
+    </dgm:scene3d>
+    <dgm:sp3d/>
+    <dgm:txPr/>
+    <dgm:style>
+      <a:lnRef idx="2">
+        <a:scrgbClr r="0" g="0" b="0"/>
+      </a:lnRef>
+      <a:fillRef idx="1">
+        <a:scrgbClr r="0" g="0" b="0"/>
+      </a:fillRef>
+      <a:effectRef idx="0">
+        <a:scrgbClr r="0" g="0" b="0"/>
+      </a:effectRef>
+      <a:fontRef idx="minor">
+        <a:schemeClr val="lt1"/>
+      </a:fontRef>
+    </dgm:style>
+  </dgm:styleLbl>
+  <dgm:styleLbl name="node2">
+    <dgm:scene3d>
+      <a:camera prst="orthographicFront"/>
+      <a:lightRig rig="threePt" dir="t"/>
+    </dgm:scene3d>
+    <dgm:sp3d/>
+    <dgm:txPr/>
+    <dgm:style>
+      <a:lnRef idx="2">
+        <a:scrgbClr r="0" g="0" b="0"/>
+      </a:lnRef>
+      <a:fillRef idx="1">
+        <a:scrgbClr r="0" g="0" b="0"/>
+      </a:fillRef>
+      <a:effectRef idx="0">
+        <a:scrgbClr r="0" g="0" b="0"/>
+      </a:effectRef>
+      <a:fontRef idx="minor">
+        <a:schemeClr val="lt1"/>
+      </a:fontRef>
+    </dgm:style>
+  </dgm:styleLbl>
+  <dgm:styleLbl name="node3">
+    <dgm:scene3d>
+      <a:camera prst="orthographicFront"/>
+      <a:lightRig rig="threePt" dir="t"/>
+    </dgm:scene3d>
+    <dgm:sp3d/>
+    <dgm:txPr/>
+    <dgm:style>
+      <a:lnRef idx="2">
+        <a:scrgbClr r="0" g="0" b="0"/>
+      </a:lnRef>
+      <a:fillRef idx="1">
+        <a:scrgbClr r="0" g="0" b="0"/>
+      </a:fillRef>
+      <a:effectRef idx="0">
+        <a:scrgbClr r="0" g="0" b="0"/>
+      </a:effectRef>
+      <a:fontRef idx="minor">
+        <a:schemeClr val="lt1"/>
+      </a:fontRef>
+    </dgm:style>
+  </dgm:styleLbl>
+  <dgm:styleLbl name="node4">
+    <dgm:scene3d>
+      <a:camera prst="orthographicFront"/>
+      <a:lightRig rig="threePt" dir="t"/>
+    </dgm:scene3d>
+    <dgm:sp3d/>
+    <dgm:txPr/>
+    <dgm:style>
+      <a:lnRef idx="2">
+        <a:scrgbClr r="0" g="0" b="0"/>
+      </a:lnRef>
+      <a:fillRef idx="1">
+        <a:scrgbClr r="0" g="0" b="0"/>
+      </a:fillRef>
+      <a:effectRef idx="0">
+        <a:scrgbClr r="0" g="0" b="0"/>
+      </a:effectRef>
+      <a:fontRef idx="minor">
+        <a:schemeClr val="lt1"/>
+      </a:fontRef>
+    </dgm:style>
+  </dgm:styleLbl>
+  <dgm:styleLbl name="fgImgPlace1">
+    <dgm:scene3d>
+      <a:camera prst="orthographicFront"/>
+      <a:lightRig rig="threePt" dir="t"/>
+    </dgm:scene3d>
+    <dgm:sp3d/>
+    <dgm:txPr/>
+    <dgm:style>
+      <a:lnRef idx="2">
+        <a:scrgbClr r="0" g="0" b="0"/>
+      </a:lnRef>
+      <a:fillRef idx="1">
+        <a:scrgbClr r="0" g="0" b="0"/>
+      </a:fillRef>
+      <a:effectRef idx="0">
+        <a:scrgbClr r="0" g="0" b="0"/>
+      </a:effectRef>
+      <a:fontRef idx="minor"/>
+    </dgm:style>
+  </dgm:styleLbl>
+  <dgm:styleLbl name="alignImgPlace1">
+    <dgm:scene3d>
+      <a:camera prst="orthographicFront"/>
+      <a:lightRig rig="threePt" dir="t"/>
+    </dgm:scene3d>
+    <dgm:sp3d/>
+    <dgm:txPr/>
+    <dgm:style>
+      <a:lnRef idx="2">
+        <a:scrgbClr r="0" g="0" b="0"/>
+      </a:lnRef>
+      <a:fillRef idx="1">
+        <a:scrgbClr r="0" g="0" b="0"/>
+      </a:fillRef>
+      <a:effectRef idx="0">
+        <a:scrgbClr r="0" g="0" b="0"/>
+      </a:effectRef>
+      <a:fontRef idx="minor"/>
+    </dgm:style>
+  </dgm:styleLbl>
+  <dgm:styleLbl name="bgImgPlace1">
+    <dgm:scene3d>
+      <a:camera prst="orthographicFront"/>
+      <a:lightRig rig="threePt" dir="t"/>
+    </dgm:scene3d>
+    <dgm:sp3d/>
+    <dgm:txPr/>
+    <dgm:style>
+      <a:lnRef idx="2">
+        <a:scrgbClr r="0" g="0" b="0"/>
+      </a:lnRef>
+      <a:fillRef idx="1">
+        <a:scrgbClr r="0" g="0" b="0"/>
+      </a:fillRef>
+      <a:effectRef idx="0">
+        <a:scrgbClr r="0" g="0" b="0"/>
+      </a:effectRef>
+      <a:fontRef idx="minor"/>
+    </dgm:style>
+  </dgm:styleLbl>
+  <dgm:styleLbl name="sibTrans2D1">
+    <dgm:scene3d>
+      <a:camera prst="orthographicFront"/>
+      <a:lightRig rig="threePt" dir="t"/>
+    </dgm:scene3d>
+    <dgm:sp3d/>
+    <dgm:txPr/>
+    <dgm:style>
+      <a:lnRef idx="0">
+        <a:scrgbClr r="0" g="0" b="0"/>
+      </a:lnRef>
+      <a:fillRef idx="1">
+        <a:scrgbClr r="0" g="0" b="0"/>
+      </a:fillRef>
+      <a:effectRef idx="0">
+        <a:scrgbClr r="0" g="0" b="0"/>
+      </a:effectRef>
+      <a:fontRef idx="minor">
+        <a:schemeClr val="lt1"/>
+      </a:fontRef>
+    </dgm:style>
+  </dgm:styleLbl>
+  <dgm:styleLbl name="fgSibTrans2D1">
+    <dgm:scene3d>
+      <a:camera prst="orthographicFront"/>
+      <a:lightRig rig="threePt" dir="t"/>
+    </dgm:scene3d>
+    <dgm:sp3d/>
+    <dgm:txPr/>
+    <dgm:style>
+      <a:lnRef idx="0">
+        <a:scrgbClr r="0" g="0" b="0"/>
+      </a:lnRef>
+      <a:fillRef idx="1">
+        <a:scrgbClr r="0" g="0" b="0"/>
+      </a:fillRef>
+      <a:effectRef idx="0">
+        <a:scrgbClr r="0" g="0" b="0"/>
+      </a:effectRef>
+      <a:fontRef idx="minor">
+        <a:schemeClr val="lt1"/>
+      </a:fontRef>
+    </dgm:style>
+  </dgm:styleLbl>
+  <dgm:styleLbl name="bgSibTrans2D1">
+    <dgm:scene3d>
+      <a:camera prst="orthographicFront"/>
+      <a:lightRig rig="threePt" dir="t"/>
+    </dgm:scene3d>
+    <dgm:sp3d/>
+    <dgm:txPr/>
+    <dgm:style>
+      <a:lnRef idx="0">
+        <a:scrgbClr r="0" g="0" b="0"/>
+      </a:lnRef>
+      <a:fillRef idx="1">
+        <a:scrgbClr r="0" g="0" b="0"/>
+      </a:fillRef>
+      <a:effectRef idx="0">
+        <a:scrgbClr r="0" g="0" b="0"/>
+      </a:effectRef>
+      <a:fontRef idx="minor">
+        <a:schemeClr val="lt1"/>
+      </a:fontRef>
+    </dgm:style>
+  </dgm:styleLbl>
+  <dgm:styleLbl name="sibTrans1D1">
+    <dgm:scene3d>
+      <a:camera prst="orthographicFront"/>
+      <a:lightRig rig="threePt" dir="t"/>
+    </dgm:scene3d>
+    <dgm:sp3d/>
+    <dgm:txPr/>
+    <dgm:style>
+      <a:lnRef idx="1">
+        <a:scrgbClr r="0" g="0" b="0"/>
+      </a:lnRef>
+      <a:fillRef idx="0">
+        <a:scrgbClr r="0" g="0" b="0"/>
+      </a:fillRef>
+      <a:effectRef idx="0">
+        <a:scrgbClr r="0" g="0" b="0"/>
+      </a:effectRef>
+      <a:fontRef idx="minor"/>
+    </dgm:style>
+  </dgm:styleLbl>
+  <dgm:styleLbl name="callout">
+    <dgm:scene3d>
+      <a:camera prst="orthographicFront"/>
+      <a:lightRig rig="threePt" dir="t"/>
+    </dgm:scene3d>
+    <dgm:sp3d/>
+    <dgm:txPr/>
+    <dgm:style>
+      <a:lnRef idx="2">
+        <a:scrgbClr r="0" g="0" b="0"/>
+      </a:lnRef>
+      <a:fillRef idx="1">
+        <a:scrgbClr r="0" g="0" b="0"/>
+      </a:fillRef>
+      <a:effectRef idx="0">
+        <a:scrgbClr r="0" g="0" b="0"/>
+      </a:effectRef>
+      <a:fontRef idx="minor"/>
+    </dgm:style>
+  </dgm:styleLbl>
+  <dgm:styleLbl name="asst0">
+    <dgm:scene3d>
+      <a:camera prst="orthographicFront"/>
+      <a:lightRig rig="threePt" dir="t"/>
+    </dgm:scene3d>
+    <dgm:sp3d/>
+    <dgm:txPr/>
+    <dgm:style>
+      <a:lnRef idx="2">
+        <a:scrgbClr r="0" g="0" b="0"/>
+      </a:lnRef>
+      <a:fillRef idx="1">
+        <a:scrgbClr r="0" g="0" b="0"/>
+      </a:fillRef>
+      <a:effectRef idx="0">
+        <a:scrgbClr r="0" g="0" b="0"/>
+      </a:effectRef>
+      <a:fontRef idx="minor">
+        <a:schemeClr val="lt1"/>
+      </a:fontRef>
+    </dgm:style>
+  </dgm:styleLbl>
+  <dgm:styleLbl name="asst1">
+    <dgm:scene3d>
+      <a:camera prst="orthographicFront"/>
+      <a:lightRig rig="threePt" dir="t"/>
+    </dgm:scene3d>
+    <dgm:sp3d/>
+    <dgm:txPr/>
+    <dgm:style>
+      <a:lnRef idx="2">
+        <a:scrgbClr r="0" g="0" b="0"/>
+      </a:lnRef>
+      <a:fillRef idx="1">
+        <a:scrgbClr r="0" g="0" b="0"/>
+      </a:fillRef>
+      <a:effectRef idx="0">
+        <a:scrgbClr r="0" g="0" b="0"/>
+      </a:effectRef>
+      <a:fontRef idx="minor">
+        <a:schemeClr val="lt1"/>
+      </a:fontRef>
+    </dgm:style>
+  </dgm:styleLbl>
+  <dgm:styleLbl name="asst2">
+    <dgm:scene3d>
+      <a:camera prst="orthographicFront"/>
+      <a:lightRig rig="threePt" dir="t"/>
+    </dgm:scene3d>
+    <dgm:sp3d/>
+    <dgm:txPr/>
+    <dgm:style>
+      <a:lnRef idx="2">
+        <a:scrgbClr r="0" g="0" b="0"/>
+      </a:lnRef>
+      <a:fillRef idx="1">
+        <a:scrgbClr r="0" g="0" b="0"/>
+      </a:fillRef>
+      <a:effectRef idx="0">
+        <a:scrgbClr r="0" g="0" b="0"/>
+      </a:effectRef>
+      <a:fontRef idx="minor">
+        <a:schemeClr val="lt1"/>
+      </a:fontRef>
+    </dgm:style>
+  </dgm:styleLbl>
+  <dgm:styleLbl name="asst3">
+    <dgm:scene3d>
+      <a:camera prst="orthographicFront"/>
+      <a:lightRig rig="threePt" dir="t"/>
+    </dgm:scene3d>
+    <dgm:sp3d/>
+    <dgm:txPr/>
+    <dgm:style>
+      <a:lnRef idx="2">
+        <a:scrgbClr r="0" g="0" b="0"/>
+      </a:lnRef>
+      <a:fillRef idx="1">
+        <a:scrgbClr r="0" g="0" b="0"/>
+      </a:fillRef>
+      <a:effectRef idx="0">
+        <a:scrgbClr r="0" g="0" b="0"/>
+      </a:effectRef>
+      <a:fontRef idx="minor">
+        <a:schemeClr val="lt1"/>
+      </a:fontRef>
+    </dgm:style>
+  </dgm:styleLbl>
+  <dgm:styleLbl name="asst4">
+    <dgm:scene3d>
+      <a:camera prst="orthographicFront"/>
+      <a:lightRig rig="threePt" dir="t"/>
+    </dgm:scene3d>
+    <dgm:sp3d/>
+    <dgm:txPr/>
+    <dgm:style>
+      <a:lnRef idx="2">
+        <a:scrgbClr r="0" g="0" b="0"/>
+      </a:lnRef>
+      <a:fillRef idx="1">
+        <a:scrgbClr r="0" g="0" b="0"/>
+      </a:fillRef>
+      <a:effectRef idx="0">
+        <a:scrgbClr r="0" g="0" b="0"/>
+      </a:effectRef>
+      <a:fontRef idx="minor">
+        <a:schemeClr val="lt1"/>
+      </a:fontRef>
+    </dgm:style>
+  </dgm:styleLbl>
+  <dgm:styleLbl name="parChTrans2D1">
+    <dgm:scene3d>
+      <a:camera prst="orthographicFront"/>
+      <a:lightRig rig="threePt" dir="t"/>
+    </dgm:scene3d>
+    <dgm:sp3d/>
+    <dgm:txPr/>
+    <dgm:style>
+      <a:lnRef idx="2">
+        <a:scrgbClr r="0" g="0" b="0"/>
+      </a:lnRef>
+      <a:fillRef idx="1">
+        <a:scrgbClr r="0" g="0" b="0"/>
+      </a:fillRef>
+      <a:effectRef idx="0">
+        <a:scrgbClr r="0" g="0" b="0"/>
+      </a:effectRef>
+      <a:fontRef idx="minor">
+        <a:schemeClr val="lt1"/>
+      </a:fontRef>
+    </dgm:style>
+  </dgm:styleLbl>
+  <dgm:styleLbl name="parChTrans2D2">
+    <dgm:scene3d>
+      <a:camera prst="orthographicFront"/>
+      <a:lightRig rig="threePt" dir="t"/>
+    </dgm:scene3d>
+    <dgm:sp3d/>
+    <dgm:txPr/>
+    <dgm:style>
+      <a:lnRef idx="2">
+        <a:scrgbClr r="0" g="0" b="0"/>
+      </a:lnRef>
+      <a:fillRef idx="1">
+        <a:scrgbClr r="0" g="0" b="0"/>
+      </a:fillRef>
+      <a:effectRef idx="0">
+        <a:scrgbClr r="0" g="0" b="0"/>
+      </a:effectRef>
+      <a:fontRef idx="minor">
+        <a:schemeClr val="lt1"/>
+      </a:fontRef>
+    </dgm:style>
+  </dgm:styleLbl>
+  <dgm:styleLbl name="parChTrans2D3">
+    <dgm:scene3d>
+      <a:camera prst="orthographicFront"/>
+      <a:lightRig rig="threePt" dir="t"/>
+    </dgm:scene3d>
+    <dgm:sp3d/>
+    <dgm:txPr/>
+    <dgm:style>
+      <a:lnRef idx="2">
+        <a:scrgbClr r="0" g="0" b="0"/>
+      </a:lnRef>
+      <a:fillRef idx="1">
+        <a:scrgbClr r="0" g="0" b="0"/>
+      </a:fillRef>
+      <a:effectRef idx="0">
+        <a:scrgbClr r="0" g="0" b="0"/>
+      </a:effectRef>
+      <a:fontRef idx="minor">
+        <a:schemeClr val="lt1"/>
+      </a:fontRef>
+    </dgm:style>
+  </dgm:styleLbl>
+  <dgm:styleLbl name="parChTrans2D4">
+    <dgm:scene3d>
+      <a:camera prst="orthographicFront"/>
+      <a:lightRig rig="threePt" dir="t"/>
+    </dgm:scene3d>
+    <dgm:sp3d/>
+    <dgm:txPr/>
+    <dgm:style>
+      <a:lnRef idx="2">
+        <a:scrgbClr r="0" g="0" b="0"/>
+      </a:lnRef>
+      <a:fillRef idx="1">
+        <a:scrgbClr r="0" g="0" b="0"/>
+      </a:fillRef>
+      <a:effectRef idx="0">
+        <a:scrgbClr r="0" g="0" b="0"/>
+      </a:effectRef>
+      <a:fontRef idx="minor">
+        <a:schemeClr val="lt1"/>
+      </a:fontRef>
+    </dgm:style>
+  </dgm:styleLbl>
+  <dgm:styleLbl name="parChTrans1D1">
+    <dgm:scene3d>
+      <a:camera prst="orthographicFront"/>
+      <a:lightRig rig="threePt" dir="t"/>
+    </dgm:scene3d>
+    <dgm:sp3d/>
+    <dgm:txPr/>
+    <dgm:style>
+      <a:lnRef idx="2">
+        <a:scrgbClr r="0" g="0" b="0"/>
+      </a:lnRef>
+      <a:fillRef idx="0">
+        <a:scrgbClr r="0" g="0" b="0"/>
+      </a:fillRef>
+      <a:effectRef idx="0">
+        <a:scrgbClr r="0" g="0" b="0"/>
+      </a:effectRef>
+      <a:fontRef idx="minor"/>
+    </dgm:style>
+  </dgm:styleLbl>
+  <dgm:styleLbl name="parChTrans1D2">
+    <dgm:scene3d>
+      <a:camera prst="orthographicFront"/>
+      <a:lightRig rig="threePt" dir="t"/>
+    </dgm:scene3d>
+    <dgm:sp3d/>
+    <dgm:txPr/>
+    <dgm:style>
+      <a:lnRef idx="2">
+        <a:scrgbClr r="0" g="0" b="0"/>
+      </a:lnRef>
+      <a:fillRef idx="0">
+        <a:scrgbClr r="0" g="0" b="0"/>
+      </a:fillRef>
+      <a:effectRef idx="0">
+        <a:scrgbClr r="0" g="0" b="0"/>
+      </a:effectRef>
+      <a:fontRef idx="minor"/>
+    </dgm:style>
+  </dgm:styleLbl>
+  <dgm:styleLbl name="parChTrans1D3">
+    <dgm:scene3d>
+      <a:camera prst="orthographicFront"/>
+      <a:lightRig rig="threePt" dir="t"/>
+    </dgm:scene3d>
+    <dgm:sp3d/>
+    <dgm:txPr/>
+    <dgm:style>
+      <a:lnRef idx="2">
+        <a:scrgbClr r="0" g="0" b="0"/>
+      </a:lnRef>
+      <a:fillRef idx="0">
+        <a:scrgbClr r="0" g="0" b="0"/>
+      </a:fillRef>
+      <a:effectRef idx="0">
+        <a:scrgbClr r="0" g="0" b="0"/>
+      </a:effectRef>
+      <a:fontRef idx="minor"/>
+    </dgm:style>
+  </dgm:styleLbl>
+  <dgm:styleLbl name="parChTrans1D4">
+    <dgm:scene3d>
+      <a:camera prst="orthographicFront"/>
+      <a:lightRig rig="threePt" dir="t"/>
+    </dgm:scene3d>
+    <dgm:sp3d/>
+    <dgm:txPr/>
+    <dgm:style>
+      <a:lnRef idx="2">
+        <a:scrgbClr r="0" g="0" b="0"/>
+      </a:lnRef>
+      <a:fillRef idx="0">
+        <a:scrgbClr r="0" g="0" b="0"/>
+      </a:fillRef>
+      <a:effectRef idx="0">
+        <a:scrgbClr r="0" g="0" b="0"/>
+      </a:effectRef>
+      <a:fontRef idx="minor"/>
+    </dgm:style>
+  </dgm:styleLbl>
+  <dgm:styleLbl name="fgAcc1">
+    <dgm:scene3d>
+      <a:camera prst="orthographicFront"/>
+      <a:lightRig rig="threePt" dir="t"/>
+    </dgm:scene3d>
+    <dgm:sp3d/>
+    <dgm:txPr/>
+    <dgm:style>
+      <a:lnRef idx="2">
+        <a:scrgbClr r="0" g="0" b="0"/>
+      </a:lnRef>
+      <a:fillRef idx="1">
+        <a:scrgbClr r="0" g="0" b="0"/>
+      </a:fillRef>
+      <a:effectRef idx="0">
+        <a:scrgbClr r="0" g="0" b="0"/>
+      </a:effectRef>
+      <a:fontRef idx="minor"/>
+    </dgm:style>
+  </dgm:styleLbl>
+  <dgm:styleLbl name="conFgAcc1">
+    <dgm:scene3d>
+      <a:camera prst="orthographicFront"/>
+      <a:lightRig rig="threePt" dir="t"/>
+    </dgm:scene3d>
+    <dgm:sp3d/>
+    <dgm:txPr/>
+    <dgm:style>
+      <a:lnRef idx="2">
+        <a:scrgbClr r="0" g="0" b="0"/>
+      </a:lnRef>
+      <a:fillRef idx="1">
+        <a:scrgbClr r="0" g="0" b="0"/>
+      </a:fillRef>
+      <a:effectRef idx="0">
+        <a:scrgbClr r="0" g="0" b="0"/>
+      </a:effectRef>
+      <a:fontRef idx="minor"/>
+    </dgm:style>
+  </dgm:styleLbl>
+  <dgm:styleLbl name="alignAcc1">
+    <dgm:scene3d>
+      <a:camera prst="orthographicFront"/>
+      <a:lightRig rig="threePt" dir="t"/>
+    </dgm:scene3d>
+    <dgm:sp3d/>
+    <dgm:txPr/>
+    <dgm:style>
+      <a:lnRef idx="2">
+        <a:scrgbClr r="0" g="0" b="0"/>
+      </a:lnRef>
+      <a:fillRef idx="1">
+        <a:scrgbClr r="0" g="0" b="0"/>
+      </a:fillRef>
+      <a:effectRef idx="0">
+        <a:scrgbClr r="0" g="0" b="0"/>
+      </a:effectRef>
+      <a:fontRef idx="minor"/>
+    </dgm:style>
+  </dgm:styleLbl>
+  <dgm:styleLbl name="trAlignAcc1">
+    <dgm:scene3d>
+      <a:camera prst="orthographicFront"/>
+      <a:lightRig rig="threePt" dir="t"/>
+    </dgm:scene3d>
+    <dgm:sp3d/>
+    <dgm:txPr/>
+    <dgm:style>
+      <a:lnRef idx="1">
+        <a:scrgbClr r="0" g="0" b="0"/>
+      </a:lnRef>
+      <a:fillRef idx="1">
+        <a:scrgbClr r="0" g="0" b="0"/>
+      </a:fillRef>
+      <a:effectRef idx="0">
+        <a:scrgbClr r="0" g="0" b="0"/>
+      </a:effectRef>
+      <a:fontRef idx="minor"/>
+    </dgm:style>
+  </dgm:styleLbl>
+  <dgm:styleLbl name="bgAcc1">
+    <dgm:scene3d>
+      <a:camera prst="orthographicFront"/>
+      <a:lightRig rig="threePt" dir="t"/>
+    </dgm:scene3d>
+    <dgm:sp3d/>
+    <dgm:txPr/>
+    <dgm:style>
+      <a:lnRef idx="2">
+        <a:scrgbClr r="0" g="0" b="0"/>
+      </a:lnRef>
+      <a:fillRef idx="1">
+        <a:scrgbClr r="0" g="0" b="0"/>
+      </a:fillRef>
+      <a:effectRef idx="0">
+        <a:scrgbClr r="0" g="0" b="0"/>
+      </a:effectRef>
+      <a:fontRef idx="minor"/>
+    </dgm:style>
+  </dgm:styleLbl>
+  <dgm:styleLbl name="solidFgAcc1">
+    <dgm:scene3d>
+      <a:camera prst="orthographicFront"/>
+      <a:lightRig rig="threePt" dir="t"/>
+    </dgm:scene3d>
+    <dgm:sp3d/>
+    <dgm:txPr/>
+    <dgm:style>
+      <a:lnRef idx="2">
+        <a:scrgbClr r="0" g="0" b="0"/>
+      </a:lnRef>
+      <a:fillRef idx="1">
+        <a:scrgbClr r="0" g="0" b="0"/>
+      </a:fillRef>
+      <a:effectRef idx="0">
+        <a:scrgbClr r="0" g="0" b="0"/>
+      </a:effectRef>
+      <a:fontRef idx="minor"/>
+    </dgm:style>
+  </dgm:styleLbl>
+  <dgm:styleLbl name="solidAlignAcc1">
+    <dgm:scene3d>
+      <a:camera prst="orthographicFront"/>
+      <a:lightRig rig="threePt" dir="t"/>
+    </dgm:scene3d>
+    <dgm:sp3d/>
+    <dgm:txPr/>
+    <dgm:style>
+      <a:lnRef idx="2">
+        <a:scrgbClr r="0" g="0" b="0"/>
+      </a:lnRef>
+      <a:fillRef idx="1">
+        <a:scrgbClr r="0" g="0" b="0"/>
+      </a:fillRef>
+      <a:effectRef idx="0">
+        <a:scrgbClr r="0" g="0" b="0"/>
+      </a:effectRef>
+      <a:fontRef idx="minor"/>
+    </dgm:style>
+  </dgm:styleLbl>
+  <dgm:styleLbl name="solidBgAcc1">
+    <dgm:scene3d>
+      <a:camera prst="orthographicFront"/>
+      <a:lightRig rig="threePt" dir="t"/>
+    </dgm:scene3d>
+    <dgm:sp3d/>
+    <dgm:txPr/>
+    <dgm:style>
+      <a:lnRef idx="2">
+        <a:scrgbClr r="0" g="0" b="0"/>
+      </a:lnRef>
+      <a:fillRef idx="1">
+        <a:scrgbClr r="0" g="0" b="0"/>
+      </a:fillRef>
+      <a:effectRef idx="0">
+        <a:scrgbClr r="0" g="0" b="0"/>
+      </a:effectRef>
+      <a:fontRef idx="minor"/>
+    </dgm:style>
+  </dgm:styleLbl>
+  <dgm:styleLbl name="fgAccFollowNode1">
+    <dgm:scene3d>
+      <a:camera prst="orthographicFront"/>
+      <a:lightRig rig="threePt" dir="t"/>
+    </dgm:scene3d>
+    <dgm:sp3d/>
+    <dgm:txPr/>
+    <dgm:style>
+      <a:lnRef idx="2">
+        <a:scrgbClr r="0" g="0" b="0"/>
+      </a:lnRef>
+      <a:fillRef idx="1">
+        <a:scrgbClr r="0" g="0" b="0"/>
+      </a:fillRef>
+      <a:effectRef idx="0">
+        <a:scrgbClr r="0" g="0" b="0"/>
+      </a:effectRef>
+      <a:fontRef idx="minor"/>
+    </dgm:style>
+  </dgm:styleLbl>
+  <dgm:styleLbl name="alignAccFollowNode1">
+    <dgm:scene3d>
+      <a:camera prst="orthographicFront"/>
+      <a:lightRig rig="threePt" dir="t"/>
+    </dgm:scene3d>
+    <dgm:sp3d/>
+    <dgm:txPr/>
+    <dgm:style>
+      <a:lnRef idx="2">
+        <a:scrgbClr r="0" g="0" b="0"/>
+      </a:lnRef>
+      <a:fillRef idx="1">
+        <a:scrgbClr r="0" g="0" b="0"/>
+      </a:fillRef>
+      <a:effectRef idx="0">
+        <a:scrgbClr r="0" g="0" b="0"/>
+      </a:effectRef>
+      <a:fontRef idx="minor"/>
+    </dgm:style>
+  </dgm:styleLbl>
+  <dgm:styleLbl name="bgAccFollowNode1">
+    <dgm:scene3d>
+      <a:camera prst="orthographicFront"/>
+      <a:lightRig rig="threePt" dir="t"/>
+    </dgm:scene3d>
+    <dgm:sp3d/>
+    <dgm:txPr/>
+    <dgm:style>
+      <a:lnRef idx="2">
+        <a:scrgbClr r="0" g="0" b="0"/>
+      </a:lnRef>
+      <a:fillRef idx="1">
+        <a:scrgbClr r="0" g="0" b="0"/>
+      </a:fillRef>
+      <a:effectRef idx="0">
+        <a:scrgbClr r="0" g="0" b="0"/>
+      </a:effectRef>
+      <a:fontRef idx="minor"/>
+    </dgm:style>
+  </dgm:styleLbl>
+  <dgm:styleLbl name="fgAcc0">
+    <dgm:scene3d>
+      <a:camera prst="orthographicFront"/>
+      <a:lightRig rig="threePt" dir="t"/>
+    </dgm:scene3d>
+    <dgm:sp3d/>
+    <dgm:txPr/>
+    <dgm:style>
+      <a:lnRef idx="2">
+        <a:scrgbClr r="0" g="0" b="0"/>
+      </a:lnRef>
+      <a:fillRef idx="1">
+        <a:scrgbClr r="0" g="0" b="0"/>
+      </a:fillRef>
+      <a:effectRef idx="0">
+        <a:scrgbClr r="0" g="0" b="0"/>
+      </a:effectRef>
+      <a:fontRef idx="minor"/>
+    </dgm:style>
+  </dgm:styleLbl>
+  <dgm:styleLbl name="fgAcc2">
+    <dgm:scene3d>
+      <a:camera prst="orthographicFront"/>
+      <a:lightRig rig="threePt" dir="t"/>
+    </dgm:scene3d>
+    <dgm:sp3d/>
+    <dgm:txPr/>
+    <dgm:style>
+      <a:lnRef idx="2">
+        <a:scrgbClr r="0" g="0" b="0"/>
+      </a:lnRef>
+      <a:fillRef idx="1">
+        <a:scrgbClr r="0" g="0" b="0"/>
+      </a:fillRef>
+      <a:effectRef idx="0">
+        <a:scrgbClr r="0" g="0" b="0"/>
+      </a:effectRef>
+      <a:fontRef idx="minor"/>
+    </dgm:style>
+  </dgm:styleLbl>
+  <dgm:styleLbl name="fgAcc3">
+    <dgm:scene3d>
+      <a:camera prst="orthographicFront"/>
+      <a:lightRig rig="threePt" dir="t"/>
+    </dgm:scene3d>
+    <dgm:sp3d/>
+    <dgm:txPr/>
+    <dgm:style>
+      <a:lnRef idx="2">
+        <a:scrgbClr r="0" g="0" b="0"/>
+      </a:lnRef>
+      <a:fillRef idx="1">
+        <a:scrgbClr r="0" g="0" b="0"/>
+      </a:fillRef>
+      <a:effectRef idx="0">
+        <a:scrgbClr r="0" g="0" b="0"/>
+      </a:effectRef>
+      <a:fontRef idx="minor"/>
+    </dgm:style>
+  </dgm:styleLbl>
+  <dgm:styleLbl name="fgAcc4">
+    <dgm:scene3d>
+      <a:camera prst="orthographicFront"/>
+      <a:lightRig rig="threePt" dir="t"/>
+    </dgm:scene3d>
+    <dgm:sp3d/>
+    <dgm:txPr/>
+    <dgm:style>
+      <a:lnRef idx="2">
+        <a:scrgbClr r="0" g="0" b="0"/>
+      </a:lnRef>
+      <a:fillRef idx="1">
+        <a:scrgbClr r="0" g="0" b="0"/>
+      </a:fillRef>
+      <a:effectRef idx="0">
+        <a:scrgbClr r="0" g="0" b="0"/>
+      </a:effectRef>
+      <a:fontRef idx="minor"/>
+    </dgm:style>
+  </dgm:styleLbl>
+  <dgm:styleLbl name="bgShp">
+    <dgm:scene3d>
+      <a:camera prst="orthographicFront"/>
+      <a:lightRig rig="threePt" dir="t"/>
+    </dgm:scene3d>
+    <dgm:sp3d/>
+    <dgm:txPr/>
+    <dgm:style>
+      <a:lnRef idx="0">
+        <a:scrgbClr r="0" g="0" b="0"/>
+      </a:lnRef>
+      <a:fillRef idx="1">
+        <a:scrgbClr r="0" g="0" b="0"/>
+      </a:fillRef>
+      <a:effectRef idx="0">
+        <a:scrgbClr r="0" g="0" b="0"/>
+      </a:effectRef>
+      <a:fontRef idx="minor"/>
+    </dgm:style>
+  </dgm:styleLbl>
+  <dgm:styleLbl name="dkBgShp">
+    <dgm:scene3d>
+      <a:camera prst="orthographicFront"/>
+      <a:lightRig rig="threePt" dir="t"/>
+    </dgm:scene3d>
+    <dgm:sp3d/>
+    <dgm:txPr/>
+    <dgm:style>
+      <a:lnRef idx="0">
+        <a:scrgbClr r="0" g="0" b="0"/>
+      </a:lnRef>
+      <a:fillRef idx="1">
+        <a:scrgbClr r="0" g="0" b="0"/>
+      </a:fillRef>
+      <a:effectRef idx="0">
+        <a:scrgbClr r="0" g="0" b="0"/>
+      </a:effectRef>
+      <a:fontRef idx="minor"/>
+    </dgm:style>
+  </dgm:styleLbl>
+  <dgm:styleLbl name="trBgShp">
+    <dgm:scene3d>
+      <a:camera prst="orthographicFront"/>
+      <a:lightRig rig="threePt" dir="t"/>
+    </dgm:scene3d>
+    <dgm:sp3d/>
+    <dgm:txPr/>
+    <dgm:style>
+      <a:lnRef idx="0">
+        <a:scrgbClr r="0" g="0" b="0"/>
+      </a:lnRef>
+      <a:fillRef idx="1">
+        <a:scrgbClr r="0" g="0" b="0"/>
+      </a:fillRef>
+      <a:effectRef idx="0">
+        <a:scrgbClr r="0" g="0" b="0"/>
+      </a:effectRef>
+      <a:fontRef idx="minor"/>
+    </dgm:style>
+  </dgm:styleLbl>
+  <dgm:styleLbl name="fgShp">
+    <dgm:scene3d>
+      <a:camera prst="orthographicFront"/>
+      <a:lightRig rig="threePt" dir="t"/>
+    </dgm:scene3d>
+    <dgm:sp3d/>
+    <dgm:txPr/>
+    <dgm:style>
+      <a:lnRef idx="2">
+        <a:scrgbClr r="0" g="0" b="0"/>
+      </a:lnRef>
+      <a:fillRef idx="1">
+        <a:scrgbClr r="0" g="0" b="0"/>
+      </a:fillRef>
+      <a:effectRef idx="0">
+        <a:scrgbClr r="0" g="0" b="0"/>
+      </a:effectRef>
+      <a:fontRef idx="minor"/>
+    </dgm:style>
+  </dgm:styleLbl>
+  <dgm:styleLbl name="revTx">
+    <dgm:scene3d>
+      <a:camera prst="orthographicFront"/>
+      <a:lightRig rig="threePt" dir="t"/>
+    </dgm:scene3d>
+    <dgm:sp3d/>
+    <dgm:txPr/>
+    <dgm:style>
+      <a:lnRef idx="0">
+        <a:scrgbClr r="0" g="0" b="0"/>
+      </a:lnRef>
+      <a:fillRef idx="0">
+        <a:scrgbClr r="0" g="0" b="0"/>
+      </a:fillRef>
+      <a:effectRef idx="0">
+        <a:scrgbClr r="0" g="0" b="0"/>
+      </a:effectRef>
+      <a:fontRef idx="minor"/>
+    </dgm:style>
+  </dgm:styleLbl>
+</dgm:styleDef>
+</file>
+
+<file path=ppt/diagrams/quickStyle3.xml><?xml version="1.0" encoding="utf-8"?>
+<dgm:styleDef xmlns:dgm="http://schemas.openxmlformats.org/drawingml/2006/diagram" xmlns:a="http://schemas.openxmlformats.org/drawingml/2006/main" uniqueId="urn:microsoft.com/office/officeart/2005/8/quickstyle/simple1">
+  <dgm:title val=""/>
+  <dgm:desc val=""/>
+  <dgm:catLst>
+    <dgm:cat type="simple" pri="10100"/>
+  </dgm:catLst>
+  <dgm:scene3d>
+    <a:camera prst="orthographicFront"/>
+    <a:lightRig rig="threePt" dir="t"/>
+  </dgm:scene3d>
+  <dgm:styleLbl name="node0">
+    <dgm:scene3d>
+      <a:camera prst="orthographicFront"/>
+      <a:lightRig rig="threePt" dir="t"/>
+    </dgm:scene3d>
+    <dgm:sp3d/>
+    <dgm:txPr/>
+    <dgm:style>
+      <a:lnRef idx="2">
+        <a:scrgbClr r="0" g="0" b="0"/>
+      </a:lnRef>
+      <a:fillRef idx="1">
+        <a:scrgbClr r="0" g="0" b="0"/>
+      </a:fillRef>
+      <a:effectRef idx="0">
+        <a:scrgbClr r="0" g="0" b="0"/>
+      </a:effectRef>
+      <a:fontRef idx="minor">
+        <a:schemeClr val="lt1"/>
+      </a:fontRef>
+    </dgm:style>
+  </dgm:styleLbl>
+  <dgm:styleLbl name="lnNode1">
+    <dgm:scene3d>
+      <a:camera prst="orthographicFront"/>
+      <a:lightRig rig="threePt" dir="t"/>
+    </dgm:scene3d>
+    <dgm:sp3d/>
+    <dgm:txPr/>
+    <dgm:style>
+      <a:lnRef idx="2">
+        <a:scrgbClr r="0" g="0" b="0"/>
+      </a:lnRef>
+      <a:fillRef idx="1">
+        <a:scrgbClr r="0" g="0" b="0"/>
+      </a:fillRef>
+      <a:effectRef idx="0">
+        <a:scrgbClr r="0" g="0" b="0"/>
+      </a:effectRef>
+      <a:fontRef idx="minor">
+        <a:schemeClr val="lt1"/>
+      </a:fontRef>
+    </dgm:style>
+  </dgm:styleLbl>
+  <dgm:styleLbl name="vennNode1">
+    <dgm:scene3d>
+      <a:camera prst="orthographicFront"/>
+      <a:lightRig rig="threePt" dir="t"/>
+    </dgm:scene3d>
+    <dgm:sp3d/>
+    <dgm:txPr/>
+    <dgm:style>
+      <a:lnRef idx="2">
+        <a:scrgbClr r="0" g="0" b="0"/>
+      </a:lnRef>
+      <a:fillRef idx="1">
+        <a:scrgbClr r="0" g="0" b="0"/>
+      </a:fillRef>
+      <a:effectRef idx="0">
+        <a:scrgbClr r="0" g="0" b="0"/>
+      </a:effectRef>
+      <a:fontRef idx="minor">
+        <a:schemeClr val="tx1"/>
+      </a:fontRef>
+    </dgm:style>
+  </dgm:styleLbl>
+  <dgm:styleLbl name="alignNode1">
+    <dgm:scene3d>
+      <a:camera prst="orthographicFront"/>
+      <a:lightRig rig="threePt" dir="t"/>
+    </dgm:scene3d>
+    <dgm:sp3d/>
+    <dgm:txPr/>
+    <dgm:style>
+      <a:lnRef idx="2">
+        <a:scrgbClr r="0" g="0" b="0"/>
+      </a:lnRef>
+      <a:fillRef idx="1">
+        <a:scrgbClr r="0" g="0" b="0"/>
+      </a:fillRef>
+      <a:effectRef idx="0">
+        <a:scrgbClr r="0" g="0" b="0"/>
+      </a:effectRef>
+      <a:fontRef idx="minor">
+        <a:schemeClr val="lt1"/>
+      </a:fontRef>
+    </dgm:style>
+  </dgm:styleLbl>
+  <dgm:styleLbl name="node1">
+    <dgm:scene3d>
+      <a:camera prst="orthographicFront"/>
+      <a:lightRig rig="threePt" dir="t"/>
+    </dgm:scene3d>
+    <dgm:sp3d/>
+    <dgm:txPr/>
+    <dgm:style>
+      <a:lnRef idx="2">
+        <a:scrgbClr r="0" g="0" b="0"/>
+      </a:lnRef>
+      <a:fillRef idx="1">
+        <a:scrgbClr r="0" g="0" b="0"/>
+      </a:fillRef>
+      <a:effectRef idx="0">
+        <a:scrgbClr r="0" g="0" b="0"/>
+      </a:effectRef>
+      <a:fontRef idx="minor">
+        <a:schemeClr val="lt1"/>
+      </a:fontRef>
+    </dgm:style>
+  </dgm:styleLbl>
+  <dgm:styleLbl name="node2">
+    <dgm:scene3d>
+      <a:camera prst="orthographicFront"/>
+      <a:lightRig rig="threePt" dir="t"/>
+    </dgm:scene3d>
+    <dgm:sp3d/>
+    <dgm:txPr/>
+    <dgm:style>
+      <a:lnRef idx="2">
+        <a:scrgbClr r="0" g="0" b="0"/>
+      </a:lnRef>
+      <a:fillRef idx="1">
+        <a:scrgbClr r="0" g="0" b="0"/>
+      </a:fillRef>
+      <a:effectRef idx="0">
+        <a:scrgbClr r="0" g="0" b="0"/>
+      </a:effectRef>
+      <a:fontRef idx="minor">
+        <a:schemeClr val="lt1"/>
+      </a:fontRef>
+    </dgm:style>
+  </dgm:styleLbl>
+  <dgm:styleLbl name="node3">
+    <dgm:scene3d>
+      <a:camera prst="orthographicFront"/>
+      <a:lightRig rig="threePt" dir="t"/>
+    </dgm:scene3d>
+    <dgm:sp3d/>
+    <dgm:txPr/>
+    <dgm:style>
+      <a:lnRef idx="2">
+        <a:scrgbClr r="0" g="0" b="0"/>
+      </a:lnRef>
+      <a:fillRef idx="1">
+        <a:scrgbClr r="0" g="0" b="0"/>
+      </a:fillRef>
+      <a:effectRef idx="0">
+        <a:scrgbClr r="0" g="0" b="0"/>
+      </a:effectRef>
+      <a:fontRef idx="minor">
+        <a:schemeClr val="lt1"/>
+      </a:fontRef>
+    </dgm:style>
+  </dgm:styleLbl>
+  <dgm:styleLbl name="node4">
+    <dgm:scene3d>
+      <a:camera prst="orthographicFront"/>
+      <a:lightRig rig="threePt" dir="t"/>
+    </dgm:scene3d>
+    <dgm:sp3d/>
+    <dgm:txPr/>
+    <dgm:style>
+      <a:lnRef idx="2">
+        <a:scrgbClr r="0" g="0" b="0"/>
+      </a:lnRef>
+      <a:fillRef idx="1">
+        <a:scrgbClr r="0" g="0" b="0"/>
+      </a:fillRef>
+      <a:effectRef idx="0">
+        <a:scrgbClr r="0" g="0" b="0"/>
+      </a:effectRef>
+      <a:fontRef idx="minor">
+        <a:schemeClr val="lt1"/>
+      </a:fontRef>
+    </dgm:style>
+  </dgm:styleLbl>
+  <dgm:styleLbl name="fgImgPlace1">
+    <dgm:scene3d>
+      <a:camera prst="orthographicFront"/>
+      <a:lightRig rig="threePt" dir="t"/>
+    </dgm:scene3d>
+    <dgm:sp3d/>
+    <dgm:txPr/>
+    <dgm:style>
+      <a:lnRef idx="2">
+        <a:scrgbClr r="0" g="0" b="0"/>
+      </a:lnRef>
+      <a:fillRef idx="1">
+        <a:scrgbClr r="0" g="0" b="0"/>
+      </a:fillRef>
+      <a:effectRef idx="0">
+        <a:scrgbClr r="0" g="0" b="0"/>
+      </a:effectRef>
+      <a:fontRef idx="minor"/>
+    </dgm:style>
+  </dgm:styleLbl>
+  <dgm:styleLbl name="alignImgPlace1">
+    <dgm:scene3d>
+      <a:camera prst="orthographicFront"/>
+      <a:lightRig rig="threePt" dir="t"/>
+    </dgm:scene3d>
+    <dgm:sp3d/>
+    <dgm:txPr/>
+    <dgm:style>
+      <a:lnRef idx="2">
+        <a:scrgbClr r="0" g="0" b="0"/>
+      </a:lnRef>
+      <a:fillRef idx="1">
+        <a:scrgbClr r="0" g="0" b="0"/>
+      </a:fillRef>
+      <a:effectRef idx="0">
+        <a:scrgbClr r="0" g="0" b="0"/>
+      </a:effectRef>
+      <a:fontRef idx="minor"/>
+    </dgm:style>
+  </dgm:styleLbl>
+  <dgm:styleLbl name="bgImgPlace1">
+    <dgm:scene3d>
+      <a:camera prst="orthographicFront"/>
+      <a:lightRig rig="threePt" dir="t"/>
+    </dgm:scene3d>
+    <dgm:sp3d/>
+    <dgm:txPr/>
+    <dgm:style>
+      <a:lnRef idx="2">
+        <a:scrgbClr r="0" g="0" b="0"/>
+      </a:lnRef>
+      <a:fillRef idx="1">
+        <a:scrgbClr r="0" g="0" b="0"/>
+      </a:fillRef>
+      <a:effectRef idx="0">
+        <a:scrgbClr r="0" g="0" b="0"/>
+      </a:effectRef>
+      <a:fontRef idx="minor"/>
+    </dgm:style>
+  </dgm:styleLbl>
+  <dgm:styleLbl name="sibTrans2D1">
+    <dgm:scene3d>
+      <a:camera prst="orthographicFront"/>
+      <a:lightRig rig="threePt" dir="t"/>
+    </dgm:scene3d>
+    <dgm:sp3d/>
+    <dgm:txPr/>
+    <dgm:style>
+      <a:lnRef idx="0">
+        <a:scrgbClr r="0" g="0" b="0"/>
+      </a:lnRef>
+      <a:fillRef idx="1">
+        <a:scrgbClr r="0" g="0" b="0"/>
+      </a:fillRef>
+      <a:effectRef idx="0">
+        <a:scrgbClr r="0" g="0" b="0"/>
+      </a:effectRef>
+      <a:fontRef idx="minor">
+        <a:schemeClr val="lt1"/>
+      </a:fontRef>
+    </dgm:style>
+  </dgm:styleLbl>
+  <dgm:styleLbl name="fgSibTrans2D1">
+    <dgm:scene3d>
+      <a:camera prst="orthographicFront"/>
+      <a:lightRig rig="threePt" dir="t"/>
+    </dgm:scene3d>
+    <dgm:sp3d/>
+    <dgm:txPr/>
+    <dgm:style>
+      <a:lnRef idx="0">
+        <a:scrgbClr r="0" g="0" b="0"/>
+      </a:lnRef>
+      <a:fillRef idx="1">
+        <a:scrgbClr r="0" g="0" b="0"/>
+      </a:fillRef>
+      <a:effectRef idx="0">
+        <a:scrgbClr r="0" g="0" b="0"/>
+      </a:effectRef>
+      <a:fontRef idx="minor">
+        <a:schemeClr val="lt1"/>
+      </a:fontRef>
+    </dgm:style>
+  </dgm:styleLbl>
+  <dgm:styleLbl name="bgSibTrans2D1">
+    <dgm:scene3d>
+      <a:camera prst="orthographicFront"/>
+      <a:lightRig rig="threePt" dir="t"/>
+    </dgm:scene3d>
+    <dgm:sp3d/>
+    <dgm:txPr/>
+    <dgm:style>
+      <a:lnRef idx="0">
+        <a:scrgbClr r="0" g="0" b="0"/>
+      </a:lnRef>
+      <a:fillRef idx="1">
+        <a:scrgbClr r="0" g="0" b="0"/>
+      </a:fillRef>
+      <a:effectRef idx="0">
+        <a:scrgbClr r="0" g="0" b="0"/>
+      </a:effectRef>
+      <a:fontRef idx="minor">
+        <a:schemeClr val="lt1"/>
+      </a:fontRef>
+    </dgm:style>
+  </dgm:styleLbl>
+  <dgm:styleLbl name="sibTrans1D1">
+    <dgm:scene3d>
+      <a:camera prst="orthographicFront"/>
+      <a:lightRig rig="threePt" dir="t"/>
+    </dgm:scene3d>
+    <dgm:sp3d/>
+    <dgm:txPr/>
+    <dgm:style>
+      <a:lnRef idx="1">
+        <a:scrgbClr r="0" g="0" b="0"/>
+      </a:lnRef>
+      <a:fillRef idx="0">
+        <a:scrgbClr r="0" g="0" b="0"/>
+      </a:fillRef>
+      <a:effectRef idx="0">
+        <a:scrgbClr r="0" g="0" b="0"/>
+      </a:effectRef>
+      <a:fontRef idx="minor"/>
+    </dgm:style>
+  </dgm:styleLbl>
+  <dgm:styleLbl name="callout">
+    <dgm:scene3d>
+      <a:camera prst="orthographicFront"/>
+      <a:lightRig rig="threePt" dir="t"/>
+    </dgm:scene3d>
+    <dgm:sp3d/>
+    <dgm:txPr/>
+    <dgm:style>
+      <a:lnRef idx="2">
+        <a:scrgbClr r="0" g="0" b="0"/>
+      </a:lnRef>
+      <a:fillRef idx="1">
+        <a:scrgbClr r="0" g="0" b="0"/>
+      </a:fillRef>
+      <a:effectRef idx="0">
+        <a:scrgbClr r="0" g="0" b="0"/>
+      </a:effectRef>
+      <a:fontRef idx="minor"/>
+    </dgm:style>
+  </dgm:styleLbl>
+  <dgm:styleLbl name="asst0">
+    <dgm:scene3d>
+      <a:camera prst="orthographicFront"/>
+      <a:lightRig rig="threePt" dir="t"/>
+    </dgm:scene3d>
+    <dgm:sp3d/>
+    <dgm:txPr/>
+    <dgm:style>
+      <a:lnRef idx="2">
+        <a:scrgbClr r="0" g="0" b="0"/>
+      </a:lnRef>
+      <a:fillRef idx="1">
+        <a:scrgbClr r="0" g="0" b="0"/>
+      </a:fillRef>
+      <a:effectRef idx="0">
+        <a:scrgbClr r="0" g="0" b="0"/>
+      </a:effectRef>
+      <a:fontRef idx="minor">
+        <a:schemeClr val="lt1"/>
+      </a:fontRef>
+    </dgm:style>
+  </dgm:styleLbl>
+  <dgm:styleLbl name="asst1">
+    <dgm:scene3d>
+      <a:camera prst="orthographicFront"/>
+      <a:lightRig rig="threePt" dir="t"/>
+    </dgm:scene3d>
+    <dgm:sp3d/>
+    <dgm:txPr/>
+    <dgm:style>
+      <a:lnRef idx="2">
+        <a:scrgbClr r="0" g="0" b="0"/>
+      </a:lnRef>
+      <a:fillRef idx="1">
+        <a:scrgbClr r="0" g="0" b="0"/>
+      </a:fillRef>
+      <a:effectRef idx="0">
+        <a:scrgbClr r="0" g="0" b="0"/>
+      </a:effectRef>
+      <a:fontRef idx="minor">
+        <a:schemeClr val="lt1"/>
+      </a:fontRef>
+    </dgm:style>
+  </dgm:styleLbl>
+  <dgm:styleLbl name="asst2">
+    <dgm:scene3d>
+      <a:camera prst="orthographicFront"/>
+      <a:lightRig rig="threePt" dir="t"/>
+    </dgm:scene3d>
+    <dgm:sp3d/>
+    <dgm:txPr/>
+    <dgm:style>
+      <a:lnRef idx="2">
+        <a:scrgbClr r="0" g="0" b="0"/>
+      </a:lnRef>
+      <a:fillRef idx="1">
+        <a:scrgbClr r="0" g="0" b="0"/>
+      </a:fillRef>
+      <a:effectRef idx="0">
+        <a:scrgbClr r="0" g="0" b="0"/>
+      </a:effectRef>
+      <a:fontRef idx="minor">
+        <a:schemeClr val="lt1"/>
+      </a:fontRef>
+    </dgm:style>
+  </dgm:styleLbl>
+  <dgm:styleLbl name="asst3">
+    <dgm:scene3d>
+      <a:camera prst="orthographicFront"/>
+      <a:lightRig rig="threePt" dir="t"/>
+    </dgm:scene3d>
+    <dgm:sp3d/>
+    <dgm:txPr/>
+    <dgm:style>
+      <a:lnRef idx="2">
+        <a:scrgbClr r="0" g="0" b="0"/>
+      </a:lnRef>
+      <a:fillRef idx="1">
+        <a:scrgbClr r="0" g="0" b="0"/>
+      </a:fillRef>
+      <a:effectRef idx="0">
+        <a:scrgbClr r="0" g="0" b="0"/>
+      </a:effectRef>
+      <a:fontRef idx="minor">
+        <a:schemeClr val="lt1"/>
+      </a:fontRef>
+    </dgm:style>
+  </dgm:styleLbl>
+  <dgm:styleLbl name="asst4">
+    <dgm:scene3d>
+      <a:camera prst="orthographicFront"/>
+      <a:lightRig rig="threePt" dir="t"/>
+    </dgm:scene3d>
+    <dgm:sp3d/>
+    <dgm:txPr/>
+    <dgm:style>
+      <a:lnRef idx="2">
+        <a:scrgbClr r="0" g="0" b="0"/>
+      </a:lnRef>
+      <a:fillRef idx="1">
+        <a:scrgbClr r="0" g="0" b="0"/>
+      </a:fillRef>
+      <a:effectRef idx="0">
+        <a:scrgbClr r="0" g="0" b="0"/>
+      </a:effectRef>
+      <a:fontRef idx="minor">
+        <a:schemeClr val="lt1"/>
+      </a:fontRef>
+    </dgm:style>
+  </dgm:styleLbl>
+  <dgm:styleLbl name="parChTrans2D1">
+    <dgm:scene3d>
+      <a:camera prst="orthographicFront"/>
+      <a:lightRig rig="threePt" dir="t"/>
+    </dgm:scene3d>
+    <dgm:sp3d/>
+    <dgm:txPr/>
+    <dgm:style>
+      <a:lnRef idx="2">
+        <a:scrgbClr r="0" g="0" b="0"/>
+      </a:lnRef>
+      <a:fillRef idx="1">
+        <a:scrgbClr r="0" g="0" b="0"/>
+      </a:fillRef>
+      <a:effectRef idx="0">
+        <a:scrgbClr r="0" g="0" b="0"/>
+      </a:effectRef>
+      <a:fontRef idx="minor">
+        <a:schemeClr val="lt1"/>
+      </a:fontRef>
+    </dgm:style>
+  </dgm:styleLbl>
+  <dgm:styleLbl name="parChTrans2D2">
+    <dgm:scene3d>
+      <a:camera prst="orthographicFront"/>
+      <a:lightRig rig="threePt" dir="t"/>
+    </dgm:scene3d>
+    <dgm:sp3d/>
+    <dgm:txPr/>
+    <dgm:style>
+      <a:lnRef idx="2">
+        <a:scrgbClr r="0" g="0" b="0"/>
+      </a:lnRef>
+      <a:fillRef idx="1">
+        <a:scrgbClr r="0" g="0" b="0"/>
+      </a:fillRef>
+      <a:effectRef idx="0">
+        <a:scrgbClr r="0" g="0" b="0"/>
+      </a:effectRef>
+      <a:fontRef idx="minor">
+        <a:schemeClr val="lt1"/>
+      </a:fontRef>
+    </dgm:style>
+  </dgm:styleLbl>
+  <dgm:styleLbl name="parChTrans2D3">
+    <dgm:scene3d>
+      <a:camera prst="orthographicFront"/>
+      <a:lightRig rig="threePt" dir="t"/>
+    </dgm:scene3d>
+    <dgm:sp3d/>
+    <dgm:txPr/>
+    <dgm:style>
+      <a:lnRef idx="2">
+        <a:scrgbClr r="0" g="0" b="0"/>
+      </a:lnRef>
+      <a:fillRef idx="1">
+        <a:scrgbClr r="0" g="0" b="0"/>
+      </a:fillRef>
+      <a:effectRef idx="0">
+        <a:scrgbClr r="0" g="0" b="0"/>
+      </a:effectRef>
+      <a:fontRef idx="minor">
+        <a:schemeClr val="lt1"/>
+      </a:fontRef>
+    </dgm:style>
+  </dgm:styleLbl>
+  <dgm:styleLbl name="parChTrans2D4">
+    <dgm:scene3d>
+      <a:camera prst="orthographicFront"/>
+      <a:lightRig rig="threePt" dir="t"/>
+    </dgm:scene3d>
+    <dgm:sp3d/>
+    <dgm:txPr/>
+    <dgm:style>
+      <a:lnRef idx="2">
+        <a:scrgbClr r="0" g="0" b="0"/>
+      </a:lnRef>
+      <a:fillRef idx="1">
+        <a:scrgbClr r="0" g="0" b="0"/>
+      </a:fillRef>
+      <a:effectRef idx="0">
+        <a:scrgbClr r="0" g="0" b="0"/>
+      </a:effectRef>
+      <a:fontRef idx="minor">
+        <a:schemeClr val="lt1"/>
+      </a:fontRef>
+    </dgm:style>
+  </dgm:styleLbl>
+  <dgm:styleLbl name="parChTrans1D1">
+    <dgm:scene3d>
+      <a:camera prst="orthographicFront"/>
+      <a:lightRig rig="threePt" dir="t"/>
+    </dgm:scene3d>
+    <dgm:sp3d/>
+    <dgm:txPr/>
+    <dgm:style>
+      <a:lnRef idx="2">
+        <a:scrgbClr r="0" g="0" b="0"/>
+      </a:lnRef>
+      <a:fillRef idx="0">
+        <a:scrgbClr r="0" g="0" b="0"/>
+      </a:fillRef>
+      <a:effectRef idx="0">
+        <a:scrgbClr r="0" g="0" b="0"/>
+      </a:effectRef>
+      <a:fontRef idx="minor"/>
+    </dgm:style>
+  </dgm:styleLbl>
+  <dgm:styleLbl name="parChTrans1D2">
+    <dgm:scene3d>
+      <a:camera prst="orthographicFront"/>
+      <a:lightRig rig="threePt" dir="t"/>
+    </dgm:scene3d>
+    <dgm:sp3d/>
+    <dgm:txPr/>
+    <dgm:style>
+      <a:lnRef idx="2">
+        <a:scrgbClr r="0" g="0" b="0"/>
+      </a:lnRef>
+      <a:fillRef idx="0">
+        <a:scrgbClr r="0" g="0" b="0"/>
+      </a:fillRef>
+      <a:effectRef idx="0">
+        <a:scrgbClr r="0" g="0" b="0"/>
+      </a:effectRef>
+      <a:fontRef idx="minor"/>
+    </dgm:style>
+  </dgm:styleLbl>
+  <dgm:styleLbl name="parChTrans1D3">
+    <dgm:scene3d>
+      <a:camera prst="orthographicFront"/>
+      <a:lightRig rig="threePt" dir="t"/>
+    </dgm:scene3d>
+    <dgm:sp3d/>
+    <dgm:txPr/>
+    <dgm:style>
+      <a:lnRef idx="2">
+        <a:scrgbClr r="0" g="0" b="0"/>
+      </a:lnRef>
+      <a:fillRef idx="0">
+        <a:scrgbClr r="0" g="0" b="0"/>
+      </a:fillRef>
+      <a:effectRef idx="0">
+        <a:scrgbClr r="0" g="0" b="0"/>
+      </a:effectRef>
+      <a:fontRef idx="minor"/>
+    </dgm:style>
+  </dgm:styleLbl>
+  <dgm:styleLbl name="parChTrans1D4">
+    <dgm:scene3d>
+      <a:camera prst="orthographicFront"/>
+      <a:lightRig rig="threePt" dir="t"/>
+    </dgm:scene3d>
+    <dgm:sp3d/>
+    <dgm:txPr/>
+    <dgm:style>
+      <a:lnRef idx="2">
+        <a:scrgbClr r="0" g="0" b="0"/>
+      </a:lnRef>
+      <a:fillRef idx="0">
+        <a:scrgbClr r="0" g="0" b="0"/>
+      </a:fillRef>
+      <a:effectRef idx="0">
+        <a:scrgbClr r="0" g="0" b="0"/>
+      </a:effectRef>
+      <a:fontRef idx="minor"/>
+    </dgm:style>
+  </dgm:styleLbl>
+  <dgm:styleLbl name="fgAcc1">
+    <dgm:scene3d>
+      <a:camera prst="orthographicFront"/>
+      <a:lightRig rig="threePt" dir="t"/>
+    </dgm:scene3d>
+    <dgm:sp3d/>
+    <dgm:txPr/>
+    <dgm:style>
+      <a:lnRef idx="2">
+        <a:scrgbClr r="0" g="0" b="0"/>
+      </a:lnRef>
+      <a:fillRef idx="1">
+        <a:scrgbClr r="0" g="0" b="0"/>
+      </a:fillRef>
+      <a:effectRef idx="0">
+        <a:scrgbClr r="0" g="0" b="0"/>
+      </a:effectRef>
+      <a:fontRef idx="minor"/>
+    </dgm:style>
+  </dgm:styleLbl>
+  <dgm:styleLbl name="conFgAcc1">
+    <dgm:scene3d>
+      <a:camera prst="orthographicFront"/>
+      <a:lightRig rig="threePt" dir="t"/>
+    </dgm:scene3d>
+    <dgm:sp3d/>
+    <dgm:txPr/>
+    <dgm:style>
+      <a:lnRef idx="2">
+        <a:scrgbClr r="0" g="0" b="0"/>
+      </a:lnRef>
+      <a:fillRef idx="1">
+        <a:scrgbClr r="0" g="0" b="0"/>
+      </a:fillRef>
+      <a:effectRef idx="0">
+        <a:scrgbClr r="0" g="0" b="0"/>
+      </a:effectRef>
+      <a:fontRef idx="minor"/>
+    </dgm:style>
+  </dgm:styleLbl>
+  <dgm:styleLbl name="alignAcc1">
+    <dgm:scene3d>
+      <a:camera prst="orthographicFront"/>
+      <a:lightRig rig="threePt" dir="t"/>
+    </dgm:scene3d>
+    <dgm:sp3d/>
+    <dgm:txPr/>
+    <dgm:style>
+      <a:lnRef idx="2">
+        <a:scrgbClr r="0" g="0" b="0"/>
+      </a:lnRef>
+      <a:fillRef idx="1">
+        <a:scrgbClr r="0" g="0" b="0"/>
+      </a:fillRef>
+      <a:effectRef idx="0">
+        <a:scrgbClr r="0" g="0" b="0"/>
+      </a:effectRef>
+      <a:fontRef idx="minor"/>
+    </dgm:style>
+  </dgm:styleLbl>
+  <dgm:styleLbl name="trAlignAcc1">
+    <dgm:scene3d>
+      <a:camera prst="orthographicFront"/>
+      <a:lightRig rig="threePt" dir="t"/>
+    </dgm:scene3d>
+    <dgm:sp3d/>
+    <dgm:txPr/>
+    <dgm:style>
+      <a:lnRef idx="1">
+        <a:scrgbClr r="0" g="0" b="0"/>
+      </a:lnRef>
+      <a:fillRef idx="1">
+        <a:scrgbClr r="0" g="0" b="0"/>
+      </a:fillRef>
+      <a:effectRef idx="0">
+        <a:scrgbClr r="0" g="0" b="0"/>
+      </a:effectRef>
+      <a:fontRef idx="minor"/>
+    </dgm:style>
+  </dgm:styleLbl>
+  <dgm:styleLbl name="bgAcc1">
+    <dgm:scene3d>
+      <a:camera prst="orthographicFront"/>
+      <a:lightRig rig="threePt" dir="t"/>
+    </dgm:scene3d>
+    <dgm:sp3d/>
+    <dgm:txPr/>
+    <dgm:style>
+      <a:lnRef idx="2">
+        <a:scrgbClr r="0" g="0" b="0"/>
+      </a:lnRef>
+      <a:fillRef idx="1">
+        <a:scrgbClr r="0" g="0" b="0"/>
+      </a:fillRef>
+      <a:effectRef idx="0">
+        <a:scrgbClr r="0" g="0" b="0"/>
+      </a:effectRef>
+      <a:fontRef idx="minor"/>
+    </dgm:style>
+  </dgm:styleLbl>
+  <dgm:styleLbl name="solidFgAcc1">
+    <dgm:scene3d>
+      <a:camera prst="orthographicFront"/>
+      <a:lightRig rig="threePt" dir="t"/>
+    </dgm:scene3d>
+    <dgm:sp3d/>
+    <dgm:txPr/>
+    <dgm:style>
+      <a:lnRef idx="2">
+        <a:scrgbClr r="0" g="0" b="0"/>
+      </a:lnRef>
+      <a:fillRef idx="1">
+        <a:scrgbClr r="0" g="0" b="0"/>
+      </a:fillRef>
+      <a:effectRef idx="0">
+        <a:scrgbClr r="0" g="0" b="0"/>
+      </a:effectRef>
+      <a:fontRef idx="minor"/>
+    </dgm:style>
+  </dgm:styleLbl>
+  <dgm:styleLbl name="solidAlignAcc1">
+    <dgm:scene3d>
+      <a:camera prst="orthographicFront"/>
+      <a:lightRig rig="threePt" dir="t"/>
+    </dgm:scene3d>
+    <dgm:sp3d/>
+    <dgm:txPr/>
+    <dgm:style>
+      <a:lnRef idx="2">
+        <a:scrgbClr r="0" g="0" b="0"/>
+      </a:lnRef>
+      <a:fillRef idx="1">
+        <a:scrgbClr r="0" g="0" b="0"/>
+      </a:fillRef>
+      <a:effectRef idx="0">
+        <a:scrgbClr r="0" g="0" b="0"/>
+      </a:effectRef>
+      <a:fontRef idx="minor"/>
+    </dgm:style>
+  </dgm:styleLbl>
+  <dgm:styleLbl name="solidBgAcc1">
+    <dgm:scene3d>
+      <a:camera prst="orthographicFront"/>
+      <a:lightRig rig="threePt" dir="t"/>
+    </dgm:scene3d>
+    <dgm:sp3d/>
+    <dgm:txPr/>
+    <dgm:style>
+      <a:lnRef idx="2">
+        <a:scrgbClr r="0" g="0" b="0"/>
+      </a:lnRef>
+      <a:fillRef idx="1">
+        <a:scrgbClr r="0" g="0" b="0"/>
+      </a:fillRef>
+      <a:effectRef idx="0">
+        <a:scrgbClr r="0" g="0" b="0"/>
+      </a:effectRef>
+      <a:fontRef idx="minor"/>
+    </dgm:style>
+  </dgm:styleLbl>
+  <dgm:styleLbl name="fgAccFollowNode1">
+    <dgm:scene3d>
+      <a:camera prst="orthographicFront"/>
+      <a:lightRig rig="threePt" dir="t"/>
+    </dgm:scene3d>
+    <dgm:sp3d/>
+    <dgm:txPr/>
+    <dgm:style>
+      <a:lnRef idx="2">
+        <a:scrgbClr r="0" g="0" b="0"/>
+      </a:lnRef>
+      <a:fillRef idx="1">
+        <a:scrgbClr r="0" g="0" b="0"/>
+      </a:fillRef>
+      <a:effectRef idx="0">
+        <a:scrgbClr r="0" g="0" b="0"/>
+      </a:effectRef>
+      <a:fontRef idx="minor"/>
+    </dgm:style>
+  </dgm:styleLbl>
+  <dgm:styleLbl name="alignAccFollowNode1">
+    <dgm:scene3d>
+      <a:camera prst="orthographicFront"/>
+      <a:lightRig rig="threePt" dir="t"/>
+    </dgm:scene3d>
+    <dgm:sp3d/>
+    <dgm:txPr/>
+    <dgm:style>
+      <a:lnRef idx="2">
+        <a:scrgbClr r="0" g="0" b="0"/>
+      </a:lnRef>
+      <a:fillRef idx="1">
+        <a:scrgbClr r="0" g="0" b="0"/>
+      </a:fillRef>
+      <a:effectRef idx="0">
+        <a:scrgbClr r="0" g="0" b="0"/>
+      </a:effectRef>
+      <a:fontRef idx="minor"/>
+    </dgm:style>
+  </dgm:styleLbl>
+  <dgm:styleLbl name="bgAccFollowNode1">
+    <dgm:scene3d>
+      <a:camera prst="orthographicFront"/>
+      <a:lightRig rig="threePt" dir="t"/>
+    </dgm:scene3d>
+    <dgm:sp3d/>
+    <dgm:txPr/>
+    <dgm:style>
+      <a:lnRef idx="2">
+        <a:scrgbClr r="0" g="0" b="0"/>
+      </a:lnRef>
+      <a:fillRef idx="1">
+        <a:scrgbClr r="0" g="0" b="0"/>
+      </a:fillRef>
+      <a:effectRef idx="0">
+        <a:scrgbClr r="0" g="0" b="0"/>
+      </a:effectRef>
+      <a:fontRef idx="minor"/>
+    </dgm:style>
+  </dgm:styleLbl>
+  <dgm:styleLbl name="fgAcc0">
+    <dgm:scene3d>
+      <a:camera prst="orthographicFront"/>
+      <a:lightRig rig="threePt" dir="t"/>
+    </dgm:scene3d>
+    <dgm:sp3d/>
+    <dgm:txPr/>
+    <dgm:style>
+      <a:lnRef idx="2">
+        <a:scrgbClr r="0" g="0" b="0"/>
+      </a:lnRef>
+      <a:fillRef idx="1">
+        <a:scrgbClr r="0" g="0" b="0"/>
+      </a:fillRef>
+      <a:effectRef idx="0">
+        <a:scrgbClr r="0" g="0" b="0"/>
+      </a:effectRef>
+      <a:fontRef idx="minor"/>
+    </dgm:style>
+  </dgm:styleLbl>
+  <dgm:styleLbl name="fgAcc2">
+    <dgm:scene3d>
+      <a:camera prst="orthographicFront"/>
+      <a:lightRig rig="threePt" dir="t"/>
+    </dgm:scene3d>
+    <dgm:sp3d/>
+    <dgm:txPr/>
+    <dgm:style>
+      <a:lnRef idx="2">
+        <a:scrgbClr r="0" g="0" b="0"/>
+      </a:lnRef>
+      <a:fillRef idx="1">
+        <a:scrgbClr r="0" g="0" b="0"/>
+      </a:fillRef>
+      <a:effectRef idx="0">
+        <a:scrgbClr r="0" g="0" b="0"/>
+      </a:effectRef>
+      <a:fontRef idx="minor"/>
+    </dgm:style>
+  </dgm:styleLbl>
+  <dgm:styleLbl name="fgAcc3">
+    <dgm:scene3d>
+      <a:camera prst="orthographicFront"/>
+      <a:lightRig rig="threePt" dir="t"/>
+    </dgm:scene3d>
+    <dgm:sp3d/>
+    <dgm:txPr/>
+    <dgm:style>
+      <a:lnRef idx="2">
+        <a:scrgbClr r="0" g="0" b="0"/>
+      </a:lnRef>
+      <a:fillRef idx="1">
+        <a:scrgbClr r="0" g="0" b="0"/>
+      </a:fillRef>
+      <a:effectRef idx="0">
+        <a:scrgbClr r="0" g="0" b="0"/>
+      </a:effectRef>
+      <a:fontRef idx="minor"/>
+    </dgm:style>
+  </dgm:styleLbl>
+  <dgm:styleLbl name="fgAcc4">
+    <dgm:scene3d>
+      <a:camera prst="orthographicFront"/>
+      <a:lightRig rig="threePt" dir="t"/>
+    </dgm:scene3d>
+    <dgm:sp3d/>
+    <dgm:txPr/>
+    <dgm:style>
+      <a:lnRef idx="2">
+        <a:scrgbClr r="0" g="0" b="0"/>
+      </a:lnRef>
+      <a:fillRef idx="1">
+        <a:scrgbClr r="0" g="0" b="0"/>
+      </a:fillRef>
+      <a:effectRef idx="0">
+        <a:scrgbClr r="0" g="0" b="0"/>
+      </a:effectRef>
+      <a:fontRef idx="minor"/>
+    </dgm:style>
+  </dgm:styleLbl>
+  <dgm:styleLbl name="bgShp">
+    <dgm:scene3d>
+      <a:camera prst="orthographicFront"/>
+      <a:lightRig rig="threePt" dir="t"/>
+    </dgm:scene3d>
+    <dgm:sp3d/>
+    <dgm:txPr/>
+    <dgm:style>
+      <a:lnRef idx="0">
+        <a:scrgbClr r="0" g="0" b="0"/>
+      </a:lnRef>
+      <a:fillRef idx="1">
+        <a:scrgbClr r="0" g="0" b="0"/>
+      </a:fillRef>
+      <a:effectRef idx="0">
+        <a:scrgbClr r="0" g="0" b="0"/>
+      </a:effectRef>
+      <a:fontRef idx="minor"/>
+    </dgm:style>
+  </dgm:styleLbl>
+  <dgm:styleLbl name="dkBgShp">
+    <dgm:scene3d>
+      <a:camera prst="orthographicFront"/>
+      <a:lightRig rig="threePt" dir="t"/>
+    </dgm:scene3d>
+    <dgm:sp3d/>
+    <dgm:txPr/>
+    <dgm:style>
+      <a:lnRef idx="0">
+        <a:scrgbClr r="0" g="0" b="0"/>
+      </a:lnRef>
+      <a:fillRef idx="1">
+        <a:scrgbClr r="0" g="0" b="0"/>
+      </a:fillRef>
+      <a:effectRef idx="0">
+        <a:scrgbClr r="0" g="0" b="0"/>
+      </a:effectRef>
+      <a:fontRef idx="minor"/>
+    </dgm:style>
+  </dgm:styleLbl>
+  <dgm:styleLbl name="trBgShp">
+    <dgm:scene3d>
+      <a:camera prst="orthographicFront"/>
+      <a:lightRig rig="threePt" dir="t"/>
+    </dgm:scene3d>
+    <dgm:sp3d/>
+    <dgm:txPr/>
+    <dgm:style>
+      <a:lnRef idx="0">
+        <a:scrgbClr r="0" g="0" b="0"/>
+      </a:lnRef>
+      <a:fillRef idx="1">
+        <a:scrgbClr r="0" g="0" b="0"/>
+      </a:fillRef>
+      <a:effectRef idx="0">
+        <a:scrgbClr r="0" g="0" b="0"/>
+      </a:effectRef>
+      <a:fontRef idx="minor"/>
+    </dgm:style>
+  </dgm:styleLbl>
+  <dgm:styleLbl name="fgShp">
+    <dgm:scene3d>
+      <a:camera prst="orthographicFront"/>
+      <a:lightRig rig="threePt" dir="t"/>
+    </dgm:scene3d>
+    <dgm:sp3d/>
+    <dgm:txPr/>
+    <dgm:style>
+      <a:lnRef idx="2">
+        <a:scrgbClr r="0" g="0" b="0"/>
+      </a:lnRef>
+      <a:fillRef idx="1">
+        <a:scrgbClr r="0" g="0" b="0"/>
+      </a:fillRef>
+      <a:effectRef idx="0">
+        <a:scrgbClr r="0" g="0" b="0"/>
+      </a:effectRef>
+      <a:fontRef idx="minor"/>
+    </dgm:style>
+  </dgm:styleLbl>
+  <dgm:styleLbl name="revTx">
+    <dgm:scene3d>
+      <a:camera prst="orthographicFront"/>
+      <a:lightRig rig="threePt" dir="t"/>
+    </dgm:scene3d>
+    <dgm:sp3d/>
+    <dgm:txPr/>
+    <dgm:style>
+      <a:lnRef idx="0">
+        <a:scrgbClr r="0" g="0" b="0"/>
+      </a:lnRef>
+      <a:fillRef idx="0">
+        <a:scrgbClr r="0" g="0" b="0"/>
+      </a:fillRef>
+      <a:effectRef idx="0">
+        <a:scrgbClr r="0" g="0" b="0"/>
+      </a:effectRef>
+      <a:fontRef idx="minor"/>
+    </dgm:style>
+  </dgm:styleLbl>
+</dgm:styleDef>
+</file>
+
+<file path=ppt/notesMasters/notesMaster1.xml><?xml version="1.0" encoding="utf-8"?>
+<p:notesMaster xmlns:a="http://schemas.openxmlformats.org/drawingml/2006/main" xmlns:r="http://schemas.openxmlformats.org/officeDocument/2006/relationships" xmlns:p="http://schemas.openxmlformats.org/presentationml/2006/main">
+  <p:cSld>
+    <p:bg>
+      <p:bgRef idx="1001">
+        <a:schemeClr val="bg1"/>
+      </p:bgRef>
+    </p:bg>
+    <p:spTree>
+      <p:nvGrpSpPr>
+        <p:cNvPr id="1" name=""/>
+        <p:cNvGrpSpPr/>
+        <p:nvPr/>
+      </p:nvGrpSpPr>
+      <p:grpSpPr>
+        <a:xfrm>
+          <a:off x="0" y="0"/>
+          <a:ext cx="0" cy="0"/>
+          <a:chOff x="0" y="0"/>
+          <a:chExt cx="0" cy="0"/>
+        </a:xfrm>
+      </p:grpSpPr>
+      <p:sp>
+        <p:nvSpPr>
+          <p:cNvPr id="2" name="Header Placeholder 1"/>
+          <p:cNvSpPr>
+            <a:spLocks noGrp="1"/>
+          </p:cNvSpPr>
+          <p:nvPr>
+            <p:ph type="hdr" sz="quarter"/>
+          </p:nvPr>
+        </p:nvSpPr>
+        <p:spPr>
+          <a:xfrm>
+            <a:off x="0" y="0"/>
+            <a:ext cx="2971800" cy="458788"/>
+          </a:xfrm>
+          <a:prstGeom prst="rect">
+            <a:avLst/>
+          </a:prstGeom>
+        </p:spPr>
+        <p:txBody>
+          <a:bodyPr vert="horz" lIns="91440" tIns="45720" rIns="91440" bIns="45720" rtlCol="0"/>
+          <a:lstStyle>
+            <a:lvl1pPr algn="l">
+              <a:defRPr sz="1200"/>
+            </a:lvl1pPr>
+          </a:lstStyle>
+          <a:p>
+            <a:endParaRPr lang="en-US"/>
+          </a:p>
+        </p:txBody>
+      </p:sp>
+      <p:sp>
+        <p:nvSpPr>
+          <p:cNvPr id="3" name="Date Placeholder 2"/>
+          <p:cNvSpPr>
+            <a:spLocks noGrp="1"/>
+          </p:cNvSpPr>
+          <p:nvPr>
+            <p:ph type="dt" idx="1"/>
+          </p:nvPr>
+        </p:nvSpPr>
+        <p:spPr>
+          <a:xfrm>
+            <a:off x="3884613" y="0"/>
+            <a:ext cx="2971800" cy="458788"/>
+          </a:xfrm>
+          <a:prstGeom prst="rect">
+            <a:avLst/>
+          </a:prstGeom>
+        </p:spPr>
+        <p:txBody>
+          <a:bodyPr vert="horz" lIns="91440" tIns="45720" rIns="91440" bIns="45720" rtlCol="0"/>
+          <a:lstStyle>
+            <a:lvl1pPr algn="r">
+              <a:defRPr sz="1200"/>
+            </a:lvl1pPr>
+          </a:lstStyle>
+          <a:p>
+            <a:fld id="{3DFEA4D8-4DBF-4BC1-A9C6-6570A0CDAADF}" type="datetimeFigureOut">
+              <a:rPr lang="en-US" smtClean="0"/>
+              <a:t>12/6/2020</a:t>
+            </a:fld>
+            <a:endParaRPr lang="en-US"/>
+          </a:p>
+        </p:txBody>
+      </p:sp>
+      <p:sp>
+        <p:nvSpPr>
+          <p:cNvPr id="4" name="Slide Image Placeholder 3"/>
+          <p:cNvSpPr>
+            <a:spLocks noGrp="1" noRot="1" noChangeAspect="1"/>
+          </p:cNvSpPr>
+          <p:nvPr>
+            <p:ph type="sldImg" idx="2"/>
+          </p:nvPr>
+        </p:nvSpPr>
+        <p:spPr>
+          <a:xfrm>
+            <a:off x="685800" y="1143000"/>
+            <a:ext cx="5486400" cy="3086100"/>
+          </a:xfrm>
+          <a:prstGeom prst="rect">
+            <a:avLst/>
+          </a:prstGeom>
+          <a:noFill/>
+          <a:ln w="12700">
+            <a:solidFill>
+              <a:prstClr val="black"/>
+            </a:solidFill>
+          </a:ln>
+        </p:spPr>
+        <p:txBody>
+          <a:bodyPr vert="horz" lIns="91440" tIns="45720" rIns="91440" bIns="45720" rtlCol="0" anchor="ctr"/>
+          <a:lstStyle/>
+          <a:p>
+            <a:endParaRPr lang="en-US"/>
+          </a:p>
+        </p:txBody>
+      </p:sp>
+      <p:sp>
+        <p:nvSpPr>
+          <p:cNvPr id="5" name="Notes Placeholder 4"/>
+          <p:cNvSpPr>
+            <a:spLocks noGrp="1"/>
+          </p:cNvSpPr>
+          <p:nvPr>
+            <p:ph type="body" sz="quarter" idx="3"/>
+          </p:nvPr>
+        </p:nvSpPr>
+        <p:spPr>
+          <a:xfrm>
+            <a:off x="685800" y="4400550"/>
+            <a:ext cx="5486400" cy="3600450"/>
+          </a:xfrm>
+          <a:prstGeom prst="rect">
+            <a:avLst/>
+          </a:prstGeom>
+        </p:spPr>
+        <p:txBody>
+          <a:bodyPr vert="horz" lIns="91440" tIns="45720" rIns="91440" bIns="45720" rtlCol="0"/>
+          <a:lstStyle/>
+          <a:p>
+            <a:pPr lvl="0"/>
+            <a:r>
+              <a:rPr lang="en-US"/>
+              <a:t>Click to edit Master text styles</a:t>
+            </a:r>
+          </a:p>
+          <a:p>
+            <a:pPr lvl="1"/>
+            <a:r>
+              <a:rPr lang="en-US"/>
+              <a:t>Second level</a:t>
+            </a:r>
+          </a:p>
+          <a:p>
+            <a:pPr lvl="2"/>
+            <a:r>
+              <a:rPr lang="en-US"/>
+              <a:t>Third level</a:t>
+            </a:r>
+          </a:p>
+          <a:p>
+            <a:pPr lvl="3"/>
+            <a:r>
+              <a:rPr lang="en-US"/>
+              <a:t>Fourth level</a:t>
+            </a:r>
+          </a:p>
+          <a:p>
+            <a:pPr lvl="4"/>
+            <a:r>
+              <a:rPr lang="en-US"/>
+              <a:t>Fifth level</a:t>
+            </a:r>
+          </a:p>
+        </p:txBody>
+      </p:sp>
+      <p:sp>
+        <p:nvSpPr>
+          <p:cNvPr id="6" name="Footer Placeholder 5"/>
+          <p:cNvSpPr>
+            <a:spLocks noGrp="1"/>
+          </p:cNvSpPr>
+          <p:nvPr>
+            <p:ph type="ftr" sz="quarter" idx="4"/>
+          </p:nvPr>
+        </p:nvSpPr>
+        <p:spPr>
+          <a:xfrm>
+            <a:off x="0" y="8685213"/>
+            <a:ext cx="2971800" cy="458787"/>
+          </a:xfrm>
+          <a:prstGeom prst="rect">
+            <a:avLst/>
+          </a:prstGeom>
+        </p:spPr>
+        <p:txBody>
+          <a:bodyPr vert="horz" lIns="91440" tIns="45720" rIns="91440" bIns="45720" rtlCol="0" anchor="b"/>
+          <a:lstStyle>
+            <a:lvl1pPr algn="l">
+              <a:defRPr sz="1200"/>
+            </a:lvl1pPr>
+          </a:lstStyle>
+          <a:p>
+            <a:endParaRPr lang="en-US"/>
+          </a:p>
+        </p:txBody>
+      </p:sp>
+      <p:sp>
+        <p:nvSpPr>
+          <p:cNvPr id="7" name="Slide Number Placeholder 6"/>
+          <p:cNvSpPr>
+            <a:spLocks noGrp="1"/>
+          </p:cNvSpPr>
+          <p:nvPr>
+            <p:ph type="sldNum" sz="quarter" idx="5"/>
+          </p:nvPr>
+        </p:nvSpPr>
+        <p:spPr>
+          <a:xfrm>
+            <a:off x="3884613" y="8685213"/>
+            <a:ext cx="2971800" cy="458787"/>
+          </a:xfrm>
+          <a:prstGeom prst="rect">
+            <a:avLst/>
+          </a:prstGeom>
+        </p:spPr>
+        <p:txBody>
+          <a:bodyPr vert="horz" lIns="91440" tIns="45720" rIns="91440" bIns="45720" rtlCol="0" anchor="b"/>
+          <a:lstStyle>
+            <a:lvl1pPr algn="r">
+              <a:defRPr sz="1200"/>
+            </a:lvl1pPr>
+          </a:lstStyle>
+          <a:p>
+            <a:fld id="{39F89D2A-DA07-4CA4-AFE0-98855BD6E479}" type="slidenum">
+              <a:rPr lang="en-US" smtClean="0"/>
+              <a:t>‹#›</a:t>
+            </a:fld>
+            <a:endParaRPr lang="en-US"/>
+          </a:p>
+        </p:txBody>
+      </p:sp>
+    </p:spTree>
+    <p:extLst>
+      <p:ext uri="{BB962C8B-B14F-4D97-AF65-F5344CB8AC3E}">
+        <p14:creationId xmlns:p14="http://schemas.microsoft.com/office/powerpoint/2010/main" val="1244780167"/>
+      </p:ext>
+    </p:extLst>
+  </p:cSld>
+  <p:clrMap bg1="lt1" tx1="dk1" bg2="lt2" tx2="dk2" accent1="accent1" accent2="accent2" accent3="accent3" accent4="accent4" accent5="accent5" accent6="accent6" hlink="hlink" folHlink="folHlink"/>
+  <p:notesStyle>
+    <a:lvl1pPr marL="0" algn="l" defTabSz="914400" rtl="0" eaLnBrk="1" latinLnBrk="0" hangingPunct="1">
+      <a:defRPr sz="1200" kern="1200">
+        <a:solidFill>
+          <a:schemeClr val="tx1"/>
+        </a:solidFill>
+        <a:latin typeface="+mn-lt"/>
+        <a:ea typeface="+mn-ea"/>
+        <a:cs typeface="+mn-cs"/>
+      </a:defRPr>
+    </a:lvl1pPr>
+    <a:lvl2pPr marL="457200" algn="l" defTabSz="914400" rtl="0" eaLnBrk="1" latinLnBrk="0" hangingPunct="1">
+      <a:defRPr sz="1200" kern="1200">
+        <a:solidFill>
+          <a:schemeClr val="tx1"/>
+        </a:solidFill>
+        <a:latin typeface="+mn-lt"/>
+        <a:ea typeface="+mn-ea"/>
+        <a:cs typeface="+mn-cs"/>
+      </a:defRPr>
+    </a:lvl2pPr>
+    <a:lvl3pPr marL="914400" algn="l" defTabSz="914400" rtl="0" eaLnBrk="1" latinLnBrk="0" hangingPunct="1">
+      <a:defRPr sz="1200" kern="1200">
+        <a:solidFill>
+          <a:schemeClr val="tx1"/>
+        </a:solidFill>
+        <a:latin typeface="+mn-lt"/>
+        <a:ea typeface="+mn-ea"/>
+        <a:cs typeface="+mn-cs"/>
+      </a:defRPr>
+    </a:lvl3pPr>
+    <a:lvl4pPr marL="1371600" algn="l" defTabSz="914400" rtl="0" eaLnBrk="1" latinLnBrk="0" hangingPunct="1">
+      <a:defRPr sz="1200" kern="1200">
+        <a:solidFill>
+          <a:schemeClr val="tx1"/>
+        </a:solidFill>
+        <a:latin typeface="+mn-lt"/>
+        <a:ea typeface="+mn-ea"/>
+        <a:cs typeface="+mn-cs"/>
+      </a:defRPr>
+    </a:lvl4pPr>
+    <a:lvl5pPr marL="1828800" algn="l" defTabSz="914400" rtl="0" eaLnBrk="1" latinLnBrk="0" hangingPunct="1">
+      <a:defRPr sz="1200" kern="1200">
+        <a:solidFill>
+          <a:schemeClr val="tx1"/>
+        </a:solidFill>
+        <a:latin typeface="+mn-lt"/>
+        <a:ea typeface="+mn-ea"/>
+        <a:cs typeface="+mn-cs"/>
+      </a:defRPr>
+    </a:lvl5pPr>
+    <a:lvl6pPr marL="2286000" algn="l" defTabSz="914400" rtl="0" eaLnBrk="1" latinLnBrk="0" hangingPunct="1">
+      <a:defRPr sz="1200" kern="1200">
+        <a:solidFill>
+          <a:schemeClr val="tx1"/>
+        </a:solidFill>
+        <a:latin typeface="+mn-lt"/>
+        <a:ea typeface="+mn-ea"/>
+        <a:cs typeface="+mn-cs"/>
+      </a:defRPr>
+    </a:lvl6pPr>
+    <a:lvl7pPr marL="2743200" algn="l" defTabSz="914400" rtl="0" eaLnBrk="1" latinLnBrk="0" hangingPunct="1">
+      <a:defRPr sz="1200" kern="1200">
+        <a:solidFill>
+          <a:schemeClr val="tx1"/>
+        </a:solidFill>
+        <a:latin typeface="+mn-lt"/>
+        <a:ea typeface="+mn-ea"/>
+        <a:cs typeface="+mn-cs"/>
+      </a:defRPr>
+    </a:lvl7pPr>
+    <a:lvl8pPr marL="3200400" algn="l" defTabSz="914400" rtl="0" eaLnBrk="1" latinLnBrk="0" hangingPunct="1">
+      <a:defRPr sz="1200" kern="1200">
+        <a:solidFill>
+          <a:schemeClr val="tx1"/>
+        </a:solidFill>
+        <a:latin typeface="+mn-lt"/>
+        <a:ea typeface="+mn-ea"/>
+        <a:cs typeface="+mn-cs"/>
+      </a:defRPr>
+    </a:lvl8pPr>
+    <a:lvl9pPr marL="3657600" algn="l" defTabSz="914400" rtl="0" eaLnBrk="1" latinLnBrk="0" hangingPunct="1">
+      <a:defRPr sz="1200" kern="1200">
+        <a:solidFill>
+          <a:schemeClr val="tx1"/>
+        </a:solidFill>
+        <a:latin typeface="+mn-lt"/>
+        <a:ea typeface="+mn-ea"/>
+        <a:cs typeface="+mn-cs"/>
+      </a:defRPr>
+    </a:lvl9pPr>
+  </p:notesStyle>
+</p:notesMaster>
+</file>
+
+<file path=ppt/notesSlides/notesSlide1.xml><?xml version="1.0" encoding="utf-8"?>
+<p:notes xmlns:a="http://schemas.openxmlformats.org/drawingml/2006/main" xmlns:r="http://schemas.openxmlformats.org/officeDocument/2006/relationships" xmlns:p="http://schemas.openxmlformats.org/presentationml/2006/main">
+  <p:cSld>
+    <p:spTree>
+      <p:nvGrpSpPr>
+        <p:cNvPr id="1" name=""/>
+        <p:cNvGrpSpPr/>
+        <p:nvPr/>
+      </p:nvGrpSpPr>
+      <p:grpSpPr>
+        <a:xfrm>
+          <a:off x="0" y="0"/>
+          <a:ext cx="0" cy="0"/>
+          <a:chOff x="0" y="0"/>
+          <a:chExt cx="0" cy="0"/>
+        </a:xfrm>
+      </p:grpSpPr>
+      <p:sp>
+        <p:nvSpPr>
+          <p:cNvPr id="2" name="Slide Image Placeholder 1"/>
+          <p:cNvSpPr>
+            <a:spLocks noGrp="1" noRot="1" noChangeAspect="1"/>
+          </p:cNvSpPr>
+          <p:nvPr>
+            <p:ph type="sldImg"/>
+          </p:nvPr>
+        </p:nvSpPr>
+        <p:spPr/>
+      </p:sp>
+      <p:sp>
+        <p:nvSpPr>
+          <p:cNvPr id="3" name="Notes Placeholder 2"/>
+          <p:cNvSpPr>
+            <a:spLocks noGrp="1"/>
+          </p:cNvSpPr>
+          <p:nvPr>
+            <p:ph type="body" idx="1"/>
+          </p:nvPr>
+        </p:nvSpPr>
+        <p:spPr/>
+        <p:txBody>
+          <a:bodyPr/>
+          <a:lstStyle/>
+          <a:p>
+            <a:endParaRPr lang="en-US" dirty="0"/>
+          </a:p>
+        </p:txBody>
+      </p:sp>
+      <p:sp>
+        <p:nvSpPr>
+          <p:cNvPr id="4" name="Slide Number Placeholder 3"/>
+          <p:cNvSpPr>
+            <a:spLocks noGrp="1"/>
+          </p:cNvSpPr>
+          <p:nvPr>
+            <p:ph type="sldNum" sz="quarter" idx="5"/>
+          </p:nvPr>
+        </p:nvSpPr>
+        <p:spPr/>
+        <p:txBody>
+          <a:bodyPr/>
+          <a:lstStyle/>
+          <a:p>
+            <a:fld id="{39F89D2A-DA07-4CA4-AFE0-98855BD6E479}" type="slidenum">
+              <a:rPr lang="en-US" smtClean="0"/>
+              <a:t>7</a:t>
+            </a:fld>
+            <a:endParaRPr lang="en-US"/>
+          </a:p>
+        </p:txBody>
+      </p:sp>
+    </p:spTree>
+    <p:extLst>
+      <p:ext uri="{BB962C8B-B14F-4D97-AF65-F5344CB8AC3E}">
+        <p14:creationId xmlns:p14="http://schemas.microsoft.com/office/powerpoint/2010/main" val="95318727"/>
+      </p:ext>
+    </p:extLst>
+  </p:cSld>
+  <p:clrMapOvr>
+    <a:masterClrMapping/>
+  </p:clrMapOvr>
+</p:notes>
 </file>
 
 <file path=ppt/slideLayouts/slideLayout1.xml><?xml version="1.0" encoding="utf-8"?>
@@ -4521,7 +11328,7 @@
           <a:p>
             <a:fld id="{2A38AF00-B7D8-48D5-B42E-D58A3ED59EC0}" type="datetimeFigureOut">
               <a:rPr lang="en-US" smtClean="0"/>
-              <a:t>12/5/2020</a:t>
+              <a:t>12/6/2020</a:t>
             </a:fld>
             <a:endParaRPr lang="en-US"/>
           </a:p>
@@ -4719,7 +11526,7 @@
           <a:p>
             <a:fld id="{2A38AF00-B7D8-48D5-B42E-D58A3ED59EC0}" type="datetimeFigureOut">
               <a:rPr lang="en-US" smtClean="0"/>
-              <a:t>12/5/2020</a:t>
+              <a:t>12/6/2020</a:t>
             </a:fld>
             <a:endParaRPr lang="en-US"/>
           </a:p>
@@ -4927,7 +11734,7 @@
           <a:p>
             <a:fld id="{2A38AF00-B7D8-48D5-B42E-D58A3ED59EC0}" type="datetimeFigureOut">
               <a:rPr lang="en-US" smtClean="0"/>
-              <a:t>12/5/2020</a:t>
+              <a:t>12/6/2020</a:t>
             </a:fld>
             <a:endParaRPr lang="en-US"/>
           </a:p>
@@ -5125,7 +11932,7 @@
           <a:p>
             <a:fld id="{2A38AF00-B7D8-48D5-B42E-D58A3ED59EC0}" type="datetimeFigureOut">
               <a:rPr lang="en-US" smtClean="0"/>
-              <a:t>12/5/2020</a:t>
+              <a:t>12/6/2020</a:t>
             </a:fld>
             <a:endParaRPr lang="en-US"/>
           </a:p>
@@ -5400,7 +12207,7 @@
           <a:p>
             <a:fld id="{2A38AF00-B7D8-48D5-B42E-D58A3ED59EC0}" type="datetimeFigureOut">
               <a:rPr lang="en-US" smtClean="0"/>
-              <a:t>12/5/2020</a:t>
+              <a:t>12/6/2020</a:t>
             </a:fld>
             <a:endParaRPr lang="en-US"/>
           </a:p>
@@ -5665,7 +12472,7 @@
           <a:p>
             <a:fld id="{2A38AF00-B7D8-48D5-B42E-D58A3ED59EC0}" type="datetimeFigureOut">
               <a:rPr lang="en-US" smtClean="0"/>
-              <a:t>12/5/2020</a:t>
+              <a:t>12/6/2020</a:t>
             </a:fld>
             <a:endParaRPr lang="en-US"/>
           </a:p>
@@ -6077,7 +12884,7 @@
           <a:p>
             <a:fld id="{2A38AF00-B7D8-48D5-B42E-D58A3ED59EC0}" type="datetimeFigureOut">
               <a:rPr lang="en-US" smtClean="0"/>
-              <a:t>12/5/2020</a:t>
+              <a:t>12/6/2020</a:t>
             </a:fld>
             <a:endParaRPr lang="en-US"/>
           </a:p>
@@ -6218,7 +13025,7 @@
           <a:p>
             <a:fld id="{2A38AF00-B7D8-48D5-B42E-D58A3ED59EC0}" type="datetimeFigureOut">
               <a:rPr lang="en-US" smtClean="0"/>
-              <a:t>12/5/2020</a:t>
+              <a:t>12/6/2020</a:t>
             </a:fld>
             <a:endParaRPr lang="en-US"/>
           </a:p>
@@ -6331,7 +13138,7 @@
           <a:p>
             <a:fld id="{2A38AF00-B7D8-48D5-B42E-D58A3ED59EC0}" type="datetimeFigureOut">
               <a:rPr lang="en-US" smtClean="0"/>
-              <a:t>12/5/2020</a:t>
+              <a:t>12/6/2020</a:t>
             </a:fld>
             <a:endParaRPr lang="en-US"/>
           </a:p>
@@ -6642,7 +13449,7 @@
           <a:p>
             <a:fld id="{2A38AF00-B7D8-48D5-B42E-D58A3ED59EC0}" type="datetimeFigureOut">
               <a:rPr lang="en-US" smtClean="0"/>
-              <a:t>12/5/2020</a:t>
+              <a:t>12/6/2020</a:t>
             </a:fld>
             <a:endParaRPr lang="en-US"/>
           </a:p>
@@ -6930,7 +13737,7 @@
           <a:p>
             <a:fld id="{2A38AF00-B7D8-48D5-B42E-D58A3ED59EC0}" type="datetimeFigureOut">
               <a:rPr lang="en-US" smtClean="0"/>
-              <a:t>12/5/2020</a:t>
+              <a:t>12/6/2020</a:t>
             </a:fld>
             <a:endParaRPr lang="en-US"/>
           </a:p>
@@ -7171,7 +13978,7 @@
           <a:p>
             <a:fld id="{2A38AF00-B7D8-48D5-B42E-D58A3ED59EC0}" type="datetimeFigureOut">
               <a:rPr lang="en-US" smtClean="0"/>
-              <a:t>12/5/2020</a:t>
+              <a:t>12/6/2020</a:t>
             </a:fld>
             <a:endParaRPr lang="en-US"/>
           </a:p>
@@ -8045,7 +14852,7 @@
     <p:bg>
       <p:bgPr>
         <a:solidFill>
-          <a:schemeClr val="bg1"/>
+          <a:schemeClr val="bg2"/>
         </a:solidFill>
         <a:effectLst/>
       </p:bgPr>
@@ -8066,10 +14873,10 @@
       </p:grpSpPr>
       <p:sp>
         <p:nvSpPr>
-          <p:cNvPr id="9" name="Rectangle 11">
+          <p:cNvPr id="9" name="Rectangle 8">
             <a:extLst>
               <a:ext uri="{FF2B5EF4-FFF2-40B4-BE49-F238E27FC236}">
-                <a16:creationId xmlns:a16="http://schemas.microsoft.com/office/drawing/2014/main" id="{7E3E5F56-04AC-48F6-B30E-D9C4C17816F6}"/>
+                <a16:creationId xmlns:a16="http://schemas.microsoft.com/office/drawing/2014/main" id="{D35D61A1-8484-4749-8AD0-A3455E0753C5}"/>
               </a:ext>
               <a:ext uri="{C183D7F6-B498-43B3-948B-1728B52AA6E4}">
                 <adec:decorative xmlns:adec="http://schemas.microsoft.com/office/drawing/2017/decorative" val="1"/>
@@ -8096,8 +14903,8 @@
             <a:avLst/>
           </a:prstGeom>
           <a:solidFill>
-            <a:schemeClr val="tx1">
-              <a:alpha val="22000"/>
+            <a:schemeClr val="bg1">
+              <a:lumMod val="85000"/>
             </a:schemeClr>
           </a:solidFill>
           <a:ln>
@@ -8131,10 +14938,42 @@
       </p:sp>
       <p:sp>
         <p:nvSpPr>
-          <p:cNvPr id="11" name="Rounded Rectangle 26">
+          <p:cNvPr id="2" name="Title 1">
             <a:extLst>
               <a:ext uri="{FF2B5EF4-FFF2-40B4-BE49-F238E27FC236}">
-                <a16:creationId xmlns:a16="http://schemas.microsoft.com/office/drawing/2014/main" id="{CDAEFB19-78B1-4412-8791-DEBC3BFF0E68}"/>
+                <a16:creationId xmlns:a16="http://schemas.microsoft.com/office/drawing/2014/main" id="{32A71B99-D845-454B-9CDA-034850C3801F}"/>
+              </a:ext>
+            </a:extLst>
+          </p:cNvPr>
+          <p:cNvSpPr>
+            <a:spLocks noGrp="1"/>
+          </p:cNvSpPr>
+          <p:nvPr>
+            <p:ph type="title"/>
+          </p:nvPr>
+        </p:nvSpPr>
+        <p:spPr>
+          <a:xfrm>
+            <a:off x="838200" y="365125"/>
+            <a:ext cx="10515600" cy="1325563"/>
+          </a:xfrm>
+        </p:spPr>
+        <p:txBody>
+          <a:bodyPr vert="horz" lIns="91440" tIns="45720" rIns="91440" bIns="45720" rtlCol="0" anchor="ctr">
+            <a:normAutofit/>
+          </a:bodyPr>
+          <a:lstStyle/>
+          <a:p>
+            <a:endParaRPr lang="en-US"/>
+          </a:p>
+        </p:txBody>
+      </p:sp>
+      <p:sp>
+        <p:nvSpPr>
+          <p:cNvPr id="11" name="Rounded Rectangle 5">
+            <a:extLst>
+              <a:ext uri="{FF2B5EF4-FFF2-40B4-BE49-F238E27FC236}">
+                <a16:creationId xmlns:a16="http://schemas.microsoft.com/office/drawing/2014/main" id="{1447903E-2B66-479D-959B-F2EBB2CC901F}"/>
               </a:ext>
               <a:ext uri="{C183D7F6-B498-43B3-948B-1728B52AA6E4}">
                 <adec:decorative xmlns:adec="http://schemas.microsoft.com/office/drawing/2017/decorative" val="1"/>
@@ -8154,8 +14993,8 @@
         </p:nvSpPr>
         <p:spPr>
           <a:xfrm>
-            <a:off x="646745" y="640080"/>
-            <a:ext cx="10920415" cy="5577818"/>
+            <a:off x="838200" y="1828801"/>
+            <a:ext cx="10515600" cy="4362450"/>
           </a:xfrm>
           <a:prstGeom prst="roundRect">
             <a:avLst>
@@ -8203,73 +15042,12 @@
           </a:p>
         </p:txBody>
       </p:sp>
-      <p:pic>
-        <p:nvPicPr>
-          <p:cNvPr id="7" name="Content Placeholder 6" descr="Text&#10;&#10;Description automatically generated">
+      <p:sp>
+        <p:nvSpPr>
+          <p:cNvPr id="5" name="Content Placeholder 4">
             <a:extLst>
               <a:ext uri="{FF2B5EF4-FFF2-40B4-BE49-F238E27FC236}">
-                <a16:creationId xmlns:a16="http://schemas.microsoft.com/office/drawing/2014/main" id="{E109A7A1-A4B2-44AA-821A-C26AEFFA97C7}"/>
-              </a:ext>
-            </a:extLst>
-          </p:cNvPr>
-          <p:cNvPicPr>
-            <a:picLocks noGrp="1" noChangeAspect="1"/>
-          </p:cNvPicPr>
-          <p:nvPr>
-            <p:ph idx="1"/>
-          </p:nvPr>
-        </p:nvPicPr>
-        <p:blipFill rotWithShape="1">
-          <a:blip r:embed="rId2"/>
-          <a:srcRect r="3733" b="2"/>
-          <a:stretch/>
-        </p:blipFill>
-        <p:spPr>
-          <a:xfrm>
-            <a:off x="969264" y="960120"/>
-            <a:ext cx="10277856" cy="4937760"/>
-          </a:xfrm>
-          <a:prstGeom prst="rect">
-            <a:avLst/>
-          </a:prstGeom>
-        </p:spPr>
-      </p:pic>
-    </p:spTree>
-    <p:extLst>
-      <p:ext uri="{BB962C8B-B14F-4D97-AF65-F5344CB8AC3E}">
-        <p14:creationId xmlns:p14="http://schemas.microsoft.com/office/powerpoint/2010/main" val="1805321867"/>
-      </p:ext>
-    </p:extLst>
-  </p:cSld>
-  <p:clrMapOvr>
-    <a:masterClrMapping/>
-  </p:clrMapOvr>
-</p:sld>
-</file>
-
-<file path=ppt/slides/slide11.xml><?xml version="1.0" encoding="utf-8"?>
-<p:sld xmlns:a="http://schemas.openxmlformats.org/drawingml/2006/main" xmlns:r="http://schemas.openxmlformats.org/officeDocument/2006/relationships" xmlns:p="http://schemas.openxmlformats.org/presentationml/2006/main">
-  <p:cSld>
-    <p:spTree>
-      <p:nvGrpSpPr>
-        <p:cNvPr id="1" name=""/>
-        <p:cNvGrpSpPr/>
-        <p:nvPr/>
-      </p:nvGrpSpPr>
-      <p:grpSpPr>
-        <a:xfrm>
-          <a:off x="0" y="0"/>
-          <a:ext cx="0" cy="0"/>
-          <a:chOff x="0" y="0"/>
-          <a:chExt cx="0" cy="0"/>
-        </a:xfrm>
-      </p:grpSpPr>
-      <p:sp>
-        <p:nvSpPr>
-          <p:cNvPr id="2" name="Title 1">
-            <a:extLst>
-              <a:ext uri="{FF2B5EF4-FFF2-40B4-BE49-F238E27FC236}">
-                <a16:creationId xmlns:a16="http://schemas.microsoft.com/office/drawing/2014/main" id="{90AFB0F6-764F-4ACC-A4FA-984858289DDC}"/>
+                <a16:creationId xmlns:a16="http://schemas.microsoft.com/office/drawing/2014/main" id="{FDEB7035-3DEC-452B-9524-B3B3ADFAEC14}"/>
               </a:ext>
             </a:extLst>
           </p:cNvPr>
@@ -8277,7 +15055,7 @@
             <a:spLocks noGrp="1"/>
           </p:cNvSpPr>
           <p:nvPr>
-            <p:ph type="title"/>
+            <p:ph idx="1"/>
           </p:nvPr>
         </p:nvSpPr>
         <p:spPr/>
@@ -8291,30 +15069,27 @@
       </p:sp>
       <p:pic>
         <p:nvPicPr>
-          <p:cNvPr id="4" name="Content Placeholder 3">
+          <p:cNvPr id="8" name="Content Placeholder 6" descr="Text&#10;&#10;Description automatically generated">
             <a:extLst>
               <a:ext uri="{FF2B5EF4-FFF2-40B4-BE49-F238E27FC236}">
-                <a16:creationId xmlns:a16="http://schemas.microsoft.com/office/drawing/2014/main" id="{7A9FA643-9330-402B-8B33-72DA26825B95}"/>
+                <a16:creationId xmlns:a16="http://schemas.microsoft.com/office/drawing/2014/main" id="{CB39510C-ED4A-46A0-9D81-A00BAF4D19BA}"/>
               </a:ext>
             </a:extLst>
           </p:cNvPr>
           <p:cNvPicPr>
-            <a:picLocks noGrp="1" noChangeAspect="1"/>
+            <a:picLocks noChangeAspect="1"/>
           </p:cNvPicPr>
-          <p:nvPr>
-            <p:ph idx="1"/>
-          </p:nvPr>
+          <p:nvPr/>
         </p:nvPicPr>
-        <p:blipFill>
+        <p:blipFill rotWithShape="1">
           <a:blip r:embed="rId2"/>
-          <a:stretch>
-            <a:fillRect/>
-          </a:stretch>
+          <a:srcRect t="581" r="-1" b="7886"/>
+          <a:stretch/>
         </p:blipFill>
         <p:spPr>
           <a:xfrm>
-            <a:off x="838200" y="3165124"/>
-            <a:ext cx="10515600" cy="1672339"/>
+            <a:off x="1048060" y="1927516"/>
+            <a:ext cx="10095879" cy="4147555"/>
           </a:xfrm>
           <a:prstGeom prst="rect">
             <a:avLst/>
@@ -8324,7 +15099,7 @@
     </p:spTree>
     <p:extLst>
       <p:ext uri="{BB962C8B-B14F-4D97-AF65-F5344CB8AC3E}">
-        <p14:creationId xmlns:p14="http://schemas.microsoft.com/office/powerpoint/2010/main" val="2972758305"/>
+        <p14:creationId xmlns:p14="http://schemas.microsoft.com/office/powerpoint/2010/main" val="1614532303"/>
       </p:ext>
     </p:extLst>
   </p:cSld>
@@ -8334,7 +15109,7 @@
 </p:sld>
 </file>
 
-<file path=ppt/slides/slide12.xml><?xml version="1.0" encoding="utf-8"?>
+<file path=ppt/slides/slide11.xml><?xml version="1.0" encoding="utf-8"?>
 <p:sld xmlns:a="http://schemas.openxmlformats.org/drawingml/2006/main" xmlns:r="http://schemas.openxmlformats.org/officeDocument/2006/relationships" xmlns:p="http://schemas.openxmlformats.org/presentationml/2006/main">
   <p:cSld>
     <p:bg>
@@ -9089,66 +15864,6 @@
           </a:p>
         </p:txBody>
       </p:sp>
-      <p:pic>
-        <p:nvPicPr>
-          <p:cNvPr id="81" name="Picture 80">
-            <a:extLst>
-              <a:ext uri="{FF2B5EF4-FFF2-40B4-BE49-F238E27FC236}">
-                <a16:creationId xmlns:a16="http://schemas.microsoft.com/office/drawing/2014/main" id="{A9132C50-AD5E-4DA3-AFC4-C6766C094F91}"/>
-              </a:ext>
-            </a:extLst>
-          </p:cNvPr>
-          <p:cNvPicPr>
-            <a:picLocks noChangeAspect="1"/>
-          </p:cNvPicPr>
-          <p:nvPr/>
-        </p:nvPicPr>
-        <p:blipFill>
-          <a:blip r:embed="rId2"/>
-          <a:stretch>
-            <a:fillRect/>
-          </a:stretch>
-        </p:blipFill>
-        <p:spPr>
-          <a:xfrm>
-            <a:off x="508000" y="928384"/>
-            <a:ext cx="11277600" cy="698500"/>
-          </a:xfrm>
-          <a:prstGeom prst="rect">
-            <a:avLst/>
-          </a:prstGeom>
-        </p:spPr>
-      </p:pic>
-      <p:pic>
-        <p:nvPicPr>
-          <p:cNvPr id="82" name="Content Placeholder 4">
-            <a:extLst>
-              <a:ext uri="{FF2B5EF4-FFF2-40B4-BE49-F238E27FC236}">
-                <a16:creationId xmlns:a16="http://schemas.microsoft.com/office/drawing/2014/main" id="{51DA5A95-9405-4E27-8366-7537F4C36B79}"/>
-              </a:ext>
-            </a:extLst>
-          </p:cNvPr>
-          <p:cNvPicPr>
-            <a:picLocks noChangeAspect="1"/>
-          </p:cNvPicPr>
-          <p:nvPr/>
-        </p:nvPicPr>
-        <p:blipFill>
-          <a:blip r:embed="rId3"/>
-          <a:stretch>
-            <a:fillRect/>
-          </a:stretch>
-        </p:blipFill>
-        <p:spPr>
-          <a:xfrm>
-            <a:off x="508000" y="4855995"/>
-            <a:ext cx="11277600" cy="1295400"/>
-          </a:xfrm>
-          <a:prstGeom prst="rect">
-            <a:avLst/>
-          </a:prstGeom>
-        </p:spPr>
-      </p:pic>
       <p:sp>
         <p:nvSpPr>
           <p:cNvPr id="2" name="Title 1">
@@ -9192,38 +15907,6 @@
           </a:p>
         </p:txBody>
       </p:sp>
-      <p:sp>
-        <p:nvSpPr>
-          <p:cNvPr id="83" name="TextBox 82">
-            <a:extLst>
-              <a:ext uri="{FF2B5EF4-FFF2-40B4-BE49-F238E27FC236}">
-                <a16:creationId xmlns:a16="http://schemas.microsoft.com/office/drawing/2014/main" id="{DE4A9A3D-FB81-44F6-9421-F2BBF43C5580}"/>
-              </a:ext>
-            </a:extLst>
-          </p:cNvPr>
-          <p:cNvSpPr txBox="1"/>
-          <p:nvPr/>
-        </p:nvSpPr>
-        <p:spPr>
-          <a:xfrm>
-            <a:off x="1342417" y="2077733"/>
-            <a:ext cx="9649838" cy="369332"/>
-          </a:xfrm>
-          <a:prstGeom prst="rect">
-            <a:avLst/>
-          </a:prstGeom>
-          <a:noFill/>
-        </p:spPr>
-        <p:txBody>
-          <a:bodyPr wrap="square" rtlCol="0">
-            <a:spAutoFit/>
-          </a:bodyPr>
-          <a:lstStyle/>
-          <a:p>
-            <a:endParaRPr lang="en-US" dirty="0"/>
-          </a:p>
-        </p:txBody>
-      </p:sp>
       <p:graphicFrame>
         <p:nvGraphicFramePr>
           <p:cNvPr id="84" name="Diagram 83">
@@ -9237,7 +15920,7 @@
           <p:nvPr>
             <p:extLst>
               <p:ext uri="{D42A27DB-BD31-4B8C-83A1-F6EECF244321}">
-                <p14:modId xmlns:p14="http://schemas.microsoft.com/office/powerpoint/2010/main" val="240087963"/>
+                <p14:modId xmlns:p14="http://schemas.microsoft.com/office/powerpoint/2010/main" val="287405772"/>
               </p:ext>
             </p:extLst>
           </p:nvPr>
@@ -9248,10 +15931,408 @@
         </p:xfrm>
         <a:graphic>
           <a:graphicData uri="http://schemas.openxmlformats.org/drawingml/2006/diagram">
-            <dgm:relIds xmlns:dgm="http://schemas.openxmlformats.org/drawingml/2006/diagram" xmlns:r="http://schemas.openxmlformats.org/officeDocument/2006/relationships" r:dm="rId4" r:lo="rId5" r:qs="rId6" r:cs="rId7"/>
+            <dgm:relIds xmlns:dgm="http://schemas.openxmlformats.org/drawingml/2006/diagram" xmlns:r="http://schemas.openxmlformats.org/officeDocument/2006/relationships" r:dm="rId2" r:lo="rId3" r:qs="rId4" r:cs="rId5"/>
           </a:graphicData>
         </a:graphic>
       </p:graphicFrame>
+      <p:sp>
+        <p:nvSpPr>
+          <p:cNvPr id="3" name="TextBox 2">
+            <a:extLst>
+              <a:ext uri="{FF2B5EF4-FFF2-40B4-BE49-F238E27FC236}">
+                <a16:creationId xmlns:a16="http://schemas.microsoft.com/office/drawing/2014/main" id="{A05592AC-9A9A-4A55-86C3-C0A0D7AD9BA7}"/>
+              </a:ext>
+            </a:extLst>
+          </p:cNvPr>
+          <p:cNvSpPr txBox="1"/>
+          <p:nvPr/>
+        </p:nvSpPr>
+        <p:spPr>
+          <a:xfrm>
+            <a:off x="344341" y="5085488"/>
+            <a:ext cx="11645990" cy="923330"/>
+          </a:xfrm>
+          <a:prstGeom prst="rect">
+            <a:avLst/>
+          </a:prstGeom>
+          <a:solidFill>
+            <a:schemeClr val="tx1"/>
+          </a:solidFill>
+        </p:spPr>
+        <p:txBody>
+          <a:bodyPr wrap="square" rtlCol="0">
+            <a:spAutoFit/>
+          </a:bodyPr>
+          <a:lstStyle/>
+          <a:p>
+            <a:r>
+              <a:rPr lang="en-US" dirty="0">
+                <a:solidFill>
+                  <a:srgbClr val="FF66FF"/>
+                </a:solidFill>
+              </a:rPr>
+              <a:t>def</a:t>
+            </a:r>
+            <a:r>
+              <a:rPr lang="en-US" dirty="0">
+                <a:solidFill>
+                  <a:schemeClr val="bg1"/>
+                </a:solidFill>
+              </a:rPr>
+              <a:t> </a:t>
+            </a:r>
+            <a:r>
+              <a:rPr lang="en-US" dirty="0">
+                <a:solidFill>
+                  <a:srgbClr val="00B0F0"/>
+                </a:solidFill>
+              </a:rPr>
+              <a:t>simulation</a:t>
+            </a:r>
+            <a:r>
+              <a:rPr lang="en-US" dirty="0">
+                <a:solidFill>
+                  <a:schemeClr val="bg1"/>
+                </a:solidFill>
+              </a:rPr>
+              <a:t>(</a:t>
+            </a:r>
+            <a:r>
+              <a:rPr lang="en-US" dirty="0" err="1">
+                <a:solidFill>
+                  <a:schemeClr val="bg1"/>
+                </a:solidFill>
+              </a:rPr>
+              <a:t>number_of_simulations</a:t>
+            </a:r>
+            <a:r>
+              <a:rPr lang="en-US" dirty="0">
+                <a:solidFill>
+                  <a:schemeClr val="bg1"/>
+                </a:solidFill>
+              </a:rPr>
+              <a:t>: int, </a:t>
+            </a:r>
+            <a:r>
+              <a:rPr lang="en-US" dirty="0" err="1">
+                <a:solidFill>
+                  <a:schemeClr val="accent2"/>
+                </a:solidFill>
+              </a:rPr>
+              <a:t>target_score</a:t>
+            </a:r>
+            <a:r>
+              <a:rPr lang="en-US" dirty="0">
+                <a:solidFill>
+                  <a:schemeClr val="bg1"/>
+                </a:solidFill>
+              </a:rPr>
+              <a:t>: int=21, </a:t>
+            </a:r>
+            <a:r>
+              <a:rPr lang="en-US" dirty="0" err="1">
+                <a:solidFill>
+                  <a:schemeClr val="accent3"/>
+                </a:solidFill>
+              </a:rPr>
+              <a:t>head_cards</a:t>
+            </a:r>
+            <a:r>
+              <a:rPr lang="en-US" dirty="0" err="1">
+                <a:solidFill>
+                  <a:schemeClr val="bg1"/>
+                </a:solidFill>
+              </a:rPr>
+              <a:t>:bool</a:t>
+            </a:r>
+            <a:r>
+              <a:rPr lang="en-US" dirty="0">
+                <a:solidFill>
+                  <a:schemeClr val="bg1"/>
+                </a:solidFill>
+              </a:rPr>
+              <a:t> =True,</a:t>
+            </a:r>
+          </a:p>
+          <a:p>
+            <a:r>
+              <a:rPr lang="en-US" dirty="0">
+                <a:solidFill>
+                  <a:schemeClr val="bg1"/>
+                </a:solidFill>
+              </a:rPr>
+              <a:t>                </a:t>
+            </a:r>
+            <a:r>
+              <a:rPr lang="en-US" dirty="0" err="1">
+                <a:solidFill>
+                  <a:srgbClr val="FFFF00"/>
+                </a:solidFill>
+              </a:rPr>
+              <a:t>head_card_value</a:t>
+            </a:r>
+            <a:r>
+              <a:rPr lang="en-US" dirty="0">
+                <a:solidFill>
+                  <a:schemeClr val="bg1"/>
+                </a:solidFill>
+              </a:rPr>
+              <a:t>: int =10, </a:t>
+            </a:r>
+            <a:r>
+              <a:rPr lang="en-US" dirty="0" err="1">
+                <a:solidFill>
+                  <a:schemeClr val="accent1"/>
+                </a:solidFill>
+              </a:rPr>
+              <a:t>dealer_advantage</a:t>
+            </a:r>
+            <a:r>
+              <a:rPr lang="en-US" dirty="0">
+                <a:solidFill>
+                  <a:schemeClr val="bg1"/>
+                </a:solidFill>
+              </a:rPr>
+              <a:t>: bool=True, </a:t>
+            </a:r>
+            <a:r>
+              <a:rPr lang="en-US" dirty="0" err="1">
+                <a:solidFill>
+                  <a:schemeClr val="accent6"/>
+                </a:solidFill>
+              </a:rPr>
+              <a:t>BJ_reward</a:t>
+            </a:r>
+            <a:r>
+              <a:rPr lang="en-US" dirty="0" err="1">
+                <a:solidFill>
+                  <a:schemeClr val="bg1"/>
+                </a:solidFill>
+              </a:rPr>
+              <a:t>:float</a:t>
+            </a:r>
+            <a:r>
+              <a:rPr lang="en-US" dirty="0">
+                <a:solidFill>
+                  <a:schemeClr val="bg1"/>
+                </a:solidFill>
+              </a:rPr>
+              <a:t>=1.5,</a:t>
+            </a:r>
+          </a:p>
+          <a:p>
+            <a:r>
+              <a:rPr lang="en-US" dirty="0">
+                <a:solidFill>
+                  <a:schemeClr val="bg1"/>
+                </a:solidFill>
+              </a:rPr>
+              <a:t>                </a:t>
+            </a:r>
+            <a:r>
+              <a:rPr lang="en-US" dirty="0" err="1">
+                <a:solidFill>
+                  <a:schemeClr val="accent2"/>
+                </a:solidFill>
+              </a:rPr>
+              <a:t>explosion</a:t>
+            </a:r>
+            <a:r>
+              <a:rPr lang="en-US" dirty="0" err="1">
+                <a:solidFill>
+                  <a:schemeClr val="bg1"/>
+                </a:solidFill>
+              </a:rPr>
+              <a:t>:bool</a:t>
+            </a:r>
+            <a:r>
+              <a:rPr lang="en-US" dirty="0">
+                <a:solidFill>
+                  <a:schemeClr val="bg1"/>
+                </a:solidFill>
+              </a:rPr>
+              <a:t> =False, </a:t>
+            </a:r>
+            <a:r>
+              <a:rPr lang="en-US" dirty="0" err="1">
+                <a:solidFill>
+                  <a:schemeClr val="bg1"/>
+                </a:solidFill>
+              </a:rPr>
+              <a:t>Summary:bool</a:t>
+            </a:r>
+            <a:r>
+              <a:rPr lang="en-US" dirty="0">
+                <a:solidFill>
+                  <a:schemeClr val="bg1"/>
+                </a:solidFill>
+              </a:rPr>
+              <a:t> =True, </a:t>
+            </a:r>
+            <a:r>
+              <a:rPr lang="en-US" dirty="0" err="1">
+                <a:solidFill>
+                  <a:schemeClr val="bg1"/>
+                </a:solidFill>
+              </a:rPr>
+              <a:t>detail_summary</a:t>
+            </a:r>
+            <a:r>
+              <a:rPr lang="en-US" dirty="0">
+                <a:solidFill>
+                  <a:schemeClr val="bg1"/>
+                </a:solidFill>
+              </a:rPr>
+              <a:t>: bool =True) -&gt; '</a:t>
+            </a:r>
+            <a:r>
+              <a:rPr lang="en-US" dirty="0" err="1">
+                <a:solidFill>
+                  <a:schemeClr val="bg1"/>
+                </a:solidFill>
+              </a:rPr>
+              <a:t>DataFrame</a:t>
+            </a:r>
+            <a:r>
+              <a:rPr lang="en-US" dirty="0">
+                <a:solidFill>
+                  <a:schemeClr val="bg1"/>
+                </a:solidFill>
+              </a:rPr>
+              <a:t>':</a:t>
+            </a:r>
+          </a:p>
+        </p:txBody>
+      </p:sp>
+      <p:sp>
+        <p:nvSpPr>
+          <p:cNvPr id="11" name="TextBox 10">
+            <a:extLst>
+              <a:ext uri="{FF2B5EF4-FFF2-40B4-BE49-F238E27FC236}">
+                <a16:creationId xmlns:a16="http://schemas.microsoft.com/office/drawing/2014/main" id="{DA9D7F14-98CF-47F6-816B-769B65FB9C1D}"/>
+              </a:ext>
+            </a:extLst>
+          </p:cNvPr>
+          <p:cNvSpPr txBox="1"/>
+          <p:nvPr/>
+        </p:nvSpPr>
+        <p:spPr>
+          <a:xfrm>
+            <a:off x="344341" y="951902"/>
+            <a:ext cx="11645990" cy="369332"/>
+          </a:xfrm>
+          <a:prstGeom prst="rect">
+            <a:avLst/>
+          </a:prstGeom>
+          <a:solidFill>
+            <a:schemeClr val="tx1"/>
+          </a:solidFill>
+        </p:spPr>
+        <p:txBody>
+          <a:bodyPr wrap="square" rtlCol="0">
+            <a:spAutoFit/>
+          </a:bodyPr>
+          <a:lstStyle/>
+          <a:p>
+            <a:r>
+              <a:rPr lang="en-US" dirty="0">
+                <a:solidFill>
+                  <a:srgbClr val="FF66FF"/>
+                </a:solidFill>
+              </a:rPr>
+              <a:t>def</a:t>
+            </a:r>
+            <a:r>
+              <a:rPr lang="en-US" dirty="0">
+                <a:solidFill>
+                  <a:schemeClr val="bg1"/>
+                </a:solidFill>
+              </a:rPr>
+              <a:t> </a:t>
+            </a:r>
+            <a:r>
+              <a:rPr lang="en-US" dirty="0">
+                <a:solidFill>
+                  <a:srgbClr val="00B0F0"/>
+                </a:solidFill>
+              </a:rPr>
+              <a:t>simulation</a:t>
+            </a:r>
+            <a:r>
+              <a:rPr lang="en-US" dirty="0">
+                <a:solidFill>
+                  <a:schemeClr val="bg1"/>
+                </a:solidFill>
+              </a:rPr>
+              <a:t>(</a:t>
+            </a:r>
+            <a:r>
+              <a:rPr lang="en-US" dirty="0" err="1">
+                <a:solidFill>
+                  <a:schemeClr val="bg1"/>
+                </a:solidFill>
+              </a:rPr>
+              <a:t>number_of_simulations</a:t>
+            </a:r>
+            <a:r>
+              <a:rPr lang="en-US" dirty="0">
+                <a:solidFill>
+                  <a:schemeClr val="bg1"/>
+                </a:solidFill>
+              </a:rPr>
+              <a:t>: int, </a:t>
+            </a:r>
+            <a:r>
+              <a:rPr lang="en-US" dirty="0" err="1">
+                <a:solidFill>
+                  <a:schemeClr val="bg1"/>
+                </a:solidFill>
+              </a:rPr>
+              <a:t>Summary:bool</a:t>
+            </a:r>
+            <a:r>
+              <a:rPr lang="en-US" dirty="0">
+                <a:solidFill>
+                  <a:schemeClr val="bg1"/>
+                </a:solidFill>
+              </a:rPr>
+              <a:t> =True, </a:t>
+            </a:r>
+            <a:r>
+              <a:rPr lang="en-US" dirty="0" err="1">
+                <a:solidFill>
+                  <a:schemeClr val="bg1"/>
+                </a:solidFill>
+              </a:rPr>
+              <a:t>detail_summary</a:t>
+            </a:r>
+            <a:r>
+              <a:rPr lang="en-US" dirty="0">
+                <a:solidFill>
+                  <a:schemeClr val="bg1"/>
+                </a:solidFill>
+              </a:rPr>
+              <a:t>: bool =True) -&gt; '</a:t>
+            </a:r>
+            <a:r>
+              <a:rPr lang="en-US" dirty="0" err="1">
+                <a:solidFill>
+                  <a:schemeClr val="bg1"/>
+                </a:solidFill>
+              </a:rPr>
+              <a:t>DataFrame</a:t>
+            </a:r>
+            <a:r>
+              <a:rPr lang="en-US" dirty="0">
+                <a:solidFill>
+                  <a:schemeClr val="bg1"/>
+                </a:solidFill>
+              </a:rPr>
+              <a:t>':</a:t>
+            </a:r>
+          </a:p>
+        </p:txBody>
+      </p:sp>
     </p:spTree>
     <p:extLst>
       <p:ext uri="{BB962C8B-B14F-4D97-AF65-F5344CB8AC3E}">
@@ -9265,7 +16346,7 @@
 </p:sld>
 </file>
 
-<file path=ppt/slides/slide13.xml><?xml version="1.0" encoding="utf-8"?>
+<file path=ppt/slides/slide12.xml><?xml version="1.0" encoding="utf-8"?>
 <p:sld xmlns:a="http://schemas.openxmlformats.org/drawingml/2006/main" xmlns:r="http://schemas.openxmlformats.org/officeDocument/2006/relationships" xmlns:p="http://schemas.openxmlformats.org/presentationml/2006/main">
   <p:cSld>
     <p:spTree>
@@ -9348,7 +16429,7 @@
 </p:sld>
 </file>
 
-<file path=ppt/slides/slide14.xml><?xml version="1.0" encoding="utf-8"?>
+<file path=ppt/slides/slide13.xml><?xml version="1.0" encoding="utf-8"?>
 <p:sld xmlns:a="http://schemas.openxmlformats.org/drawingml/2006/main" xmlns:r="http://schemas.openxmlformats.org/officeDocument/2006/relationships" xmlns:p="http://schemas.openxmlformats.org/presentationml/2006/main">
   <p:cSld>
     <p:bg>
@@ -9570,7 +16651,7 @@
 </p:sld>
 </file>
 
-<file path=ppt/slides/slide15.xml><?xml version="1.0" encoding="utf-8"?>
+<file path=ppt/slides/slide14.xml><?xml version="1.0" encoding="utf-8"?>
 <p:sld xmlns:a="http://schemas.openxmlformats.org/drawingml/2006/main" xmlns:r="http://schemas.openxmlformats.org/officeDocument/2006/relationships" xmlns:p="http://schemas.openxmlformats.org/presentationml/2006/main">
   <p:cSld>
     <p:spTree>
@@ -9713,9 +16794,15 @@
           </a:p>
           <a:p>
             <a:r>
-              <a:rPr lang="en-US" dirty="0"/>
+              <a:rPr lang="en-US" dirty="0">
+                <a:hlinkClick r:id="rId4"/>
+              </a:rPr>
               <a:t>https://www.247blackjack.com/</a:t>
             </a:r>
+            <a:endParaRPr lang="en-US" dirty="0"/>
+          </a:p>
+          <a:p>
+            <a:endParaRPr lang="en-US" dirty="0"/>
           </a:p>
           <a:p>
             <a:endParaRPr lang="en-US" dirty="0"/>
@@ -9821,6 +16908,17 @@
 <file path=ppt/slides/slide3.xml><?xml version="1.0" encoding="utf-8"?>
 <p:sld xmlns:a="http://schemas.openxmlformats.org/drawingml/2006/main" xmlns:r="http://schemas.openxmlformats.org/officeDocument/2006/relationships" xmlns:p="http://schemas.openxmlformats.org/presentationml/2006/main">
   <p:cSld>
+    <p:bg>
+      <p:bgPr>
+        <a:solidFill>
+          <a:schemeClr val="bg1">
+            <a:tint val="95000"/>
+            <a:satMod val="170000"/>
+          </a:schemeClr>
+        </a:solidFill>
+        <a:effectLst/>
+      </p:bgPr>
+    </p:bg>
     <p:spTree>
       <p:nvGrpSpPr>
         <p:cNvPr id="1" name=""/>
@@ -9851,66 +16949,54 @@
             <p:ph type="title"/>
           </p:nvPr>
         </p:nvSpPr>
-        <p:spPr/>
+        <p:spPr>
+          <a:xfrm>
+            <a:off x="804671" y="640263"/>
+            <a:ext cx="3284331" cy="5254510"/>
+          </a:xfrm>
+        </p:spPr>
         <p:txBody>
-          <a:bodyPr/>
+          <a:bodyPr>
+            <a:normAutofit/>
+          </a:bodyPr>
           <a:lstStyle/>
           <a:p>
             <a:r>
-              <a:rPr lang="en-US" dirty="0"/>
+              <a:rPr lang="en-US"/>
               <a:t>Rules</a:t>
             </a:r>
-          </a:p>
-        </p:txBody>
-      </p:sp>
-      <p:sp>
-        <p:nvSpPr>
-          <p:cNvPr id="3" name="Content Placeholder 2">
-            <a:extLst>
-              <a:ext uri="{FF2B5EF4-FFF2-40B4-BE49-F238E27FC236}">
-                <a16:creationId xmlns:a16="http://schemas.microsoft.com/office/drawing/2014/main" id="{1F19E33C-98EE-43C9-8B27-0A3618382DE2}"/>
-              </a:ext>
-            </a:extLst>
-          </p:cNvPr>
-          <p:cNvSpPr>
-            <a:spLocks noGrp="1"/>
-          </p:cNvSpPr>
-          <p:nvPr>
-            <p:ph idx="1"/>
-          </p:nvPr>
-        </p:nvSpPr>
-        <p:spPr/>
-        <p:txBody>
-          <a:bodyPr/>
-          <a:lstStyle/>
-          <a:p>
-            <a:r>
-              <a:rPr lang="en-US" dirty="0"/>
-              <a:t>2 People</a:t>
-            </a:r>
-          </a:p>
-          <a:p>
-            <a:pPr lvl="1"/>
-            <a:r>
-              <a:rPr lang="en-US" dirty="0"/>
-              <a:t>Dealer</a:t>
-            </a:r>
-          </a:p>
-          <a:p>
-            <a:pPr lvl="1"/>
-            <a:r>
-              <a:rPr lang="en-US" dirty="0"/>
-              <a:t>Player</a:t>
-            </a:r>
-          </a:p>
-          <a:p>
-            <a:endParaRPr lang="en-US" dirty="0"/>
-          </a:p>
-          <a:p>
             <a:endParaRPr lang="en-US" dirty="0"/>
           </a:p>
         </p:txBody>
       </p:sp>
+      <p:graphicFrame>
+        <p:nvGraphicFramePr>
+          <p:cNvPr id="4" name="Diagram 3">
+            <a:extLst>
+              <a:ext uri="{FF2B5EF4-FFF2-40B4-BE49-F238E27FC236}">
+                <a16:creationId xmlns:a16="http://schemas.microsoft.com/office/drawing/2014/main" id="{532ED66E-FD52-42D7-8038-9E7B7CCB8F7A}"/>
+              </a:ext>
+            </a:extLst>
+          </p:cNvPr>
+          <p:cNvGraphicFramePr/>
+          <p:nvPr>
+            <p:extLst>
+              <p:ext uri="{D42A27DB-BD31-4B8C-83A1-F6EECF244321}">
+                <p14:modId xmlns:p14="http://schemas.microsoft.com/office/powerpoint/2010/main" val="1243521297"/>
+              </p:ext>
+            </p:extLst>
+          </p:nvPr>
+        </p:nvGraphicFramePr>
+        <p:xfrm>
+          <a:off x="4062476" y="558184"/>
+          <a:ext cx="8128000" cy="5418667"/>
+        </p:xfrm>
+        <a:graphic>
+          <a:graphicData uri="http://schemas.openxmlformats.org/drawingml/2006/diagram">
+            <dgm:relIds xmlns:dgm="http://schemas.openxmlformats.org/drawingml/2006/diagram" xmlns:r="http://schemas.openxmlformats.org/officeDocument/2006/relationships" r:dm="rId2" r:lo="rId3" r:qs="rId4" r:cs="rId5"/>
+          </a:graphicData>
+        </a:graphic>
+      </p:graphicFrame>
     </p:spTree>
     <p:extLst>
       <p:ext uri="{BB962C8B-B14F-4D97-AF65-F5344CB8AC3E}">
@@ -9919,7 +17005,7 @@
     </p:extLst>
   </p:cSld>
   <p:clrMapOvr>
-    <a:masterClrMapping/>
+    <a:overrideClrMapping bg1="dk1" tx1="lt1" bg2="dk2" tx2="lt2" accent1="accent1" accent2="accent2" accent3="accent3" accent4="accent4" accent5="accent5" accent6="accent6" hlink="hlink" folHlink="folHlink"/>
   </p:clrMapOvr>
 </p:sld>
 </file>
@@ -10118,128 +17204,14 @@
 <file path=ppt/slides/slide5.xml><?xml version="1.0" encoding="utf-8"?>
 <p:sld xmlns:a="http://schemas.openxmlformats.org/drawingml/2006/main" xmlns:r="http://schemas.openxmlformats.org/officeDocument/2006/relationships" xmlns:p="http://schemas.openxmlformats.org/presentationml/2006/main">
   <p:cSld>
-    <p:spTree>
-      <p:nvGrpSpPr>
-        <p:cNvPr id="1" name=""/>
-        <p:cNvGrpSpPr/>
-        <p:nvPr/>
-      </p:nvGrpSpPr>
-      <p:grpSpPr>
-        <a:xfrm>
-          <a:off x="0" y="0"/>
-          <a:ext cx="0" cy="0"/>
-          <a:chOff x="0" y="0"/>
-          <a:chExt cx="0" cy="0"/>
-        </a:xfrm>
-      </p:grpSpPr>
-      <p:sp>
-        <p:nvSpPr>
-          <p:cNvPr id="2" name="Title 1">
-            <a:extLst>
-              <a:ext uri="{FF2B5EF4-FFF2-40B4-BE49-F238E27FC236}">
-                <a16:creationId xmlns:a16="http://schemas.microsoft.com/office/drawing/2014/main" id="{0567934D-C8FD-434B-8667-9DE86BE5C6F7}"/>
-              </a:ext>
-            </a:extLst>
-          </p:cNvPr>
-          <p:cNvSpPr>
-            <a:spLocks noGrp="1"/>
-          </p:cNvSpPr>
-          <p:nvPr>
-            <p:ph type="title"/>
-          </p:nvPr>
-        </p:nvSpPr>
-        <p:spPr/>
-        <p:txBody>
-          <a:bodyPr/>
-          <a:lstStyle/>
-          <a:p>
-            <a:endParaRPr lang="en-US"/>
-          </a:p>
-        </p:txBody>
-      </p:sp>
-      <p:sp>
-        <p:nvSpPr>
-          <p:cNvPr id="3" name="Content Placeholder 2">
-            <a:extLst>
-              <a:ext uri="{FF2B5EF4-FFF2-40B4-BE49-F238E27FC236}">
-                <a16:creationId xmlns:a16="http://schemas.microsoft.com/office/drawing/2014/main" id="{9E3416E1-7355-4682-A0E3-E9199A5BEFDB}"/>
-              </a:ext>
-            </a:extLst>
-          </p:cNvPr>
-          <p:cNvSpPr>
-            <a:spLocks noGrp="1"/>
-          </p:cNvSpPr>
-          <p:nvPr>
-            <p:ph idx="1"/>
-          </p:nvPr>
-        </p:nvSpPr>
-        <p:spPr/>
-        <p:txBody>
-          <a:bodyPr/>
-          <a:lstStyle/>
-          <a:p>
-            <a:r>
-              <a:rPr lang="en-US" dirty="0"/>
-              <a:t>Aim is to get the score close to 21 but not above</a:t>
-            </a:r>
-          </a:p>
-          <a:p>
-            <a:r>
-              <a:rPr lang="en-US" dirty="0"/>
-              <a:t>Best Total 21</a:t>
-            </a:r>
-          </a:p>
-          <a:p>
-            <a:r>
-              <a:rPr lang="en-US" dirty="0"/>
-              <a:t>Black Jack Rewards (3:2)</a:t>
-            </a:r>
-          </a:p>
-          <a:p>
-            <a:r>
-              <a:rPr lang="en-US" dirty="0"/>
-              <a:t>2 Cards Blackjack wins over 3 cards blackjack</a:t>
-            </a:r>
-          </a:p>
-          <a:p>
-            <a:r>
-              <a:rPr lang="en-US" dirty="0"/>
-              <a:t>Meaning – Hit &amp; Stand</a:t>
-            </a:r>
-          </a:p>
-          <a:p>
-            <a:r>
-              <a:rPr lang="en-US" dirty="0"/>
-              <a:t>Dealers Advantage (Plays after players game is over)</a:t>
-            </a:r>
-          </a:p>
-          <a:p>
-            <a:endParaRPr lang="en-US" dirty="0"/>
-          </a:p>
-          <a:p>
-            <a:endParaRPr lang="en-US" dirty="0"/>
-          </a:p>
-          <a:p>
-            <a:endParaRPr lang="en-US" dirty="0"/>
-          </a:p>
-        </p:txBody>
-      </p:sp>
-    </p:spTree>
-    <p:extLst>
-      <p:ext uri="{BB962C8B-B14F-4D97-AF65-F5344CB8AC3E}">
-        <p14:creationId xmlns:p14="http://schemas.microsoft.com/office/powerpoint/2010/main" val="1759383053"/>
-      </p:ext>
-    </p:extLst>
-  </p:cSld>
-  <p:clrMapOvr>
-    <a:masterClrMapping/>
-  </p:clrMapOvr>
-</p:sld>
-</file>
-
-<file path=ppt/slides/slide6.xml><?xml version="1.0" encoding="utf-8"?>
-<p:sld xmlns:a="http://schemas.openxmlformats.org/drawingml/2006/main" xmlns:r="http://schemas.openxmlformats.org/officeDocument/2006/relationships" xmlns:p="http://schemas.openxmlformats.org/presentationml/2006/main">
-  <p:cSld>
+    <p:bg>
+      <p:bgPr>
+        <a:solidFill>
+          <a:schemeClr val="bg1"/>
+        </a:solidFill>
+        <a:effectLst/>
+      </p:bgPr>
+    </p:bg>
     <p:spTree>
       <p:nvGrpSpPr>
         <p:cNvPr id="1" name=""/>
@@ -10270,13 +17242,29 @@
             <p:ph type="title"/>
           </p:nvPr>
         </p:nvSpPr>
-        <p:spPr/>
+        <p:spPr>
+          <a:xfrm>
+            <a:off x="6413111" y="640081"/>
+            <a:ext cx="5138808" cy="3352473"/>
+          </a:xfrm>
+          <a:noFill/>
+        </p:spPr>
         <p:txBody>
-          <a:bodyPr/>
+          <a:bodyPr vert="horz" lIns="91440" tIns="45720" rIns="91440" bIns="45720" rtlCol="0" anchor="b">
+            <a:normAutofit/>
+          </a:bodyPr>
           <a:lstStyle/>
           <a:p>
+            <a:pPr algn="ctr"/>
             <a:r>
-              <a:rPr lang="en-US" dirty="0"/>
+              <a:rPr lang="en-US" sz="6000" kern="1200">
+                <a:solidFill>
+                  <a:schemeClr val="tx1"/>
+                </a:solidFill>
+                <a:latin typeface="+mj-lt"/>
+                <a:ea typeface="+mj-ea"/>
+                <a:cs typeface="+mj-cs"/>
+              </a:rPr>
               <a:t>Demo</a:t>
             </a:r>
           </a:p>
@@ -10284,29 +17272,182 @@
       </p:sp>
       <p:sp>
         <p:nvSpPr>
-          <p:cNvPr id="3" name="Content Placeholder 2">
+          <p:cNvPr id="10" name="Rectangle 9">
             <a:extLst>
               <a:ext uri="{FF2B5EF4-FFF2-40B4-BE49-F238E27FC236}">
-                <a16:creationId xmlns:a16="http://schemas.microsoft.com/office/drawing/2014/main" id="{69CE5AEE-78BC-4211-B9C5-50E6A8110069}"/>
+                <a16:creationId xmlns:a16="http://schemas.microsoft.com/office/drawing/2014/main" id="{4913D8DA-B72B-46FB-9E5D-656A0EB0A476}"/>
+              </a:ext>
+              <a:ext uri="{C183D7F6-B498-43B3-948B-1728B52AA6E4}">
+                <adec:decorative xmlns:adec="http://schemas.microsoft.com/office/drawing/2017/decorative" val="1"/>
               </a:ext>
             </a:extLst>
           </p:cNvPr>
           <p:cNvSpPr>
-            <a:spLocks noGrp="1"/>
+            <a:spLocks noGrp="1" noRot="1" noChangeAspect="1" noMove="1" noResize="1" noEditPoints="1" noAdjustHandles="1" noChangeArrowheads="1" noChangeShapeType="1" noTextEdit="1"/>
           </p:cNvSpPr>
           <p:nvPr>
-            <p:ph idx="1"/>
+            <p:extLst>
+              <p:ext uri="{386F3935-93C4-4BCD-93E2-E3B085C9AB24}">
+                <p16:designElem xmlns:p16="http://schemas.microsoft.com/office/powerpoint/2015/main" val="1"/>
+              </p:ext>
+            </p:extLst>
           </p:nvPr>
         </p:nvSpPr>
-        <p:spPr/>
+        <p:spPr>
+          <a:xfrm>
+            <a:off x="-2" y="-1"/>
+            <a:ext cx="6107584" cy="6861717"/>
+          </a:xfrm>
+          <a:prstGeom prst="rect">
+            <a:avLst/>
+          </a:prstGeom>
+          <a:solidFill>
+            <a:srgbClr val="C8CACA"/>
+          </a:solidFill>
+          <a:ln>
+            <a:noFill/>
+          </a:ln>
+        </p:spPr>
+        <p:style>
+          <a:lnRef idx="2">
+            <a:schemeClr val="accent1">
+              <a:shade val="50000"/>
+            </a:schemeClr>
+          </a:lnRef>
+          <a:fillRef idx="1">
+            <a:schemeClr val="accent1"/>
+          </a:fillRef>
+          <a:effectRef idx="0">
+            <a:schemeClr val="accent1"/>
+          </a:effectRef>
+          <a:fontRef idx="minor">
+            <a:schemeClr val="lt1"/>
+          </a:fontRef>
+        </p:style>
         <p:txBody>
-          <a:bodyPr/>
+          <a:bodyPr rtlCol="0" anchor="ctr"/>
           <a:lstStyle/>
           <a:p>
+            <a:pPr algn="ctr"/>
             <a:endParaRPr lang="en-US"/>
           </a:p>
         </p:txBody>
       </p:sp>
+      <p:sp>
+        <p:nvSpPr>
+          <p:cNvPr id="12" name="Rounded Rectangle 26">
+            <a:extLst>
+              <a:ext uri="{FF2B5EF4-FFF2-40B4-BE49-F238E27FC236}">
+                <a16:creationId xmlns:a16="http://schemas.microsoft.com/office/drawing/2014/main" id="{63CDDC8E-3FD0-4545-A664-7661835B4586}"/>
+              </a:ext>
+              <a:ext uri="{C183D7F6-B498-43B3-948B-1728B52AA6E4}">
+                <adec:decorative xmlns:adec="http://schemas.microsoft.com/office/drawing/2017/decorative" val="1"/>
+              </a:ext>
+            </a:extLst>
+          </p:cNvPr>
+          <p:cNvSpPr>
+            <a:spLocks noGrp="1" noRot="1" noChangeAspect="1" noMove="1" noResize="1" noEditPoints="1" noAdjustHandles="1" noChangeArrowheads="1" noChangeShapeType="1" noTextEdit="1"/>
+          </p:cNvSpPr>
+          <p:nvPr>
+            <p:extLst>
+              <p:ext uri="{386F3935-93C4-4BCD-93E2-E3B085C9AB24}">
+                <p16:designElem xmlns:p16="http://schemas.microsoft.com/office/powerpoint/2015/main" val="1"/>
+              </p:ext>
+            </p:extLst>
+          </p:nvPr>
+        </p:nvSpPr>
+        <p:spPr>
+          <a:xfrm>
+            <a:off x="646745" y="640080"/>
+            <a:ext cx="4809175" cy="5577818"/>
+          </a:xfrm>
+          <a:prstGeom prst="roundRect">
+            <a:avLst>
+              <a:gd name="adj" fmla="val 0"/>
+            </a:avLst>
+          </a:prstGeom>
+          <a:solidFill>
+            <a:srgbClr val="FFFFFF"/>
+          </a:solidFill>
+          <a:ln w="9525">
+            <a:solidFill>
+              <a:srgbClr val="C8CACA"/>
+            </a:solidFill>
+          </a:ln>
+          <a:effectLst>
+            <a:outerShdw blurRad="57150" dist="19050" dir="5400000" algn="t" rotWithShape="0">
+              <a:prstClr val="black">
+                <a:alpha val="63000"/>
+              </a:prstClr>
+            </a:outerShdw>
+          </a:effectLst>
+        </p:spPr>
+        <p:style>
+          <a:lnRef idx="2">
+            <a:schemeClr val="accent1">
+              <a:shade val="50000"/>
+            </a:schemeClr>
+          </a:lnRef>
+          <a:fillRef idx="1">
+            <a:schemeClr val="accent1"/>
+          </a:fillRef>
+          <a:effectRef idx="0">
+            <a:schemeClr val="accent1"/>
+          </a:effectRef>
+          <a:fontRef idx="minor">
+            <a:schemeClr val="lt1"/>
+          </a:fontRef>
+        </p:style>
+        <p:txBody>
+          <a:bodyPr rtlCol="0" anchor="ctr"/>
+          <a:lstStyle/>
+          <a:p>
+            <a:pPr algn="ctr"/>
+            <a:endParaRPr lang="en-US"/>
+          </a:p>
+        </p:txBody>
+      </p:sp>
+      <p:pic>
+        <p:nvPicPr>
+          <p:cNvPr id="7" name="Graphic 6" descr="Play">
+            <a:hlinkClick r:id="rId2"/>
+            <a:extLst>
+              <a:ext uri="{FF2B5EF4-FFF2-40B4-BE49-F238E27FC236}">
+                <a16:creationId xmlns:a16="http://schemas.microsoft.com/office/drawing/2014/main" id="{F30E842E-B716-4855-887B-0035F2284F43}"/>
+              </a:ext>
+            </a:extLst>
+          </p:cNvPr>
+          <p:cNvPicPr>
+            <a:picLocks noChangeAspect="1"/>
+          </p:cNvPicPr>
+          <p:nvPr/>
+        </p:nvPicPr>
+        <p:blipFill>
+          <a:blip r:embed="rId3">
+            <a:extLst>
+              <a:ext uri="{28A0092B-C50C-407E-A947-70E740481C1C}">
+                <a14:useLocalDpi xmlns:a14="http://schemas.microsoft.com/office/drawing/2010/main" val="0"/>
+              </a:ext>
+              <a:ext uri="{96DAC541-7B7A-43D3-8B79-37D633B846F1}">
+                <asvg:svgBlip xmlns:asvg="http://schemas.microsoft.com/office/drawing/2016/SVG/main" r:embed="rId4"/>
+              </a:ext>
+            </a:extLst>
+          </a:blip>
+          <a:stretch>
+            <a:fillRect/>
+          </a:stretch>
+        </p:blipFill>
+        <p:spPr>
+          <a:xfrm>
+            <a:off x="966500" y="1344157"/>
+            <a:ext cx="4169664" cy="4169664"/>
+          </a:xfrm>
+          <a:prstGeom prst="rect">
+            <a:avLst/>
+          </a:prstGeom>
+          <a:effectLst/>
+        </p:spPr>
+      </p:pic>
     </p:spTree>
     <p:extLst>
       <p:ext uri="{BB962C8B-B14F-4D97-AF65-F5344CB8AC3E}">
@@ -10320,9 +17461,17 @@
 </p:sld>
 </file>
 
-<file path=ppt/slides/slide7.xml><?xml version="1.0" encoding="utf-8"?>
+<file path=ppt/slides/slide6.xml><?xml version="1.0" encoding="utf-8"?>
 <p:sld xmlns:a="http://schemas.openxmlformats.org/drawingml/2006/main" xmlns:r="http://schemas.openxmlformats.org/officeDocument/2006/relationships" xmlns:p="http://schemas.openxmlformats.org/presentationml/2006/main">
   <p:cSld>
+    <p:bg>
+      <p:bgPr>
+        <a:solidFill>
+          <a:schemeClr val="bg1"/>
+        </a:solidFill>
+        <a:effectLst/>
+      </p:bgPr>
+    </p:bg>
     <p:spTree>
       <p:nvGrpSpPr>
         <p:cNvPr id="1" name=""/>
@@ -10339,6 +17488,69 @@
       </p:grpSpPr>
       <p:sp>
         <p:nvSpPr>
+          <p:cNvPr id="48" name="Rectangle 8">
+            <a:extLst>
+              <a:ext uri="{FF2B5EF4-FFF2-40B4-BE49-F238E27FC236}">
+                <a16:creationId xmlns:a16="http://schemas.microsoft.com/office/drawing/2014/main" id="{9A297797-5C89-4791-8204-AB071FA1FBCA}"/>
+              </a:ext>
+              <a:ext uri="{C183D7F6-B498-43B3-948B-1728B52AA6E4}">
+                <adec:decorative xmlns:adec="http://schemas.microsoft.com/office/drawing/2017/decorative" val="1"/>
+              </a:ext>
+            </a:extLst>
+          </p:cNvPr>
+          <p:cNvSpPr>
+            <a:spLocks noGrp="1" noRot="1" noChangeAspect="1" noMove="1" noResize="1" noEditPoints="1" noAdjustHandles="1" noChangeArrowheads="1" noChangeShapeType="1" noTextEdit="1"/>
+          </p:cNvSpPr>
+          <p:nvPr>
+            <p:extLst>
+              <p:ext uri="{386F3935-93C4-4BCD-93E2-E3B085C9AB24}">
+                <p16:designElem xmlns:p16="http://schemas.microsoft.com/office/powerpoint/2015/main" val="1"/>
+              </p:ext>
+            </p:extLst>
+          </p:nvPr>
+        </p:nvSpPr>
+        <p:spPr>
+          <a:xfrm>
+            <a:off x="0" y="0"/>
+            <a:ext cx="12192000" cy="6858000"/>
+          </a:xfrm>
+          <a:prstGeom prst="rect">
+            <a:avLst/>
+          </a:prstGeom>
+          <a:solidFill>
+            <a:schemeClr val="bg1"/>
+          </a:solidFill>
+          <a:ln>
+            <a:noFill/>
+          </a:ln>
+        </p:spPr>
+        <p:style>
+          <a:lnRef idx="2">
+            <a:schemeClr val="accent1">
+              <a:shade val="50000"/>
+            </a:schemeClr>
+          </a:lnRef>
+          <a:fillRef idx="1">
+            <a:schemeClr val="accent1"/>
+          </a:fillRef>
+          <a:effectRef idx="0">
+            <a:schemeClr val="accent1"/>
+          </a:effectRef>
+          <a:fontRef idx="minor">
+            <a:schemeClr val="lt1"/>
+          </a:fontRef>
+        </p:style>
+        <p:txBody>
+          <a:bodyPr rtlCol="0" anchor="ctr"/>
+          <a:lstStyle/>
+          <a:p>
+            <a:pPr algn="ctr"/>
+            <a:endParaRPr lang="en-US" dirty="0"/>
+          </a:p>
+        </p:txBody>
+      </p:sp>
+      <p:sp>
+        <p:nvSpPr>
           <p:cNvPr id="2" name="Title 1">
             <a:extLst>
               <a:ext uri="{FF2B5EF4-FFF2-40B4-BE49-F238E27FC236}">
@@ -10353,13 +17565,20 @@
             <p:ph type="title"/>
           </p:nvPr>
         </p:nvSpPr>
-        <p:spPr/>
+        <p:spPr>
+          <a:xfrm>
+            <a:off x="643468" y="643467"/>
+            <a:ext cx="4804064" cy="5571065"/>
+          </a:xfrm>
+        </p:spPr>
         <p:txBody>
-          <a:bodyPr/>
+          <a:bodyPr>
+            <a:normAutofit/>
+          </a:bodyPr>
           <a:lstStyle/>
           <a:p>
             <a:r>
-              <a:rPr lang="en-US" dirty="0"/>
+              <a:rPr lang="en-US" sz="3600"/>
               <a:t>Assumptions</a:t>
             </a:r>
           </a:p>
@@ -10367,10 +17586,484 @@
       </p:sp>
       <p:sp>
         <p:nvSpPr>
-          <p:cNvPr id="3" name="Content Placeholder 2">
+          <p:cNvPr id="49" name="Freeform: Shape 10">
             <a:extLst>
               <a:ext uri="{FF2B5EF4-FFF2-40B4-BE49-F238E27FC236}">
-                <a16:creationId xmlns:a16="http://schemas.microsoft.com/office/drawing/2014/main" id="{AF1E848F-1A96-42BD-A075-22B2FE383296}"/>
+                <a16:creationId xmlns:a16="http://schemas.microsoft.com/office/drawing/2014/main" id="{569BBA9B-8F4E-4D2B-BEFA-41A475443377}"/>
+              </a:ext>
+              <a:ext uri="{C183D7F6-B498-43B3-948B-1728B52AA6E4}">
+                <adec:decorative xmlns:adec="http://schemas.microsoft.com/office/drawing/2017/decorative" val="1"/>
+              </a:ext>
+            </a:extLst>
+          </p:cNvPr>
+          <p:cNvSpPr>
+            <a:spLocks noGrp="1" noRot="1" noChangeAspect="1" noMove="1" noResize="1" noEditPoints="1" noAdjustHandles="1" noChangeArrowheads="1" noChangeShapeType="1" noTextEdit="1"/>
+          </p:cNvSpPr>
+          <p:nvPr>
+            <p:extLst>
+              <p:ext uri="{386F3935-93C4-4BCD-93E2-E3B085C9AB24}">
+                <p16:designElem xmlns:p16="http://schemas.microsoft.com/office/powerpoint/2015/main" val="1"/>
+              </p:ext>
+            </p:extLst>
+          </p:nvPr>
+        </p:nvSpPr>
+        <p:spPr>
+          <a:xfrm rot="2700000">
+            <a:off x="-415188" y="-231223"/>
+            <a:ext cx="1409491" cy="1876653"/>
+          </a:xfrm>
+          <a:custGeom>
+            <a:avLst/>
+            <a:gdLst>
+              <a:gd name="connsiteX0" fmla="*/ 0 w 1409491"/>
+              <a:gd name="connsiteY0" fmla="*/ 643075 h 1876653"/>
+              <a:gd name="connsiteX1" fmla="*/ 643075 w 1409491"/>
+              <a:gd name="connsiteY1" fmla="*/ 0 h 1876653"/>
+              <a:gd name="connsiteX2" fmla="*/ 1409491 w 1409491"/>
+              <a:gd name="connsiteY2" fmla="*/ 0 h 1876653"/>
+              <a:gd name="connsiteX3" fmla="*/ 1409491 w 1409491"/>
+              <a:gd name="connsiteY3" fmla="*/ 1876653 h 1876653"/>
+              <a:gd name="connsiteX4" fmla="*/ 1233578 w 1409491"/>
+              <a:gd name="connsiteY4" fmla="*/ 1876653 h 1876653"/>
+            </a:gdLst>
+            <a:ahLst/>
+            <a:cxnLst>
+              <a:cxn ang="0">
+                <a:pos x="connsiteX0" y="connsiteY0"/>
+              </a:cxn>
+              <a:cxn ang="0">
+                <a:pos x="connsiteX1" y="connsiteY1"/>
+              </a:cxn>
+              <a:cxn ang="0">
+                <a:pos x="connsiteX2" y="connsiteY2"/>
+              </a:cxn>
+              <a:cxn ang="0">
+                <a:pos x="connsiteX3" y="connsiteY3"/>
+              </a:cxn>
+              <a:cxn ang="0">
+                <a:pos x="connsiteX4" y="connsiteY4"/>
+              </a:cxn>
+            </a:cxnLst>
+            <a:rect l="l" t="t" r="r" b="b"/>
+            <a:pathLst>
+              <a:path w="1409491" h="1876653">
+                <a:moveTo>
+                  <a:pt x="0" y="643075"/>
+                </a:moveTo>
+                <a:lnTo>
+                  <a:pt x="643075" y="0"/>
+                </a:lnTo>
+                <a:lnTo>
+                  <a:pt x="1409491" y="0"/>
+                </a:lnTo>
+                <a:lnTo>
+                  <a:pt x="1409491" y="1876653"/>
+                </a:lnTo>
+                <a:lnTo>
+                  <a:pt x="1233578" y="1876653"/>
+                </a:lnTo>
+                <a:close/>
+              </a:path>
+            </a:pathLst>
+          </a:custGeom>
+          <a:solidFill>
+            <a:schemeClr val="accent1">
+              <a:alpha val="30000"/>
+            </a:schemeClr>
+          </a:solidFill>
+          <a:ln>
+            <a:noFill/>
+          </a:ln>
+        </p:spPr>
+        <p:style>
+          <a:lnRef idx="2">
+            <a:schemeClr val="accent1">
+              <a:shade val="50000"/>
+            </a:schemeClr>
+          </a:lnRef>
+          <a:fillRef idx="1">
+            <a:schemeClr val="accent1"/>
+          </a:fillRef>
+          <a:effectRef idx="0">
+            <a:schemeClr val="accent1"/>
+          </a:effectRef>
+          <a:fontRef idx="minor">
+            <a:schemeClr val="lt1"/>
+          </a:fontRef>
+        </p:style>
+        <p:txBody>
+          <a:bodyPr rtlCol="0" anchor="ctr"/>
+          <a:lstStyle/>
+          <a:p>
+            <a:pPr algn="ctr"/>
+            <a:endParaRPr lang="en-US"/>
+          </a:p>
+        </p:txBody>
+      </p:sp>
+      <p:sp>
+        <p:nvSpPr>
+          <p:cNvPr id="50" name="Rectangle 12">
+            <a:extLst>
+              <a:ext uri="{FF2B5EF4-FFF2-40B4-BE49-F238E27FC236}">
+                <a16:creationId xmlns:a16="http://schemas.microsoft.com/office/drawing/2014/main" id="{851012D1-8033-40B1-9EC0-91390FFC7403}"/>
+              </a:ext>
+              <a:ext uri="{C183D7F6-B498-43B3-948B-1728B52AA6E4}">
+                <adec:decorative xmlns:adec="http://schemas.microsoft.com/office/drawing/2017/decorative" val="1"/>
+              </a:ext>
+            </a:extLst>
+          </p:cNvPr>
+          <p:cNvSpPr>
+            <a:spLocks noGrp="1" noRot="1" noChangeAspect="1" noMove="1" noResize="1" noEditPoints="1" noAdjustHandles="1" noChangeArrowheads="1" noChangeShapeType="1" noTextEdit="1"/>
+          </p:cNvSpPr>
+          <p:nvPr>
+            <p:extLst>
+              <p:ext uri="{386F3935-93C4-4BCD-93E2-E3B085C9AB24}">
+                <p16:designElem xmlns:p16="http://schemas.microsoft.com/office/powerpoint/2015/main" val="1"/>
+              </p:ext>
+            </p:extLst>
+          </p:nvPr>
+        </p:nvSpPr>
+        <p:spPr>
+          <a:xfrm rot="2700000">
+            <a:off x="301285" y="1282788"/>
+            <a:ext cx="485578" cy="485578"/>
+          </a:xfrm>
+          <a:prstGeom prst="rect">
+            <a:avLst/>
+          </a:prstGeom>
+          <a:solidFill>
+            <a:schemeClr val="accent1">
+              <a:alpha val="30000"/>
+            </a:schemeClr>
+          </a:solidFill>
+          <a:ln>
+            <a:noFill/>
+          </a:ln>
+        </p:spPr>
+        <p:style>
+          <a:lnRef idx="2">
+            <a:schemeClr val="accent1">
+              <a:shade val="50000"/>
+            </a:schemeClr>
+          </a:lnRef>
+          <a:fillRef idx="1">
+            <a:schemeClr val="accent1"/>
+          </a:fillRef>
+          <a:effectRef idx="0">
+            <a:schemeClr val="accent1"/>
+          </a:effectRef>
+          <a:fontRef idx="minor">
+            <a:schemeClr val="lt1"/>
+          </a:fontRef>
+        </p:style>
+        <p:txBody>
+          <a:bodyPr rtlCol="0" anchor="ctr"/>
+          <a:lstStyle/>
+          <a:p>
+            <a:pPr algn="ctr"/>
+            <a:endParaRPr lang="en-US"/>
+          </a:p>
+        </p:txBody>
+      </p:sp>
+      <p:sp>
+        <p:nvSpPr>
+          <p:cNvPr id="15" name="Rectangle 14">
+            <a:extLst>
+              <a:ext uri="{FF2B5EF4-FFF2-40B4-BE49-F238E27FC236}">
+                <a16:creationId xmlns:a16="http://schemas.microsoft.com/office/drawing/2014/main" id="{2E80C965-DB6D-4F81-9E9E-B027384D0BD6}"/>
+              </a:ext>
+              <a:ext uri="{C183D7F6-B498-43B3-948B-1728B52AA6E4}">
+                <adec:decorative xmlns:adec="http://schemas.microsoft.com/office/drawing/2017/decorative" val="1"/>
+              </a:ext>
+            </a:extLst>
+          </p:cNvPr>
+          <p:cNvSpPr>
+            <a:spLocks noGrp="1" noRot="1" noChangeAspect="1" noMove="1" noResize="1" noEditPoints="1" noAdjustHandles="1" noChangeArrowheads="1" noChangeShapeType="1" noTextEdit="1"/>
+          </p:cNvSpPr>
+          <p:nvPr>
+            <p:extLst>
+              <p:ext uri="{386F3935-93C4-4BCD-93E2-E3B085C9AB24}">
+                <p16:designElem xmlns:p16="http://schemas.microsoft.com/office/powerpoint/2015/main" val="1"/>
+              </p:ext>
+            </p:extLst>
+          </p:nvPr>
+        </p:nvSpPr>
+        <p:spPr>
+          <a:xfrm rot="2700000">
+            <a:off x="8809436" y="6033666"/>
+            <a:ext cx="645368" cy="645368"/>
+          </a:xfrm>
+          <a:prstGeom prst="rect">
+            <a:avLst/>
+          </a:prstGeom>
+          <a:solidFill>
+            <a:schemeClr val="accent4">
+              <a:alpha val="30000"/>
+            </a:schemeClr>
+          </a:solidFill>
+          <a:ln>
+            <a:noFill/>
+          </a:ln>
+        </p:spPr>
+        <p:style>
+          <a:lnRef idx="2">
+            <a:schemeClr val="accent1">
+              <a:shade val="50000"/>
+            </a:schemeClr>
+          </a:lnRef>
+          <a:fillRef idx="1">
+            <a:schemeClr val="accent1"/>
+          </a:fillRef>
+          <a:effectRef idx="0">
+            <a:schemeClr val="accent1"/>
+          </a:effectRef>
+          <a:fontRef idx="minor">
+            <a:schemeClr val="lt1"/>
+          </a:fontRef>
+        </p:style>
+        <p:txBody>
+          <a:bodyPr rtlCol="0" anchor="ctr"/>
+          <a:lstStyle/>
+          <a:p>
+            <a:pPr algn="ctr"/>
+            <a:endParaRPr lang="en-US"/>
+          </a:p>
+        </p:txBody>
+      </p:sp>
+      <p:sp>
+        <p:nvSpPr>
+          <p:cNvPr id="17" name="Isosceles Triangle 16">
+            <a:extLst>
+              <a:ext uri="{FF2B5EF4-FFF2-40B4-BE49-F238E27FC236}">
+                <a16:creationId xmlns:a16="http://schemas.microsoft.com/office/drawing/2014/main" id="{D291F021-C45C-4D44-A2B8-A789E386CC42}"/>
+              </a:ext>
+              <a:ext uri="{C183D7F6-B498-43B3-948B-1728B52AA6E4}">
+                <adec:decorative xmlns:adec="http://schemas.microsoft.com/office/drawing/2017/decorative" val="1"/>
+              </a:ext>
+            </a:extLst>
+          </p:cNvPr>
+          <p:cNvSpPr>
+            <a:spLocks noGrp="1" noRot="1" noChangeAspect="1" noMove="1" noResize="1" noEditPoints="1" noAdjustHandles="1" noChangeArrowheads="1" noChangeShapeType="1" noTextEdit="1"/>
+          </p:cNvSpPr>
+          <p:nvPr>
+            <p:extLst>
+              <p:ext uri="{386F3935-93C4-4BCD-93E2-E3B085C9AB24}">
+                <p16:designElem xmlns:p16="http://schemas.microsoft.com/office/powerpoint/2015/main" val="1"/>
+              </p:ext>
+            </p:extLst>
+          </p:nvPr>
+        </p:nvSpPr>
+        <p:spPr>
+          <a:xfrm>
+            <a:off x="8603444" y="5721108"/>
+            <a:ext cx="2261965" cy="1136891"/>
+          </a:xfrm>
+          <a:prstGeom prst="triangle">
+            <a:avLst>
+              <a:gd name="adj" fmla="val 50000"/>
+            </a:avLst>
+          </a:prstGeom>
+          <a:solidFill>
+            <a:schemeClr val="accent4">
+              <a:alpha val="30000"/>
+            </a:schemeClr>
+          </a:solidFill>
+          <a:ln>
+            <a:noFill/>
+          </a:ln>
+        </p:spPr>
+        <p:style>
+          <a:lnRef idx="2">
+            <a:schemeClr val="accent1">
+              <a:shade val="50000"/>
+            </a:schemeClr>
+          </a:lnRef>
+          <a:fillRef idx="1">
+            <a:schemeClr val="accent1"/>
+          </a:fillRef>
+          <a:effectRef idx="0">
+            <a:schemeClr val="accent1"/>
+          </a:effectRef>
+          <a:fontRef idx="minor">
+            <a:schemeClr val="lt1"/>
+          </a:fontRef>
+        </p:style>
+        <p:txBody>
+          <a:bodyPr rtlCol="0" anchor="ctr"/>
+          <a:lstStyle/>
+          <a:p>
+            <a:pPr algn="ctr"/>
+            <a:endParaRPr lang="en-US"/>
+          </a:p>
+        </p:txBody>
+      </p:sp>
+      <p:graphicFrame>
+        <p:nvGraphicFramePr>
+          <p:cNvPr id="51" name="Content Placeholder 2">
+            <a:extLst>
+              <a:ext uri="{FF2B5EF4-FFF2-40B4-BE49-F238E27FC236}">
+                <a16:creationId xmlns:a16="http://schemas.microsoft.com/office/drawing/2014/main" id="{1514F2BD-7B02-4807-BDBA-1CE8EDDF0A8A}"/>
+              </a:ext>
+            </a:extLst>
+          </p:cNvPr>
+          <p:cNvGraphicFramePr>
+            <a:graphicFrameLocks noGrp="1"/>
+          </p:cNvGraphicFramePr>
+          <p:nvPr>
+            <p:ph idx="1"/>
+            <p:extLst>
+              <p:ext uri="{D42A27DB-BD31-4B8C-83A1-F6EECF244321}">
+                <p14:modId xmlns:p14="http://schemas.microsoft.com/office/powerpoint/2010/main" val="4022094761"/>
+              </p:ext>
+            </p:extLst>
+          </p:nvPr>
+        </p:nvGraphicFramePr>
+        <p:xfrm>
+          <a:off x="6091238" y="642938"/>
+          <a:ext cx="5457825" cy="5572125"/>
+        </p:xfrm>
+        <a:graphic>
+          <a:graphicData uri="http://schemas.openxmlformats.org/drawingml/2006/diagram">
+            <dgm:relIds xmlns:dgm="http://schemas.openxmlformats.org/drawingml/2006/diagram" xmlns:r="http://schemas.openxmlformats.org/officeDocument/2006/relationships" r:dm="rId2" r:lo="rId3" r:qs="rId4" r:cs="rId5"/>
+          </a:graphicData>
+        </a:graphic>
+      </p:graphicFrame>
+    </p:spTree>
+    <p:extLst>
+      <p:ext uri="{BB962C8B-B14F-4D97-AF65-F5344CB8AC3E}">
+        <p14:creationId xmlns:p14="http://schemas.microsoft.com/office/powerpoint/2010/main" val="3037528238"/>
+      </p:ext>
+    </p:extLst>
+  </p:cSld>
+  <p:clrMapOvr>
+    <a:masterClrMapping/>
+  </p:clrMapOvr>
+</p:sld>
+</file>
+
+<file path=ppt/slides/slide7.xml><?xml version="1.0" encoding="utf-8"?>
+<p:sld xmlns:a="http://schemas.openxmlformats.org/drawingml/2006/main" xmlns:r="http://schemas.openxmlformats.org/officeDocument/2006/relationships" xmlns:p="http://schemas.openxmlformats.org/presentationml/2006/main">
+  <p:cSld>
+    <p:bg>
+      <p:bgPr>
+        <a:solidFill>
+          <a:schemeClr val="bg1"/>
+        </a:solidFill>
+        <a:effectLst/>
+      </p:bgPr>
+    </p:bg>
+    <p:spTree>
+      <p:nvGrpSpPr>
+        <p:cNvPr id="1" name=""/>
+        <p:cNvGrpSpPr/>
+        <p:nvPr/>
+      </p:nvGrpSpPr>
+      <p:grpSpPr>
+        <a:xfrm>
+          <a:off x="0" y="0"/>
+          <a:ext cx="0" cy="0"/>
+          <a:chOff x="0" y="0"/>
+          <a:chExt cx="0" cy="0"/>
+        </a:xfrm>
+      </p:grpSpPr>
+      <p:sp>
+        <p:nvSpPr>
+          <p:cNvPr id="46" name="Rectangle 27">
+            <a:extLst>
+              <a:ext uri="{FF2B5EF4-FFF2-40B4-BE49-F238E27FC236}">
+                <a16:creationId xmlns:a16="http://schemas.microsoft.com/office/drawing/2014/main" id="{86295E7F-EA66-480B-B001-C8BE7CD61903}"/>
+              </a:ext>
+              <a:ext uri="{C183D7F6-B498-43B3-948B-1728B52AA6E4}">
+                <adec:decorative xmlns:adec="http://schemas.microsoft.com/office/drawing/2017/decorative" val="1"/>
+              </a:ext>
+            </a:extLst>
+          </p:cNvPr>
+          <p:cNvSpPr>
+            <a:spLocks noGrp="1" noRot="1" noChangeAspect="1" noMove="1" noResize="1" noEditPoints="1" noAdjustHandles="1" noChangeArrowheads="1" noChangeShapeType="1" noTextEdit="1"/>
+          </p:cNvSpPr>
+          <p:nvPr>
+            <p:extLst>
+              <p:ext uri="{386F3935-93C4-4BCD-93E2-E3B085C9AB24}">
+                <p16:designElem xmlns:p16="http://schemas.microsoft.com/office/powerpoint/2015/main" val="1"/>
+              </p:ext>
+            </p:extLst>
+          </p:nvPr>
+        </p:nvSpPr>
+        <p:spPr bwMode="ltGray">
+          <a:xfrm>
+            <a:off x="320040" y="4892040"/>
+            <a:ext cx="11548872" cy="1645920"/>
+          </a:xfrm>
+          <a:prstGeom prst="rect">
+            <a:avLst/>
+          </a:prstGeom>
+          <a:solidFill>
+            <a:srgbClr val="262626"/>
+          </a:solidFill>
+          <a:ln w="127000" cap="sq" cmpd="thinThick">
+            <a:noFill/>
+          </a:ln>
+        </p:spPr>
+        <p:style>
+          <a:lnRef idx="2">
+            <a:schemeClr val="accent1">
+              <a:shade val="50000"/>
+            </a:schemeClr>
+          </a:lnRef>
+          <a:fillRef idx="1">
+            <a:schemeClr val="accent1"/>
+          </a:fillRef>
+          <a:effectRef idx="0">
+            <a:schemeClr val="accent1"/>
+          </a:effectRef>
+          <a:fontRef idx="minor">
+            <a:schemeClr val="lt1"/>
+          </a:fontRef>
+        </p:style>
+        <p:txBody>
+          <a:bodyPr rtlCol="0" anchor="ctr"/>
+          <a:lstStyle/>
+          <a:p>
+            <a:pPr marL="0" marR="0" lvl="0" indent="0" algn="ctr" defTabSz="914400" rtl="0" eaLnBrk="1" fontAlgn="auto" latinLnBrk="0" hangingPunct="1">
+              <a:lnSpc>
+                <a:spcPct val="100000"/>
+              </a:lnSpc>
+              <a:spcBef>
+                <a:spcPts val="0"/>
+              </a:spcBef>
+              <a:spcAft>
+                <a:spcPts val="0"/>
+              </a:spcAft>
+              <a:buClrTx/>
+              <a:buSzTx/>
+              <a:buFontTx/>
+              <a:buNone/>
+              <a:tabLst/>
+              <a:defRPr/>
+            </a:pPr>
+            <a:endParaRPr kumimoji="0" lang="en-US" sz="1800" b="0" i="0" u="none" strike="noStrike" kern="1200" cap="none" spc="0" normalizeH="0" baseline="0" noProof="0">
+              <a:ln>
+                <a:noFill/>
+              </a:ln>
+              <a:solidFill>
+                <a:prstClr val="white"/>
+              </a:solidFill>
+              <a:effectLst/>
+              <a:uLnTx/>
+              <a:uFillTx/>
+              <a:latin typeface="Calibri" panose="020F0502020204030204"/>
+              <a:ea typeface="+mn-ea"/>
+              <a:cs typeface="+mn-cs"/>
+            </a:endParaRPr>
+          </a:p>
+        </p:txBody>
+      </p:sp>
+      <p:sp>
+        <p:nvSpPr>
+          <p:cNvPr id="2" name="Title 1">
+            <a:extLst>
+              <a:ext uri="{FF2B5EF4-FFF2-40B4-BE49-F238E27FC236}">
+                <a16:creationId xmlns:a16="http://schemas.microsoft.com/office/drawing/2014/main" id="{288C91C7-7E7B-42BD-B27C-D9714C59BD52}"/>
               </a:ext>
             </a:extLst>
           </p:cNvPr>
@@ -10378,54 +18071,120 @@
             <a:spLocks noGrp="1"/>
           </p:cNvSpPr>
           <p:nvPr>
-            <p:ph idx="1"/>
+            <p:ph type="title"/>
           </p:nvPr>
         </p:nvSpPr>
-        <p:spPr/>
+        <p:spPr>
+          <a:xfrm>
+            <a:off x="718686" y="5091762"/>
+            <a:ext cx="7484787" cy="1264588"/>
+          </a:xfrm>
+        </p:spPr>
         <p:txBody>
-          <a:bodyPr>
+          <a:bodyPr vert="horz" lIns="91440" tIns="45720" rIns="91440" bIns="45720" rtlCol="0" anchor="ctr">
             <a:normAutofit/>
           </a:bodyPr>
           <a:lstStyle/>
           <a:p>
+            <a:pPr algn="r"/>
             <a:r>
-              <a:rPr lang="en-US" dirty="0"/>
-              <a:t>Player Decision to Stand</a:t>
-            </a:r>
-          </a:p>
-          <a:p>
-            <a:r>
-              <a:rPr lang="en-US" dirty="0"/>
-              <a:t>Dealer Decision to Stand</a:t>
-            </a:r>
-          </a:p>
-          <a:p>
-            <a:endParaRPr lang="en-US" dirty="0"/>
-          </a:p>
-          <a:p>
-            <a:r>
-              <a:rPr lang="en-US" dirty="0"/>
-              <a:t>No Insurance</a:t>
-            </a:r>
-          </a:p>
-          <a:p>
-            <a:r>
-              <a:rPr lang="en-US" dirty="0"/>
-              <a:t>No Split </a:t>
-            </a:r>
-          </a:p>
-          <a:p>
-            <a:r>
-              <a:rPr lang="en-US" dirty="0"/>
-              <a:t>No Double</a:t>
+              <a:rPr lang="en-US" sz="4800">
+                <a:solidFill>
+                  <a:srgbClr val="FFFFFF"/>
+                </a:solidFill>
+              </a:rPr>
+              <a:t>Code Structure</a:t>
             </a:r>
           </a:p>
         </p:txBody>
       </p:sp>
+      <p:pic>
+        <p:nvPicPr>
+          <p:cNvPr id="10" name="Picture 9">
+            <a:extLst>
+              <a:ext uri="{FF2B5EF4-FFF2-40B4-BE49-F238E27FC236}">
+                <a16:creationId xmlns:a16="http://schemas.microsoft.com/office/drawing/2014/main" id="{260CDF13-B0AC-4A8E-A802-7960C62CD236}"/>
+              </a:ext>
+            </a:extLst>
+          </p:cNvPr>
+          <p:cNvPicPr>
+            <a:picLocks noChangeAspect="1"/>
+          </p:cNvPicPr>
+          <p:nvPr/>
+        </p:nvPicPr>
+        <p:blipFill rotWithShape="1">
+          <a:blip r:embed="rId3"/>
+          <a:srcRect r="11356" b="-1"/>
+          <a:stretch/>
+        </p:blipFill>
+        <p:spPr>
+          <a:xfrm>
+            <a:off x="320040" y="301186"/>
+            <a:ext cx="11548872" cy="4462272"/>
+          </a:xfrm>
+          <a:prstGeom prst="rect">
+            <a:avLst/>
+          </a:prstGeom>
+        </p:spPr>
+      </p:pic>
+      <p:cxnSp>
+        <p:nvCxnSpPr>
+          <p:cNvPr id="47" name="Straight Connector 29">
+            <a:extLst>
+              <a:ext uri="{FF2B5EF4-FFF2-40B4-BE49-F238E27FC236}">
+                <a16:creationId xmlns:a16="http://schemas.microsoft.com/office/drawing/2014/main" id="{E126E481-B945-4179-BD79-05E96E9B29E1}"/>
+              </a:ext>
+              <a:ext uri="{C183D7F6-B498-43B3-948B-1728B52AA6E4}">
+                <adec:decorative xmlns:adec="http://schemas.microsoft.com/office/drawing/2017/decorative" val="1"/>
+              </a:ext>
+            </a:extLst>
+          </p:cNvPr>
+          <p:cNvCxnSpPr>
+            <a:cxnSpLocks noGrp="1" noRot="1" noChangeAspect="1" noMove="1" noResize="1" noEditPoints="1" noAdjustHandles="1" noChangeArrowheads="1" noChangeShapeType="1"/>
+          </p:cNvCxnSpPr>
+          <p:nvPr>
+            <p:extLst>
+              <p:ext uri="{386F3935-93C4-4BCD-93E2-E3B085C9AB24}">
+                <p16:designElem xmlns:p16="http://schemas.microsoft.com/office/powerpoint/2015/main" val="1"/>
+              </p:ext>
+            </p:extLst>
+          </p:nvPr>
+        </p:nvCxnSpPr>
+        <p:spPr>
+          <a:xfrm flipV="1">
+            <a:off x="8386843" y="5264106"/>
+            <a:ext cx="0" cy="914400"/>
+          </a:xfrm>
+          <a:prstGeom prst="line">
+            <a:avLst/>
+          </a:prstGeom>
+          <a:ln w="19050">
+            <a:solidFill>
+              <a:srgbClr val="FFFFFF">
+                <a:alpha val="80000"/>
+              </a:srgbClr>
+            </a:solidFill>
+          </a:ln>
+        </p:spPr>
+        <p:style>
+          <a:lnRef idx="1">
+            <a:schemeClr val="accent1"/>
+          </a:lnRef>
+          <a:fillRef idx="0">
+            <a:schemeClr val="accent1"/>
+          </a:fillRef>
+          <a:effectRef idx="0">
+            <a:schemeClr val="accent1"/>
+          </a:effectRef>
+          <a:fontRef idx="minor">
+            <a:schemeClr val="tx1"/>
+          </a:fontRef>
+        </p:style>
+      </p:cxnSp>
     </p:spTree>
     <p:extLst>
       <p:ext uri="{BB962C8B-B14F-4D97-AF65-F5344CB8AC3E}">
-        <p14:creationId xmlns:p14="http://schemas.microsoft.com/office/powerpoint/2010/main" val="3037528238"/>
+        <p14:creationId xmlns:p14="http://schemas.microsoft.com/office/powerpoint/2010/main" val="2315497323"/>
       </p:ext>
     </p:extLst>
   </p:cSld>
@@ -10462,7 +18221,7 @@
       </p:grpSpPr>
       <p:sp>
         <p:nvSpPr>
-          <p:cNvPr id="12" name="Rectangle 8">
+          <p:cNvPr id="24" name="Rectangle 23">
             <a:extLst>
               <a:ext uri="{FF2B5EF4-FFF2-40B4-BE49-F238E27FC236}">
                 <a16:creationId xmlns:a16="http://schemas.microsoft.com/office/drawing/2014/main" id="{D35D61A1-8484-4749-8AD0-A3455E0753C5}"/>
@@ -10527,10 +18286,10 @@
       </p:sp>
       <p:sp>
         <p:nvSpPr>
-          <p:cNvPr id="2" name="Title 1">
+          <p:cNvPr id="5" name="Title 4">
             <a:extLst>
               <a:ext uri="{FF2B5EF4-FFF2-40B4-BE49-F238E27FC236}">
-                <a16:creationId xmlns:a16="http://schemas.microsoft.com/office/drawing/2014/main" id="{288C91C7-7E7B-42BD-B27C-D9714C59BD52}"/>
+                <a16:creationId xmlns:a16="http://schemas.microsoft.com/office/drawing/2014/main" id="{B059465F-CA40-4DBE-9D24-590162D96B18}"/>
               </a:ext>
             </a:extLst>
           </p:cNvPr>
@@ -10553,17 +18312,13 @@
           </a:bodyPr>
           <a:lstStyle/>
           <a:p>
-            <a:r>
-              <a:rPr lang="en-US"/>
-              <a:t>Code Structure</a:t>
-            </a:r>
-            <a:endParaRPr lang="en-US" dirty="0"/>
+            <a:endParaRPr lang="en-US"/>
           </a:p>
         </p:txBody>
       </p:sp>
       <p:sp>
         <p:nvSpPr>
-          <p:cNvPr id="11" name="Rounded Rectangle 5">
+          <p:cNvPr id="26" name="Rounded Rectangle 5">
             <a:extLst>
               <a:ext uri="{FF2B5EF4-FFF2-40B4-BE49-F238E27FC236}">
                 <a16:creationId xmlns:a16="http://schemas.microsoft.com/office/drawing/2014/main" id="{1447903E-2B66-479D-959B-F2EBB2CC901F}"/>
@@ -10653,7 +18408,7 @@
         </p:nvPicPr>
         <p:blipFill rotWithShape="1">
           <a:blip r:embed="rId2"/>
-          <a:srcRect l="311" r="4163" b="2"/>
+          <a:srcRect l="309" r="4165" b="2"/>
           <a:stretch/>
         </p:blipFill>
         <p:spPr>
@@ -10670,7 +18425,7 @@
     </p:spTree>
     <p:extLst>
       <p:ext uri="{BB962C8B-B14F-4D97-AF65-F5344CB8AC3E}">
-        <p14:creationId xmlns:p14="http://schemas.microsoft.com/office/powerpoint/2010/main" val="166636634"/>
+        <p14:creationId xmlns:p14="http://schemas.microsoft.com/office/powerpoint/2010/main" val="473945467"/>
       </p:ext>
     </p:extLst>
   </p:cSld>
@@ -11214,4 +18969,299 @@
     </a:ext>
   </a:extLst>
 </a:theme>
+</file>
+
+<file path=ppt/theme/theme2.xml><?xml version="1.0" encoding="utf-8"?>
+<a:theme xmlns:a="http://schemas.openxmlformats.org/drawingml/2006/main" name="Office Theme">
+  <a:themeElements>
+    <a:clrScheme name="Office">
+      <a:dk1>
+        <a:sysClr val="windowText" lastClr="000000"/>
+      </a:dk1>
+      <a:lt1>
+        <a:sysClr val="window" lastClr="FFFFFF"/>
+      </a:lt1>
+      <a:dk2>
+        <a:srgbClr val="44546A"/>
+      </a:dk2>
+      <a:lt2>
+        <a:srgbClr val="E7E6E6"/>
+      </a:lt2>
+      <a:accent1>
+        <a:srgbClr val="4472C4"/>
+      </a:accent1>
+      <a:accent2>
+        <a:srgbClr val="ED7D31"/>
+      </a:accent2>
+      <a:accent3>
+        <a:srgbClr val="A5A5A5"/>
+      </a:accent3>
+      <a:accent4>
+        <a:srgbClr val="FFC000"/>
+      </a:accent4>
+      <a:accent5>
+        <a:srgbClr val="5B9BD5"/>
+      </a:accent5>
+      <a:accent6>
+        <a:srgbClr val="70AD47"/>
+      </a:accent6>
+      <a:hlink>
+        <a:srgbClr val="0563C1"/>
+      </a:hlink>
+      <a:folHlink>
+        <a:srgbClr val="954F72"/>
+      </a:folHlink>
+    </a:clrScheme>
+    <a:fontScheme name="Office">
+      <a:majorFont>
+        <a:latin typeface="Calibri Light" panose="020F0302020204030204"/>
+        <a:ea typeface=""/>
+        <a:cs typeface=""/>
+        <a:font script="Jpan" typeface="游ゴシック Light"/>
+        <a:font script="Hang" typeface="맑은 고딕"/>
+        <a:font script="Hans" typeface="等线 Light"/>
+        <a:font script="Hant" typeface="新細明體"/>
+        <a:font script="Arab" typeface="Times New Roman"/>
+        <a:font script="Hebr" typeface="Times New Roman"/>
+        <a:font script="Thai" typeface="Angsana New"/>
+        <a:font script="Ethi" typeface="Nyala"/>
+        <a:font script="Beng" typeface="Vrinda"/>
+        <a:font script="Gujr" typeface="Shruti"/>
+        <a:font script="Khmr" typeface="MoolBoran"/>
+        <a:font script="Knda" typeface="Tunga"/>
+        <a:font script="Guru" typeface="Raavi"/>
+        <a:font script="Cans" typeface="Euphemia"/>
+        <a:font script="Cher" typeface="Plantagenet Cherokee"/>
+        <a:font script="Yiii" typeface="Microsoft Yi Baiti"/>
+        <a:font script="Tibt" typeface="Microsoft Himalaya"/>
+        <a:font script="Thaa" typeface="MV Boli"/>
+        <a:font script="Deva" typeface="Mangal"/>
+        <a:font script="Telu" typeface="Gautami"/>
+        <a:font script="Taml" typeface="Latha"/>
+        <a:font script="Syrc" typeface="Estrangelo Edessa"/>
+        <a:font script="Orya" typeface="Kalinga"/>
+        <a:font script="Mlym" typeface="Kartika"/>
+        <a:font script="Laoo" typeface="DokChampa"/>
+        <a:font script="Sinh" typeface="Iskoola Pota"/>
+        <a:font script="Mong" typeface="Mongolian Baiti"/>
+        <a:font script="Viet" typeface="Times New Roman"/>
+        <a:font script="Uigh" typeface="Microsoft Uighur"/>
+        <a:font script="Geor" typeface="Sylfaen"/>
+        <a:font script="Armn" typeface="Arial"/>
+        <a:font script="Bugi" typeface="Leelawadee UI"/>
+        <a:font script="Bopo" typeface="Microsoft JhengHei"/>
+        <a:font script="Java" typeface="Javanese Text"/>
+        <a:font script="Lisu" typeface="Segoe UI"/>
+        <a:font script="Mymr" typeface="Myanmar Text"/>
+        <a:font script="Nkoo" typeface="Ebrima"/>
+        <a:font script="Olck" typeface="Nirmala UI"/>
+        <a:font script="Osma" typeface="Ebrima"/>
+        <a:font script="Phag" typeface="Phagspa"/>
+        <a:font script="Syrn" typeface="Estrangelo Edessa"/>
+        <a:font script="Syrj" typeface="Estrangelo Edessa"/>
+        <a:font script="Syre" typeface="Estrangelo Edessa"/>
+        <a:font script="Sora" typeface="Nirmala UI"/>
+        <a:font script="Tale" typeface="Microsoft Tai Le"/>
+        <a:font script="Talu" typeface="Microsoft New Tai Lue"/>
+        <a:font script="Tfng" typeface="Ebrima"/>
+      </a:majorFont>
+      <a:minorFont>
+        <a:latin typeface="Calibri" panose="020F0502020204030204"/>
+        <a:ea typeface=""/>
+        <a:cs typeface=""/>
+        <a:font script="Jpan" typeface="游ゴシック"/>
+        <a:font script="Hang" typeface="맑은 고딕"/>
+        <a:font script="Hans" typeface="等线"/>
+        <a:font script="Hant" typeface="新細明體"/>
+        <a:font script="Arab" typeface="Arial"/>
+        <a:font script="Hebr" typeface="Arial"/>
+        <a:font script="Thai" typeface="Cordia New"/>
+        <a:font script="Ethi" typeface="Nyala"/>
+        <a:font script="Beng" typeface="Vrinda"/>
+        <a:font script="Gujr" typeface="Shruti"/>
+        <a:font script="Khmr" typeface="DaunPenh"/>
+        <a:font script="Knda" typeface="Tunga"/>
+        <a:font script="Guru" typeface="Raavi"/>
+        <a:font script="Cans" typeface="Euphemia"/>
+        <a:font script="Cher" typeface="Plantagenet Cherokee"/>
+        <a:font script="Yiii" typeface="Microsoft Yi Baiti"/>
+        <a:font script="Tibt" typeface="Microsoft Himalaya"/>
+        <a:font script="Thaa" typeface="MV Boli"/>
+        <a:font script="Deva" typeface="Mangal"/>
+        <a:font script="Telu" typeface="Gautami"/>
+        <a:font script="Taml" typeface="Latha"/>
+        <a:font script="Syrc" typeface="Estrangelo Edessa"/>
+        <a:font script="Orya" typeface="Kalinga"/>
+        <a:font script="Mlym" typeface="Kartika"/>
+        <a:font script="Laoo" typeface="DokChampa"/>
+        <a:font script="Sinh" typeface="Iskoola Pota"/>
+        <a:font script="Mong" typeface="Mongolian Baiti"/>
+        <a:font script="Viet" typeface="Arial"/>
+        <a:font script="Uigh" typeface="Microsoft Uighur"/>
+        <a:font script="Geor" typeface="Sylfaen"/>
+        <a:font script="Armn" typeface="Arial"/>
+        <a:font script="Bugi" typeface="Leelawadee UI"/>
+        <a:font script="Bopo" typeface="Microsoft JhengHei"/>
+        <a:font script="Java" typeface="Javanese Text"/>
+        <a:font script="Lisu" typeface="Segoe UI"/>
+        <a:font script="Mymr" typeface="Myanmar Text"/>
+        <a:font script="Nkoo" typeface="Ebrima"/>
+        <a:font script="Olck" typeface="Nirmala UI"/>
+        <a:font script="Osma" typeface="Ebrima"/>
+        <a:font script="Phag" typeface="Phagspa"/>
+        <a:font script="Syrn" typeface="Estrangelo Edessa"/>
+        <a:font script="Syrj" typeface="Estrangelo Edessa"/>
+        <a:font script="Syre" typeface="Estrangelo Edessa"/>
+        <a:font script="Sora" typeface="Nirmala UI"/>
+        <a:font script="Tale" typeface="Microsoft Tai Le"/>
+        <a:font script="Talu" typeface="Microsoft New Tai Lue"/>
+        <a:font script="Tfng" typeface="Ebrima"/>
+      </a:minorFont>
+    </a:fontScheme>
+    <a:fmtScheme name="Office">
+      <a:fillStyleLst>
+        <a:solidFill>
+          <a:schemeClr val="phClr"/>
+        </a:solidFill>
+        <a:gradFill rotWithShape="1">
+          <a:gsLst>
+            <a:gs pos="0">
+              <a:schemeClr val="phClr">
+                <a:lumMod val="110000"/>
+                <a:satMod val="105000"/>
+                <a:tint val="67000"/>
+              </a:schemeClr>
+            </a:gs>
+            <a:gs pos="50000">
+              <a:schemeClr val="phClr">
+                <a:lumMod val="105000"/>
+                <a:satMod val="103000"/>
+                <a:tint val="73000"/>
+              </a:schemeClr>
+            </a:gs>
+            <a:gs pos="100000">
+              <a:schemeClr val="phClr">
+                <a:lumMod val="105000"/>
+                <a:satMod val="109000"/>
+                <a:tint val="81000"/>
+              </a:schemeClr>
+            </a:gs>
+          </a:gsLst>
+          <a:lin ang="5400000" scaled="0"/>
+        </a:gradFill>
+        <a:gradFill rotWithShape="1">
+          <a:gsLst>
+            <a:gs pos="0">
+              <a:schemeClr val="phClr">
+                <a:satMod val="103000"/>
+                <a:lumMod val="102000"/>
+                <a:tint val="94000"/>
+              </a:schemeClr>
+            </a:gs>
+            <a:gs pos="50000">
+              <a:schemeClr val="phClr">
+                <a:satMod val="110000"/>
+                <a:lumMod val="100000"/>
+                <a:shade val="100000"/>
+              </a:schemeClr>
+            </a:gs>
+            <a:gs pos="100000">
+              <a:schemeClr val="phClr">
+                <a:lumMod val="99000"/>
+                <a:satMod val="120000"/>
+                <a:shade val="78000"/>
+              </a:schemeClr>
+            </a:gs>
+          </a:gsLst>
+          <a:lin ang="5400000" scaled="0"/>
+        </a:gradFill>
+      </a:fillStyleLst>
+      <a:lnStyleLst>
+        <a:ln w="6350" cap="flat" cmpd="sng" algn="ctr">
+          <a:solidFill>
+            <a:schemeClr val="phClr"/>
+          </a:solidFill>
+          <a:prstDash val="solid"/>
+          <a:miter lim="800000"/>
+        </a:ln>
+        <a:ln w="12700" cap="flat" cmpd="sng" algn="ctr">
+          <a:solidFill>
+            <a:schemeClr val="phClr"/>
+          </a:solidFill>
+          <a:prstDash val="solid"/>
+          <a:miter lim="800000"/>
+        </a:ln>
+        <a:ln w="19050" cap="flat" cmpd="sng" algn="ctr">
+          <a:solidFill>
+            <a:schemeClr val="phClr"/>
+          </a:solidFill>
+          <a:prstDash val="solid"/>
+          <a:miter lim="800000"/>
+        </a:ln>
+      </a:lnStyleLst>
+      <a:effectStyleLst>
+        <a:effectStyle>
+          <a:effectLst/>
+        </a:effectStyle>
+        <a:effectStyle>
+          <a:effectLst/>
+        </a:effectStyle>
+        <a:effectStyle>
+          <a:effectLst>
+            <a:outerShdw blurRad="57150" dist="19050" dir="5400000" algn="ctr" rotWithShape="0">
+              <a:srgbClr val="000000">
+                <a:alpha val="63000"/>
+              </a:srgbClr>
+            </a:outerShdw>
+          </a:effectLst>
+        </a:effectStyle>
+      </a:effectStyleLst>
+      <a:bgFillStyleLst>
+        <a:solidFill>
+          <a:schemeClr val="phClr"/>
+        </a:solidFill>
+        <a:solidFill>
+          <a:schemeClr val="phClr">
+            <a:tint val="95000"/>
+            <a:satMod val="170000"/>
+          </a:schemeClr>
+        </a:solidFill>
+        <a:gradFill rotWithShape="1">
+          <a:gsLst>
+            <a:gs pos="0">
+              <a:schemeClr val="phClr">
+                <a:tint val="93000"/>
+                <a:satMod val="150000"/>
+                <a:shade val="98000"/>
+                <a:lumMod val="102000"/>
+              </a:schemeClr>
+            </a:gs>
+            <a:gs pos="50000">
+              <a:schemeClr val="phClr">
+                <a:tint val="98000"/>
+                <a:satMod val="130000"/>
+                <a:shade val="90000"/>
+                <a:lumMod val="103000"/>
+              </a:schemeClr>
+            </a:gs>
+            <a:gs pos="100000">
+              <a:schemeClr val="phClr">
+                <a:shade val="63000"/>
+                <a:satMod val="120000"/>
+              </a:schemeClr>
+            </a:gs>
+          </a:gsLst>
+          <a:lin ang="5400000" scaled="0"/>
+        </a:gradFill>
+      </a:bgFillStyleLst>
+    </a:fmtScheme>
+  </a:themeElements>
+  <a:objectDefaults/>
+  <a:extraClrSchemeLst/>
+  <a:extLst>
+    <a:ext uri="{05A4C25C-085E-4340-85A3-A5531E510DB2}">
+      <thm15:themeFamily xmlns:thm15="http://schemas.microsoft.com/office/thememl/2012/main" name="Office Theme" id="{62F939B6-93AF-4DB8-9C6B-D6C7DFDC589F}" vid="{4A3C46E8-61CC-4603-A589-7422A47A8E4A}"/>
+    </a:ext>
+  </a:extLst>
+</a:theme>
 </file>